--- a/figures/model_figures.pptx
+++ b/figures/model_figures.pptx
@@ -278,7 +278,7 @@
           <a:p>
             <a:fld id="{14AB990E-AD98-CD44-AFF8-DD4A87834CE8}" type="datetimeFigureOut">
               <a:rPr lang="en-US" smtClean="0"/>
-              <a:t>10/24/16</a:t>
+              <a:t>9/18/17</a:t>
             </a:fld>
             <a:endParaRPr lang="en-US"/>
           </a:p>
@@ -448,7 +448,7 @@
           <a:p>
             <a:fld id="{14AB990E-AD98-CD44-AFF8-DD4A87834CE8}" type="datetimeFigureOut">
               <a:rPr lang="en-US" smtClean="0"/>
-              <a:t>10/24/16</a:t>
+              <a:t>9/18/17</a:t>
             </a:fld>
             <a:endParaRPr lang="en-US"/>
           </a:p>
@@ -628,7 +628,7 @@
           <a:p>
             <a:fld id="{14AB990E-AD98-CD44-AFF8-DD4A87834CE8}" type="datetimeFigureOut">
               <a:rPr lang="en-US" smtClean="0"/>
-              <a:t>10/24/16</a:t>
+              <a:t>9/18/17</a:t>
             </a:fld>
             <a:endParaRPr lang="en-US"/>
           </a:p>
@@ -798,7 +798,7 @@
           <a:p>
             <a:fld id="{14AB990E-AD98-CD44-AFF8-DD4A87834CE8}" type="datetimeFigureOut">
               <a:rPr lang="en-US" smtClean="0"/>
-              <a:t>10/24/16</a:t>
+              <a:t>9/18/17</a:t>
             </a:fld>
             <a:endParaRPr lang="en-US"/>
           </a:p>
@@ -1044,7 +1044,7 @@
           <a:p>
             <a:fld id="{14AB990E-AD98-CD44-AFF8-DD4A87834CE8}" type="datetimeFigureOut">
               <a:rPr lang="en-US" smtClean="0"/>
-              <a:t>10/24/16</a:t>
+              <a:t>9/18/17</a:t>
             </a:fld>
             <a:endParaRPr lang="en-US"/>
           </a:p>
@@ -1276,7 +1276,7 @@
           <a:p>
             <a:fld id="{14AB990E-AD98-CD44-AFF8-DD4A87834CE8}" type="datetimeFigureOut">
               <a:rPr lang="en-US" smtClean="0"/>
-              <a:t>10/24/16</a:t>
+              <a:t>9/18/17</a:t>
             </a:fld>
             <a:endParaRPr lang="en-US"/>
           </a:p>
@@ -1643,7 +1643,7 @@
           <a:p>
             <a:fld id="{14AB990E-AD98-CD44-AFF8-DD4A87834CE8}" type="datetimeFigureOut">
               <a:rPr lang="en-US" smtClean="0"/>
-              <a:t>10/24/16</a:t>
+              <a:t>9/18/17</a:t>
             </a:fld>
             <a:endParaRPr lang="en-US"/>
           </a:p>
@@ -1761,7 +1761,7 @@
           <a:p>
             <a:fld id="{14AB990E-AD98-CD44-AFF8-DD4A87834CE8}" type="datetimeFigureOut">
               <a:rPr lang="en-US" smtClean="0"/>
-              <a:t>10/24/16</a:t>
+              <a:t>9/18/17</a:t>
             </a:fld>
             <a:endParaRPr lang="en-US"/>
           </a:p>
@@ -1856,7 +1856,7 @@
           <a:p>
             <a:fld id="{14AB990E-AD98-CD44-AFF8-DD4A87834CE8}" type="datetimeFigureOut">
               <a:rPr lang="en-US" smtClean="0"/>
-              <a:t>10/24/16</a:t>
+              <a:t>9/18/17</a:t>
             </a:fld>
             <a:endParaRPr lang="en-US"/>
           </a:p>
@@ -2133,7 +2133,7 @@
           <a:p>
             <a:fld id="{14AB990E-AD98-CD44-AFF8-DD4A87834CE8}" type="datetimeFigureOut">
               <a:rPr lang="en-US" smtClean="0"/>
-              <a:t>10/24/16</a:t>
+              <a:t>9/18/17</a:t>
             </a:fld>
             <a:endParaRPr lang="en-US"/>
           </a:p>
@@ -2386,7 +2386,7 @@
           <a:p>
             <a:fld id="{14AB990E-AD98-CD44-AFF8-DD4A87834CE8}" type="datetimeFigureOut">
               <a:rPr lang="en-US" smtClean="0"/>
-              <a:t>10/24/16</a:t>
+              <a:t>9/18/17</a:t>
             </a:fld>
             <a:endParaRPr lang="en-US"/>
           </a:p>
@@ -2599,7 +2599,7 @@
           <a:p>
             <a:fld id="{14AB990E-AD98-CD44-AFF8-DD4A87834CE8}" type="datetimeFigureOut">
               <a:rPr lang="en-US" smtClean="0"/>
-              <a:t>10/24/16</a:t>
+              <a:t>9/18/17</a:t>
             </a:fld>
             <a:endParaRPr lang="en-US"/>
           </a:p>
@@ -3012,10 +3012,10 @@
         </p:nvGrpSpPr>
         <p:grpSpPr>
           <a:xfrm>
-            <a:off x="2011948" y="1400505"/>
-            <a:ext cx="7937370" cy="2958077"/>
+            <a:off x="589548" y="762000"/>
+            <a:ext cx="10827752" cy="4368260"/>
             <a:chOff x="2011948" y="1400505"/>
-            <a:chExt cx="7937370" cy="2958077"/>
+            <a:chExt cx="7937370" cy="2956031"/>
           </a:xfrm>
         </p:grpSpPr>
         <p:cxnSp>
@@ -3375,8 +3375,8 @@
             </a:fontRef>
           </p:style>
         </p:cxnSp>
-        <mc:AlternateContent xmlns:mc="http://schemas.openxmlformats.org/markup-compatibility/2006" xmlns:a14="http://schemas.microsoft.com/office/drawing/2010/main">
-          <mc:Choice Requires="a14">
+        <mc:AlternateContent xmlns:mc="http://schemas.openxmlformats.org/markup-compatibility/2006">
+          <mc:Choice xmlns:a14="http://schemas.microsoft.com/office/drawing/2010/main" Requires="a14">
             <p:sp>
               <p:nvSpPr>
                 <p:cNvPr id="31" name="TextBox 30"/>
@@ -3385,7 +3385,7 @@
               </p:nvSpPr>
               <p:spPr>
                 <a:xfrm>
-                  <a:off x="5041145" y="1547458"/>
+                  <a:off x="5149154" y="1555183"/>
                   <a:ext cx="329642" cy="307777"/>
                 </a:xfrm>
                 <a:prstGeom prst="rect">
@@ -3452,7 +3452,7 @@
               </p:txBody>
             </p:sp>
           </mc:Choice>
-          <mc:Fallback xmlns="">
+          <mc:Fallback>
             <p:sp>
               <p:nvSpPr>
                 <p:cNvPr id="31" name="TextBox 30"/>
@@ -3463,7 +3463,7 @@
               </p:nvSpPr>
               <p:spPr>
                 <a:xfrm>
-                  <a:off x="5041145" y="1547458"/>
+                  <a:off x="5149154" y="1555183"/>
                   <a:ext cx="329642" cy="307777"/>
                 </a:xfrm>
                 <a:prstGeom prst="rect">
@@ -3472,7 +3472,7 @@
                 <a:blipFill rotWithShape="0">
                   <a:blip r:embed="rId2"/>
                   <a:stretch>
-                    <a:fillRect l="-20370" r="-3704" b="-14000"/>
+                    <a:fillRect l="-1351"/>
                   </a:stretch>
                 </a:blipFill>
               </p:spPr>
@@ -3491,8 +3491,8 @@
             </p:sp>
           </mc:Fallback>
         </mc:AlternateContent>
-        <mc:AlternateContent xmlns:mc="http://schemas.openxmlformats.org/markup-compatibility/2006" xmlns:a14="http://schemas.microsoft.com/office/drawing/2010/main">
-          <mc:Choice Requires="a14">
+        <mc:AlternateContent xmlns:mc="http://schemas.openxmlformats.org/markup-compatibility/2006">
+          <mc:Choice xmlns:a14="http://schemas.microsoft.com/office/drawing/2010/main" Requires="a14">
             <p:sp>
               <p:nvSpPr>
                 <p:cNvPr id="32" name="TextBox 31"/>
@@ -3501,7 +3501,7 @@
               </p:nvSpPr>
               <p:spPr>
                 <a:xfrm>
-                  <a:off x="6393481" y="1547458"/>
+                  <a:off x="6354159" y="1556010"/>
                   <a:ext cx="329642" cy="307777"/>
                 </a:xfrm>
                 <a:prstGeom prst="rect">
@@ -3568,7 +3568,7 @@
               </p:txBody>
             </p:sp>
           </mc:Choice>
-          <mc:Fallback xmlns="">
+          <mc:Fallback>
             <p:sp>
               <p:nvSpPr>
                 <p:cNvPr id="32" name="TextBox 31"/>
@@ -3579,7 +3579,7 @@
               </p:nvSpPr>
               <p:spPr>
                 <a:xfrm>
-                  <a:off x="6393481" y="1547458"/>
+                  <a:off x="6354159" y="1556010"/>
                   <a:ext cx="329642" cy="307777"/>
                 </a:xfrm>
                 <a:prstGeom prst="rect">
@@ -3588,7 +3588,7 @@
                 <a:blipFill rotWithShape="0">
                   <a:blip r:embed="rId3"/>
                   <a:stretch>
-                    <a:fillRect l="-20370" r="-9259" b="-18000"/>
+                    <a:fillRect/>
                   </a:stretch>
                 </a:blipFill>
               </p:spPr>
@@ -3737,7 +3737,7 @@
           <p:spPr>
             <a:xfrm>
               <a:off x="5805680" y="1434665"/>
-              <a:ext cx="223284" cy="400110"/>
+              <a:ext cx="223284" cy="270757"/>
             </a:xfrm>
             <a:prstGeom prst="rect">
               <a:avLst/>
@@ -3752,10 +3752,18 @@
             <a:p>
               <a:pPr algn="ctr"/>
               <a:r>
-                <a:rPr lang="en-US" sz="2000" dirty="0" smtClean="0"/>
+                <a:rPr lang="en-US" sz="2000" dirty="0" smtClean="0">
+                  <a:latin typeface="Cambria Math" charset="0"/>
+                  <a:ea typeface="Cambria Math" charset="0"/>
+                  <a:cs typeface="Cambria Math" charset="0"/>
+                </a:rPr>
                 <a:t>0</a:t>
               </a:r>
-              <a:endParaRPr lang="en-US" sz="2000" dirty="0"/>
+              <a:endParaRPr lang="en-US" sz="2000" dirty="0">
+                <a:latin typeface="Cambria Math" charset="0"/>
+                <a:ea typeface="Cambria Math" charset="0"/>
+                <a:cs typeface="Cambria Math" charset="0"/>
+              </a:endParaRPr>
             </a:p>
           </p:txBody>
         </p:sp>
@@ -3768,7 +3776,7 @@
           <p:spPr>
             <a:xfrm>
               <a:off x="6446690" y="2040168"/>
-              <a:ext cx="223284" cy="400110"/>
+              <a:ext cx="223284" cy="270757"/>
             </a:xfrm>
             <a:prstGeom prst="rect">
               <a:avLst/>
@@ -3783,10 +3791,18 @@
             <a:p>
               <a:pPr algn="ctr"/>
               <a:r>
-                <a:rPr lang="en-US" sz="2000" dirty="0" smtClean="0"/>
+                <a:rPr lang="en-US" sz="2000" dirty="0" smtClean="0">
+                  <a:latin typeface="Cambria Math" charset="0"/>
+                  <a:ea typeface="Cambria Math" charset="0"/>
+                  <a:cs typeface="Cambria Math" charset="0"/>
+                </a:rPr>
                 <a:t>1</a:t>
               </a:r>
-              <a:endParaRPr lang="en-US" sz="2000" dirty="0"/>
+              <a:endParaRPr lang="en-US" sz="2000" dirty="0">
+                <a:latin typeface="Cambria Math" charset="0"/>
+                <a:ea typeface="Cambria Math" charset="0"/>
+                <a:cs typeface="Cambria Math" charset="0"/>
+              </a:endParaRPr>
             </a:p>
           </p:txBody>
         </p:sp>
@@ -3799,7 +3815,7 @@
           <p:spPr>
             <a:xfrm>
               <a:off x="7072638" y="2689915"/>
-              <a:ext cx="223284" cy="400110"/>
+              <a:ext cx="223284" cy="270757"/>
             </a:xfrm>
             <a:prstGeom prst="rect">
               <a:avLst/>
@@ -3814,10 +3830,18 @@
             <a:p>
               <a:pPr algn="ctr"/>
               <a:r>
-                <a:rPr lang="en-US" sz="2000" dirty="0" smtClean="0"/>
+                <a:rPr lang="en-US" sz="2000" dirty="0" smtClean="0">
+                  <a:latin typeface="Cambria Math" charset="0"/>
+                  <a:ea typeface="Cambria Math" charset="0"/>
+                  <a:cs typeface="Cambria Math" charset="0"/>
+                </a:rPr>
                 <a:t>2</a:t>
               </a:r>
-              <a:endParaRPr lang="en-US" sz="2000" dirty="0"/>
+              <a:endParaRPr lang="en-US" sz="2000" dirty="0">
+                <a:latin typeface="Cambria Math" charset="0"/>
+                <a:ea typeface="Cambria Math" charset="0"/>
+                <a:cs typeface="Cambria Math" charset="0"/>
+              </a:endParaRPr>
             </a:p>
           </p:txBody>
         </p:sp>
@@ -3830,7 +3854,7 @@
           <p:spPr>
             <a:xfrm>
               <a:off x="6295696" y="3431632"/>
-              <a:ext cx="223284" cy="400110"/>
+              <a:ext cx="223284" cy="270757"/>
             </a:xfrm>
             <a:prstGeom prst="rect">
               <a:avLst/>
@@ -3845,10 +3869,18 @@
             <a:p>
               <a:pPr algn="ctr"/>
               <a:r>
-                <a:rPr lang="en-US" sz="2000" dirty="0" smtClean="0"/>
+                <a:rPr lang="en-US" sz="2000" dirty="0" smtClean="0">
+                  <a:latin typeface="Cambria Math" charset="0"/>
+                  <a:ea typeface="Cambria Math" charset="0"/>
+                  <a:cs typeface="Cambria Math" charset="0"/>
+                </a:rPr>
                 <a:t>3</a:t>
               </a:r>
-              <a:endParaRPr lang="en-US" sz="2000" dirty="0"/>
+              <a:endParaRPr lang="en-US" sz="2000" dirty="0">
+                <a:latin typeface="Cambria Math" charset="0"/>
+                <a:ea typeface="Cambria Math" charset="0"/>
+                <a:cs typeface="Cambria Math" charset="0"/>
+              </a:endParaRPr>
             </a:p>
           </p:txBody>
         </p:sp>
@@ -4457,7 +4489,7 @@
           <p:spPr>
             <a:xfrm>
               <a:off x="5749861" y="3958472"/>
-              <a:ext cx="223284" cy="400110"/>
+              <a:ext cx="223284" cy="270757"/>
             </a:xfrm>
             <a:prstGeom prst="rect">
               <a:avLst/>
@@ -4472,10 +4504,18 @@
             <a:p>
               <a:pPr algn="ctr"/>
               <a:r>
-                <a:rPr lang="en-US" sz="2000" dirty="0" smtClean="0"/>
+                <a:rPr lang="en-US" sz="2000" dirty="0" smtClean="0">
+                  <a:latin typeface="Cambria Math" charset="0"/>
+                  <a:ea typeface="Cambria Math" charset="0"/>
+                  <a:cs typeface="Cambria Math" charset="0"/>
+                </a:rPr>
                 <a:t>4</a:t>
               </a:r>
-              <a:endParaRPr lang="en-US" sz="2000" dirty="0"/>
+              <a:endParaRPr lang="en-US" sz="2000" dirty="0">
+                <a:latin typeface="Cambria Math" charset="0"/>
+                <a:ea typeface="Cambria Math" charset="0"/>
+                <a:cs typeface="Cambria Math" charset="0"/>
+              </a:endParaRPr>
             </a:p>
           </p:txBody>
         </p:sp>
@@ -4656,6 +4696,586 @@
           </mc:Fallback>
         </mc:AlternateContent>
       </p:grpSp>
+      <mc:AlternateContent xmlns:mc="http://schemas.openxmlformats.org/markup-compatibility/2006">
+        <mc:Choice xmlns:a14="http://schemas.microsoft.com/office/drawing/2010/main" Requires="a14">
+          <p:sp>
+            <p:nvSpPr>
+              <p:cNvPr id="3" name="TextBox 2"/>
+              <p:cNvSpPr txBox="1"/>
+              <p:nvPr/>
+            </p:nvSpPr>
+            <p:spPr>
+              <a:xfrm>
+                <a:off x="6108475" y="681716"/>
+                <a:ext cx="685800" cy="369332"/>
+              </a:xfrm>
+              <a:prstGeom prst="rect">
+                <a:avLst/>
+              </a:prstGeom>
+              <a:noFill/>
+            </p:spPr>
+            <p:txBody>
+              <a:bodyPr wrap="square" rtlCol="0">
+                <a:spAutoFit/>
+              </a:bodyPr>
+              <a:lstStyle/>
+              <a:p>
+                <a:pPr algn="ctr"/>
+                <a14:m>
+                  <m:oMath xmlns:m="http://schemas.openxmlformats.org/officeDocument/2006/math">
+                    <m:sSub>
+                      <m:sSubPr>
+                        <m:ctrlPr>
+                          <a:rPr lang="en-US" b="0" i="1" smtClean="0">
+                            <a:latin typeface="Cambria Math" charset="0"/>
+                            <a:ea typeface="Cambria Math" charset="0"/>
+                            <a:cs typeface="Cambria Math" charset="0"/>
+                          </a:rPr>
+                        </m:ctrlPr>
+                      </m:sSubPr>
+                      <m:e>
+                        <m:r>
+                          <a:rPr lang="en-US" b="0" i="1" smtClean="0">
+                            <a:latin typeface="Cambria Math" charset="0"/>
+                            <a:ea typeface="Cambria Math" charset="0"/>
+                            <a:cs typeface="Cambria Math" charset="0"/>
+                          </a:rPr>
+                          <m:t>𝑙</m:t>
+                        </m:r>
+                      </m:e>
+                      <m:sub>
+                        <m:r>
+                          <a:rPr lang="en-US" b="0" i="1" smtClean="0">
+                            <a:latin typeface="Cambria Math" charset="0"/>
+                            <a:ea typeface="Cambria Math" charset="0"/>
+                            <a:cs typeface="Cambria Math" charset="0"/>
+                          </a:rPr>
+                          <m:t>0</m:t>
+                        </m:r>
+                      </m:sub>
+                    </m:sSub>
+                  </m:oMath>
+                </a14:m>
+                <a:r>
+                  <a:rPr lang="en-US" dirty="0" smtClean="0">
+                    <a:latin typeface="Cambria Math" charset="0"/>
+                    <a:ea typeface="Cambria Math" charset="0"/>
+                    <a:cs typeface="Cambria Math" charset="0"/>
+                  </a:rPr>
+                  <a:t>=0</a:t>
+                </a:r>
+                <a:endParaRPr lang="en-US" dirty="0">
+                  <a:latin typeface="Cambria Math" charset="0"/>
+                  <a:ea typeface="Cambria Math" charset="0"/>
+                  <a:cs typeface="Cambria Math" charset="0"/>
+                </a:endParaRPr>
+              </a:p>
+            </p:txBody>
+          </p:sp>
+        </mc:Choice>
+        <mc:Fallback>
+          <p:sp>
+            <p:nvSpPr>
+              <p:cNvPr id="3" name="TextBox 2"/>
+              <p:cNvSpPr txBox="1">
+                <a:spLocks noRot="1" noChangeAspect="1" noMove="1" noResize="1" noEditPoints="1" noAdjustHandles="1" noChangeArrowheads="1" noChangeShapeType="1" noTextEdit="1"/>
+              </p:cNvSpPr>
+              <p:nvPr/>
+            </p:nvSpPr>
+            <p:spPr>
+              <a:xfrm>
+                <a:off x="6108475" y="681716"/>
+                <a:ext cx="685800" cy="369332"/>
+              </a:xfrm>
+              <a:prstGeom prst="rect">
+                <a:avLst/>
+              </a:prstGeom>
+              <a:blipFill rotWithShape="0">
+                <a:blip r:embed="rId10"/>
+                <a:stretch>
+                  <a:fillRect t="-11667" r="-5310" b="-25000"/>
+                </a:stretch>
+              </a:blipFill>
+            </p:spPr>
+            <p:txBody>
+              <a:bodyPr/>
+              <a:lstStyle/>
+              <a:p>
+                <a:r>
+                  <a:rPr lang="en-US">
+                    <a:noFill/>
+                  </a:rPr>
+                  <a:t> </a:t>
+                </a:r>
+              </a:p>
+            </p:txBody>
+          </p:sp>
+        </mc:Fallback>
+      </mc:AlternateContent>
+      <mc:AlternateContent xmlns:mc="http://schemas.openxmlformats.org/markup-compatibility/2006">
+        <mc:Choice xmlns:a14="http://schemas.microsoft.com/office/drawing/2010/main" Requires="a14">
+          <p:sp>
+            <p:nvSpPr>
+              <p:cNvPr id="50" name="TextBox 49"/>
+              <p:cNvSpPr txBox="1"/>
+              <p:nvPr/>
+            </p:nvSpPr>
+            <p:spPr>
+              <a:xfrm>
+                <a:off x="6964208" y="1606932"/>
+                <a:ext cx="685800" cy="369332"/>
+              </a:xfrm>
+              <a:prstGeom prst="rect">
+                <a:avLst/>
+              </a:prstGeom>
+              <a:noFill/>
+            </p:spPr>
+            <p:txBody>
+              <a:bodyPr wrap="square" rtlCol="0">
+                <a:spAutoFit/>
+              </a:bodyPr>
+              <a:lstStyle/>
+              <a:p>
+                <a:pPr algn="ctr"/>
+                <a14:m>
+                  <m:oMath xmlns:m="http://schemas.openxmlformats.org/officeDocument/2006/math">
+                    <m:sSub>
+                      <m:sSubPr>
+                        <m:ctrlPr>
+                          <a:rPr lang="en-US" b="0" i="1" smtClean="0">
+                            <a:latin typeface="Cambria Math" charset="0"/>
+                            <a:ea typeface="Cambria Math" charset="0"/>
+                            <a:cs typeface="Cambria Math" charset="0"/>
+                          </a:rPr>
+                        </m:ctrlPr>
+                      </m:sSubPr>
+                      <m:e>
+                        <m:r>
+                          <a:rPr lang="en-US" b="0" i="1" smtClean="0">
+                            <a:latin typeface="Cambria Math" charset="0"/>
+                            <a:ea typeface="Cambria Math" charset="0"/>
+                            <a:cs typeface="Cambria Math" charset="0"/>
+                          </a:rPr>
+                          <m:t>𝑙</m:t>
+                        </m:r>
+                      </m:e>
+                      <m:sub>
+                        <m:r>
+                          <a:rPr lang="en-US" b="0" i="1" smtClean="0">
+                            <a:latin typeface="Cambria Math" charset="0"/>
+                            <a:ea typeface="Cambria Math" charset="0"/>
+                            <a:cs typeface="Cambria Math" charset="0"/>
+                          </a:rPr>
+                          <m:t>1</m:t>
+                        </m:r>
+                      </m:sub>
+                    </m:sSub>
+                  </m:oMath>
+                </a14:m>
+                <a:r>
+                  <a:rPr lang="en-US" dirty="0" smtClean="0">
+                    <a:latin typeface="Cambria Math" charset="0"/>
+                    <a:ea typeface="Cambria Math" charset="0"/>
+                    <a:cs typeface="Cambria Math" charset="0"/>
+                  </a:rPr>
+                  <a:t>=1</a:t>
+                </a:r>
+                <a:endParaRPr lang="en-US" dirty="0">
+                  <a:latin typeface="Cambria Math" charset="0"/>
+                  <a:ea typeface="Cambria Math" charset="0"/>
+                  <a:cs typeface="Cambria Math" charset="0"/>
+                </a:endParaRPr>
+              </a:p>
+            </p:txBody>
+          </p:sp>
+        </mc:Choice>
+        <mc:Fallback>
+          <p:sp>
+            <p:nvSpPr>
+              <p:cNvPr id="50" name="TextBox 49"/>
+              <p:cNvSpPr txBox="1">
+                <a:spLocks noRot="1" noChangeAspect="1" noMove="1" noResize="1" noEditPoints="1" noAdjustHandles="1" noChangeArrowheads="1" noChangeShapeType="1" noTextEdit="1"/>
+              </p:cNvSpPr>
+              <p:nvPr/>
+            </p:nvSpPr>
+            <p:spPr>
+              <a:xfrm>
+                <a:off x="6964208" y="1606932"/>
+                <a:ext cx="685800" cy="369332"/>
+              </a:xfrm>
+              <a:prstGeom prst="rect">
+                <a:avLst/>
+              </a:prstGeom>
+              <a:blipFill rotWithShape="0">
+                <a:blip r:embed="rId11"/>
+                <a:stretch>
+                  <a:fillRect t="-11667" r="-4425" b="-25000"/>
+                </a:stretch>
+              </a:blipFill>
+            </p:spPr>
+            <p:txBody>
+              <a:bodyPr/>
+              <a:lstStyle/>
+              <a:p>
+                <a:r>
+                  <a:rPr lang="en-US">
+                    <a:noFill/>
+                  </a:rPr>
+                  <a:t> </a:t>
+                </a:r>
+              </a:p>
+            </p:txBody>
+          </p:sp>
+        </mc:Fallback>
+      </mc:AlternateContent>
+      <mc:AlternateContent xmlns:mc="http://schemas.openxmlformats.org/markup-compatibility/2006">
+        <mc:Choice xmlns:a14="http://schemas.microsoft.com/office/drawing/2010/main" Requires="a14">
+          <p:sp>
+            <p:nvSpPr>
+              <p:cNvPr id="51" name="TextBox 50"/>
+              <p:cNvSpPr txBox="1"/>
+              <p:nvPr/>
+            </p:nvSpPr>
+            <p:spPr>
+              <a:xfrm>
+                <a:off x="7799232" y="2520539"/>
+                <a:ext cx="685800" cy="369332"/>
+              </a:xfrm>
+              <a:prstGeom prst="rect">
+                <a:avLst/>
+              </a:prstGeom>
+              <a:noFill/>
+            </p:spPr>
+            <p:txBody>
+              <a:bodyPr wrap="square" rtlCol="0">
+                <a:spAutoFit/>
+              </a:bodyPr>
+              <a:lstStyle/>
+              <a:p>
+                <a:pPr algn="ctr"/>
+                <a14:m>
+                  <m:oMath xmlns:m="http://schemas.openxmlformats.org/officeDocument/2006/math">
+                    <m:sSub>
+                      <m:sSubPr>
+                        <m:ctrlPr>
+                          <a:rPr lang="en-US" b="0" i="1" smtClean="0">
+                            <a:latin typeface="Cambria Math" charset="0"/>
+                            <a:ea typeface="Cambria Math" charset="0"/>
+                            <a:cs typeface="Cambria Math" charset="0"/>
+                          </a:rPr>
+                        </m:ctrlPr>
+                      </m:sSubPr>
+                      <m:e>
+                        <m:r>
+                          <a:rPr lang="en-US" b="0" i="1" smtClean="0">
+                            <a:latin typeface="Cambria Math" charset="0"/>
+                            <a:ea typeface="Cambria Math" charset="0"/>
+                            <a:cs typeface="Cambria Math" charset="0"/>
+                          </a:rPr>
+                          <m:t>𝑙</m:t>
+                        </m:r>
+                      </m:e>
+                      <m:sub>
+                        <m:r>
+                          <a:rPr lang="en-US" b="0" i="1" smtClean="0">
+                            <a:latin typeface="Cambria Math" charset="0"/>
+                            <a:ea typeface="Cambria Math" charset="0"/>
+                            <a:cs typeface="Cambria Math" charset="0"/>
+                          </a:rPr>
+                          <m:t>2</m:t>
+                        </m:r>
+                      </m:sub>
+                    </m:sSub>
+                  </m:oMath>
+                </a14:m>
+                <a:r>
+                  <a:rPr lang="en-US" dirty="0" smtClean="0">
+                    <a:latin typeface="Cambria Math" charset="0"/>
+                    <a:ea typeface="Cambria Math" charset="0"/>
+                    <a:cs typeface="Cambria Math" charset="0"/>
+                  </a:rPr>
+                  <a:t>=2</a:t>
+                </a:r>
+                <a:endParaRPr lang="en-US" dirty="0">
+                  <a:latin typeface="Cambria Math" charset="0"/>
+                  <a:ea typeface="Cambria Math" charset="0"/>
+                  <a:cs typeface="Cambria Math" charset="0"/>
+                </a:endParaRPr>
+              </a:p>
+            </p:txBody>
+          </p:sp>
+        </mc:Choice>
+        <mc:Fallback>
+          <p:sp>
+            <p:nvSpPr>
+              <p:cNvPr id="51" name="TextBox 50"/>
+              <p:cNvSpPr txBox="1">
+                <a:spLocks noRot="1" noChangeAspect="1" noMove="1" noResize="1" noEditPoints="1" noAdjustHandles="1" noChangeArrowheads="1" noChangeShapeType="1" noTextEdit="1"/>
+              </p:cNvSpPr>
+              <p:nvPr/>
+            </p:nvSpPr>
+            <p:spPr>
+              <a:xfrm>
+                <a:off x="7799232" y="2520539"/>
+                <a:ext cx="685800" cy="369332"/>
+              </a:xfrm>
+              <a:prstGeom prst="rect">
+                <a:avLst/>
+              </a:prstGeom>
+              <a:blipFill rotWithShape="0">
+                <a:blip r:embed="rId12"/>
+                <a:stretch>
+                  <a:fillRect t="-9836" r="-5310" b="-22951"/>
+                </a:stretch>
+              </a:blipFill>
+            </p:spPr>
+            <p:txBody>
+              <a:bodyPr/>
+              <a:lstStyle/>
+              <a:p>
+                <a:r>
+                  <a:rPr lang="en-US">
+                    <a:noFill/>
+                  </a:rPr>
+                  <a:t> </a:t>
+                </a:r>
+              </a:p>
+            </p:txBody>
+          </p:sp>
+        </mc:Fallback>
+      </mc:AlternateContent>
+      <mc:AlternateContent xmlns:mc="http://schemas.openxmlformats.org/markup-compatibility/2006">
+        <mc:Choice xmlns:a14="http://schemas.microsoft.com/office/drawing/2010/main" Requires="a14">
+          <p:sp>
+            <p:nvSpPr>
+              <p:cNvPr id="54" name="TextBox 53"/>
+              <p:cNvSpPr txBox="1"/>
+              <p:nvPr/>
+            </p:nvSpPr>
+            <p:spPr>
+              <a:xfrm>
+                <a:off x="6750206" y="3632090"/>
+                <a:ext cx="685800" cy="369332"/>
+              </a:xfrm>
+              <a:prstGeom prst="rect">
+                <a:avLst/>
+              </a:prstGeom>
+              <a:noFill/>
+            </p:spPr>
+            <p:txBody>
+              <a:bodyPr wrap="square" rtlCol="0">
+                <a:spAutoFit/>
+              </a:bodyPr>
+              <a:lstStyle/>
+              <a:p>
+                <a:pPr algn="ctr"/>
+                <a14:m>
+                  <m:oMath xmlns:m="http://schemas.openxmlformats.org/officeDocument/2006/math">
+                    <m:sSub>
+                      <m:sSubPr>
+                        <m:ctrlPr>
+                          <a:rPr lang="en-US" b="0" i="1" smtClean="0">
+                            <a:latin typeface="Cambria Math" charset="0"/>
+                            <a:ea typeface="Cambria Math" charset="0"/>
+                            <a:cs typeface="Cambria Math" charset="0"/>
+                          </a:rPr>
+                        </m:ctrlPr>
+                      </m:sSubPr>
+                      <m:e>
+                        <m:r>
+                          <a:rPr lang="en-US" b="0" i="1" smtClean="0">
+                            <a:latin typeface="Cambria Math" charset="0"/>
+                            <a:ea typeface="Cambria Math" charset="0"/>
+                            <a:cs typeface="Cambria Math" charset="0"/>
+                          </a:rPr>
+                          <m:t>𝑙</m:t>
+                        </m:r>
+                      </m:e>
+                      <m:sub>
+                        <m:r>
+                          <a:rPr lang="en-US" b="0" i="1" smtClean="0">
+                            <a:latin typeface="Cambria Math" charset="0"/>
+                            <a:ea typeface="Cambria Math" charset="0"/>
+                            <a:cs typeface="Cambria Math" charset="0"/>
+                          </a:rPr>
+                          <m:t>3</m:t>
+                        </m:r>
+                      </m:sub>
+                    </m:sSub>
+                  </m:oMath>
+                </a14:m>
+                <a:r>
+                  <a:rPr lang="en-US" dirty="0" smtClean="0">
+                    <a:latin typeface="Cambria Math" charset="0"/>
+                    <a:ea typeface="Cambria Math" charset="0"/>
+                    <a:cs typeface="Cambria Math" charset="0"/>
+                  </a:rPr>
+                  <a:t>=3</a:t>
+                </a:r>
+                <a:endParaRPr lang="en-US" dirty="0">
+                  <a:latin typeface="Cambria Math" charset="0"/>
+                  <a:ea typeface="Cambria Math" charset="0"/>
+                  <a:cs typeface="Cambria Math" charset="0"/>
+                </a:endParaRPr>
+              </a:p>
+            </p:txBody>
+          </p:sp>
+        </mc:Choice>
+        <mc:Fallback>
+          <p:sp>
+            <p:nvSpPr>
+              <p:cNvPr id="54" name="TextBox 53"/>
+              <p:cNvSpPr txBox="1">
+                <a:spLocks noRot="1" noChangeAspect="1" noMove="1" noResize="1" noEditPoints="1" noAdjustHandles="1" noChangeArrowheads="1" noChangeShapeType="1" noTextEdit="1"/>
+              </p:cNvSpPr>
+              <p:nvPr/>
+            </p:nvSpPr>
+            <p:spPr>
+              <a:xfrm>
+                <a:off x="6750206" y="3632090"/>
+                <a:ext cx="685800" cy="369332"/>
+              </a:xfrm>
+              <a:prstGeom prst="rect">
+                <a:avLst/>
+              </a:prstGeom>
+              <a:blipFill rotWithShape="0">
+                <a:blip r:embed="rId13"/>
+                <a:stretch>
+                  <a:fillRect t="-11667" r="-5310" b="-25000"/>
+                </a:stretch>
+              </a:blipFill>
+            </p:spPr>
+            <p:txBody>
+              <a:bodyPr/>
+              <a:lstStyle/>
+              <a:p>
+                <a:r>
+                  <a:rPr lang="en-US">
+                    <a:noFill/>
+                  </a:rPr>
+                  <a:t> </a:t>
+                </a:r>
+              </a:p>
+            </p:txBody>
+          </p:sp>
+        </mc:Fallback>
+      </mc:AlternateContent>
+      <mc:AlternateContent xmlns:mc="http://schemas.openxmlformats.org/markup-compatibility/2006">
+        <mc:Choice xmlns:a14="http://schemas.microsoft.com/office/drawing/2010/main" Requires="a14">
+          <p:sp>
+            <p:nvSpPr>
+              <p:cNvPr id="55" name="TextBox 54"/>
+              <p:cNvSpPr txBox="1"/>
+              <p:nvPr/>
+            </p:nvSpPr>
+            <p:spPr>
+              <a:xfrm>
+                <a:off x="5982398" y="4415527"/>
+                <a:ext cx="685800" cy="369332"/>
+              </a:xfrm>
+              <a:prstGeom prst="rect">
+                <a:avLst/>
+              </a:prstGeom>
+              <a:noFill/>
+            </p:spPr>
+            <p:txBody>
+              <a:bodyPr wrap="square" rtlCol="0">
+                <a:spAutoFit/>
+              </a:bodyPr>
+              <a:lstStyle/>
+              <a:p>
+                <a:pPr algn="ctr"/>
+                <a14:m>
+                  <m:oMath xmlns:m="http://schemas.openxmlformats.org/officeDocument/2006/math">
+                    <m:sSub>
+                      <m:sSubPr>
+                        <m:ctrlPr>
+                          <a:rPr lang="en-US" b="0" i="1" smtClean="0">
+                            <a:latin typeface="Cambria Math" charset="0"/>
+                            <a:ea typeface="Cambria Math" charset="0"/>
+                            <a:cs typeface="Cambria Math" charset="0"/>
+                          </a:rPr>
+                        </m:ctrlPr>
+                      </m:sSubPr>
+                      <m:e>
+                        <m:r>
+                          <a:rPr lang="en-US" b="0" i="1" smtClean="0">
+                            <a:latin typeface="Cambria Math" charset="0"/>
+                            <a:ea typeface="Cambria Math" charset="0"/>
+                            <a:cs typeface="Cambria Math" charset="0"/>
+                          </a:rPr>
+                          <m:t>𝑙</m:t>
+                        </m:r>
+                      </m:e>
+                      <m:sub>
+                        <m:r>
+                          <a:rPr lang="en-US" b="0" i="1" smtClean="0">
+                            <a:latin typeface="Cambria Math" charset="0"/>
+                            <a:ea typeface="Cambria Math" charset="0"/>
+                            <a:cs typeface="Cambria Math" charset="0"/>
+                          </a:rPr>
+                          <m:t>4</m:t>
+                        </m:r>
+                      </m:sub>
+                    </m:sSub>
+                  </m:oMath>
+                </a14:m>
+                <a:r>
+                  <a:rPr lang="en-US" dirty="0" smtClean="0">
+                    <a:latin typeface="Cambria Math" charset="0"/>
+                    <a:ea typeface="Cambria Math" charset="0"/>
+                    <a:cs typeface="Cambria Math" charset="0"/>
+                  </a:rPr>
+                  <a:t>=3</a:t>
+                </a:r>
+                <a:endParaRPr lang="en-US" dirty="0">
+                  <a:latin typeface="Cambria Math" charset="0"/>
+                  <a:ea typeface="Cambria Math" charset="0"/>
+                  <a:cs typeface="Cambria Math" charset="0"/>
+                </a:endParaRPr>
+              </a:p>
+            </p:txBody>
+          </p:sp>
+        </mc:Choice>
+        <mc:Fallback>
+          <p:sp>
+            <p:nvSpPr>
+              <p:cNvPr id="55" name="TextBox 54"/>
+              <p:cNvSpPr txBox="1">
+                <a:spLocks noRot="1" noChangeAspect="1" noMove="1" noResize="1" noEditPoints="1" noAdjustHandles="1" noChangeArrowheads="1" noChangeShapeType="1" noTextEdit="1"/>
+              </p:cNvSpPr>
+              <p:nvPr/>
+            </p:nvSpPr>
+            <p:spPr>
+              <a:xfrm>
+                <a:off x="5982398" y="4415527"/>
+                <a:ext cx="685800" cy="369332"/>
+              </a:xfrm>
+              <a:prstGeom prst="rect">
+                <a:avLst/>
+              </a:prstGeom>
+              <a:blipFill rotWithShape="0">
+                <a:blip r:embed="rId14"/>
+                <a:stretch>
+                  <a:fillRect t="-9836" r="-5310" b="-22951"/>
+                </a:stretch>
+              </a:blipFill>
+            </p:spPr>
+            <p:txBody>
+              <a:bodyPr/>
+              <a:lstStyle/>
+              <a:p>
+                <a:r>
+                  <a:rPr lang="en-US">
+                    <a:noFill/>
+                  </a:rPr>
+                  <a:t> </a:t>
+                </a:r>
+              </a:p>
+            </p:txBody>
+          </p:sp>
+        </mc:Fallback>
+      </mc:AlternateContent>
     </p:spTree>
     <p:extLst>
       <p:ext uri="{BB962C8B-B14F-4D97-AF65-F5344CB8AC3E}">

--- a/figures/model_figures.pptx
+++ b/figures/model_figures.pptx
@@ -278,7 +278,7 @@
           <a:p>
             <a:fld id="{14AB990E-AD98-CD44-AFF8-DD4A87834CE8}" type="datetimeFigureOut">
               <a:rPr lang="en-US" smtClean="0"/>
-              <a:t>9/18/17</a:t>
+              <a:t>9/19/17</a:t>
             </a:fld>
             <a:endParaRPr lang="en-US"/>
           </a:p>
@@ -448,7 +448,7 @@
           <a:p>
             <a:fld id="{14AB990E-AD98-CD44-AFF8-DD4A87834CE8}" type="datetimeFigureOut">
               <a:rPr lang="en-US" smtClean="0"/>
-              <a:t>9/18/17</a:t>
+              <a:t>9/19/17</a:t>
             </a:fld>
             <a:endParaRPr lang="en-US"/>
           </a:p>
@@ -628,7 +628,7 @@
           <a:p>
             <a:fld id="{14AB990E-AD98-CD44-AFF8-DD4A87834CE8}" type="datetimeFigureOut">
               <a:rPr lang="en-US" smtClean="0"/>
-              <a:t>9/18/17</a:t>
+              <a:t>9/19/17</a:t>
             </a:fld>
             <a:endParaRPr lang="en-US"/>
           </a:p>
@@ -798,7 +798,7 @@
           <a:p>
             <a:fld id="{14AB990E-AD98-CD44-AFF8-DD4A87834CE8}" type="datetimeFigureOut">
               <a:rPr lang="en-US" smtClean="0"/>
-              <a:t>9/18/17</a:t>
+              <a:t>9/19/17</a:t>
             </a:fld>
             <a:endParaRPr lang="en-US"/>
           </a:p>
@@ -1044,7 +1044,7 @@
           <a:p>
             <a:fld id="{14AB990E-AD98-CD44-AFF8-DD4A87834CE8}" type="datetimeFigureOut">
               <a:rPr lang="en-US" smtClean="0"/>
-              <a:t>9/18/17</a:t>
+              <a:t>9/19/17</a:t>
             </a:fld>
             <a:endParaRPr lang="en-US"/>
           </a:p>
@@ -1276,7 +1276,7 @@
           <a:p>
             <a:fld id="{14AB990E-AD98-CD44-AFF8-DD4A87834CE8}" type="datetimeFigureOut">
               <a:rPr lang="en-US" smtClean="0"/>
-              <a:t>9/18/17</a:t>
+              <a:t>9/19/17</a:t>
             </a:fld>
             <a:endParaRPr lang="en-US"/>
           </a:p>
@@ -1643,7 +1643,7 @@
           <a:p>
             <a:fld id="{14AB990E-AD98-CD44-AFF8-DD4A87834CE8}" type="datetimeFigureOut">
               <a:rPr lang="en-US" smtClean="0"/>
-              <a:t>9/18/17</a:t>
+              <a:t>9/19/17</a:t>
             </a:fld>
             <a:endParaRPr lang="en-US"/>
           </a:p>
@@ -1761,7 +1761,7 @@
           <a:p>
             <a:fld id="{14AB990E-AD98-CD44-AFF8-DD4A87834CE8}" type="datetimeFigureOut">
               <a:rPr lang="en-US" smtClean="0"/>
-              <a:t>9/18/17</a:t>
+              <a:t>9/19/17</a:t>
             </a:fld>
             <a:endParaRPr lang="en-US"/>
           </a:p>
@@ -1856,7 +1856,7 @@
           <a:p>
             <a:fld id="{14AB990E-AD98-CD44-AFF8-DD4A87834CE8}" type="datetimeFigureOut">
               <a:rPr lang="en-US" smtClean="0"/>
-              <a:t>9/18/17</a:t>
+              <a:t>9/19/17</a:t>
             </a:fld>
             <a:endParaRPr lang="en-US"/>
           </a:p>
@@ -2133,7 +2133,7 @@
           <a:p>
             <a:fld id="{14AB990E-AD98-CD44-AFF8-DD4A87834CE8}" type="datetimeFigureOut">
               <a:rPr lang="en-US" smtClean="0"/>
-              <a:t>9/18/17</a:t>
+              <a:t>9/19/17</a:t>
             </a:fld>
             <a:endParaRPr lang="en-US"/>
           </a:p>
@@ -2386,7 +2386,7 @@
           <a:p>
             <a:fld id="{14AB990E-AD98-CD44-AFF8-DD4A87834CE8}" type="datetimeFigureOut">
               <a:rPr lang="en-US" smtClean="0"/>
-              <a:t>9/18/17</a:t>
+              <a:t>9/19/17</a:t>
             </a:fld>
             <a:endParaRPr lang="en-US"/>
           </a:p>
@@ -2599,7 +2599,7 @@
           <a:p>
             <a:fld id="{14AB990E-AD98-CD44-AFF8-DD4A87834CE8}" type="datetimeFigureOut">
               <a:rPr lang="en-US" smtClean="0"/>
-              <a:t>9/18/17</a:t>
+              <a:t>9/19/17</a:t>
             </a:fld>
             <a:endParaRPr lang="en-US"/>
           </a:p>
@@ -3006,387 +3006,1752 @@
       </p:grpSpPr>
       <p:grpSp>
         <p:nvGrpSpPr>
-          <p:cNvPr id="2" name="Group 1"/>
+          <p:cNvPr id="6" name="Group 5"/>
           <p:cNvGrpSpPr/>
           <p:nvPr/>
         </p:nvGrpSpPr>
         <p:grpSpPr>
           <a:xfrm>
-            <a:off x="589548" y="762000"/>
-            <a:ext cx="10827752" cy="4368260"/>
-            <a:chOff x="2011948" y="1400505"/>
-            <a:chExt cx="7937370" cy="2956031"/>
+            <a:off x="589548" y="681716"/>
+            <a:ext cx="10827752" cy="4448544"/>
+            <a:chOff x="589548" y="681716"/>
+            <a:chExt cx="10827752" cy="4448544"/>
           </a:xfrm>
         </p:grpSpPr>
-        <p:cxnSp>
-          <p:nvCxnSpPr>
-            <p:cNvPr id="5" name="Straight Connector 4"/>
-            <p:cNvCxnSpPr/>
+        <p:grpSp>
+          <p:nvGrpSpPr>
+            <p:cNvPr id="2" name="Group 1"/>
+            <p:cNvGrpSpPr/>
             <p:nvPr/>
-          </p:nvCxnSpPr>
-          <p:spPr>
-            <a:xfrm flipV="1">
-              <a:off x="2984939" y="1408387"/>
-              <a:ext cx="2932386" cy="2932386"/>
+          </p:nvGrpSpPr>
+          <p:grpSpPr>
+            <a:xfrm>
+              <a:off x="589548" y="762000"/>
+              <a:ext cx="10827752" cy="4368260"/>
+              <a:chOff x="2011948" y="1400505"/>
+              <a:chExt cx="7937370" cy="2956031"/>
             </a:xfrm>
-            <a:prstGeom prst="line">
-              <a:avLst/>
-            </a:prstGeom>
-            <a:ln w="50800">
-              <a:solidFill>
-                <a:srgbClr val="0070C0"/>
-              </a:solidFill>
-            </a:ln>
-          </p:spPr>
-          <p:style>
-            <a:lnRef idx="1">
-              <a:schemeClr val="accent1"/>
-            </a:lnRef>
-            <a:fillRef idx="0">
-              <a:schemeClr val="accent1"/>
-            </a:fillRef>
-            <a:effectRef idx="0">
-              <a:schemeClr val="accent1"/>
-            </a:effectRef>
-            <a:fontRef idx="minor">
-              <a:schemeClr val="tx1"/>
-            </a:fontRef>
-          </p:style>
-        </p:cxnSp>
-        <p:cxnSp>
-          <p:nvCxnSpPr>
-            <p:cNvPr id="10" name="Straight Connector 9"/>
-            <p:cNvCxnSpPr/>
-            <p:nvPr/>
-          </p:nvCxnSpPr>
-          <p:spPr>
-            <a:xfrm>
-              <a:off x="5917325" y="1408387"/>
-              <a:ext cx="2932386" cy="2932386"/>
-            </a:xfrm>
-            <a:prstGeom prst="line">
-              <a:avLst/>
-            </a:prstGeom>
-            <a:ln w="50800">
-              <a:solidFill>
-                <a:srgbClr val="00B050"/>
-              </a:solidFill>
-              <a:prstDash val="sysDash"/>
-            </a:ln>
-          </p:spPr>
-          <p:style>
-            <a:lnRef idx="1">
-              <a:schemeClr val="accent1"/>
-            </a:lnRef>
-            <a:fillRef idx="0">
-              <a:schemeClr val="accent1"/>
-            </a:fillRef>
-            <a:effectRef idx="0">
-              <a:schemeClr val="accent1"/>
-            </a:effectRef>
-            <a:fontRef idx="minor">
-              <a:schemeClr val="tx1"/>
-            </a:fontRef>
-          </p:style>
-        </p:cxnSp>
-        <p:cxnSp>
-          <p:nvCxnSpPr>
-            <p:cNvPr id="17" name="Straight Connector 16"/>
-            <p:cNvCxnSpPr/>
-            <p:nvPr/>
-          </p:nvCxnSpPr>
-          <p:spPr>
-            <a:xfrm>
-              <a:off x="2375338" y="4340773"/>
-              <a:ext cx="7083973" cy="0"/>
-            </a:xfrm>
-            <a:prstGeom prst="line">
-              <a:avLst/>
-            </a:prstGeom>
-            <a:ln w="12700">
-              <a:solidFill>
-                <a:schemeClr val="tx1"/>
-              </a:solidFill>
-              <a:prstDash val="sysDot"/>
-            </a:ln>
-          </p:spPr>
-          <p:style>
-            <a:lnRef idx="1">
-              <a:schemeClr val="accent1"/>
-            </a:lnRef>
-            <a:fillRef idx="0">
-              <a:schemeClr val="accent1"/>
-            </a:fillRef>
-            <a:effectRef idx="0">
-              <a:schemeClr val="accent1"/>
-            </a:effectRef>
-            <a:fontRef idx="minor">
-              <a:schemeClr val="tx1"/>
-            </a:fontRef>
-          </p:style>
-        </p:cxnSp>
-        <p:cxnSp>
-          <p:nvCxnSpPr>
-            <p:cNvPr id="19" name="Straight Connector 18"/>
-            <p:cNvCxnSpPr/>
-            <p:nvPr/>
-          </p:nvCxnSpPr>
-          <p:spPr>
-            <a:xfrm flipV="1">
-              <a:off x="4214648" y="2033753"/>
-              <a:ext cx="2312278" cy="2312278"/>
-            </a:xfrm>
-            <a:prstGeom prst="line">
-              <a:avLst/>
-            </a:prstGeom>
-            <a:ln w="50800">
-              <a:solidFill>
-                <a:srgbClr val="0070C0"/>
-              </a:solidFill>
-            </a:ln>
-          </p:spPr>
-          <p:style>
-            <a:lnRef idx="1">
-              <a:schemeClr val="accent1"/>
-            </a:lnRef>
-            <a:fillRef idx="0">
-              <a:schemeClr val="accent1"/>
-            </a:fillRef>
-            <a:effectRef idx="0">
-              <a:schemeClr val="accent1"/>
-            </a:effectRef>
-            <a:fontRef idx="minor">
-              <a:schemeClr val="tx1"/>
-            </a:fontRef>
-          </p:style>
-        </p:cxnSp>
-        <p:cxnSp>
-          <p:nvCxnSpPr>
-            <p:cNvPr id="21" name="Straight Connector 20"/>
-            <p:cNvCxnSpPr/>
-            <p:nvPr/>
-          </p:nvCxnSpPr>
-          <p:spPr>
-            <a:xfrm flipV="1">
-              <a:off x="5444359" y="2653861"/>
-              <a:ext cx="1702675" cy="1702675"/>
-            </a:xfrm>
-            <a:prstGeom prst="line">
-              <a:avLst/>
-            </a:prstGeom>
-            <a:ln w="50800">
-              <a:solidFill>
-                <a:srgbClr val="0070C0"/>
-              </a:solidFill>
-            </a:ln>
-          </p:spPr>
-          <p:style>
-            <a:lnRef idx="1">
-              <a:schemeClr val="accent1"/>
-            </a:lnRef>
-            <a:fillRef idx="0">
-              <a:schemeClr val="accent1"/>
-            </a:fillRef>
-            <a:effectRef idx="0">
-              <a:schemeClr val="accent1"/>
-            </a:effectRef>
-            <a:fontRef idx="minor">
-              <a:schemeClr val="tx1"/>
-            </a:fontRef>
-          </p:style>
-        </p:cxnSp>
-        <p:cxnSp>
-          <p:nvCxnSpPr>
-            <p:cNvPr id="23" name="Straight Connector 22"/>
-            <p:cNvCxnSpPr/>
-            <p:nvPr/>
-          </p:nvCxnSpPr>
-          <p:spPr>
-            <a:xfrm>
-              <a:off x="6390291" y="3379077"/>
-              <a:ext cx="977459" cy="977459"/>
-            </a:xfrm>
-            <a:prstGeom prst="line">
-              <a:avLst/>
-            </a:prstGeom>
-            <a:ln w="50800">
-              <a:solidFill>
-                <a:srgbClr val="00B050"/>
-              </a:solidFill>
-              <a:prstDash val="sysDash"/>
-            </a:ln>
-          </p:spPr>
-          <p:style>
-            <a:lnRef idx="1">
-              <a:schemeClr val="accent1"/>
-            </a:lnRef>
-            <a:fillRef idx="0">
-              <a:schemeClr val="accent1"/>
-            </a:fillRef>
-            <a:effectRef idx="0">
-              <a:schemeClr val="accent1"/>
-            </a:effectRef>
-            <a:fontRef idx="minor">
-              <a:schemeClr val="tx1"/>
-            </a:fontRef>
-          </p:style>
-        </p:cxnSp>
-        <p:cxnSp>
-          <p:nvCxnSpPr>
-            <p:cNvPr id="26" name="Straight Connector 25"/>
-            <p:cNvCxnSpPr/>
-            <p:nvPr/>
-          </p:nvCxnSpPr>
-          <p:spPr>
-            <a:xfrm>
-              <a:off x="2375337" y="3405354"/>
-              <a:ext cx="7083973" cy="0"/>
-            </a:xfrm>
-            <a:prstGeom prst="line">
-              <a:avLst/>
-            </a:prstGeom>
-            <a:ln w="12700">
-              <a:solidFill>
-                <a:schemeClr val="tx1"/>
-              </a:solidFill>
-              <a:prstDash val="sysDot"/>
-            </a:ln>
-          </p:spPr>
-          <p:style>
-            <a:lnRef idx="1">
-              <a:schemeClr val="accent1"/>
-            </a:lnRef>
-            <a:fillRef idx="0">
-              <a:schemeClr val="accent1"/>
-            </a:fillRef>
-            <a:effectRef idx="0">
-              <a:schemeClr val="accent1"/>
-            </a:effectRef>
-            <a:fontRef idx="minor">
-              <a:schemeClr val="tx1"/>
-            </a:fontRef>
-          </p:style>
-        </p:cxnSp>
-        <p:cxnSp>
-          <p:nvCxnSpPr>
-            <p:cNvPr id="28" name="Straight Connector 27"/>
-            <p:cNvCxnSpPr/>
-            <p:nvPr/>
-          </p:nvCxnSpPr>
-          <p:spPr>
-            <a:xfrm>
-              <a:off x="2375337" y="2653861"/>
-              <a:ext cx="7083973" cy="0"/>
-            </a:xfrm>
-            <a:prstGeom prst="line">
-              <a:avLst/>
-            </a:prstGeom>
-            <a:ln w="12700">
-              <a:solidFill>
-                <a:schemeClr val="tx1"/>
-              </a:solidFill>
-              <a:prstDash val="sysDot"/>
-            </a:ln>
-          </p:spPr>
-          <p:style>
-            <a:lnRef idx="1">
-              <a:schemeClr val="accent1"/>
-            </a:lnRef>
-            <a:fillRef idx="0">
-              <a:schemeClr val="accent1"/>
-            </a:fillRef>
-            <a:effectRef idx="0">
-              <a:schemeClr val="accent1"/>
-            </a:effectRef>
-            <a:fontRef idx="minor">
-              <a:schemeClr val="tx1"/>
-            </a:fontRef>
-          </p:style>
-        </p:cxnSp>
-        <p:cxnSp>
-          <p:nvCxnSpPr>
-            <p:cNvPr id="29" name="Straight Connector 28"/>
-            <p:cNvCxnSpPr/>
-            <p:nvPr/>
-          </p:nvCxnSpPr>
-          <p:spPr>
-            <a:xfrm>
-              <a:off x="2375336" y="2033753"/>
-              <a:ext cx="7083973" cy="0"/>
-            </a:xfrm>
-            <a:prstGeom prst="line">
-              <a:avLst/>
-            </a:prstGeom>
-            <a:ln w="12700">
-              <a:solidFill>
-                <a:schemeClr val="tx1"/>
-              </a:solidFill>
-              <a:prstDash val="sysDot"/>
-            </a:ln>
-          </p:spPr>
-          <p:style>
-            <a:lnRef idx="1">
-              <a:schemeClr val="accent1"/>
-            </a:lnRef>
-            <a:fillRef idx="0">
-              <a:schemeClr val="accent1"/>
-            </a:fillRef>
-            <a:effectRef idx="0">
-              <a:schemeClr val="accent1"/>
-            </a:effectRef>
-            <a:fontRef idx="minor">
-              <a:schemeClr val="tx1"/>
-            </a:fontRef>
-          </p:style>
-        </p:cxnSp>
-        <p:cxnSp>
-          <p:nvCxnSpPr>
-            <p:cNvPr id="30" name="Straight Connector 29"/>
-            <p:cNvCxnSpPr/>
-            <p:nvPr/>
-          </p:nvCxnSpPr>
-          <p:spPr>
-            <a:xfrm>
-              <a:off x="2375336" y="1408387"/>
-              <a:ext cx="7083973" cy="0"/>
-            </a:xfrm>
-            <a:prstGeom prst="line">
-              <a:avLst/>
-            </a:prstGeom>
-            <a:ln w="12700">
-              <a:solidFill>
-                <a:schemeClr val="tx1"/>
-              </a:solidFill>
-              <a:prstDash val="sysDot"/>
-            </a:ln>
-          </p:spPr>
-          <p:style>
-            <a:lnRef idx="1">
-              <a:schemeClr val="accent1"/>
-            </a:lnRef>
-            <a:fillRef idx="0">
-              <a:schemeClr val="accent1"/>
-            </a:fillRef>
-            <a:effectRef idx="0">
-              <a:schemeClr val="accent1"/>
-            </a:effectRef>
-            <a:fontRef idx="minor">
-              <a:schemeClr val="tx1"/>
-            </a:fontRef>
-          </p:style>
-        </p:cxnSp>
+          </p:grpSpPr>
+          <p:cxnSp>
+            <p:nvCxnSpPr>
+              <p:cNvPr id="5" name="Straight Connector 4"/>
+              <p:cNvCxnSpPr/>
+              <p:nvPr/>
+            </p:nvCxnSpPr>
+            <p:spPr>
+              <a:xfrm flipV="1">
+                <a:off x="2984939" y="1408387"/>
+                <a:ext cx="2932386" cy="2932386"/>
+              </a:xfrm>
+              <a:prstGeom prst="line">
+                <a:avLst/>
+              </a:prstGeom>
+              <a:ln w="50800">
+                <a:solidFill>
+                  <a:srgbClr val="0070C0"/>
+                </a:solidFill>
+              </a:ln>
+            </p:spPr>
+            <p:style>
+              <a:lnRef idx="1">
+                <a:schemeClr val="accent1"/>
+              </a:lnRef>
+              <a:fillRef idx="0">
+                <a:schemeClr val="accent1"/>
+              </a:fillRef>
+              <a:effectRef idx="0">
+                <a:schemeClr val="accent1"/>
+              </a:effectRef>
+              <a:fontRef idx="minor">
+                <a:schemeClr val="tx1"/>
+              </a:fontRef>
+            </p:style>
+          </p:cxnSp>
+          <p:cxnSp>
+            <p:nvCxnSpPr>
+              <p:cNvPr id="10" name="Straight Connector 9"/>
+              <p:cNvCxnSpPr/>
+              <p:nvPr/>
+            </p:nvCxnSpPr>
+            <p:spPr>
+              <a:xfrm>
+                <a:off x="5917325" y="1408387"/>
+                <a:ext cx="2932386" cy="2932386"/>
+              </a:xfrm>
+              <a:prstGeom prst="line">
+                <a:avLst/>
+              </a:prstGeom>
+              <a:ln w="50800">
+                <a:solidFill>
+                  <a:srgbClr val="00B050"/>
+                </a:solidFill>
+                <a:prstDash val="sysDash"/>
+              </a:ln>
+            </p:spPr>
+            <p:style>
+              <a:lnRef idx="1">
+                <a:schemeClr val="accent1"/>
+              </a:lnRef>
+              <a:fillRef idx="0">
+                <a:schemeClr val="accent1"/>
+              </a:fillRef>
+              <a:effectRef idx="0">
+                <a:schemeClr val="accent1"/>
+              </a:effectRef>
+              <a:fontRef idx="minor">
+                <a:schemeClr val="tx1"/>
+              </a:fontRef>
+            </p:style>
+          </p:cxnSp>
+          <p:cxnSp>
+            <p:nvCxnSpPr>
+              <p:cNvPr id="17" name="Straight Connector 16"/>
+              <p:cNvCxnSpPr/>
+              <p:nvPr/>
+            </p:nvCxnSpPr>
+            <p:spPr>
+              <a:xfrm>
+                <a:off x="2375338" y="4340773"/>
+                <a:ext cx="7083973" cy="0"/>
+              </a:xfrm>
+              <a:prstGeom prst="line">
+                <a:avLst/>
+              </a:prstGeom>
+              <a:ln w="12700">
+                <a:solidFill>
+                  <a:schemeClr val="tx1"/>
+                </a:solidFill>
+                <a:prstDash val="sysDot"/>
+              </a:ln>
+            </p:spPr>
+            <p:style>
+              <a:lnRef idx="1">
+                <a:schemeClr val="accent1"/>
+              </a:lnRef>
+              <a:fillRef idx="0">
+                <a:schemeClr val="accent1"/>
+              </a:fillRef>
+              <a:effectRef idx="0">
+                <a:schemeClr val="accent1"/>
+              </a:effectRef>
+              <a:fontRef idx="minor">
+                <a:schemeClr val="tx1"/>
+              </a:fontRef>
+            </p:style>
+          </p:cxnSp>
+          <p:cxnSp>
+            <p:nvCxnSpPr>
+              <p:cNvPr id="19" name="Straight Connector 18"/>
+              <p:cNvCxnSpPr/>
+              <p:nvPr/>
+            </p:nvCxnSpPr>
+            <p:spPr>
+              <a:xfrm flipV="1">
+                <a:off x="4214648" y="2033753"/>
+                <a:ext cx="2312278" cy="2312278"/>
+              </a:xfrm>
+              <a:prstGeom prst="line">
+                <a:avLst/>
+              </a:prstGeom>
+              <a:ln w="50800">
+                <a:solidFill>
+                  <a:srgbClr val="0070C0"/>
+                </a:solidFill>
+              </a:ln>
+            </p:spPr>
+            <p:style>
+              <a:lnRef idx="1">
+                <a:schemeClr val="accent1"/>
+              </a:lnRef>
+              <a:fillRef idx="0">
+                <a:schemeClr val="accent1"/>
+              </a:fillRef>
+              <a:effectRef idx="0">
+                <a:schemeClr val="accent1"/>
+              </a:effectRef>
+              <a:fontRef idx="minor">
+                <a:schemeClr val="tx1"/>
+              </a:fontRef>
+            </p:style>
+          </p:cxnSp>
+          <p:cxnSp>
+            <p:nvCxnSpPr>
+              <p:cNvPr id="21" name="Straight Connector 20"/>
+              <p:cNvCxnSpPr/>
+              <p:nvPr/>
+            </p:nvCxnSpPr>
+            <p:spPr>
+              <a:xfrm flipV="1">
+                <a:off x="5444359" y="2653861"/>
+                <a:ext cx="1702675" cy="1702675"/>
+              </a:xfrm>
+              <a:prstGeom prst="line">
+                <a:avLst/>
+              </a:prstGeom>
+              <a:ln w="50800">
+                <a:solidFill>
+                  <a:srgbClr val="0070C0"/>
+                </a:solidFill>
+              </a:ln>
+            </p:spPr>
+            <p:style>
+              <a:lnRef idx="1">
+                <a:schemeClr val="accent1"/>
+              </a:lnRef>
+              <a:fillRef idx="0">
+                <a:schemeClr val="accent1"/>
+              </a:fillRef>
+              <a:effectRef idx="0">
+                <a:schemeClr val="accent1"/>
+              </a:effectRef>
+              <a:fontRef idx="minor">
+                <a:schemeClr val="tx1"/>
+              </a:fontRef>
+            </p:style>
+          </p:cxnSp>
+          <p:cxnSp>
+            <p:nvCxnSpPr>
+              <p:cNvPr id="23" name="Straight Connector 22"/>
+              <p:cNvCxnSpPr/>
+              <p:nvPr/>
+            </p:nvCxnSpPr>
+            <p:spPr>
+              <a:xfrm>
+                <a:off x="6390291" y="3379077"/>
+                <a:ext cx="977459" cy="977459"/>
+              </a:xfrm>
+              <a:prstGeom prst="line">
+                <a:avLst/>
+              </a:prstGeom>
+              <a:ln w="50800">
+                <a:solidFill>
+                  <a:srgbClr val="00B050"/>
+                </a:solidFill>
+                <a:prstDash val="sysDash"/>
+              </a:ln>
+            </p:spPr>
+            <p:style>
+              <a:lnRef idx="1">
+                <a:schemeClr val="accent1"/>
+              </a:lnRef>
+              <a:fillRef idx="0">
+                <a:schemeClr val="accent1"/>
+              </a:fillRef>
+              <a:effectRef idx="0">
+                <a:schemeClr val="accent1"/>
+              </a:effectRef>
+              <a:fontRef idx="minor">
+                <a:schemeClr val="tx1"/>
+              </a:fontRef>
+            </p:style>
+          </p:cxnSp>
+          <p:cxnSp>
+            <p:nvCxnSpPr>
+              <p:cNvPr id="26" name="Straight Connector 25"/>
+              <p:cNvCxnSpPr/>
+              <p:nvPr/>
+            </p:nvCxnSpPr>
+            <p:spPr>
+              <a:xfrm>
+                <a:off x="2375337" y="3405354"/>
+                <a:ext cx="7083973" cy="0"/>
+              </a:xfrm>
+              <a:prstGeom prst="line">
+                <a:avLst/>
+              </a:prstGeom>
+              <a:ln w="12700">
+                <a:solidFill>
+                  <a:schemeClr val="tx1"/>
+                </a:solidFill>
+                <a:prstDash val="sysDot"/>
+              </a:ln>
+            </p:spPr>
+            <p:style>
+              <a:lnRef idx="1">
+                <a:schemeClr val="accent1"/>
+              </a:lnRef>
+              <a:fillRef idx="0">
+                <a:schemeClr val="accent1"/>
+              </a:fillRef>
+              <a:effectRef idx="0">
+                <a:schemeClr val="accent1"/>
+              </a:effectRef>
+              <a:fontRef idx="minor">
+                <a:schemeClr val="tx1"/>
+              </a:fontRef>
+            </p:style>
+          </p:cxnSp>
+          <p:cxnSp>
+            <p:nvCxnSpPr>
+              <p:cNvPr id="28" name="Straight Connector 27"/>
+              <p:cNvCxnSpPr/>
+              <p:nvPr/>
+            </p:nvCxnSpPr>
+            <p:spPr>
+              <a:xfrm>
+                <a:off x="2375337" y="2653861"/>
+                <a:ext cx="7083973" cy="0"/>
+              </a:xfrm>
+              <a:prstGeom prst="line">
+                <a:avLst/>
+              </a:prstGeom>
+              <a:ln w="12700">
+                <a:solidFill>
+                  <a:schemeClr val="tx1"/>
+                </a:solidFill>
+                <a:prstDash val="sysDot"/>
+              </a:ln>
+            </p:spPr>
+            <p:style>
+              <a:lnRef idx="1">
+                <a:schemeClr val="accent1"/>
+              </a:lnRef>
+              <a:fillRef idx="0">
+                <a:schemeClr val="accent1"/>
+              </a:fillRef>
+              <a:effectRef idx="0">
+                <a:schemeClr val="accent1"/>
+              </a:effectRef>
+              <a:fontRef idx="minor">
+                <a:schemeClr val="tx1"/>
+              </a:fontRef>
+            </p:style>
+          </p:cxnSp>
+          <p:cxnSp>
+            <p:nvCxnSpPr>
+              <p:cNvPr id="29" name="Straight Connector 28"/>
+              <p:cNvCxnSpPr/>
+              <p:nvPr/>
+            </p:nvCxnSpPr>
+            <p:spPr>
+              <a:xfrm>
+                <a:off x="2375336" y="2033753"/>
+                <a:ext cx="7083973" cy="0"/>
+              </a:xfrm>
+              <a:prstGeom prst="line">
+                <a:avLst/>
+              </a:prstGeom>
+              <a:ln w="12700">
+                <a:solidFill>
+                  <a:schemeClr val="tx1"/>
+                </a:solidFill>
+                <a:prstDash val="sysDot"/>
+              </a:ln>
+            </p:spPr>
+            <p:style>
+              <a:lnRef idx="1">
+                <a:schemeClr val="accent1"/>
+              </a:lnRef>
+              <a:fillRef idx="0">
+                <a:schemeClr val="accent1"/>
+              </a:fillRef>
+              <a:effectRef idx="0">
+                <a:schemeClr val="accent1"/>
+              </a:effectRef>
+              <a:fontRef idx="minor">
+                <a:schemeClr val="tx1"/>
+              </a:fontRef>
+            </p:style>
+          </p:cxnSp>
+          <p:cxnSp>
+            <p:nvCxnSpPr>
+              <p:cNvPr id="30" name="Straight Connector 29"/>
+              <p:cNvCxnSpPr/>
+              <p:nvPr/>
+            </p:nvCxnSpPr>
+            <p:spPr>
+              <a:xfrm>
+                <a:off x="2375336" y="1408387"/>
+                <a:ext cx="7083973" cy="0"/>
+              </a:xfrm>
+              <a:prstGeom prst="line">
+                <a:avLst/>
+              </a:prstGeom>
+              <a:ln w="12700">
+                <a:solidFill>
+                  <a:schemeClr val="tx1"/>
+                </a:solidFill>
+                <a:prstDash val="sysDot"/>
+              </a:ln>
+            </p:spPr>
+            <p:style>
+              <a:lnRef idx="1">
+                <a:schemeClr val="accent1"/>
+              </a:lnRef>
+              <a:fillRef idx="0">
+                <a:schemeClr val="accent1"/>
+              </a:fillRef>
+              <a:effectRef idx="0">
+                <a:schemeClr val="accent1"/>
+              </a:effectRef>
+              <a:fontRef idx="minor">
+                <a:schemeClr val="tx1"/>
+              </a:fontRef>
+            </p:style>
+          </p:cxnSp>
+          <mc:AlternateContent xmlns:mc="http://schemas.openxmlformats.org/markup-compatibility/2006" xmlns:a14="http://schemas.microsoft.com/office/drawing/2010/main">
+            <mc:Choice Requires="a14">
+              <p:sp>
+                <p:nvSpPr>
+                  <p:cNvPr id="31" name="TextBox 30"/>
+                  <p:cNvSpPr txBox="1"/>
+                  <p:nvPr/>
+                </p:nvSpPr>
+                <p:spPr>
+                  <a:xfrm>
+                    <a:off x="5149154" y="1555183"/>
+                    <a:ext cx="329642" cy="307777"/>
+                  </a:xfrm>
+                  <a:prstGeom prst="rect">
+                    <a:avLst/>
+                  </a:prstGeom>
+                  <a:noFill/>
+                </p:spPr>
+                <p:txBody>
+                  <a:bodyPr wrap="none" lIns="0" tIns="0" rIns="0" bIns="0" rtlCol="0">
+                    <a:spAutoFit/>
+                  </a:bodyPr>
+                  <a:lstStyle/>
+                  <a:p>
+                    <a:pPr/>
+                    <a14:m>
+                      <m:oMathPara xmlns:m="http://schemas.openxmlformats.org/officeDocument/2006/math">
+                        <m:oMathParaPr>
+                          <m:jc m:val="centerGroup"/>
+                        </m:oMathParaPr>
+                        <m:oMath xmlns:m="http://schemas.openxmlformats.org/officeDocument/2006/math">
+                          <m:sSub>
+                            <m:sSubPr>
+                              <m:ctrlPr>
+                                <a:rPr lang="en-US" sz="2000" b="1" i="1" smtClean="0">
+                                  <a:solidFill>
+                                    <a:srgbClr val="0070C0"/>
+                                  </a:solidFill>
+                                  <a:latin typeface="Cambria Math" charset="0"/>
+                                </a:rPr>
+                              </m:ctrlPr>
+                            </m:sSubPr>
+                            <m:e>
+                              <m:r>
+                                <a:rPr lang="en-US" sz="2000" b="1" i="1" smtClean="0">
+                                  <a:solidFill>
+                                    <a:srgbClr val="0070C0"/>
+                                  </a:solidFill>
+                                  <a:latin typeface="Cambria Math" charset="0"/>
+                                </a:rPr>
+                                <m:t>𝝀</m:t>
+                              </m:r>
+                            </m:e>
+                            <m:sub>
+                              <m:r>
+                                <a:rPr lang="en-US" sz="2000" b="1" i="1" smtClean="0">
+                                  <a:solidFill>
+                                    <a:srgbClr val="0070C0"/>
+                                  </a:solidFill>
+                                  <a:latin typeface="Cambria Math" charset="0"/>
+                                </a:rPr>
+                                <m:t>𝒂</m:t>
+                              </m:r>
+                            </m:sub>
+                          </m:sSub>
+                        </m:oMath>
+                      </m:oMathPara>
+                    </a14:m>
+                    <a:endParaRPr lang="en-US" sz="2000" b="1" dirty="0">
+                      <a:solidFill>
+                        <a:srgbClr val="0070C0"/>
+                      </a:solidFill>
+                    </a:endParaRPr>
+                  </a:p>
+                </p:txBody>
+              </p:sp>
+            </mc:Choice>
+            <mc:Fallback xmlns="">
+              <p:sp>
+                <p:nvSpPr>
+                  <p:cNvPr id="31" name="TextBox 30"/>
+                  <p:cNvSpPr txBox="1">
+                    <a:spLocks noRot="1" noChangeAspect="1" noMove="1" noResize="1" noEditPoints="1" noAdjustHandles="1" noChangeArrowheads="1" noChangeShapeType="1" noTextEdit="1"/>
+                  </p:cNvSpPr>
+                  <p:nvPr/>
+                </p:nvSpPr>
+                <p:spPr>
+                  <a:xfrm>
+                    <a:off x="5149154" y="1555183"/>
+                    <a:ext cx="329642" cy="307777"/>
+                  </a:xfrm>
+                  <a:prstGeom prst="rect">
+                    <a:avLst/>
+                  </a:prstGeom>
+                  <a:blipFill rotWithShape="0">
+                    <a:blip r:embed="rId2"/>
+                    <a:stretch>
+                      <a:fillRect l="-1351"/>
+                    </a:stretch>
+                  </a:blipFill>
+                </p:spPr>
+                <p:txBody>
+                  <a:bodyPr/>
+                  <a:lstStyle/>
+                  <a:p>
+                    <a:r>
+                      <a:rPr lang="en-US">
+                        <a:noFill/>
+                      </a:rPr>
+                      <a:t> </a:t>
+                    </a:r>
+                  </a:p>
+                </p:txBody>
+              </p:sp>
+            </mc:Fallback>
+          </mc:AlternateContent>
+          <mc:AlternateContent xmlns:mc="http://schemas.openxmlformats.org/markup-compatibility/2006" xmlns:a14="http://schemas.microsoft.com/office/drawing/2010/main">
+            <mc:Choice Requires="a14">
+              <p:sp>
+                <p:nvSpPr>
+                  <p:cNvPr id="32" name="TextBox 31"/>
+                  <p:cNvSpPr txBox="1"/>
+                  <p:nvPr/>
+                </p:nvSpPr>
+                <p:spPr>
+                  <a:xfrm>
+                    <a:off x="6354159" y="1556010"/>
+                    <a:ext cx="329642" cy="307777"/>
+                  </a:xfrm>
+                  <a:prstGeom prst="rect">
+                    <a:avLst/>
+                  </a:prstGeom>
+                  <a:noFill/>
+                </p:spPr>
+                <p:txBody>
+                  <a:bodyPr wrap="none" lIns="0" tIns="0" rIns="0" bIns="0" rtlCol="0">
+                    <a:spAutoFit/>
+                  </a:bodyPr>
+                  <a:lstStyle/>
+                  <a:p>
+                    <a:pPr/>
+                    <a14:m>
+                      <m:oMathPara xmlns:m="http://schemas.openxmlformats.org/officeDocument/2006/math">
+                        <m:oMathParaPr>
+                          <m:jc m:val="centerGroup"/>
+                        </m:oMathParaPr>
+                        <m:oMath xmlns:m="http://schemas.openxmlformats.org/officeDocument/2006/math">
+                          <m:sSub>
+                            <m:sSubPr>
+                              <m:ctrlPr>
+                                <a:rPr lang="en-US" sz="2000" b="1" i="1" smtClean="0">
+                                  <a:solidFill>
+                                    <a:srgbClr val="00B050"/>
+                                  </a:solidFill>
+                                  <a:latin typeface="Cambria Math" charset="0"/>
+                                </a:rPr>
+                              </m:ctrlPr>
+                            </m:sSubPr>
+                            <m:e>
+                              <m:r>
+                                <a:rPr lang="en-US" sz="2000" b="1" i="1" smtClean="0">
+                                  <a:solidFill>
+                                    <a:srgbClr val="00B050"/>
+                                  </a:solidFill>
+                                  <a:latin typeface="Cambria Math" charset="0"/>
+                                </a:rPr>
+                                <m:t>𝝀</m:t>
+                              </m:r>
+                            </m:e>
+                            <m:sub>
+                              <m:r>
+                                <a:rPr lang="en-US" sz="2000" b="1" i="1" smtClean="0">
+                                  <a:solidFill>
+                                    <a:srgbClr val="00B050"/>
+                                  </a:solidFill>
+                                  <a:latin typeface="Cambria Math" charset="0"/>
+                                </a:rPr>
+                                <m:t>𝒃</m:t>
+                              </m:r>
+                            </m:sub>
+                          </m:sSub>
+                        </m:oMath>
+                      </m:oMathPara>
+                    </a14:m>
+                    <a:endParaRPr lang="en-US" sz="2000" b="1" dirty="0">
+                      <a:solidFill>
+                        <a:srgbClr val="00B050"/>
+                      </a:solidFill>
+                    </a:endParaRPr>
+                  </a:p>
+                </p:txBody>
+              </p:sp>
+            </mc:Choice>
+            <mc:Fallback xmlns="">
+              <p:sp>
+                <p:nvSpPr>
+                  <p:cNvPr id="32" name="TextBox 31"/>
+                  <p:cNvSpPr txBox="1">
+                    <a:spLocks noRot="1" noChangeAspect="1" noMove="1" noResize="1" noEditPoints="1" noAdjustHandles="1" noChangeArrowheads="1" noChangeShapeType="1" noTextEdit="1"/>
+                  </p:cNvSpPr>
+                  <p:nvPr/>
+                </p:nvSpPr>
+                <p:spPr>
+                  <a:xfrm>
+                    <a:off x="6354159" y="1556010"/>
+                    <a:ext cx="329642" cy="307777"/>
+                  </a:xfrm>
+                  <a:prstGeom prst="rect">
+                    <a:avLst/>
+                  </a:prstGeom>
+                  <a:blipFill rotWithShape="0">
+                    <a:blip r:embed="rId3"/>
+                    <a:stretch>
+                      <a:fillRect/>
+                    </a:stretch>
+                  </a:blipFill>
+                </p:spPr>
+                <p:txBody>
+                  <a:bodyPr/>
+                  <a:lstStyle/>
+                  <a:p>
+                    <a:r>
+                      <a:rPr lang="en-US">
+                        <a:noFill/>
+                      </a:rPr>
+                      <a:t> </a:t>
+                    </a:r>
+                  </a:p>
+                </p:txBody>
+              </p:sp>
+            </mc:Fallback>
+          </mc:AlternateContent>
+          <p:cxnSp>
+            <p:nvCxnSpPr>
+              <p:cNvPr id="34" name="Straight Arrow Connector 33"/>
+              <p:cNvCxnSpPr/>
+              <p:nvPr/>
+            </p:nvCxnSpPr>
+            <p:spPr>
+              <a:xfrm>
+                <a:off x="2269010" y="1408387"/>
+                <a:ext cx="0" cy="2948149"/>
+              </a:xfrm>
+              <a:prstGeom prst="straightConnector1">
+                <a:avLst/>
+              </a:prstGeom>
+              <a:ln w="25400">
+                <a:solidFill>
+                  <a:schemeClr val="tx1"/>
+                </a:solidFill>
+                <a:headEnd type="triangle"/>
+                <a:tailEnd type="triangle"/>
+              </a:ln>
+            </p:spPr>
+            <p:style>
+              <a:lnRef idx="1">
+                <a:schemeClr val="accent1"/>
+              </a:lnRef>
+              <a:fillRef idx="0">
+                <a:schemeClr val="accent1"/>
+              </a:fillRef>
+              <a:effectRef idx="0">
+                <a:schemeClr val="accent1"/>
+              </a:effectRef>
+              <a:fontRef idx="minor">
+                <a:schemeClr val="tx1"/>
+              </a:fontRef>
+            </p:style>
+          </p:cxnSp>
+          <mc:AlternateContent xmlns:mc="http://schemas.openxmlformats.org/markup-compatibility/2006" xmlns:a14="http://schemas.microsoft.com/office/drawing/2010/main">
+            <mc:Choice Requires="a14">
+              <p:sp>
+                <p:nvSpPr>
+                  <p:cNvPr id="37" name="TextBox 36"/>
+                  <p:cNvSpPr txBox="1"/>
+                  <p:nvPr/>
+                </p:nvSpPr>
+                <p:spPr>
+                  <a:xfrm>
+                    <a:off x="2011948" y="2499972"/>
+                    <a:ext cx="180241" cy="307777"/>
+                  </a:xfrm>
+                  <a:prstGeom prst="rect">
+                    <a:avLst/>
+                  </a:prstGeom>
+                  <a:noFill/>
+                </p:spPr>
+                <p:txBody>
+                  <a:bodyPr wrap="none" lIns="0" tIns="0" rIns="0" bIns="0" rtlCol="0">
+                    <a:spAutoFit/>
+                  </a:bodyPr>
+                  <a:lstStyle/>
+                  <a:p>
+                    <a:pPr/>
+                    <a14:m>
+                      <m:oMathPara xmlns:m="http://schemas.openxmlformats.org/officeDocument/2006/math">
+                        <m:oMathParaPr>
+                          <m:jc m:val="centerGroup"/>
+                        </m:oMathParaPr>
+                        <m:oMath xmlns:m="http://schemas.openxmlformats.org/officeDocument/2006/math">
+                          <m:r>
+                            <a:rPr lang="en-US" sz="2000" b="0" i="1" smtClean="0">
+                              <a:latin typeface="Cambria Math" charset="0"/>
+                            </a:rPr>
+                            <m:t>𝜏</m:t>
+                          </m:r>
+                        </m:oMath>
+                      </m:oMathPara>
+                    </a14:m>
+                    <a:endParaRPr lang="en-US" sz="2000" b="0" i="1" dirty="0" smtClean="0"/>
+                  </a:p>
+                </p:txBody>
+              </p:sp>
+            </mc:Choice>
+            <mc:Fallback xmlns="">
+              <p:sp>
+                <p:nvSpPr>
+                  <p:cNvPr id="37" name="TextBox 36"/>
+                  <p:cNvSpPr txBox="1">
+                    <a:spLocks noRot="1" noChangeAspect="1" noMove="1" noResize="1" noEditPoints="1" noAdjustHandles="1" noChangeArrowheads="1" noChangeShapeType="1" noTextEdit="1"/>
+                  </p:cNvSpPr>
+                  <p:nvPr/>
+                </p:nvSpPr>
+                <p:spPr>
+                  <a:xfrm>
+                    <a:off x="2011948" y="2499972"/>
+                    <a:ext cx="180241" cy="307777"/>
+                  </a:xfrm>
+                  <a:prstGeom prst="rect">
+                    <a:avLst/>
+                  </a:prstGeom>
+                  <a:blipFill rotWithShape="0">
+                    <a:blip r:embed="rId4"/>
+                    <a:stretch>
+                      <a:fillRect l="-16667" r="-16667"/>
+                    </a:stretch>
+                  </a:blipFill>
+                </p:spPr>
+                <p:txBody>
+                  <a:bodyPr/>
+                  <a:lstStyle/>
+                  <a:p>
+                    <a:r>
+                      <a:rPr lang="en-US">
+                        <a:noFill/>
+                      </a:rPr>
+                      <a:t> </a:t>
+                    </a:r>
+                  </a:p>
+                </p:txBody>
+              </p:sp>
+            </mc:Fallback>
+          </mc:AlternateContent>
+          <p:sp>
+            <p:nvSpPr>
+              <p:cNvPr id="38" name="TextBox 37"/>
+              <p:cNvSpPr txBox="1"/>
+              <p:nvPr/>
+            </p:nvSpPr>
+            <p:spPr>
+              <a:xfrm>
+                <a:off x="5805680" y="1434665"/>
+                <a:ext cx="223284" cy="270757"/>
+              </a:xfrm>
+              <a:prstGeom prst="rect">
+                <a:avLst/>
+              </a:prstGeom>
+              <a:noFill/>
+            </p:spPr>
+            <p:txBody>
+              <a:bodyPr wrap="square" rtlCol="0">
+                <a:spAutoFit/>
+              </a:bodyPr>
+              <a:lstStyle/>
+              <a:p>
+                <a:pPr algn="ctr"/>
+                <a:r>
+                  <a:rPr lang="en-US" sz="2000" dirty="0" smtClean="0">
+                    <a:solidFill>
+                      <a:srgbClr val="FF0000"/>
+                    </a:solidFill>
+                    <a:latin typeface="Cambria Math" charset="0"/>
+                    <a:ea typeface="Cambria Math" charset="0"/>
+                    <a:cs typeface="Cambria Math" charset="0"/>
+                  </a:rPr>
+                  <a:t>0</a:t>
+                </a:r>
+                <a:endParaRPr lang="en-US" sz="2000" dirty="0">
+                  <a:solidFill>
+                    <a:srgbClr val="FF0000"/>
+                  </a:solidFill>
+                  <a:latin typeface="Cambria Math" charset="0"/>
+                  <a:ea typeface="Cambria Math" charset="0"/>
+                  <a:cs typeface="Cambria Math" charset="0"/>
+                </a:endParaRPr>
+              </a:p>
+            </p:txBody>
+          </p:sp>
+          <p:sp>
+            <p:nvSpPr>
+              <p:cNvPr id="39" name="TextBox 38"/>
+              <p:cNvSpPr txBox="1"/>
+              <p:nvPr/>
+            </p:nvSpPr>
+            <p:spPr>
+              <a:xfrm>
+                <a:off x="6421236" y="2040168"/>
+                <a:ext cx="223284" cy="270757"/>
+              </a:xfrm>
+              <a:prstGeom prst="rect">
+                <a:avLst/>
+              </a:prstGeom>
+              <a:noFill/>
+            </p:spPr>
+            <p:txBody>
+              <a:bodyPr wrap="square" rtlCol="0">
+                <a:spAutoFit/>
+              </a:bodyPr>
+              <a:lstStyle/>
+              <a:p>
+                <a:pPr algn="ctr"/>
+                <a:r>
+                  <a:rPr lang="en-US" sz="2000" dirty="0" smtClean="0">
+                    <a:solidFill>
+                      <a:srgbClr val="FF0000"/>
+                    </a:solidFill>
+                    <a:latin typeface="Cambria Math" charset="0"/>
+                    <a:ea typeface="Cambria Math" charset="0"/>
+                    <a:cs typeface="Cambria Math" charset="0"/>
+                  </a:rPr>
+                  <a:t>1</a:t>
+                </a:r>
+                <a:endParaRPr lang="en-US" sz="2000" dirty="0">
+                  <a:solidFill>
+                    <a:srgbClr val="FF0000"/>
+                  </a:solidFill>
+                  <a:latin typeface="Cambria Math" charset="0"/>
+                  <a:ea typeface="Cambria Math" charset="0"/>
+                  <a:cs typeface="Cambria Math" charset="0"/>
+                </a:endParaRPr>
+              </a:p>
+            </p:txBody>
+          </p:sp>
+          <p:sp>
+            <p:nvSpPr>
+              <p:cNvPr id="40" name="TextBox 39"/>
+              <p:cNvSpPr txBox="1"/>
+              <p:nvPr/>
+            </p:nvSpPr>
+            <p:spPr>
+              <a:xfrm>
+                <a:off x="7046769" y="2689915"/>
+                <a:ext cx="223284" cy="270757"/>
+              </a:xfrm>
+              <a:prstGeom prst="rect">
+                <a:avLst/>
+              </a:prstGeom>
+              <a:noFill/>
+            </p:spPr>
+            <p:txBody>
+              <a:bodyPr wrap="square" rtlCol="0">
+                <a:spAutoFit/>
+              </a:bodyPr>
+              <a:lstStyle/>
+              <a:p>
+                <a:pPr algn="ctr"/>
+                <a:r>
+                  <a:rPr lang="en-US" sz="2000" dirty="0" smtClean="0">
+                    <a:solidFill>
+                      <a:srgbClr val="FF0000"/>
+                    </a:solidFill>
+                    <a:latin typeface="Cambria Math" charset="0"/>
+                    <a:ea typeface="Cambria Math" charset="0"/>
+                    <a:cs typeface="Cambria Math" charset="0"/>
+                  </a:rPr>
+                  <a:t>2</a:t>
+                </a:r>
+                <a:endParaRPr lang="en-US" sz="2000" dirty="0">
+                  <a:solidFill>
+                    <a:srgbClr val="FF0000"/>
+                  </a:solidFill>
+                  <a:latin typeface="Cambria Math" charset="0"/>
+                  <a:ea typeface="Cambria Math" charset="0"/>
+                  <a:cs typeface="Cambria Math" charset="0"/>
+                </a:endParaRPr>
+              </a:p>
+            </p:txBody>
+          </p:sp>
+          <p:sp>
+            <p:nvSpPr>
+              <p:cNvPr id="41" name="TextBox 40"/>
+              <p:cNvSpPr txBox="1"/>
+              <p:nvPr/>
+            </p:nvSpPr>
+            <p:spPr>
+              <a:xfrm>
+                <a:off x="6295696" y="3431632"/>
+                <a:ext cx="223284" cy="270757"/>
+              </a:xfrm>
+              <a:prstGeom prst="rect">
+                <a:avLst/>
+              </a:prstGeom>
+              <a:noFill/>
+            </p:spPr>
+            <p:txBody>
+              <a:bodyPr wrap="square" rtlCol="0">
+                <a:spAutoFit/>
+              </a:bodyPr>
+              <a:lstStyle/>
+              <a:p>
+                <a:pPr algn="ctr"/>
+                <a:r>
+                  <a:rPr lang="en-US" sz="2000" dirty="0" smtClean="0">
+                    <a:solidFill>
+                      <a:srgbClr val="FF0000"/>
+                    </a:solidFill>
+                    <a:latin typeface="Cambria Math" charset="0"/>
+                    <a:ea typeface="Cambria Math" charset="0"/>
+                    <a:cs typeface="Cambria Math" charset="0"/>
+                  </a:rPr>
+                  <a:t>3</a:t>
+                </a:r>
+                <a:endParaRPr lang="en-US" sz="2000" dirty="0">
+                  <a:solidFill>
+                    <a:srgbClr val="FF0000"/>
+                  </a:solidFill>
+                  <a:latin typeface="Cambria Math" charset="0"/>
+                  <a:ea typeface="Cambria Math" charset="0"/>
+                  <a:cs typeface="Cambria Math" charset="0"/>
+                </a:endParaRPr>
+              </a:p>
+            </p:txBody>
+          </p:sp>
+          <p:cxnSp>
+            <p:nvCxnSpPr>
+              <p:cNvPr id="42" name="Straight Arrow Connector 41"/>
+              <p:cNvCxnSpPr/>
+              <p:nvPr/>
+            </p:nvCxnSpPr>
+            <p:spPr>
+              <a:xfrm>
+                <a:off x="9566489" y="1400505"/>
+                <a:ext cx="0" cy="633248"/>
+              </a:xfrm>
+              <a:prstGeom prst="straightConnector1">
+                <a:avLst/>
+              </a:prstGeom>
+              <a:ln w="25400">
+                <a:solidFill>
+                  <a:schemeClr val="tx1"/>
+                </a:solidFill>
+                <a:headEnd type="triangle"/>
+                <a:tailEnd type="triangle"/>
+              </a:ln>
+            </p:spPr>
+            <p:style>
+              <a:lnRef idx="1">
+                <a:schemeClr val="accent1"/>
+              </a:lnRef>
+              <a:fillRef idx="0">
+                <a:schemeClr val="accent1"/>
+              </a:fillRef>
+              <a:effectRef idx="0">
+                <a:schemeClr val="accent1"/>
+              </a:effectRef>
+              <a:fontRef idx="minor">
+                <a:schemeClr val="tx1"/>
+              </a:fontRef>
+            </p:style>
+          </p:cxnSp>
+          <mc:AlternateContent xmlns:mc="http://schemas.openxmlformats.org/markup-compatibility/2006" xmlns:a14="http://schemas.microsoft.com/office/drawing/2010/main">
+            <mc:Choice Requires="a14">
+              <p:sp>
+                <p:nvSpPr>
+                  <p:cNvPr id="44" name="TextBox 43"/>
+                  <p:cNvSpPr txBox="1"/>
+                  <p:nvPr/>
+                </p:nvSpPr>
+                <p:spPr>
+                  <a:xfrm>
+                    <a:off x="9641606" y="1563240"/>
+                    <a:ext cx="301749" cy="307777"/>
+                  </a:xfrm>
+                  <a:prstGeom prst="rect">
+                    <a:avLst/>
+                  </a:prstGeom>
+                  <a:noFill/>
+                </p:spPr>
+                <p:txBody>
+                  <a:bodyPr wrap="none" lIns="0" tIns="0" rIns="0" bIns="0" rtlCol="0">
+                    <a:spAutoFit/>
+                  </a:bodyPr>
+                  <a:lstStyle/>
+                  <a:p>
+                    <a:pPr/>
+                    <a14:m>
+                      <m:oMathPara xmlns:m="http://schemas.openxmlformats.org/officeDocument/2006/math">
+                        <m:oMathParaPr>
+                          <m:jc m:val="centerGroup"/>
+                        </m:oMathParaPr>
+                        <m:oMath xmlns:m="http://schemas.openxmlformats.org/officeDocument/2006/math">
+                          <m:sSub>
+                            <m:sSubPr>
+                              <m:ctrlPr>
+                                <a:rPr lang="en-US" sz="2000" b="0" i="1" smtClean="0">
+                                  <a:latin typeface="Cambria Math" charset="0"/>
+                                </a:rPr>
+                              </m:ctrlPr>
+                            </m:sSubPr>
+                            <m:e>
+                              <m:r>
+                                <a:rPr lang="en-US" sz="2000" b="0" i="1" smtClean="0">
+                                  <a:latin typeface="Cambria Math" charset="0"/>
+                                </a:rPr>
+                                <m:t>𝛿</m:t>
+                              </m:r>
+                            </m:e>
+                            <m:sub>
+                              <m:r>
+                                <a:rPr lang="en-US" sz="2000" b="0" i="1" smtClean="0">
+                                  <a:latin typeface="Cambria Math" charset="0"/>
+                                </a:rPr>
+                                <m:t>1</m:t>
+                              </m:r>
+                            </m:sub>
+                          </m:sSub>
+                        </m:oMath>
+                      </m:oMathPara>
+                    </a14:m>
+                    <a:endParaRPr lang="en-US" sz="2000" b="0" i="1" dirty="0" smtClean="0"/>
+                  </a:p>
+                </p:txBody>
+              </p:sp>
+            </mc:Choice>
+            <mc:Fallback xmlns="">
+              <p:sp>
+                <p:nvSpPr>
+                  <p:cNvPr id="44" name="TextBox 43"/>
+                  <p:cNvSpPr txBox="1">
+                    <a:spLocks noRot="1" noChangeAspect="1" noMove="1" noResize="1" noEditPoints="1" noAdjustHandles="1" noChangeArrowheads="1" noChangeShapeType="1" noTextEdit="1"/>
+                  </p:cNvSpPr>
+                  <p:nvPr/>
+                </p:nvSpPr>
+                <p:spPr>
+                  <a:xfrm>
+                    <a:off x="9641606" y="1563240"/>
+                    <a:ext cx="301749" cy="307777"/>
+                  </a:xfrm>
+                  <a:prstGeom prst="rect">
+                    <a:avLst/>
+                  </a:prstGeom>
+                  <a:blipFill rotWithShape="0">
+                    <a:blip r:embed="rId5"/>
+                    <a:stretch>
+                      <a:fillRect l="-22449" r="-10204" b="-13725"/>
+                    </a:stretch>
+                  </a:blipFill>
+                </p:spPr>
+                <p:txBody>
+                  <a:bodyPr/>
+                  <a:lstStyle/>
+                  <a:p>
+                    <a:r>
+                      <a:rPr lang="en-US">
+                        <a:noFill/>
+                      </a:rPr>
+                      <a:t> </a:t>
+                    </a:r>
+                  </a:p>
+                </p:txBody>
+              </p:sp>
+            </mc:Fallback>
+          </mc:AlternateContent>
+          <p:cxnSp>
+            <p:nvCxnSpPr>
+              <p:cNvPr id="45" name="Straight Arrow Connector 44"/>
+              <p:cNvCxnSpPr/>
+              <p:nvPr/>
+            </p:nvCxnSpPr>
+            <p:spPr>
+              <a:xfrm>
+                <a:off x="9566489" y="2033753"/>
+                <a:ext cx="0" cy="656162"/>
+              </a:xfrm>
+              <a:prstGeom prst="straightConnector1">
+                <a:avLst/>
+              </a:prstGeom>
+              <a:ln w="25400">
+                <a:solidFill>
+                  <a:schemeClr val="tx1"/>
+                </a:solidFill>
+                <a:headEnd type="triangle"/>
+                <a:tailEnd type="triangle"/>
+              </a:ln>
+            </p:spPr>
+            <p:style>
+              <a:lnRef idx="1">
+                <a:schemeClr val="accent1"/>
+              </a:lnRef>
+              <a:fillRef idx="0">
+                <a:schemeClr val="accent1"/>
+              </a:fillRef>
+              <a:effectRef idx="0">
+                <a:schemeClr val="accent1"/>
+              </a:effectRef>
+              <a:fontRef idx="minor">
+                <a:schemeClr val="tx1"/>
+              </a:fontRef>
+            </p:style>
+          </p:cxnSp>
+          <mc:AlternateContent xmlns:mc="http://schemas.openxmlformats.org/markup-compatibility/2006" xmlns:a14="http://schemas.microsoft.com/office/drawing/2010/main">
+            <mc:Choice Requires="a14">
+              <p:sp>
+                <p:nvSpPr>
+                  <p:cNvPr id="46" name="TextBox 45"/>
+                  <p:cNvSpPr txBox="1"/>
+                  <p:nvPr/>
+                </p:nvSpPr>
+                <p:spPr>
+                  <a:xfrm>
+                    <a:off x="9641606" y="2207945"/>
+                    <a:ext cx="307712" cy="307777"/>
+                  </a:xfrm>
+                  <a:prstGeom prst="rect">
+                    <a:avLst/>
+                  </a:prstGeom>
+                  <a:noFill/>
+                </p:spPr>
+                <p:txBody>
+                  <a:bodyPr wrap="none" lIns="0" tIns="0" rIns="0" bIns="0" rtlCol="0">
+                    <a:spAutoFit/>
+                  </a:bodyPr>
+                  <a:lstStyle/>
+                  <a:p>
+                    <a:pPr/>
+                    <a14:m>
+                      <m:oMathPara xmlns:m="http://schemas.openxmlformats.org/officeDocument/2006/math">
+                        <m:oMathParaPr>
+                          <m:jc m:val="centerGroup"/>
+                        </m:oMathParaPr>
+                        <m:oMath xmlns:m="http://schemas.openxmlformats.org/officeDocument/2006/math">
+                          <m:sSub>
+                            <m:sSubPr>
+                              <m:ctrlPr>
+                                <a:rPr lang="en-US" sz="2000" b="0" i="1" smtClean="0">
+                                  <a:latin typeface="Cambria Math" charset="0"/>
+                                </a:rPr>
+                              </m:ctrlPr>
+                            </m:sSubPr>
+                            <m:e>
+                              <m:r>
+                                <a:rPr lang="en-US" sz="2000" b="0" i="1" smtClean="0">
+                                  <a:latin typeface="Cambria Math" charset="0"/>
+                                </a:rPr>
+                                <m:t>𝛿</m:t>
+                              </m:r>
+                            </m:e>
+                            <m:sub>
+                              <m:r>
+                                <a:rPr lang="en-US" sz="2000" b="0" i="1" smtClean="0">
+                                  <a:latin typeface="Cambria Math" charset="0"/>
+                                </a:rPr>
+                                <m:t>2</m:t>
+                              </m:r>
+                            </m:sub>
+                          </m:sSub>
+                        </m:oMath>
+                      </m:oMathPara>
+                    </a14:m>
+                    <a:endParaRPr lang="en-US" sz="2000" b="0" i="1" dirty="0" smtClean="0"/>
+                  </a:p>
+                </p:txBody>
+              </p:sp>
+            </mc:Choice>
+            <mc:Fallback xmlns="">
+              <p:sp>
+                <p:nvSpPr>
+                  <p:cNvPr id="46" name="TextBox 45"/>
+                  <p:cNvSpPr txBox="1">
+                    <a:spLocks noRot="1" noChangeAspect="1" noMove="1" noResize="1" noEditPoints="1" noAdjustHandles="1" noChangeArrowheads="1" noChangeShapeType="1" noTextEdit="1"/>
+                  </p:cNvSpPr>
+                  <p:nvPr/>
+                </p:nvSpPr>
+                <p:spPr>
+                  <a:xfrm>
+                    <a:off x="9641606" y="2207945"/>
+                    <a:ext cx="307712" cy="307777"/>
+                  </a:xfrm>
+                  <a:prstGeom prst="rect">
+                    <a:avLst/>
+                  </a:prstGeom>
+                  <a:blipFill rotWithShape="0">
+                    <a:blip r:embed="rId6"/>
+                    <a:stretch>
+                      <a:fillRect l="-22000" r="-10000" b="-15686"/>
+                    </a:stretch>
+                  </a:blipFill>
+                </p:spPr>
+                <p:txBody>
+                  <a:bodyPr/>
+                  <a:lstStyle/>
+                  <a:p>
+                    <a:r>
+                      <a:rPr lang="en-US">
+                        <a:noFill/>
+                      </a:rPr>
+                      <a:t> </a:t>
+                    </a:r>
+                  </a:p>
+                </p:txBody>
+              </p:sp>
+            </mc:Fallback>
+          </mc:AlternateContent>
+          <p:cxnSp>
+            <p:nvCxnSpPr>
+              <p:cNvPr id="47" name="Straight Arrow Connector 46"/>
+              <p:cNvCxnSpPr/>
+              <p:nvPr/>
+            </p:nvCxnSpPr>
+            <p:spPr>
+              <a:xfrm>
+                <a:off x="9566489" y="2689915"/>
+                <a:ext cx="0" cy="741717"/>
+              </a:xfrm>
+              <a:prstGeom prst="straightConnector1">
+                <a:avLst/>
+              </a:prstGeom>
+              <a:ln w="25400">
+                <a:solidFill>
+                  <a:schemeClr val="tx1"/>
+                </a:solidFill>
+                <a:headEnd type="triangle"/>
+                <a:tailEnd type="triangle"/>
+              </a:ln>
+            </p:spPr>
+            <p:style>
+              <a:lnRef idx="1">
+                <a:schemeClr val="accent1"/>
+              </a:lnRef>
+              <a:fillRef idx="0">
+                <a:schemeClr val="accent1"/>
+              </a:fillRef>
+              <a:effectRef idx="0">
+                <a:schemeClr val="accent1"/>
+              </a:effectRef>
+              <a:fontRef idx="minor">
+                <a:schemeClr val="tx1"/>
+              </a:fontRef>
+            </p:style>
+          </p:cxnSp>
+          <mc:AlternateContent xmlns:mc="http://schemas.openxmlformats.org/markup-compatibility/2006" xmlns:a14="http://schemas.microsoft.com/office/drawing/2010/main">
+            <mc:Choice Requires="a14">
+              <p:sp>
+                <p:nvSpPr>
+                  <p:cNvPr id="48" name="TextBox 47"/>
+                  <p:cNvSpPr txBox="1"/>
+                  <p:nvPr/>
+                </p:nvSpPr>
+                <p:spPr>
+                  <a:xfrm>
+                    <a:off x="9641606" y="2905358"/>
+                    <a:ext cx="307712" cy="307777"/>
+                  </a:xfrm>
+                  <a:prstGeom prst="rect">
+                    <a:avLst/>
+                  </a:prstGeom>
+                  <a:noFill/>
+                </p:spPr>
+                <p:txBody>
+                  <a:bodyPr wrap="none" lIns="0" tIns="0" rIns="0" bIns="0" rtlCol="0">
+                    <a:spAutoFit/>
+                  </a:bodyPr>
+                  <a:lstStyle/>
+                  <a:p>
+                    <a:pPr/>
+                    <a14:m>
+                      <m:oMathPara xmlns:m="http://schemas.openxmlformats.org/officeDocument/2006/math">
+                        <m:oMathParaPr>
+                          <m:jc m:val="centerGroup"/>
+                        </m:oMathParaPr>
+                        <m:oMath xmlns:m="http://schemas.openxmlformats.org/officeDocument/2006/math">
+                          <m:sSub>
+                            <m:sSubPr>
+                              <m:ctrlPr>
+                                <a:rPr lang="en-US" sz="2000" b="0" i="1" smtClean="0">
+                                  <a:latin typeface="Cambria Math" charset="0"/>
+                                </a:rPr>
+                              </m:ctrlPr>
+                            </m:sSubPr>
+                            <m:e>
+                              <m:r>
+                                <a:rPr lang="en-US" sz="2000" b="0" i="1" smtClean="0">
+                                  <a:latin typeface="Cambria Math" charset="0"/>
+                                </a:rPr>
+                                <m:t>𝛿</m:t>
+                              </m:r>
+                            </m:e>
+                            <m:sub>
+                              <m:r>
+                                <a:rPr lang="en-US" sz="2000" b="0" i="1" smtClean="0">
+                                  <a:latin typeface="Cambria Math" charset="0"/>
+                                </a:rPr>
+                                <m:t>3</m:t>
+                              </m:r>
+                            </m:sub>
+                          </m:sSub>
+                        </m:oMath>
+                      </m:oMathPara>
+                    </a14:m>
+                    <a:endParaRPr lang="en-US" sz="2000" b="0" i="1" dirty="0" smtClean="0"/>
+                  </a:p>
+                </p:txBody>
+              </p:sp>
+            </mc:Choice>
+            <mc:Fallback xmlns="">
+              <p:sp>
+                <p:nvSpPr>
+                  <p:cNvPr id="48" name="TextBox 47"/>
+                  <p:cNvSpPr txBox="1">
+                    <a:spLocks noRot="1" noChangeAspect="1" noMove="1" noResize="1" noEditPoints="1" noAdjustHandles="1" noChangeArrowheads="1" noChangeShapeType="1" noTextEdit="1"/>
+                  </p:cNvSpPr>
+                  <p:nvPr/>
+                </p:nvSpPr>
+                <p:spPr>
+                  <a:xfrm>
+                    <a:off x="9641606" y="2905358"/>
+                    <a:ext cx="307712" cy="307777"/>
+                  </a:xfrm>
+                  <a:prstGeom prst="rect">
+                    <a:avLst/>
+                  </a:prstGeom>
+                  <a:blipFill rotWithShape="0">
+                    <a:blip r:embed="rId7"/>
+                    <a:stretch>
+                      <a:fillRect l="-22000" r="-10000" b="-16000"/>
+                    </a:stretch>
+                  </a:blipFill>
+                </p:spPr>
+                <p:txBody>
+                  <a:bodyPr/>
+                  <a:lstStyle/>
+                  <a:p>
+                    <a:r>
+                      <a:rPr lang="en-US">
+                        <a:noFill/>
+                      </a:rPr>
+                      <a:t> </a:t>
+                    </a:r>
+                  </a:p>
+                </p:txBody>
+              </p:sp>
+            </mc:Fallback>
+          </mc:AlternateContent>
+          <p:cxnSp>
+            <p:nvCxnSpPr>
+              <p:cNvPr id="52" name="Straight Arrow Connector 51"/>
+              <p:cNvCxnSpPr/>
+              <p:nvPr/>
+            </p:nvCxnSpPr>
+            <p:spPr>
+              <a:xfrm>
+                <a:off x="9566489" y="3921579"/>
+                <a:ext cx="0" cy="434957"/>
+              </a:xfrm>
+              <a:prstGeom prst="straightConnector1">
+                <a:avLst/>
+              </a:prstGeom>
+              <a:ln w="25400">
+                <a:solidFill>
+                  <a:schemeClr val="tx1"/>
+                </a:solidFill>
+                <a:headEnd type="triangle"/>
+                <a:tailEnd type="triangle"/>
+              </a:ln>
+            </p:spPr>
+            <p:style>
+              <a:lnRef idx="1">
+                <a:schemeClr val="accent1"/>
+              </a:lnRef>
+              <a:fillRef idx="0">
+                <a:schemeClr val="accent1"/>
+              </a:fillRef>
+              <a:effectRef idx="0">
+                <a:schemeClr val="accent1"/>
+              </a:effectRef>
+              <a:fontRef idx="minor">
+                <a:schemeClr val="tx1"/>
+              </a:fontRef>
+            </p:style>
+          </p:cxnSp>
+          <mc:AlternateContent xmlns:mc="http://schemas.openxmlformats.org/markup-compatibility/2006" xmlns:a14="http://schemas.microsoft.com/office/drawing/2010/main">
+            <mc:Choice Requires="a14">
+              <p:sp>
+                <p:nvSpPr>
+                  <p:cNvPr id="53" name="TextBox 52"/>
+                  <p:cNvSpPr txBox="1"/>
+                  <p:nvPr/>
+                </p:nvSpPr>
+                <p:spPr>
+                  <a:xfrm>
+                    <a:off x="9641606" y="3983123"/>
+                    <a:ext cx="266996" cy="307777"/>
+                  </a:xfrm>
+                  <a:prstGeom prst="rect">
+                    <a:avLst/>
+                  </a:prstGeom>
+                  <a:noFill/>
+                </p:spPr>
+                <p:txBody>
+                  <a:bodyPr wrap="none" lIns="0" tIns="0" rIns="0" bIns="0" rtlCol="0">
+                    <a:spAutoFit/>
+                  </a:bodyPr>
+                  <a:lstStyle/>
+                  <a:p>
+                    <a:pPr/>
+                    <a14:m>
+                      <m:oMathPara xmlns:m="http://schemas.openxmlformats.org/officeDocument/2006/math">
+                        <m:oMathParaPr>
+                          <m:jc m:val="centerGroup"/>
+                        </m:oMathParaPr>
+                        <m:oMath xmlns:m="http://schemas.openxmlformats.org/officeDocument/2006/math">
+                          <m:sSup>
+                            <m:sSupPr>
+                              <m:ctrlPr>
+                                <a:rPr lang="en-US" sz="2000" b="0" i="1" smtClean="0">
+                                  <a:latin typeface="Cambria Math" charset="0"/>
+                                </a:rPr>
+                              </m:ctrlPr>
+                            </m:sSupPr>
+                            <m:e>
+                              <m:r>
+                                <a:rPr lang="en-US" sz="2000" b="0" i="1" smtClean="0">
+                                  <a:latin typeface="Cambria Math" charset="0"/>
+                                </a:rPr>
+                                <m:t>𝜏</m:t>
+                              </m:r>
+                            </m:e>
+                            <m:sup>
+                              <m:r>
+                                <a:rPr lang="en-US" sz="2000" b="0" i="1" smtClean="0">
+                                  <a:latin typeface="Cambria Math" charset="0"/>
+                                </a:rPr>
+                                <m:t>′</m:t>
+                              </m:r>
+                            </m:sup>
+                          </m:sSup>
+                        </m:oMath>
+                      </m:oMathPara>
+                    </a14:m>
+                    <a:endParaRPr lang="en-US" sz="2000" b="0" i="1" dirty="0" smtClean="0"/>
+                  </a:p>
+                </p:txBody>
+              </p:sp>
+            </mc:Choice>
+            <mc:Fallback xmlns="">
+              <p:sp>
+                <p:nvSpPr>
+                  <p:cNvPr id="53" name="TextBox 52"/>
+                  <p:cNvSpPr txBox="1">
+                    <a:spLocks noRot="1" noChangeAspect="1" noMove="1" noResize="1" noEditPoints="1" noAdjustHandles="1" noChangeArrowheads="1" noChangeShapeType="1" noTextEdit="1"/>
+                  </p:cNvSpPr>
+                  <p:nvPr/>
+                </p:nvSpPr>
+                <p:spPr>
+                  <a:xfrm>
+                    <a:off x="9641606" y="3983123"/>
+                    <a:ext cx="266996" cy="307777"/>
+                  </a:xfrm>
+                  <a:prstGeom prst="rect">
+                    <a:avLst/>
+                  </a:prstGeom>
+                  <a:blipFill rotWithShape="0">
+                    <a:blip r:embed="rId8"/>
+                    <a:stretch>
+                      <a:fillRect l="-13953" r="-4651"/>
+                    </a:stretch>
+                  </a:blipFill>
+                </p:spPr>
+                <p:txBody>
+                  <a:bodyPr/>
+                  <a:lstStyle/>
+                  <a:p>
+                    <a:r>
+                      <a:rPr lang="en-US">
+                        <a:noFill/>
+                      </a:rPr>
+                      <a:t> </a:t>
+                    </a:r>
+                  </a:p>
+                </p:txBody>
+              </p:sp>
+            </mc:Fallback>
+          </mc:AlternateContent>
+          <p:cxnSp>
+            <p:nvCxnSpPr>
+              <p:cNvPr id="33" name="Straight Connector 32"/>
+              <p:cNvCxnSpPr/>
+              <p:nvPr/>
+            </p:nvCxnSpPr>
+            <p:spPr>
+              <a:xfrm>
+                <a:off x="5842209" y="3921579"/>
+                <a:ext cx="430866" cy="430866"/>
+              </a:xfrm>
+              <a:prstGeom prst="line">
+                <a:avLst/>
+              </a:prstGeom>
+              <a:ln w="50800">
+                <a:solidFill>
+                  <a:srgbClr val="00B050"/>
+                </a:solidFill>
+                <a:prstDash val="sysDash"/>
+              </a:ln>
+            </p:spPr>
+            <p:style>
+              <a:lnRef idx="1">
+                <a:schemeClr val="accent1"/>
+              </a:lnRef>
+              <a:fillRef idx="0">
+                <a:schemeClr val="accent1"/>
+              </a:fillRef>
+              <a:effectRef idx="0">
+                <a:schemeClr val="accent1"/>
+              </a:effectRef>
+              <a:fontRef idx="minor">
+                <a:schemeClr val="tx1"/>
+              </a:fontRef>
+            </p:style>
+          </p:cxnSp>
+          <p:sp>
+            <p:nvSpPr>
+              <p:cNvPr id="35" name="TextBox 34"/>
+              <p:cNvSpPr txBox="1"/>
+              <p:nvPr/>
+            </p:nvSpPr>
+            <p:spPr>
+              <a:xfrm>
+                <a:off x="5749861" y="3958472"/>
+                <a:ext cx="223284" cy="270757"/>
+              </a:xfrm>
+              <a:prstGeom prst="rect">
+                <a:avLst/>
+              </a:prstGeom>
+              <a:noFill/>
+            </p:spPr>
+            <p:txBody>
+              <a:bodyPr wrap="square" rtlCol="0">
+                <a:spAutoFit/>
+              </a:bodyPr>
+              <a:lstStyle/>
+              <a:p>
+                <a:pPr algn="ctr"/>
+                <a:r>
+                  <a:rPr lang="en-US" sz="2000" dirty="0" smtClean="0">
+                    <a:solidFill>
+                      <a:srgbClr val="FF0000"/>
+                    </a:solidFill>
+                    <a:latin typeface="Cambria Math" charset="0"/>
+                    <a:ea typeface="Cambria Math" charset="0"/>
+                    <a:cs typeface="Cambria Math" charset="0"/>
+                  </a:rPr>
+                  <a:t>4</a:t>
+                </a:r>
+                <a:endParaRPr lang="en-US" sz="2000" dirty="0">
+                  <a:solidFill>
+                    <a:srgbClr val="FF0000"/>
+                  </a:solidFill>
+                  <a:latin typeface="Cambria Math" charset="0"/>
+                  <a:ea typeface="Cambria Math" charset="0"/>
+                  <a:cs typeface="Cambria Math" charset="0"/>
+                </a:endParaRPr>
+              </a:p>
+            </p:txBody>
+          </p:sp>
+          <p:cxnSp>
+            <p:nvCxnSpPr>
+              <p:cNvPr id="36" name="Straight Connector 35"/>
+              <p:cNvCxnSpPr/>
+              <p:nvPr/>
+            </p:nvCxnSpPr>
+            <p:spPr>
+              <a:xfrm>
+                <a:off x="2375335" y="3923333"/>
+                <a:ext cx="7083973" cy="0"/>
+              </a:xfrm>
+              <a:prstGeom prst="line">
+                <a:avLst/>
+              </a:prstGeom>
+              <a:ln w="12700">
+                <a:solidFill>
+                  <a:schemeClr val="tx1"/>
+                </a:solidFill>
+                <a:prstDash val="sysDot"/>
+              </a:ln>
+            </p:spPr>
+            <p:style>
+              <a:lnRef idx="1">
+                <a:schemeClr val="accent1"/>
+              </a:lnRef>
+              <a:fillRef idx="0">
+                <a:schemeClr val="accent1"/>
+              </a:fillRef>
+              <a:effectRef idx="0">
+                <a:schemeClr val="accent1"/>
+              </a:effectRef>
+              <a:fontRef idx="minor">
+                <a:schemeClr val="tx1"/>
+              </a:fontRef>
+            </p:style>
+          </p:cxnSp>
+          <p:cxnSp>
+            <p:nvCxnSpPr>
+              <p:cNvPr id="43" name="Straight Arrow Connector 42"/>
+              <p:cNvCxnSpPr/>
+              <p:nvPr/>
+            </p:nvCxnSpPr>
+            <p:spPr>
+              <a:xfrm flipH="1">
+                <a:off x="9565632" y="3431632"/>
+                <a:ext cx="2" cy="489947"/>
+              </a:xfrm>
+              <a:prstGeom prst="straightConnector1">
+                <a:avLst/>
+              </a:prstGeom>
+              <a:ln w="25400">
+                <a:solidFill>
+                  <a:schemeClr val="tx1"/>
+                </a:solidFill>
+                <a:headEnd type="triangle"/>
+                <a:tailEnd type="triangle"/>
+              </a:ln>
+            </p:spPr>
+            <p:style>
+              <a:lnRef idx="1">
+                <a:schemeClr val="accent1"/>
+              </a:lnRef>
+              <a:fillRef idx="0">
+                <a:schemeClr val="accent1"/>
+              </a:fillRef>
+              <a:effectRef idx="0">
+                <a:schemeClr val="accent1"/>
+              </a:effectRef>
+              <a:fontRef idx="minor">
+                <a:schemeClr val="tx1"/>
+              </a:fontRef>
+            </p:style>
+          </p:cxnSp>
+          <mc:AlternateContent xmlns:mc="http://schemas.openxmlformats.org/markup-compatibility/2006" xmlns:a14="http://schemas.microsoft.com/office/drawing/2010/main">
+            <mc:Choice Requires="a14">
+              <p:sp>
+                <p:nvSpPr>
+                  <p:cNvPr id="49" name="TextBox 48"/>
+                  <p:cNvSpPr txBox="1"/>
+                  <p:nvPr/>
+                </p:nvSpPr>
+                <p:spPr>
+                  <a:xfrm>
+                    <a:off x="9641606" y="3522716"/>
+                    <a:ext cx="307712" cy="307777"/>
+                  </a:xfrm>
+                  <a:prstGeom prst="rect">
+                    <a:avLst/>
+                  </a:prstGeom>
+                  <a:noFill/>
+                </p:spPr>
+                <p:txBody>
+                  <a:bodyPr wrap="none" lIns="0" tIns="0" rIns="0" bIns="0" rtlCol="0">
+                    <a:spAutoFit/>
+                  </a:bodyPr>
+                  <a:lstStyle/>
+                  <a:p>
+                    <a:pPr/>
+                    <a14:m>
+                      <m:oMathPara xmlns:m="http://schemas.openxmlformats.org/officeDocument/2006/math">
+                        <m:oMathParaPr>
+                          <m:jc m:val="centerGroup"/>
+                        </m:oMathParaPr>
+                        <m:oMath xmlns:m="http://schemas.openxmlformats.org/officeDocument/2006/math">
+                          <m:sSub>
+                            <m:sSubPr>
+                              <m:ctrlPr>
+                                <a:rPr lang="en-US" sz="2000" b="0" i="1" smtClean="0">
+                                  <a:latin typeface="Cambria Math" charset="0"/>
+                                </a:rPr>
+                              </m:ctrlPr>
+                            </m:sSubPr>
+                            <m:e>
+                              <m:r>
+                                <a:rPr lang="en-US" sz="2000" b="0" i="1" smtClean="0">
+                                  <a:latin typeface="Cambria Math" charset="0"/>
+                                </a:rPr>
+                                <m:t>𝛿</m:t>
+                              </m:r>
+                            </m:e>
+                            <m:sub>
+                              <m:r>
+                                <a:rPr lang="en-US" sz="2000" b="0" i="1" smtClean="0">
+                                  <a:latin typeface="Cambria Math" charset="0"/>
+                                </a:rPr>
+                                <m:t>4</m:t>
+                              </m:r>
+                            </m:sub>
+                          </m:sSub>
+                        </m:oMath>
+                      </m:oMathPara>
+                    </a14:m>
+                    <a:endParaRPr lang="en-US" sz="2000" b="0" i="1" dirty="0" smtClean="0"/>
+                  </a:p>
+                </p:txBody>
+              </p:sp>
+            </mc:Choice>
+            <mc:Fallback xmlns="">
+              <p:sp>
+                <p:nvSpPr>
+                  <p:cNvPr id="49" name="TextBox 48"/>
+                  <p:cNvSpPr txBox="1">
+                    <a:spLocks noRot="1" noChangeAspect="1" noMove="1" noResize="1" noEditPoints="1" noAdjustHandles="1" noChangeArrowheads="1" noChangeShapeType="1" noTextEdit="1"/>
+                  </p:cNvSpPr>
+                  <p:nvPr/>
+                </p:nvSpPr>
+                <p:spPr>
+                  <a:xfrm>
+                    <a:off x="9641606" y="3522716"/>
+                    <a:ext cx="307712" cy="307777"/>
+                  </a:xfrm>
+                  <a:prstGeom prst="rect">
+                    <a:avLst/>
+                  </a:prstGeom>
+                  <a:blipFill rotWithShape="0">
+                    <a:blip r:embed="rId9"/>
+                    <a:stretch>
+                      <a:fillRect l="-22000" r="-10000" b="-16000"/>
+                    </a:stretch>
+                  </a:blipFill>
+                </p:spPr>
+                <p:txBody>
+                  <a:bodyPr/>
+                  <a:lstStyle/>
+                  <a:p>
+                    <a:r>
+                      <a:rPr lang="en-US">
+                        <a:noFill/>
+                      </a:rPr>
+                      <a:t> </a:t>
+                    </a:r>
+                  </a:p>
+                </p:txBody>
+              </p:sp>
+            </mc:Fallback>
+          </mc:AlternateContent>
+        </p:grpSp>
         <mc:AlternateContent xmlns:mc="http://schemas.openxmlformats.org/markup-compatibility/2006">
           <mc:Choice xmlns:a14="http://schemas.microsoft.com/office/drawing/2010/main" Requires="a14">
             <p:sp>
               <p:nvSpPr>
-                <p:cNvPr id="31" name="TextBox 30"/>
+                <p:cNvPr id="3" name="TextBox 2"/>
                 <p:cNvSpPr txBox="1"/>
                 <p:nvPr/>
               </p:nvSpPr>
               <p:spPr>
                 <a:xfrm>
-                  <a:off x="5149154" y="1555183"/>
-                  <a:ext cx="329642" cy="307777"/>
+                  <a:off x="6108475" y="681716"/>
+                  <a:ext cx="685800" cy="369332"/>
                 </a:xfrm>
                 <a:prstGeom prst="rect">
                   <a:avLst/>
@@ -3394,59 +4759,59 @@
                 <a:noFill/>
               </p:spPr>
               <p:txBody>
-                <a:bodyPr wrap="none" lIns="0" tIns="0" rIns="0" bIns="0" rtlCol="0">
+                <a:bodyPr wrap="square" rtlCol="0">
                   <a:spAutoFit/>
                 </a:bodyPr>
                 <a:lstStyle/>
                 <a:p>
-                  <a:pPr/>
+                  <a:pPr algn="ctr"/>
                   <a14:m>
-                    <m:oMathPara xmlns:m="http://schemas.openxmlformats.org/officeDocument/2006/math">
-                      <m:oMathParaPr>
-                        <m:jc m:val="centerGroup"/>
-                      </m:oMathParaPr>
-                      <m:oMath xmlns:m="http://schemas.openxmlformats.org/officeDocument/2006/math">
-                        <m:sSub>
-                          <m:sSubPr>
-                            <m:ctrlPr>
-                              <a:rPr lang="en-US" sz="2000" b="1" i="1" smtClean="0">
-                                <a:solidFill>
-                                  <a:srgbClr val="0070C0"/>
-                                </a:solidFill>
-                                <a:latin typeface="Cambria Math" charset="0"/>
-                              </a:rPr>
-                            </m:ctrlPr>
-                          </m:sSubPr>
-                          <m:e>
-                            <m:r>
-                              <a:rPr lang="en-US" sz="2000" b="1" i="1" smtClean="0">
-                                <a:solidFill>
-                                  <a:srgbClr val="0070C0"/>
-                                </a:solidFill>
-                                <a:latin typeface="Cambria Math" charset="0"/>
-                              </a:rPr>
-                              <m:t>𝝀</m:t>
-                            </m:r>
-                          </m:e>
-                          <m:sub>
-                            <m:r>
-                              <a:rPr lang="en-US" sz="2000" b="1" i="1" smtClean="0">
-                                <a:solidFill>
-                                  <a:srgbClr val="0070C0"/>
-                                </a:solidFill>
-                                <a:latin typeface="Cambria Math" charset="0"/>
-                              </a:rPr>
-                              <m:t>𝒂</m:t>
-                            </m:r>
-                          </m:sub>
-                        </m:sSub>
-                      </m:oMath>
-                    </m:oMathPara>
+                    <m:oMath xmlns:m="http://schemas.openxmlformats.org/officeDocument/2006/math">
+                      <m:sSub>
+                        <m:sSubPr>
+                          <m:ctrlPr>
+                            <a:rPr lang="en-US" b="0" i="1" smtClean="0">
+                              <a:latin typeface="Cambria Math" charset="0"/>
+                              <a:ea typeface="Cambria Math" charset="0"/>
+                              <a:cs typeface="Cambria Math" charset="0"/>
+                            </a:rPr>
+                          </m:ctrlPr>
+                        </m:sSubPr>
+                        <m:e>
+                          <m:r>
+                            <a:rPr lang="en-US" b="0" i="1" smtClean="0">
+                              <a:latin typeface="Cambria Math" charset="0"/>
+                              <a:ea typeface="Cambria Math" charset="0"/>
+                              <a:cs typeface="Cambria Math" charset="0"/>
+                            </a:rPr>
+                            <m:t>𝑙</m:t>
+                          </m:r>
+                        </m:e>
+                        <m:sub>
+                          <m:r>
+                            <a:rPr lang="en-US" b="0" i="1" smtClean="0">
+                              <a:latin typeface="Cambria Math" charset="0"/>
+                              <a:ea typeface="Cambria Math" charset="0"/>
+                              <a:cs typeface="Cambria Math" charset="0"/>
+                            </a:rPr>
+                            <m:t>0</m:t>
+                          </m:r>
+                        </m:sub>
+                      </m:sSub>
+                    </m:oMath>
                   </a14:m>
-                  <a:endParaRPr lang="en-US" sz="2000" b="1" dirty="0">
-                    <a:solidFill>
-                      <a:srgbClr val="0070C0"/>
-                    </a:solidFill>
+                  <a:r>
+                    <a:rPr lang="en-US" dirty="0" smtClean="0">
+                      <a:latin typeface="Cambria Math" charset="0"/>
+                      <a:ea typeface="Cambria Math" charset="0"/>
+                      <a:cs typeface="Cambria Math" charset="0"/>
+                    </a:rPr>
+                    <a:t>=0</a:t>
+                  </a:r>
+                  <a:endParaRPr lang="en-US" dirty="0">
+                    <a:latin typeface="Cambria Math" charset="0"/>
+                    <a:ea typeface="Cambria Math" charset="0"/>
+                    <a:cs typeface="Cambria Math" charset="0"/>
                   </a:endParaRPr>
                 </a:p>
               </p:txBody>
@@ -3455,7 +4820,7 @@
           <mc:Fallback>
             <p:sp>
               <p:nvSpPr>
-                <p:cNvPr id="31" name="TextBox 30"/>
+                <p:cNvPr id="3" name="TextBox 2"/>
                 <p:cNvSpPr txBox="1">
                   <a:spLocks noRot="1" noChangeAspect="1" noMove="1" noResize="1" noEditPoints="1" noAdjustHandles="1" noChangeArrowheads="1" noChangeShapeType="1" noTextEdit="1"/>
                 </p:cNvSpPr>
@@ -3463,16 +4828,16 @@
               </p:nvSpPr>
               <p:spPr>
                 <a:xfrm>
-                  <a:off x="5149154" y="1555183"/>
-                  <a:ext cx="329642" cy="307777"/>
+                  <a:off x="6108475" y="681716"/>
+                  <a:ext cx="685800" cy="369332"/>
                 </a:xfrm>
                 <a:prstGeom prst="rect">
                   <a:avLst/>
                 </a:prstGeom>
                 <a:blipFill rotWithShape="0">
-                  <a:blip r:embed="rId2"/>
+                  <a:blip r:embed="rId10"/>
                   <a:stretch>
-                    <a:fillRect l="-1351"/>
+                    <a:fillRect t="-11667" r="-5310" b="-25000"/>
                   </a:stretch>
                 </a:blipFill>
               </p:spPr>
@@ -3495,14 +4860,14 @@
           <mc:Choice xmlns:a14="http://schemas.microsoft.com/office/drawing/2010/main" Requires="a14">
             <p:sp>
               <p:nvSpPr>
-                <p:cNvPr id="32" name="TextBox 31"/>
+                <p:cNvPr id="50" name="TextBox 49"/>
                 <p:cNvSpPr txBox="1"/>
                 <p:nvPr/>
               </p:nvSpPr>
               <p:spPr>
                 <a:xfrm>
-                  <a:off x="6354159" y="1556010"/>
-                  <a:ext cx="329642" cy="307777"/>
+                  <a:off x="6964208" y="1606932"/>
+                  <a:ext cx="685800" cy="369332"/>
                 </a:xfrm>
                 <a:prstGeom prst="rect">
                   <a:avLst/>
@@ -3510,59 +4875,59 @@
                 <a:noFill/>
               </p:spPr>
               <p:txBody>
-                <a:bodyPr wrap="none" lIns="0" tIns="0" rIns="0" bIns="0" rtlCol="0">
+                <a:bodyPr wrap="square" rtlCol="0">
                   <a:spAutoFit/>
                 </a:bodyPr>
                 <a:lstStyle/>
                 <a:p>
-                  <a:pPr/>
+                  <a:pPr algn="ctr"/>
                   <a14:m>
-                    <m:oMathPara xmlns:m="http://schemas.openxmlformats.org/officeDocument/2006/math">
-                      <m:oMathParaPr>
-                        <m:jc m:val="centerGroup"/>
-                      </m:oMathParaPr>
-                      <m:oMath xmlns:m="http://schemas.openxmlformats.org/officeDocument/2006/math">
-                        <m:sSub>
-                          <m:sSubPr>
-                            <m:ctrlPr>
-                              <a:rPr lang="en-US" sz="2000" b="1" i="1" smtClean="0">
-                                <a:solidFill>
-                                  <a:srgbClr val="00B050"/>
-                                </a:solidFill>
-                                <a:latin typeface="Cambria Math" charset="0"/>
-                              </a:rPr>
-                            </m:ctrlPr>
-                          </m:sSubPr>
-                          <m:e>
-                            <m:r>
-                              <a:rPr lang="en-US" sz="2000" b="1" i="1" smtClean="0">
-                                <a:solidFill>
-                                  <a:srgbClr val="00B050"/>
-                                </a:solidFill>
-                                <a:latin typeface="Cambria Math" charset="0"/>
-                              </a:rPr>
-                              <m:t>𝝀</m:t>
-                            </m:r>
-                          </m:e>
-                          <m:sub>
-                            <m:r>
-                              <a:rPr lang="en-US" sz="2000" b="1" i="1" smtClean="0">
-                                <a:solidFill>
-                                  <a:srgbClr val="00B050"/>
-                                </a:solidFill>
-                                <a:latin typeface="Cambria Math" charset="0"/>
-                              </a:rPr>
-                              <m:t>𝒃</m:t>
-                            </m:r>
-                          </m:sub>
-                        </m:sSub>
-                      </m:oMath>
-                    </m:oMathPara>
+                    <m:oMath xmlns:m="http://schemas.openxmlformats.org/officeDocument/2006/math">
+                      <m:sSub>
+                        <m:sSubPr>
+                          <m:ctrlPr>
+                            <a:rPr lang="en-US" b="0" i="1" smtClean="0">
+                              <a:latin typeface="Cambria Math" charset="0"/>
+                              <a:ea typeface="Cambria Math" charset="0"/>
+                              <a:cs typeface="Cambria Math" charset="0"/>
+                            </a:rPr>
+                          </m:ctrlPr>
+                        </m:sSubPr>
+                        <m:e>
+                          <m:r>
+                            <a:rPr lang="en-US" b="0" i="1" smtClean="0">
+                              <a:latin typeface="Cambria Math" charset="0"/>
+                              <a:ea typeface="Cambria Math" charset="0"/>
+                              <a:cs typeface="Cambria Math" charset="0"/>
+                            </a:rPr>
+                            <m:t>𝑙</m:t>
+                          </m:r>
+                        </m:e>
+                        <m:sub>
+                          <m:r>
+                            <a:rPr lang="en-US" b="0" i="1" smtClean="0">
+                              <a:latin typeface="Cambria Math" charset="0"/>
+                              <a:ea typeface="Cambria Math" charset="0"/>
+                              <a:cs typeface="Cambria Math" charset="0"/>
+                            </a:rPr>
+                            <m:t>1</m:t>
+                          </m:r>
+                        </m:sub>
+                      </m:sSub>
+                    </m:oMath>
                   </a14:m>
-                  <a:endParaRPr lang="en-US" sz="2000" b="1" dirty="0">
-                    <a:solidFill>
-                      <a:srgbClr val="00B050"/>
-                    </a:solidFill>
+                  <a:r>
+                    <a:rPr lang="en-US" dirty="0" smtClean="0">
+                      <a:latin typeface="Cambria Math" charset="0"/>
+                      <a:ea typeface="Cambria Math" charset="0"/>
+                      <a:cs typeface="Cambria Math" charset="0"/>
+                    </a:rPr>
+                    <a:t>=1</a:t>
+                  </a:r>
+                  <a:endParaRPr lang="en-US" dirty="0">
+                    <a:latin typeface="Cambria Math" charset="0"/>
+                    <a:ea typeface="Cambria Math" charset="0"/>
+                    <a:cs typeface="Cambria Math" charset="0"/>
                   </a:endParaRPr>
                 </a:p>
               </p:txBody>
@@ -3571,7 +4936,7 @@
           <mc:Fallback>
             <p:sp>
               <p:nvSpPr>
-                <p:cNvPr id="32" name="TextBox 31"/>
+                <p:cNvPr id="50" name="TextBox 49"/>
                 <p:cNvSpPr txBox="1">
                   <a:spLocks noRot="1" noChangeAspect="1" noMove="1" noResize="1" noEditPoints="1" noAdjustHandles="1" noChangeArrowheads="1" noChangeShapeType="1" noTextEdit="1"/>
                 </p:cNvSpPr>
@@ -3579,16 +4944,16 @@
               </p:nvSpPr>
               <p:spPr>
                 <a:xfrm>
-                  <a:off x="6354159" y="1556010"/>
-                  <a:ext cx="329642" cy="307777"/>
+                  <a:off x="6964208" y="1606932"/>
+                  <a:ext cx="685800" cy="369332"/>
                 </a:xfrm>
                 <a:prstGeom prst="rect">
                   <a:avLst/>
                 </a:prstGeom>
                 <a:blipFill rotWithShape="0">
-                  <a:blip r:embed="rId3"/>
+                  <a:blip r:embed="rId11"/>
                   <a:stretch>
-                    <a:fillRect/>
+                    <a:fillRect t="-11667" r="-4425" b="-25000"/>
                   </a:stretch>
                 </a:blipFill>
               </p:spPr>
@@ -3607,55 +4972,18 @@
             </p:sp>
           </mc:Fallback>
         </mc:AlternateContent>
-        <p:cxnSp>
-          <p:nvCxnSpPr>
-            <p:cNvPr id="34" name="Straight Arrow Connector 33"/>
-            <p:cNvCxnSpPr/>
-            <p:nvPr/>
-          </p:nvCxnSpPr>
-          <p:spPr>
-            <a:xfrm>
-              <a:off x="2269010" y="1408387"/>
-              <a:ext cx="0" cy="2948149"/>
-            </a:xfrm>
-            <a:prstGeom prst="straightConnector1">
-              <a:avLst/>
-            </a:prstGeom>
-            <a:ln w="25400">
-              <a:solidFill>
-                <a:schemeClr val="tx1"/>
-              </a:solidFill>
-              <a:headEnd type="triangle"/>
-              <a:tailEnd type="triangle"/>
-            </a:ln>
-          </p:spPr>
-          <p:style>
-            <a:lnRef idx="1">
-              <a:schemeClr val="accent1"/>
-            </a:lnRef>
-            <a:fillRef idx="0">
-              <a:schemeClr val="accent1"/>
-            </a:fillRef>
-            <a:effectRef idx="0">
-              <a:schemeClr val="accent1"/>
-            </a:effectRef>
-            <a:fontRef idx="minor">
-              <a:schemeClr val="tx1"/>
-            </a:fontRef>
-          </p:style>
-        </p:cxnSp>
-        <mc:AlternateContent xmlns:mc="http://schemas.openxmlformats.org/markup-compatibility/2006" xmlns:a14="http://schemas.microsoft.com/office/drawing/2010/main">
-          <mc:Choice Requires="a14">
+        <mc:AlternateContent xmlns:mc="http://schemas.openxmlformats.org/markup-compatibility/2006">
+          <mc:Choice xmlns:a14="http://schemas.microsoft.com/office/drawing/2010/main" Requires="a14">
             <p:sp>
               <p:nvSpPr>
-                <p:cNvPr id="37" name="TextBox 36"/>
+                <p:cNvPr id="51" name="TextBox 50"/>
                 <p:cNvSpPr txBox="1"/>
                 <p:nvPr/>
               </p:nvSpPr>
               <p:spPr>
                 <a:xfrm>
-                  <a:off x="2011948" y="2499972"/>
-                  <a:ext cx="180241" cy="307777"/>
+                  <a:off x="7799232" y="2520539"/>
+                  <a:ext cx="685800" cy="369332"/>
                 </a:xfrm>
                 <a:prstGeom prst="rect">
                   <a:avLst/>
@@ -3663,36 +4991,68 @@
                 <a:noFill/>
               </p:spPr>
               <p:txBody>
-                <a:bodyPr wrap="none" lIns="0" tIns="0" rIns="0" bIns="0" rtlCol="0">
+                <a:bodyPr wrap="square" rtlCol="0">
                   <a:spAutoFit/>
                 </a:bodyPr>
                 <a:lstStyle/>
                 <a:p>
-                  <a:pPr/>
+                  <a:pPr algn="ctr"/>
                   <a14:m>
-                    <m:oMathPara xmlns:m="http://schemas.openxmlformats.org/officeDocument/2006/math">
-                      <m:oMathParaPr>
-                        <m:jc m:val="centerGroup"/>
-                      </m:oMathParaPr>
-                      <m:oMath xmlns:m="http://schemas.openxmlformats.org/officeDocument/2006/math">
-                        <m:r>
-                          <a:rPr lang="en-US" sz="2000" b="0" i="1" smtClean="0">
-                            <a:latin typeface="Cambria Math" charset="0"/>
-                          </a:rPr>
-                          <m:t>𝜏</m:t>
-                        </m:r>
-                      </m:oMath>
-                    </m:oMathPara>
+                    <m:oMath xmlns:m="http://schemas.openxmlformats.org/officeDocument/2006/math">
+                      <m:sSub>
+                        <m:sSubPr>
+                          <m:ctrlPr>
+                            <a:rPr lang="en-US" b="0" i="1" smtClean="0">
+                              <a:latin typeface="Cambria Math" charset="0"/>
+                              <a:ea typeface="Cambria Math" charset="0"/>
+                              <a:cs typeface="Cambria Math" charset="0"/>
+                            </a:rPr>
+                          </m:ctrlPr>
+                        </m:sSubPr>
+                        <m:e>
+                          <m:r>
+                            <a:rPr lang="en-US" b="0" i="1" smtClean="0">
+                              <a:latin typeface="Cambria Math" charset="0"/>
+                              <a:ea typeface="Cambria Math" charset="0"/>
+                              <a:cs typeface="Cambria Math" charset="0"/>
+                            </a:rPr>
+                            <m:t>𝑙</m:t>
+                          </m:r>
+                        </m:e>
+                        <m:sub>
+                          <m:r>
+                            <a:rPr lang="en-US" b="0" i="1" smtClean="0">
+                              <a:latin typeface="Cambria Math" charset="0"/>
+                              <a:ea typeface="Cambria Math" charset="0"/>
+                              <a:cs typeface="Cambria Math" charset="0"/>
+                            </a:rPr>
+                            <m:t>2</m:t>
+                          </m:r>
+                        </m:sub>
+                      </m:sSub>
+                    </m:oMath>
                   </a14:m>
-                  <a:endParaRPr lang="en-US" sz="2000" b="0" i="1" dirty="0" smtClean="0"/>
+                  <a:r>
+                    <a:rPr lang="en-US" dirty="0" smtClean="0">
+                      <a:latin typeface="Cambria Math" charset="0"/>
+                      <a:ea typeface="Cambria Math" charset="0"/>
+                      <a:cs typeface="Cambria Math" charset="0"/>
+                    </a:rPr>
+                    <a:t>=2</a:t>
+                  </a:r>
+                  <a:endParaRPr lang="en-US" dirty="0">
+                    <a:latin typeface="Cambria Math" charset="0"/>
+                    <a:ea typeface="Cambria Math" charset="0"/>
+                    <a:cs typeface="Cambria Math" charset="0"/>
+                  </a:endParaRPr>
                 </a:p>
               </p:txBody>
             </p:sp>
           </mc:Choice>
-          <mc:Fallback xmlns="">
+          <mc:Fallback>
             <p:sp>
               <p:nvSpPr>
-                <p:cNvPr id="37" name="TextBox 36"/>
+                <p:cNvPr id="51" name="TextBox 50"/>
                 <p:cNvSpPr txBox="1">
                   <a:spLocks noRot="1" noChangeAspect="1" noMove="1" noResize="1" noEditPoints="1" noAdjustHandles="1" noChangeArrowheads="1" noChangeShapeType="1" noTextEdit="1"/>
                 </p:cNvSpPr>
@@ -3700,16 +5060,248 @@
               </p:nvSpPr>
               <p:spPr>
                 <a:xfrm>
-                  <a:off x="2011948" y="2499972"/>
-                  <a:ext cx="180241" cy="307777"/>
+                  <a:off x="7799232" y="2520539"/>
+                  <a:ext cx="685800" cy="369332"/>
                 </a:xfrm>
                 <a:prstGeom prst="rect">
                   <a:avLst/>
                 </a:prstGeom>
                 <a:blipFill rotWithShape="0">
-                  <a:blip r:embed="rId4"/>
+                  <a:blip r:embed="rId12"/>
                   <a:stretch>
-                    <a:fillRect l="-16667" r="-16667"/>
+                    <a:fillRect t="-9836" r="-5310" b="-22951"/>
+                  </a:stretch>
+                </a:blipFill>
+              </p:spPr>
+              <p:txBody>
+                <a:bodyPr/>
+                <a:lstStyle/>
+                <a:p>
+                  <a:r>
+                    <a:rPr lang="en-US">
+                      <a:noFill/>
+                    </a:rPr>
+                    <a:t> </a:t>
+                  </a:r>
+                </a:p>
+              </p:txBody>
+            </p:sp>
+          </mc:Fallback>
+        </mc:AlternateContent>
+        <mc:AlternateContent xmlns:mc="http://schemas.openxmlformats.org/markup-compatibility/2006">
+          <mc:Choice xmlns:a14="http://schemas.microsoft.com/office/drawing/2010/main" Requires="a14">
+            <p:sp>
+              <p:nvSpPr>
+                <p:cNvPr id="54" name="TextBox 53"/>
+                <p:cNvSpPr txBox="1"/>
+                <p:nvPr/>
+              </p:nvSpPr>
+              <p:spPr>
+                <a:xfrm>
+                  <a:off x="6750206" y="3632090"/>
+                  <a:ext cx="685800" cy="369332"/>
+                </a:xfrm>
+                <a:prstGeom prst="rect">
+                  <a:avLst/>
+                </a:prstGeom>
+                <a:noFill/>
+              </p:spPr>
+              <p:txBody>
+                <a:bodyPr wrap="square" rtlCol="0">
+                  <a:spAutoFit/>
+                </a:bodyPr>
+                <a:lstStyle/>
+                <a:p>
+                  <a:pPr algn="ctr"/>
+                  <a14:m>
+                    <m:oMath xmlns:m="http://schemas.openxmlformats.org/officeDocument/2006/math">
+                      <m:sSub>
+                        <m:sSubPr>
+                          <m:ctrlPr>
+                            <a:rPr lang="en-US" b="0" i="1" smtClean="0">
+                              <a:latin typeface="Cambria Math" charset="0"/>
+                              <a:ea typeface="Cambria Math" charset="0"/>
+                              <a:cs typeface="Cambria Math" charset="0"/>
+                            </a:rPr>
+                          </m:ctrlPr>
+                        </m:sSubPr>
+                        <m:e>
+                          <m:r>
+                            <a:rPr lang="en-US" b="0" i="1" smtClean="0">
+                              <a:latin typeface="Cambria Math" charset="0"/>
+                              <a:ea typeface="Cambria Math" charset="0"/>
+                              <a:cs typeface="Cambria Math" charset="0"/>
+                            </a:rPr>
+                            <m:t>𝑙</m:t>
+                          </m:r>
+                        </m:e>
+                        <m:sub>
+                          <m:r>
+                            <a:rPr lang="en-US" b="0" i="1" smtClean="0">
+                              <a:latin typeface="Cambria Math" charset="0"/>
+                              <a:ea typeface="Cambria Math" charset="0"/>
+                              <a:cs typeface="Cambria Math" charset="0"/>
+                            </a:rPr>
+                            <m:t>3</m:t>
+                          </m:r>
+                        </m:sub>
+                      </m:sSub>
+                    </m:oMath>
+                  </a14:m>
+                  <a:r>
+                    <a:rPr lang="en-US" dirty="0" smtClean="0">
+                      <a:latin typeface="Cambria Math" charset="0"/>
+                      <a:ea typeface="Cambria Math" charset="0"/>
+                      <a:cs typeface="Cambria Math" charset="0"/>
+                    </a:rPr>
+                    <a:t>=3</a:t>
+                  </a:r>
+                  <a:endParaRPr lang="en-US" dirty="0">
+                    <a:latin typeface="Cambria Math" charset="0"/>
+                    <a:ea typeface="Cambria Math" charset="0"/>
+                    <a:cs typeface="Cambria Math" charset="0"/>
+                  </a:endParaRPr>
+                </a:p>
+              </p:txBody>
+            </p:sp>
+          </mc:Choice>
+          <mc:Fallback>
+            <p:sp>
+              <p:nvSpPr>
+                <p:cNvPr id="54" name="TextBox 53"/>
+                <p:cNvSpPr txBox="1">
+                  <a:spLocks noRot="1" noChangeAspect="1" noMove="1" noResize="1" noEditPoints="1" noAdjustHandles="1" noChangeArrowheads="1" noChangeShapeType="1" noTextEdit="1"/>
+                </p:cNvSpPr>
+                <p:nvPr/>
+              </p:nvSpPr>
+              <p:spPr>
+                <a:xfrm>
+                  <a:off x="6750206" y="3632090"/>
+                  <a:ext cx="685800" cy="369332"/>
+                </a:xfrm>
+                <a:prstGeom prst="rect">
+                  <a:avLst/>
+                </a:prstGeom>
+                <a:blipFill rotWithShape="0">
+                  <a:blip r:embed="rId13"/>
+                  <a:stretch>
+                    <a:fillRect t="-11667" r="-5310" b="-25000"/>
+                  </a:stretch>
+                </a:blipFill>
+              </p:spPr>
+              <p:txBody>
+                <a:bodyPr/>
+                <a:lstStyle/>
+                <a:p>
+                  <a:r>
+                    <a:rPr lang="en-US">
+                      <a:noFill/>
+                    </a:rPr>
+                    <a:t> </a:t>
+                  </a:r>
+                </a:p>
+              </p:txBody>
+            </p:sp>
+          </mc:Fallback>
+        </mc:AlternateContent>
+        <mc:AlternateContent xmlns:mc="http://schemas.openxmlformats.org/markup-compatibility/2006">
+          <mc:Choice xmlns:a14="http://schemas.microsoft.com/office/drawing/2010/main" Requires="a14">
+            <p:sp>
+              <p:nvSpPr>
+                <p:cNvPr id="55" name="TextBox 54"/>
+                <p:cNvSpPr txBox="1"/>
+                <p:nvPr/>
+              </p:nvSpPr>
+              <p:spPr>
+                <a:xfrm>
+                  <a:off x="5982398" y="4415527"/>
+                  <a:ext cx="685800" cy="369332"/>
+                </a:xfrm>
+                <a:prstGeom prst="rect">
+                  <a:avLst/>
+                </a:prstGeom>
+                <a:noFill/>
+              </p:spPr>
+              <p:txBody>
+                <a:bodyPr wrap="square" rtlCol="0">
+                  <a:spAutoFit/>
+                </a:bodyPr>
+                <a:lstStyle/>
+                <a:p>
+                  <a:pPr algn="ctr"/>
+                  <a14:m>
+                    <m:oMath xmlns:m="http://schemas.openxmlformats.org/officeDocument/2006/math">
+                      <m:sSub>
+                        <m:sSubPr>
+                          <m:ctrlPr>
+                            <a:rPr lang="en-US" b="0" i="1" smtClean="0">
+                              <a:latin typeface="Cambria Math" charset="0"/>
+                              <a:ea typeface="Cambria Math" charset="0"/>
+                              <a:cs typeface="Cambria Math" charset="0"/>
+                            </a:rPr>
+                          </m:ctrlPr>
+                        </m:sSubPr>
+                        <m:e>
+                          <m:r>
+                            <a:rPr lang="en-US" b="0" i="1" smtClean="0">
+                              <a:latin typeface="Cambria Math" charset="0"/>
+                              <a:ea typeface="Cambria Math" charset="0"/>
+                              <a:cs typeface="Cambria Math" charset="0"/>
+                            </a:rPr>
+                            <m:t>𝑙</m:t>
+                          </m:r>
+                        </m:e>
+                        <m:sub>
+                          <m:r>
+                            <a:rPr lang="en-US" b="0" i="1" smtClean="0">
+                              <a:latin typeface="Cambria Math" charset="0"/>
+                              <a:ea typeface="Cambria Math" charset="0"/>
+                              <a:cs typeface="Cambria Math" charset="0"/>
+                            </a:rPr>
+                            <m:t>4</m:t>
+                          </m:r>
+                        </m:sub>
+                      </m:sSub>
+                    </m:oMath>
+                  </a14:m>
+                  <a:r>
+                    <a:rPr lang="en-US" dirty="0" smtClean="0">
+                      <a:latin typeface="Cambria Math" charset="0"/>
+                      <a:ea typeface="Cambria Math" charset="0"/>
+                      <a:cs typeface="Cambria Math" charset="0"/>
+                    </a:rPr>
+                    <a:t>=3</a:t>
+                  </a:r>
+                  <a:endParaRPr lang="en-US" dirty="0">
+                    <a:latin typeface="Cambria Math" charset="0"/>
+                    <a:ea typeface="Cambria Math" charset="0"/>
+                    <a:cs typeface="Cambria Math" charset="0"/>
+                  </a:endParaRPr>
+                </a:p>
+              </p:txBody>
+            </p:sp>
+          </mc:Choice>
+          <mc:Fallback>
+            <p:sp>
+              <p:nvSpPr>
+                <p:cNvPr id="55" name="TextBox 54"/>
+                <p:cNvSpPr txBox="1">
+                  <a:spLocks noRot="1" noChangeAspect="1" noMove="1" noResize="1" noEditPoints="1" noAdjustHandles="1" noChangeArrowheads="1" noChangeShapeType="1" noTextEdit="1"/>
+                </p:cNvSpPr>
+                <p:nvPr/>
+              </p:nvSpPr>
+              <p:spPr>
+                <a:xfrm>
+                  <a:off x="5982398" y="4415527"/>
+                  <a:ext cx="685800" cy="369332"/>
+                </a:xfrm>
+                <a:prstGeom prst="rect">
+                  <a:avLst/>
+                </a:prstGeom>
+                <a:blipFill rotWithShape="0">
+                  <a:blip r:embed="rId14"/>
+                  <a:stretch>
+                    <a:fillRect t="-9836" r="-5310" b="-22951"/>
                   </a:stretch>
                 </a:blipFill>
               </p:spPr>
@@ -3730,1552 +5322,245 @@
         </mc:AlternateContent>
         <p:sp>
           <p:nvSpPr>
-            <p:cNvPr id="38" name="TextBox 37"/>
-            <p:cNvSpPr txBox="1"/>
+            <p:cNvPr id="4" name="Oval 3"/>
+            <p:cNvSpPr/>
             <p:nvPr/>
           </p:nvSpPr>
           <p:spPr>
             <a:xfrm>
-              <a:off x="5805680" y="1434665"/>
-              <a:ext cx="223284" cy="270757"/>
+              <a:off x="5854872" y="726308"/>
+              <a:ext cx="110586" cy="110586"/>
             </a:xfrm>
-            <a:prstGeom prst="rect">
+            <a:prstGeom prst="ellipse">
               <a:avLst/>
             </a:prstGeom>
-            <a:noFill/>
+            <a:solidFill>
+              <a:srgbClr val="FF0000"/>
+            </a:solidFill>
+            <a:ln>
+              <a:solidFill>
+                <a:srgbClr val="FF0000"/>
+              </a:solidFill>
+            </a:ln>
           </p:spPr>
+          <p:style>
+            <a:lnRef idx="2">
+              <a:schemeClr val="accent1">
+                <a:shade val="50000"/>
+              </a:schemeClr>
+            </a:lnRef>
+            <a:fillRef idx="1">
+              <a:schemeClr val="accent1"/>
+            </a:fillRef>
+            <a:effectRef idx="0">
+              <a:schemeClr val="accent1"/>
+            </a:effectRef>
+            <a:fontRef idx="minor">
+              <a:schemeClr val="lt1"/>
+            </a:fontRef>
+          </p:style>
           <p:txBody>
-            <a:bodyPr wrap="square" rtlCol="0">
-              <a:spAutoFit/>
-            </a:bodyPr>
+            <a:bodyPr rtlCol="0" anchor="ctr"/>
             <a:lstStyle/>
             <a:p>
               <a:pPr algn="ctr"/>
-              <a:r>
-                <a:rPr lang="en-US" sz="2000" dirty="0" smtClean="0">
-                  <a:latin typeface="Cambria Math" charset="0"/>
-                  <a:ea typeface="Cambria Math" charset="0"/>
-                  <a:cs typeface="Cambria Math" charset="0"/>
-                </a:rPr>
-                <a:t>0</a:t>
-              </a:r>
-              <a:endParaRPr lang="en-US" sz="2000" dirty="0">
-                <a:latin typeface="Cambria Math" charset="0"/>
-                <a:ea typeface="Cambria Math" charset="0"/>
-                <a:cs typeface="Cambria Math" charset="0"/>
-              </a:endParaRPr>
+              <a:endParaRPr lang="en-US"/>
             </a:p>
           </p:txBody>
         </p:sp>
         <p:sp>
           <p:nvSpPr>
-            <p:cNvPr id="39" name="TextBox 38"/>
-            <p:cNvSpPr txBox="1"/>
+            <p:cNvPr id="56" name="Oval 55"/>
+            <p:cNvSpPr/>
             <p:nvPr/>
           </p:nvSpPr>
           <p:spPr>
             <a:xfrm>
-              <a:off x="6446690" y="2040168"/>
-              <a:ext cx="223284" cy="270757"/>
+              <a:off x="6695961" y="1642632"/>
+              <a:ext cx="110586" cy="110586"/>
             </a:xfrm>
-            <a:prstGeom prst="rect">
+            <a:prstGeom prst="ellipse">
               <a:avLst/>
             </a:prstGeom>
-            <a:noFill/>
+            <a:solidFill>
+              <a:srgbClr val="FF0000"/>
+            </a:solidFill>
+            <a:ln>
+              <a:solidFill>
+                <a:srgbClr val="FF0000"/>
+              </a:solidFill>
+            </a:ln>
           </p:spPr>
+          <p:style>
+            <a:lnRef idx="2">
+              <a:schemeClr val="accent1">
+                <a:shade val="50000"/>
+              </a:schemeClr>
+            </a:lnRef>
+            <a:fillRef idx="1">
+              <a:schemeClr val="accent1"/>
+            </a:fillRef>
+            <a:effectRef idx="0">
+              <a:schemeClr val="accent1"/>
+            </a:effectRef>
+            <a:fontRef idx="minor">
+              <a:schemeClr val="lt1"/>
+            </a:fontRef>
+          </p:style>
           <p:txBody>
-            <a:bodyPr wrap="square" rtlCol="0">
-              <a:spAutoFit/>
-            </a:bodyPr>
+            <a:bodyPr rtlCol="0" anchor="ctr"/>
             <a:lstStyle/>
             <a:p>
               <a:pPr algn="ctr"/>
-              <a:r>
-                <a:rPr lang="en-US" sz="2000" dirty="0" smtClean="0">
-                  <a:latin typeface="Cambria Math" charset="0"/>
-                  <a:ea typeface="Cambria Math" charset="0"/>
-                  <a:cs typeface="Cambria Math" charset="0"/>
-                </a:rPr>
-                <a:t>1</a:t>
-              </a:r>
-              <a:endParaRPr lang="en-US" sz="2000" dirty="0">
-                <a:latin typeface="Cambria Math" charset="0"/>
-                <a:ea typeface="Cambria Math" charset="0"/>
-                <a:cs typeface="Cambria Math" charset="0"/>
-              </a:endParaRPr>
+              <a:endParaRPr lang="en-US"/>
             </a:p>
           </p:txBody>
         </p:sp>
         <p:sp>
           <p:nvSpPr>
-            <p:cNvPr id="40" name="TextBox 39"/>
-            <p:cNvSpPr txBox="1"/>
+            <p:cNvPr id="57" name="Oval 56"/>
+            <p:cNvSpPr/>
             <p:nvPr/>
           </p:nvSpPr>
           <p:spPr>
             <a:xfrm>
-              <a:off x="7072638" y="2689915"/>
-              <a:ext cx="223284" cy="270757"/>
+              <a:off x="7548960" y="2556833"/>
+              <a:ext cx="110586" cy="110586"/>
             </a:xfrm>
-            <a:prstGeom prst="rect">
+            <a:prstGeom prst="ellipse">
               <a:avLst/>
             </a:prstGeom>
-            <a:noFill/>
+            <a:solidFill>
+              <a:srgbClr val="FF0000"/>
+            </a:solidFill>
+            <a:ln>
+              <a:solidFill>
+                <a:srgbClr val="FF0000"/>
+              </a:solidFill>
+            </a:ln>
           </p:spPr>
+          <p:style>
+            <a:lnRef idx="2">
+              <a:schemeClr val="accent1">
+                <a:shade val="50000"/>
+              </a:schemeClr>
+            </a:lnRef>
+            <a:fillRef idx="1">
+              <a:schemeClr val="accent1"/>
+            </a:fillRef>
+            <a:effectRef idx="0">
+              <a:schemeClr val="accent1"/>
+            </a:effectRef>
+            <a:fontRef idx="minor">
+              <a:schemeClr val="lt1"/>
+            </a:fontRef>
+          </p:style>
           <p:txBody>
-            <a:bodyPr wrap="square" rtlCol="0">
-              <a:spAutoFit/>
-            </a:bodyPr>
+            <a:bodyPr rtlCol="0" anchor="ctr"/>
             <a:lstStyle/>
             <a:p>
               <a:pPr algn="ctr"/>
-              <a:r>
-                <a:rPr lang="en-US" sz="2000" dirty="0" smtClean="0">
-                  <a:latin typeface="Cambria Math" charset="0"/>
-                  <a:ea typeface="Cambria Math" charset="0"/>
-                  <a:cs typeface="Cambria Math" charset="0"/>
-                </a:rPr>
-                <a:t>2</a:t>
-              </a:r>
-              <a:endParaRPr lang="en-US" sz="2000" dirty="0">
-                <a:latin typeface="Cambria Math" charset="0"/>
-                <a:ea typeface="Cambria Math" charset="0"/>
-                <a:cs typeface="Cambria Math" charset="0"/>
-              </a:endParaRPr>
+              <a:endParaRPr lang="en-US"/>
             </a:p>
           </p:txBody>
         </p:sp>
         <p:sp>
           <p:nvSpPr>
-            <p:cNvPr id="41" name="TextBox 40"/>
-            <p:cNvSpPr txBox="1"/>
+            <p:cNvPr id="58" name="Oval 57"/>
+            <p:cNvSpPr/>
             <p:nvPr/>
           </p:nvSpPr>
           <p:spPr>
             <a:xfrm>
-              <a:off x="6295696" y="3431632"/>
-              <a:ext cx="223284" cy="270757"/>
+              <a:off x="6527097" y="3667589"/>
+              <a:ext cx="110586" cy="110586"/>
             </a:xfrm>
-            <a:prstGeom prst="rect">
+            <a:prstGeom prst="ellipse">
               <a:avLst/>
             </a:prstGeom>
-            <a:noFill/>
+            <a:solidFill>
+              <a:srgbClr val="FF0000"/>
+            </a:solidFill>
+            <a:ln>
+              <a:solidFill>
+                <a:srgbClr val="FF0000"/>
+              </a:solidFill>
+            </a:ln>
           </p:spPr>
+          <p:style>
+            <a:lnRef idx="2">
+              <a:schemeClr val="accent1">
+                <a:shade val="50000"/>
+              </a:schemeClr>
+            </a:lnRef>
+            <a:fillRef idx="1">
+              <a:schemeClr val="accent1"/>
+            </a:fillRef>
+            <a:effectRef idx="0">
+              <a:schemeClr val="accent1"/>
+            </a:effectRef>
+            <a:fontRef idx="minor">
+              <a:schemeClr val="lt1"/>
+            </a:fontRef>
+          </p:style>
           <p:txBody>
-            <a:bodyPr wrap="square" rtlCol="0">
-              <a:spAutoFit/>
-            </a:bodyPr>
+            <a:bodyPr rtlCol="0" anchor="ctr"/>
             <a:lstStyle/>
             <a:p>
               <a:pPr algn="ctr"/>
-              <a:r>
-                <a:rPr lang="en-US" sz="2000" dirty="0" smtClean="0">
-                  <a:latin typeface="Cambria Math" charset="0"/>
-                  <a:ea typeface="Cambria Math" charset="0"/>
-                  <a:cs typeface="Cambria Math" charset="0"/>
-                </a:rPr>
-                <a:t>3</a:t>
-              </a:r>
-              <a:endParaRPr lang="en-US" sz="2000" dirty="0">
-                <a:latin typeface="Cambria Math" charset="0"/>
-                <a:ea typeface="Cambria Math" charset="0"/>
-                <a:cs typeface="Cambria Math" charset="0"/>
-              </a:endParaRPr>
+              <a:endParaRPr lang="en-US"/>
             </a:p>
           </p:txBody>
         </p:sp>
-        <p:cxnSp>
-          <p:nvCxnSpPr>
-            <p:cNvPr id="42" name="Straight Arrow Connector 41"/>
-            <p:cNvCxnSpPr/>
-            <p:nvPr/>
-          </p:nvCxnSpPr>
-          <p:spPr>
-            <a:xfrm>
-              <a:off x="9566489" y="1400505"/>
-              <a:ext cx="0" cy="633248"/>
-            </a:xfrm>
-            <a:prstGeom prst="straightConnector1">
-              <a:avLst/>
-            </a:prstGeom>
-            <a:ln w="25400">
-              <a:solidFill>
-                <a:schemeClr val="tx1"/>
-              </a:solidFill>
-              <a:headEnd type="triangle"/>
-              <a:tailEnd type="triangle"/>
-            </a:ln>
-          </p:spPr>
-          <p:style>
-            <a:lnRef idx="1">
-              <a:schemeClr val="accent1"/>
-            </a:lnRef>
-            <a:fillRef idx="0">
-              <a:schemeClr val="accent1"/>
-            </a:fillRef>
-            <a:effectRef idx="0">
-              <a:schemeClr val="accent1"/>
-            </a:effectRef>
-            <a:fontRef idx="minor">
-              <a:schemeClr val="tx1"/>
-            </a:fontRef>
-          </p:style>
-        </p:cxnSp>
-        <mc:AlternateContent xmlns:mc="http://schemas.openxmlformats.org/markup-compatibility/2006" xmlns:a14="http://schemas.microsoft.com/office/drawing/2010/main">
-          <mc:Choice Requires="a14">
-            <p:sp>
-              <p:nvSpPr>
-                <p:cNvPr id="44" name="TextBox 43"/>
-                <p:cNvSpPr txBox="1"/>
-                <p:nvPr/>
-              </p:nvSpPr>
-              <p:spPr>
-                <a:xfrm>
-                  <a:off x="9641606" y="1563240"/>
-                  <a:ext cx="301749" cy="307777"/>
-                </a:xfrm>
-                <a:prstGeom prst="rect">
-                  <a:avLst/>
-                </a:prstGeom>
-                <a:noFill/>
-              </p:spPr>
-              <p:txBody>
-                <a:bodyPr wrap="none" lIns="0" tIns="0" rIns="0" bIns="0" rtlCol="0">
-                  <a:spAutoFit/>
-                </a:bodyPr>
-                <a:lstStyle/>
-                <a:p>
-                  <a:pPr/>
-                  <a14:m>
-                    <m:oMathPara xmlns:m="http://schemas.openxmlformats.org/officeDocument/2006/math">
-                      <m:oMathParaPr>
-                        <m:jc m:val="centerGroup"/>
-                      </m:oMathParaPr>
-                      <m:oMath xmlns:m="http://schemas.openxmlformats.org/officeDocument/2006/math">
-                        <m:sSub>
-                          <m:sSubPr>
-                            <m:ctrlPr>
-                              <a:rPr lang="en-US" sz="2000" b="0" i="1" smtClean="0">
-                                <a:latin typeface="Cambria Math" charset="0"/>
-                              </a:rPr>
-                            </m:ctrlPr>
-                          </m:sSubPr>
-                          <m:e>
-                            <m:r>
-                              <a:rPr lang="en-US" sz="2000" b="0" i="1" smtClean="0">
-                                <a:latin typeface="Cambria Math" charset="0"/>
-                              </a:rPr>
-                              <m:t>𝛿</m:t>
-                            </m:r>
-                          </m:e>
-                          <m:sub>
-                            <m:r>
-                              <a:rPr lang="en-US" sz="2000" b="0" i="1" smtClean="0">
-                                <a:latin typeface="Cambria Math" charset="0"/>
-                              </a:rPr>
-                              <m:t>1</m:t>
-                            </m:r>
-                          </m:sub>
-                        </m:sSub>
-                      </m:oMath>
-                    </m:oMathPara>
-                  </a14:m>
-                  <a:endParaRPr lang="en-US" sz="2000" b="0" i="1" dirty="0" smtClean="0"/>
-                </a:p>
-              </p:txBody>
-            </p:sp>
-          </mc:Choice>
-          <mc:Fallback xmlns="">
-            <p:sp>
-              <p:nvSpPr>
-                <p:cNvPr id="44" name="TextBox 43"/>
-                <p:cNvSpPr txBox="1">
-                  <a:spLocks noRot="1" noChangeAspect="1" noMove="1" noResize="1" noEditPoints="1" noAdjustHandles="1" noChangeArrowheads="1" noChangeShapeType="1" noTextEdit="1"/>
-                </p:cNvSpPr>
-                <p:nvPr/>
-              </p:nvSpPr>
-              <p:spPr>
-                <a:xfrm>
-                  <a:off x="9641606" y="1563240"/>
-                  <a:ext cx="301749" cy="307777"/>
-                </a:xfrm>
-                <a:prstGeom prst="rect">
-                  <a:avLst/>
-                </a:prstGeom>
-                <a:blipFill rotWithShape="0">
-                  <a:blip r:embed="rId5"/>
-                  <a:stretch>
-                    <a:fillRect l="-22449" r="-10204" b="-13725"/>
-                  </a:stretch>
-                </a:blipFill>
-              </p:spPr>
-              <p:txBody>
-                <a:bodyPr/>
-                <a:lstStyle/>
-                <a:p>
-                  <a:r>
-                    <a:rPr lang="en-US">
-                      <a:noFill/>
-                    </a:rPr>
-                    <a:t> </a:t>
-                  </a:r>
-                </a:p>
-              </p:txBody>
-            </p:sp>
-          </mc:Fallback>
-        </mc:AlternateContent>
-        <p:cxnSp>
-          <p:nvCxnSpPr>
-            <p:cNvPr id="45" name="Straight Arrow Connector 44"/>
-            <p:cNvCxnSpPr/>
-            <p:nvPr/>
-          </p:nvCxnSpPr>
-          <p:spPr>
-            <a:xfrm>
-              <a:off x="9566489" y="2033753"/>
-              <a:ext cx="0" cy="656162"/>
-            </a:xfrm>
-            <a:prstGeom prst="straightConnector1">
-              <a:avLst/>
-            </a:prstGeom>
-            <a:ln w="25400">
-              <a:solidFill>
-                <a:schemeClr val="tx1"/>
-              </a:solidFill>
-              <a:headEnd type="triangle"/>
-              <a:tailEnd type="triangle"/>
-            </a:ln>
-          </p:spPr>
-          <p:style>
-            <a:lnRef idx="1">
-              <a:schemeClr val="accent1"/>
-            </a:lnRef>
-            <a:fillRef idx="0">
-              <a:schemeClr val="accent1"/>
-            </a:fillRef>
-            <a:effectRef idx="0">
-              <a:schemeClr val="accent1"/>
-            </a:effectRef>
-            <a:fontRef idx="minor">
-              <a:schemeClr val="tx1"/>
-            </a:fontRef>
-          </p:style>
-        </p:cxnSp>
-        <mc:AlternateContent xmlns:mc="http://schemas.openxmlformats.org/markup-compatibility/2006" xmlns:a14="http://schemas.microsoft.com/office/drawing/2010/main">
-          <mc:Choice Requires="a14">
-            <p:sp>
-              <p:nvSpPr>
-                <p:cNvPr id="46" name="TextBox 45"/>
-                <p:cNvSpPr txBox="1"/>
-                <p:nvPr/>
-              </p:nvSpPr>
-              <p:spPr>
-                <a:xfrm>
-                  <a:off x="9641606" y="2207945"/>
-                  <a:ext cx="307712" cy="307777"/>
-                </a:xfrm>
-                <a:prstGeom prst="rect">
-                  <a:avLst/>
-                </a:prstGeom>
-                <a:noFill/>
-              </p:spPr>
-              <p:txBody>
-                <a:bodyPr wrap="none" lIns="0" tIns="0" rIns="0" bIns="0" rtlCol="0">
-                  <a:spAutoFit/>
-                </a:bodyPr>
-                <a:lstStyle/>
-                <a:p>
-                  <a:pPr/>
-                  <a14:m>
-                    <m:oMathPara xmlns:m="http://schemas.openxmlformats.org/officeDocument/2006/math">
-                      <m:oMathParaPr>
-                        <m:jc m:val="centerGroup"/>
-                      </m:oMathParaPr>
-                      <m:oMath xmlns:m="http://schemas.openxmlformats.org/officeDocument/2006/math">
-                        <m:sSub>
-                          <m:sSubPr>
-                            <m:ctrlPr>
-                              <a:rPr lang="en-US" sz="2000" b="0" i="1" smtClean="0">
-                                <a:latin typeface="Cambria Math" charset="0"/>
-                              </a:rPr>
-                            </m:ctrlPr>
-                          </m:sSubPr>
-                          <m:e>
-                            <m:r>
-                              <a:rPr lang="en-US" sz="2000" b="0" i="1" smtClean="0">
-                                <a:latin typeface="Cambria Math" charset="0"/>
-                              </a:rPr>
-                              <m:t>𝛿</m:t>
-                            </m:r>
-                          </m:e>
-                          <m:sub>
-                            <m:r>
-                              <a:rPr lang="en-US" sz="2000" b="0" i="1" smtClean="0">
-                                <a:latin typeface="Cambria Math" charset="0"/>
-                              </a:rPr>
-                              <m:t>2</m:t>
-                            </m:r>
-                          </m:sub>
-                        </m:sSub>
-                      </m:oMath>
-                    </m:oMathPara>
-                  </a14:m>
-                  <a:endParaRPr lang="en-US" sz="2000" b="0" i="1" dirty="0" smtClean="0"/>
-                </a:p>
-              </p:txBody>
-            </p:sp>
-          </mc:Choice>
-          <mc:Fallback xmlns="">
-            <p:sp>
-              <p:nvSpPr>
-                <p:cNvPr id="46" name="TextBox 45"/>
-                <p:cNvSpPr txBox="1">
-                  <a:spLocks noRot="1" noChangeAspect="1" noMove="1" noResize="1" noEditPoints="1" noAdjustHandles="1" noChangeArrowheads="1" noChangeShapeType="1" noTextEdit="1"/>
-                </p:cNvSpPr>
-                <p:nvPr/>
-              </p:nvSpPr>
-              <p:spPr>
-                <a:xfrm>
-                  <a:off x="9641606" y="2207945"/>
-                  <a:ext cx="307712" cy="307777"/>
-                </a:xfrm>
-                <a:prstGeom prst="rect">
-                  <a:avLst/>
-                </a:prstGeom>
-                <a:blipFill rotWithShape="0">
-                  <a:blip r:embed="rId6"/>
-                  <a:stretch>
-                    <a:fillRect l="-22000" r="-10000" b="-15686"/>
-                  </a:stretch>
-                </a:blipFill>
-              </p:spPr>
-              <p:txBody>
-                <a:bodyPr/>
-                <a:lstStyle/>
-                <a:p>
-                  <a:r>
-                    <a:rPr lang="en-US">
-                      <a:noFill/>
-                    </a:rPr>
-                    <a:t> </a:t>
-                  </a:r>
-                </a:p>
-              </p:txBody>
-            </p:sp>
-          </mc:Fallback>
-        </mc:AlternateContent>
-        <p:cxnSp>
-          <p:nvCxnSpPr>
-            <p:cNvPr id="47" name="Straight Arrow Connector 46"/>
-            <p:cNvCxnSpPr/>
-            <p:nvPr/>
-          </p:nvCxnSpPr>
-          <p:spPr>
-            <a:xfrm>
-              <a:off x="9566489" y="2689915"/>
-              <a:ext cx="0" cy="741717"/>
-            </a:xfrm>
-            <a:prstGeom prst="straightConnector1">
-              <a:avLst/>
-            </a:prstGeom>
-            <a:ln w="25400">
-              <a:solidFill>
-                <a:schemeClr val="tx1"/>
-              </a:solidFill>
-              <a:headEnd type="triangle"/>
-              <a:tailEnd type="triangle"/>
-            </a:ln>
-          </p:spPr>
-          <p:style>
-            <a:lnRef idx="1">
-              <a:schemeClr val="accent1"/>
-            </a:lnRef>
-            <a:fillRef idx="0">
-              <a:schemeClr val="accent1"/>
-            </a:fillRef>
-            <a:effectRef idx="0">
-              <a:schemeClr val="accent1"/>
-            </a:effectRef>
-            <a:fontRef idx="minor">
-              <a:schemeClr val="tx1"/>
-            </a:fontRef>
-          </p:style>
-        </p:cxnSp>
-        <mc:AlternateContent xmlns:mc="http://schemas.openxmlformats.org/markup-compatibility/2006" xmlns:a14="http://schemas.microsoft.com/office/drawing/2010/main">
-          <mc:Choice Requires="a14">
-            <p:sp>
-              <p:nvSpPr>
-                <p:cNvPr id="48" name="TextBox 47"/>
-                <p:cNvSpPr txBox="1"/>
-                <p:nvPr/>
-              </p:nvSpPr>
-              <p:spPr>
-                <a:xfrm>
-                  <a:off x="9641606" y="2905358"/>
-                  <a:ext cx="307712" cy="307777"/>
-                </a:xfrm>
-                <a:prstGeom prst="rect">
-                  <a:avLst/>
-                </a:prstGeom>
-                <a:noFill/>
-              </p:spPr>
-              <p:txBody>
-                <a:bodyPr wrap="none" lIns="0" tIns="0" rIns="0" bIns="0" rtlCol="0">
-                  <a:spAutoFit/>
-                </a:bodyPr>
-                <a:lstStyle/>
-                <a:p>
-                  <a:pPr/>
-                  <a14:m>
-                    <m:oMathPara xmlns:m="http://schemas.openxmlformats.org/officeDocument/2006/math">
-                      <m:oMathParaPr>
-                        <m:jc m:val="centerGroup"/>
-                      </m:oMathParaPr>
-                      <m:oMath xmlns:m="http://schemas.openxmlformats.org/officeDocument/2006/math">
-                        <m:sSub>
-                          <m:sSubPr>
-                            <m:ctrlPr>
-                              <a:rPr lang="en-US" sz="2000" b="0" i="1" smtClean="0">
-                                <a:latin typeface="Cambria Math" charset="0"/>
-                              </a:rPr>
-                            </m:ctrlPr>
-                          </m:sSubPr>
-                          <m:e>
-                            <m:r>
-                              <a:rPr lang="en-US" sz="2000" b="0" i="1" smtClean="0">
-                                <a:latin typeface="Cambria Math" charset="0"/>
-                              </a:rPr>
-                              <m:t>𝛿</m:t>
-                            </m:r>
-                          </m:e>
-                          <m:sub>
-                            <m:r>
-                              <a:rPr lang="en-US" sz="2000" b="0" i="1" smtClean="0">
-                                <a:latin typeface="Cambria Math" charset="0"/>
-                              </a:rPr>
-                              <m:t>3</m:t>
-                            </m:r>
-                          </m:sub>
-                        </m:sSub>
-                      </m:oMath>
-                    </m:oMathPara>
-                  </a14:m>
-                  <a:endParaRPr lang="en-US" sz="2000" b="0" i="1" dirty="0" smtClean="0"/>
-                </a:p>
-              </p:txBody>
-            </p:sp>
-          </mc:Choice>
-          <mc:Fallback xmlns="">
-            <p:sp>
-              <p:nvSpPr>
-                <p:cNvPr id="48" name="TextBox 47"/>
-                <p:cNvSpPr txBox="1">
-                  <a:spLocks noRot="1" noChangeAspect="1" noMove="1" noResize="1" noEditPoints="1" noAdjustHandles="1" noChangeArrowheads="1" noChangeShapeType="1" noTextEdit="1"/>
-                </p:cNvSpPr>
-                <p:nvPr/>
-              </p:nvSpPr>
-              <p:spPr>
-                <a:xfrm>
-                  <a:off x="9641606" y="2905358"/>
-                  <a:ext cx="307712" cy="307777"/>
-                </a:xfrm>
-                <a:prstGeom prst="rect">
-                  <a:avLst/>
-                </a:prstGeom>
-                <a:blipFill rotWithShape="0">
-                  <a:blip r:embed="rId7"/>
-                  <a:stretch>
-                    <a:fillRect l="-22000" r="-10000" b="-16000"/>
-                  </a:stretch>
-                </a:blipFill>
-              </p:spPr>
-              <p:txBody>
-                <a:bodyPr/>
-                <a:lstStyle/>
-                <a:p>
-                  <a:r>
-                    <a:rPr lang="en-US">
-                      <a:noFill/>
-                    </a:rPr>
-                    <a:t> </a:t>
-                  </a:r>
-                </a:p>
-              </p:txBody>
-            </p:sp>
-          </mc:Fallback>
-        </mc:AlternateContent>
-        <p:cxnSp>
-          <p:nvCxnSpPr>
-            <p:cNvPr id="52" name="Straight Arrow Connector 51"/>
-            <p:cNvCxnSpPr/>
-            <p:nvPr/>
-          </p:nvCxnSpPr>
-          <p:spPr>
-            <a:xfrm>
-              <a:off x="9566489" y="3921579"/>
-              <a:ext cx="0" cy="434957"/>
-            </a:xfrm>
-            <a:prstGeom prst="straightConnector1">
-              <a:avLst/>
-            </a:prstGeom>
-            <a:ln w="25400">
-              <a:solidFill>
-                <a:schemeClr val="tx1"/>
-              </a:solidFill>
-              <a:headEnd type="triangle"/>
-              <a:tailEnd type="triangle"/>
-            </a:ln>
-          </p:spPr>
-          <p:style>
-            <a:lnRef idx="1">
-              <a:schemeClr val="accent1"/>
-            </a:lnRef>
-            <a:fillRef idx="0">
-              <a:schemeClr val="accent1"/>
-            </a:fillRef>
-            <a:effectRef idx="0">
-              <a:schemeClr val="accent1"/>
-            </a:effectRef>
-            <a:fontRef idx="minor">
-              <a:schemeClr val="tx1"/>
-            </a:fontRef>
-          </p:style>
-        </p:cxnSp>
-        <mc:AlternateContent xmlns:mc="http://schemas.openxmlformats.org/markup-compatibility/2006" xmlns:a14="http://schemas.microsoft.com/office/drawing/2010/main">
-          <mc:Choice Requires="a14">
-            <p:sp>
-              <p:nvSpPr>
-                <p:cNvPr id="53" name="TextBox 52"/>
-                <p:cNvSpPr txBox="1"/>
-                <p:nvPr/>
-              </p:nvSpPr>
-              <p:spPr>
-                <a:xfrm>
-                  <a:off x="9641606" y="3983123"/>
-                  <a:ext cx="266996" cy="307777"/>
-                </a:xfrm>
-                <a:prstGeom prst="rect">
-                  <a:avLst/>
-                </a:prstGeom>
-                <a:noFill/>
-              </p:spPr>
-              <p:txBody>
-                <a:bodyPr wrap="none" lIns="0" tIns="0" rIns="0" bIns="0" rtlCol="0">
-                  <a:spAutoFit/>
-                </a:bodyPr>
-                <a:lstStyle/>
-                <a:p>
-                  <a:pPr/>
-                  <a14:m>
-                    <m:oMathPara xmlns:m="http://schemas.openxmlformats.org/officeDocument/2006/math">
-                      <m:oMathParaPr>
-                        <m:jc m:val="centerGroup"/>
-                      </m:oMathParaPr>
-                      <m:oMath xmlns:m="http://schemas.openxmlformats.org/officeDocument/2006/math">
-                        <m:sSup>
-                          <m:sSupPr>
-                            <m:ctrlPr>
-                              <a:rPr lang="en-US" sz="2000" b="0" i="1" smtClean="0">
-                                <a:latin typeface="Cambria Math" charset="0"/>
-                              </a:rPr>
-                            </m:ctrlPr>
-                          </m:sSupPr>
-                          <m:e>
-                            <m:r>
-                              <a:rPr lang="en-US" sz="2000" b="0" i="1" smtClean="0">
-                                <a:latin typeface="Cambria Math" charset="0"/>
-                              </a:rPr>
-                              <m:t>𝜏</m:t>
-                            </m:r>
-                          </m:e>
-                          <m:sup>
-                            <m:r>
-                              <a:rPr lang="en-US" sz="2000" b="0" i="1" smtClean="0">
-                                <a:latin typeface="Cambria Math" charset="0"/>
-                              </a:rPr>
-                              <m:t>′</m:t>
-                            </m:r>
-                          </m:sup>
-                        </m:sSup>
-                      </m:oMath>
-                    </m:oMathPara>
-                  </a14:m>
-                  <a:endParaRPr lang="en-US" sz="2000" b="0" i="1" dirty="0" smtClean="0"/>
-                </a:p>
-              </p:txBody>
-            </p:sp>
-          </mc:Choice>
-          <mc:Fallback xmlns="">
-            <p:sp>
-              <p:nvSpPr>
-                <p:cNvPr id="53" name="TextBox 52"/>
-                <p:cNvSpPr txBox="1">
-                  <a:spLocks noRot="1" noChangeAspect="1" noMove="1" noResize="1" noEditPoints="1" noAdjustHandles="1" noChangeArrowheads="1" noChangeShapeType="1" noTextEdit="1"/>
-                </p:cNvSpPr>
-                <p:nvPr/>
-              </p:nvSpPr>
-              <p:spPr>
-                <a:xfrm>
-                  <a:off x="9641606" y="3983123"/>
-                  <a:ext cx="266996" cy="307777"/>
-                </a:xfrm>
-                <a:prstGeom prst="rect">
-                  <a:avLst/>
-                </a:prstGeom>
-                <a:blipFill rotWithShape="0">
-                  <a:blip r:embed="rId8"/>
-                  <a:stretch>
-                    <a:fillRect l="-13953" r="-4651"/>
-                  </a:stretch>
-                </a:blipFill>
-              </p:spPr>
-              <p:txBody>
-                <a:bodyPr/>
-                <a:lstStyle/>
-                <a:p>
-                  <a:r>
-                    <a:rPr lang="en-US">
-                      <a:noFill/>
-                    </a:rPr>
-                    <a:t> </a:t>
-                  </a:r>
-                </a:p>
-              </p:txBody>
-            </p:sp>
-          </mc:Fallback>
-        </mc:AlternateContent>
-        <p:cxnSp>
-          <p:nvCxnSpPr>
-            <p:cNvPr id="33" name="Straight Connector 32"/>
-            <p:cNvCxnSpPr/>
-            <p:nvPr/>
-          </p:nvCxnSpPr>
-          <p:spPr>
-            <a:xfrm>
-              <a:off x="5842209" y="3921579"/>
-              <a:ext cx="430866" cy="430866"/>
-            </a:xfrm>
-            <a:prstGeom prst="line">
-              <a:avLst/>
-            </a:prstGeom>
-            <a:ln w="50800">
-              <a:solidFill>
-                <a:srgbClr val="00B050"/>
-              </a:solidFill>
-              <a:prstDash val="sysDash"/>
-            </a:ln>
-          </p:spPr>
-          <p:style>
-            <a:lnRef idx="1">
-              <a:schemeClr val="accent1"/>
-            </a:lnRef>
-            <a:fillRef idx="0">
-              <a:schemeClr val="accent1"/>
-            </a:fillRef>
-            <a:effectRef idx="0">
-              <a:schemeClr val="accent1"/>
-            </a:effectRef>
-            <a:fontRef idx="minor">
-              <a:schemeClr val="tx1"/>
-            </a:fontRef>
-          </p:style>
-        </p:cxnSp>
         <p:sp>
           <p:nvSpPr>
-            <p:cNvPr id="35" name="TextBox 34"/>
-            <p:cNvSpPr txBox="1"/>
+            <p:cNvPr id="59" name="Oval 58"/>
+            <p:cNvSpPr/>
             <p:nvPr/>
           </p:nvSpPr>
           <p:spPr>
             <a:xfrm>
-              <a:off x="5749861" y="3958472"/>
-              <a:ext cx="223284" cy="270757"/>
+              <a:off x="5788664" y="4463437"/>
+              <a:ext cx="110586" cy="110586"/>
             </a:xfrm>
-            <a:prstGeom prst="rect">
+            <a:prstGeom prst="ellipse">
               <a:avLst/>
             </a:prstGeom>
-            <a:noFill/>
+            <a:solidFill>
+              <a:srgbClr val="FF0000"/>
+            </a:solidFill>
+            <a:ln>
+              <a:solidFill>
+                <a:srgbClr val="FF0000"/>
+              </a:solidFill>
+            </a:ln>
           </p:spPr>
+          <p:style>
+            <a:lnRef idx="2">
+              <a:schemeClr val="accent1">
+                <a:shade val="50000"/>
+              </a:schemeClr>
+            </a:lnRef>
+            <a:fillRef idx="1">
+              <a:schemeClr val="accent1"/>
+            </a:fillRef>
+            <a:effectRef idx="0">
+              <a:schemeClr val="accent1"/>
+            </a:effectRef>
+            <a:fontRef idx="minor">
+              <a:schemeClr val="lt1"/>
+            </a:fontRef>
+          </p:style>
           <p:txBody>
-            <a:bodyPr wrap="square" rtlCol="0">
-              <a:spAutoFit/>
-            </a:bodyPr>
+            <a:bodyPr rtlCol="0" anchor="ctr"/>
             <a:lstStyle/>
             <a:p>
               <a:pPr algn="ctr"/>
-              <a:r>
-                <a:rPr lang="en-US" sz="2000" dirty="0" smtClean="0">
-                  <a:latin typeface="Cambria Math" charset="0"/>
-                  <a:ea typeface="Cambria Math" charset="0"/>
-                  <a:cs typeface="Cambria Math" charset="0"/>
-                </a:rPr>
-                <a:t>4</a:t>
-              </a:r>
-              <a:endParaRPr lang="en-US" sz="2000" dirty="0">
-                <a:latin typeface="Cambria Math" charset="0"/>
-                <a:ea typeface="Cambria Math" charset="0"/>
-                <a:cs typeface="Cambria Math" charset="0"/>
-              </a:endParaRPr>
+              <a:endParaRPr lang="en-US"/>
             </a:p>
           </p:txBody>
         </p:sp>
-        <p:cxnSp>
-          <p:nvCxnSpPr>
-            <p:cNvPr id="36" name="Straight Connector 35"/>
-            <p:cNvCxnSpPr/>
-            <p:nvPr/>
-          </p:nvCxnSpPr>
-          <p:spPr>
-            <a:xfrm>
-              <a:off x="2375335" y="3923333"/>
-              <a:ext cx="7083973" cy="0"/>
-            </a:xfrm>
-            <a:prstGeom prst="line">
-              <a:avLst/>
-            </a:prstGeom>
-            <a:ln w="12700">
-              <a:solidFill>
-                <a:schemeClr val="tx1"/>
-              </a:solidFill>
-              <a:prstDash val="sysDot"/>
-            </a:ln>
-          </p:spPr>
-          <p:style>
-            <a:lnRef idx="1">
-              <a:schemeClr val="accent1"/>
-            </a:lnRef>
-            <a:fillRef idx="0">
-              <a:schemeClr val="accent1"/>
-            </a:fillRef>
-            <a:effectRef idx="0">
-              <a:schemeClr val="accent1"/>
-            </a:effectRef>
-            <a:fontRef idx="minor">
-              <a:schemeClr val="tx1"/>
-            </a:fontRef>
-          </p:style>
-        </p:cxnSp>
-        <p:cxnSp>
-          <p:nvCxnSpPr>
-            <p:cNvPr id="43" name="Straight Arrow Connector 42"/>
-            <p:cNvCxnSpPr/>
-            <p:nvPr/>
-          </p:nvCxnSpPr>
-          <p:spPr>
-            <a:xfrm flipH="1">
-              <a:off x="9565632" y="3431632"/>
-              <a:ext cx="2" cy="489947"/>
-            </a:xfrm>
-            <a:prstGeom prst="straightConnector1">
-              <a:avLst/>
-            </a:prstGeom>
-            <a:ln w="25400">
-              <a:solidFill>
-                <a:schemeClr val="tx1"/>
-              </a:solidFill>
-              <a:headEnd type="triangle"/>
-              <a:tailEnd type="triangle"/>
-            </a:ln>
-          </p:spPr>
-          <p:style>
-            <a:lnRef idx="1">
-              <a:schemeClr val="accent1"/>
-            </a:lnRef>
-            <a:fillRef idx="0">
-              <a:schemeClr val="accent1"/>
-            </a:fillRef>
-            <a:effectRef idx="0">
-              <a:schemeClr val="accent1"/>
-            </a:effectRef>
-            <a:fontRef idx="minor">
-              <a:schemeClr val="tx1"/>
-            </a:fontRef>
-          </p:style>
-        </p:cxnSp>
-        <mc:AlternateContent xmlns:mc="http://schemas.openxmlformats.org/markup-compatibility/2006" xmlns:a14="http://schemas.microsoft.com/office/drawing/2010/main">
-          <mc:Choice Requires="a14">
-            <p:sp>
-              <p:nvSpPr>
-                <p:cNvPr id="49" name="TextBox 48"/>
-                <p:cNvSpPr txBox="1"/>
-                <p:nvPr/>
-              </p:nvSpPr>
-              <p:spPr>
-                <a:xfrm>
-                  <a:off x="9641606" y="3522716"/>
-                  <a:ext cx="307712" cy="307777"/>
-                </a:xfrm>
-                <a:prstGeom prst="rect">
-                  <a:avLst/>
-                </a:prstGeom>
-                <a:noFill/>
-              </p:spPr>
-              <p:txBody>
-                <a:bodyPr wrap="none" lIns="0" tIns="0" rIns="0" bIns="0" rtlCol="0">
-                  <a:spAutoFit/>
-                </a:bodyPr>
-                <a:lstStyle/>
-                <a:p>
-                  <a:pPr/>
-                  <a14:m>
-                    <m:oMathPara xmlns:m="http://schemas.openxmlformats.org/officeDocument/2006/math">
-                      <m:oMathParaPr>
-                        <m:jc m:val="centerGroup"/>
-                      </m:oMathParaPr>
-                      <m:oMath xmlns:m="http://schemas.openxmlformats.org/officeDocument/2006/math">
-                        <m:sSub>
-                          <m:sSubPr>
-                            <m:ctrlPr>
-                              <a:rPr lang="en-US" sz="2000" b="0" i="1" smtClean="0">
-                                <a:latin typeface="Cambria Math" charset="0"/>
-                              </a:rPr>
-                            </m:ctrlPr>
-                          </m:sSubPr>
-                          <m:e>
-                            <m:r>
-                              <a:rPr lang="en-US" sz="2000" b="0" i="1" smtClean="0">
-                                <a:latin typeface="Cambria Math" charset="0"/>
-                              </a:rPr>
-                              <m:t>𝛿</m:t>
-                            </m:r>
-                          </m:e>
-                          <m:sub>
-                            <m:r>
-                              <a:rPr lang="en-US" sz="2000" b="0" i="1" smtClean="0">
-                                <a:latin typeface="Cambria Math" charset="0"/>
-                              </a:rPr>
-                              <m:t>4</m:t>
-                            </m:r>
-                          </m:sub>
-                        </m:sSub>
-                      </m:oMath>
-                    </m:oMathPara>
-                  </a14:m>
-                  <a:endParaRPr lang="en-US" sz="2000" b="0" i="1" dirty="0" smtClean="0"/>
-                </a:p>
-              </p:txBody>
-            </p:sp>
-          </mc:Choice>
-          <mc:Fallback xmlns="">
-            <p:sp>
-              <p:nvSpPr>
-                <p:cNvPr id="49" name="TextBox 48"/>
-                <p:cNvSpPr txBox="1">
-                  <a:spLocks noRot="1" noChangeAspect="1" noMove="1" noResize="1" noEditPoints="1" noAdjustHandles="1" noChangeArrowheads="1" noChangeShapeType="1" noTextEdit="1"/>
-                </p:cNvSpPr>
-                <p:nvPr/>
-              </p:nvSpPr>
-              <p:spPr>
-                <a:xfrm>
-                  <a:off x="9641606" y="3522716"/>
-                  <a:ext cx="307712" cy="307777"/>
-                </a:xfrm>
-                <a:prstGeom prst="rect">
-                  <a:avLst/>
-                </a:prstGeom>
-                <a:blipFill rotWithShape="0">
-                  <a:blip r:embed="rId9"/>
-                  <a:stretch>
-                    <a:fillRect l="-22000" r="-10000" b="-16000"/>
-                  </a:stretch>
-                </a:blipFill>
-              </p:spPr>
-              <p:txBody>
-                <a:bodyPr/>
-                <a:lstStyle/>
-                <a:p>
-                  <a:r>
-                    <a:rPr lang="en-US">
-                      <a:noFill/>
-                    </a:rPr>
-                    <a:t> </a:t>
-                  </a:r>
-                </a:p>
-              </p:txBody>
-            </p:sp>
-          </mc:Fallback>
-        </mc:AlternateContent>
       </p:grpSp>
-      <mc:AlternateContent xmlns:mc="http://schemas.openxmlformats.org/markup-compatibility/2006">
-        <mc:Choice xmlns:a14="http://schemas.microsoft.com/office/drawing/2010/main" Requires="a14">
-          <p:sp>
-            <p:nvSpPr>
-              <p:cNvPr id="3" name="TextBox 2"/>
-              <p:cNvSpPr txBox="1"/>
-              <p:nvPr/>
-            </p:nvSpPr>
-            <p:spPr>
-              <a:xfrm>
-                <a:off x="6108475" y="681716"/>
-                <a:ext cx="685800" cy="369332"/>
-              </a:xfrm>
-              <a:prstGeom prst="rect">
-                <a:avLst/>
-              </a:prstGeom>
-              <a:noFill/>
-            </p:spPr>
-            <p:txBody>
-              <a:bodyPr wrap="square" rtlCol="0">
-                <a:spAutoFit/>
-              </a:bodyPr>
-              <a:lstStyle/>
-              <a:p>
-                <a:pPr algn="ctr"/>
-                <a14:m>
-                  <m:oMath xmlns:m="http://schemas.openxmlformats.org/officeDocument/2006/math">
-                    <m:sSub>
-                      <m:sSubPr>
-                        <m:ctrlPr>
-                          <a:rPr lang="en-US" b="0" i="1" smtClean="0">
-                            <a:latin typeface="Cambria Math" charset="0"/>
-                            <a:ea typeface="Cambria Math" charset="0"/>
-                            <a:cs typeface="Cambria Math" charset="0"/>
-                          </a:rPr>
-                        </m:ctrlPr>
-                      </m:sSubPr>
-                      <m:e>
-                        <m:r>
-                          <a:rPr lang="en-US" b="0" i="1" smtClean="0">
-                            <a:latin typeface="Cambria Math" charset="0"/>
-                            <a:ea typeface="Cambria Math" charset="0"/>
-                            <a:cs typeface="Cambria Math" charset="0"/>
-                          </a:rPr>
-                          <m:t>𝑙</m:t>
-                        </m:r>
-                      </m:e>
-                      <m:sub>
-                        <m:r>
-                          <a:rPr lang="en-US" b="0" i="1" smtClean="0">
-                            <a:latin typeface="Cambria Math" charset="0"/>
-                            <a:ea typeface="Cambria Math" charset="0"/>
-                            <a:cs typeface="Cambria Math" charset="0"/>
-                          </a:rPr>
-                          <m:t>0</m:t>
-                        </m:r>
-                      </m:sub>
-                    </m:sSub>
-                  </m:oMath>
-                </a14:m>
-                <a:r>
-                  <a:rPr lang="en-US" dirty="0" smtClean="0">
-                    <a:latin typeface="Cambria Math" charset="0"/>
-                    <a:ea typeface="Cambria Math" charset="0"/>
-                    <a:cs typeface="Cambria Math" charset="0"/>
-                  </a:rPr>
-                  <a:t>=0</a:t>
-                </a:r>
-                <a:endParaRPr lang="en-US" dirty="0">
-                  <a:latin typeface="Cambria Math" charset="0"/>
-                  <a:ea typeface="Cambria Math" charset="0"/>
-                  <a:cs typeface="Cambria Math" charset="0"/>
-                </a:endParaRPr>
-              </a:p>
-            </p:txBody>
-          </p:sp>
-        </mc:Choice>
-        <mc:Fallback>
-          <p:sp>
-            <p:nvSpPr>
-              <p:cNvPr id="3" name="TextBox 2"/>
-              <p:cNvSpPr txBox="1">
-                <a:spLocks noRot="1" noChangeAspect="1" noMove="1" noResize="1" noEditPoints="1" noAdjustHandles="1" noChangeArrowheads="1" noChangeShapeType="1" noTextEdit="1"/>
-              </p:cNvSpPr>
-              <p:nvPr/>
-            </p:nvSpPr>
-            <p:spPr>
-              <a:xfrm>
-                <a:off x="6108475" y="681716"/>
-                <a:ext cx="685800" cy="369332"/>
-              </a:xfrm>
-              <a:prstGeom prst="rect">
-                <a:avLst/>
-              </a:prstGeom>
-              <a:blipFill rotWithShape="0">
-                <a:blip r:embed="rId10"/>
-                <a:stretch>
-                  <a:fillRect t="-11667" r="-5310" b="-25000"/>
-                </a:stretch>
-              </a:blipFill>
-            </p:spPr>
-            <p:txBody>
-              <a:bodyPr/>
-              <a:lstStyle/>
-              <a:p>
-                <a:r>
-                  <a:rPr lang="en-US">
-                    <a:noFill/>
-                  </a:rPr>
-                  <a:t> </a:t>
-                </a:r>
-              </a:p>
-            </p:txBody>
-          </p:sp>
-        </mc:Fallback>
-      </mc:AlternateContent>
-      <mc:AlternateContent xmlns:mc="http://schemas.openxmlformats.org/markup-compatibility/2006">
-        <mc:Choice xmlns:a14="http://schemas.microsoft.com/office/drawing/2010/main" Requires="a14">
-          <p:sp>
-            <p:nvSpPr>
-              <p:cNvPr id="50" name="TextBox 49"/>
-              <p:cNvSpPr txBox="1"/>
-              <p:nvPr/>
-            </p:nvSpPr>
-            <p:spPr>
-              <a:xfrm>
-                <a:off x="6964208" y="1606932"/>
-                <a:ext cx="685800" cy="369332"/>
-              </a:xfrm>
-              <a:prstGeom prst="rect">
-                <a:avLst/>
-              </a:prstGeom>
-              <a:noFill/>
-            </p:spPr>
-            <p:txBody>
-              <a:bodyPr wrap="square" rtlCol="0">
-                <a:spAutoFit/>
-              </a:bodyPr>
-              <a:lstStyle/>
-              <a:p>
-                <a:pPr algn="ctr"/>
-                <a14:m>
-                  <m:oMath xmlns:m="http://schemas.openxmlformats.org/officeDocument/2006/math">
-                    <m:sSub>
-                      <m:sSubPr>
-                        <m:ctrlPr>
-                          <a:rPr lang="en-US" b="0" i="1" smtClean="0">
-                            <a:latin typeface="Cambria Math" charset="0"/>
-                            <a:ea typeface="Cambria Math" charset="0"/>
-                            <a:cs typeface="Cambria Math" charset="0"/>
-                          </a:rPr>
-                        </m:ctrlPr>
-                      </m:sSubPr>
-                      <m:e>
-                        <m:r>
-                          <a:rPr lang="en-US" b="0" i="1" smtClean="0">
-                            <a:latin typeface="Cambria Math" charset="0"/>
-                            <a:ea typeface="Cambria Math" charset="0"/>
-                            <a:cs typeface="Cambria Math" charset="0"/>
-                          </a:rPr>
-                          <m:t>𝑙</m:t>
-                        </m:r>
-                      </m:e>
-                      <m:sub>
-                        <m:r>
-                          <a:rPr lang="en-US" b="0" i="1" smtClean="0">
-                            <a:latin typeface="Cambria Math" charset="0"/>
-                            <a:ea typeface="Cambria Math" charset="0"/>
-                            <a:cs typeface="Cambria Math" charset="0"/>
-                          </a:rPr>
-                          <m:t>1</m:t>
-                        </m:r>
-                      </m:sub>
-                    </m:sSub>
-                  </m:oMath>
-                </a14:m>
-                <a:r>
-                  <a:rPr lang="en-US" dirty="0" smtClean="0">
-                    <a:latin typeface="Cambria Math" charset="0"/>
-                    <a:ea typeface="Cambria Math" charset="0"/>
-                    <a:cs typeface="Cambria Math" charset="0"/>
-                  </a:rPr>
-                  <a:t>=1</a:t>
-                </a:r>
-                <a:endParaRPr lang="en-US" dirty="0">
-                  <a:latin typeface="Cambria Math" charset="0"/>
-                  <a:ea typeface="Cambria Math" charset="0"/>
-                  <a:cs typeface="Cambria Math" charset="0"/>
-                </a:endParaRPr>
-              </a:p>
-            </p:txBody>
-          </p:sp>
-        </mc:Choice>
-        <mc:Fallback>
-          <p:sp>
-            <p:nvSpPr>
-              <p:cNvPr id="50" name="TextBox 49"/>
-              <p:cNvSpPr txBox="1">
-                <a:spLocks noRot="1" noChangeAspect="1" noMove="1" noResize="1" noEditPoints="1" noAdjustHandles="1" noChangeArrowheads="1" noChangeShapeType="1" noTextEdit="1"/>
-              </p:cNvSpPr>
-              <p:nvPr/>
-            </p:nvSpPr>
-            <p:spPr>
-              <a:xfrm>
-                <a:off x="6964208" y="1606932"/>
-                <a:ext cx="685800" cy="369332"/>
-              </a:xfrm>
-              <a:prstGeom prst="rect">
-                <a:avLst/>
-              </a:prstGeom>
-              <a:blipFill rotWithShape="0">
-                <a:blip r:embed="rId11"/>
-                <a:stretch>
-                  <a:fillRect t="-11667" r="-4425" b="-25000"/>
-                </a:stretch>
-              </a:blipFill>
-            </p:spPr>
-            <p:txBody>
-              <a:bodyPr/>
-              <a:lstStyle/>
-              <a:p>
-                <a:r>
-                  <a:rPr lang="en-US">
-                    <a:noFill/>
-                  </a:rPr>
-                  <a:t> </a:t>
-                </a:r>
-              </a:p>
-            </p:txBody>
-          </p:sp>
-        </mc:Fallback>
-      </mc:AlternateContent>
-      <mc:AlternateContent xmlns:mc="http://schemas.openxmlformats.org/markup-compatibility/2006">
-        <mc:Choice xmlns:a14="http://schemas.microsoft.com/office/drawing/2010/main" Requires="a14">
-          <p:sp>
-            <p:nvSpPr>
-              <p:cNvPr id="51" name="TextBox 50"/>
-              <p:cNvSpPr txBox="1"/>
-              <p:nvPr/>
-            </p:nvSpPr>
-            <p:spPr>
-              <a:xfrm>
-                <a:off x="7799232" y="2520539"/>
-                <a:ext cx="685800" cy="369332"/>
-              </a:xfrm>
-              <a:prstGeom prst="rect">
-                <a:avLst/>
-              </a:prstGeom>
-              <a:noFill/>
-            </p:spPr>
-            <p:txBody>
-              <a:bodyPr wrap="square" rtlCol="0">
-                <a:spAutoFit/>
-              </a:bodyPr>
-              <a:lstStyle/>
-              <a:p>
-                <a:pPr algn="ctr"/>
-                <a14:m>
-                  <m:oMath xmlns:m="http://schemas.openxmlformats.org/officeDocument/2006/math">
-                    <m:sSub>
-                      <m:sSubPr>
-                        <m:ctrlPr>
-                          <a:rPr lang="en-US" b="0" i="1" smtClean="0">
-                            <a:latin typeface="Cambria Math" charset="0"/>
-                            <a:ea typeface="Cambria Math" charset="0"/>
-                            <a:cs typeface="Cambria Math" charset="0"/>
-                          </a:rPr>
-                        </m:ctrlPr>
-                      </m:sSubPr>
-                      <m:e>
-                        <m:r>
-                          <a:rPr lang="en-US" b="0" i="1" smtClean="0">
-                            <a:latin typeface="Cambria Math" charset="0"/>
-                            <a:ea typeface="Cambria Math" charset="0"/>
-                            <a:cs typeface="Cambria Math" charset="0"/>
-                          </a:rPr>
-                          <m:t>𝑙</m:t>
-                        </m:r>
-                      </m:e>
-                      <m:sub>
-                        <m:r>
-                          <a:rPr lang="en-US" b="0" i="1" smtClean="0">
-                            <a:latin typeface="Cambria Math" charset="0"/>
-                            <a:ea typeface="Cambria Math" charset="0"/>
-                            <a:cs typeface="Cambria Math" charset="0"/>
-                          </a:rPr>
-                          <m:t>2</m:t>
-                        </m:r>
-                      </m:sub>
-                    </m:sSub>
-                  </m:oMath>
-                </a14:m>
-                <a:r>
-                  <a:rPr lang="en-US" dirty="0" smtClean="0">
-                    <a:latin typeface="Cambria Math" charset="0"/>
-                    <a:ea typeface="Cambria Math" charset="0"/>
-                    <a:cs typeface="Cambria Math" charset="0"/>
-                  </a:rPr>
-                  <a:t>=2</a:t>
-                </a:r>
-                <a:endParaRPr lang="en-US" dirty="0">
-                  <a:latin typeface="Cambria Math" charset="0"/>
-                  <a:ea typeface="Cambria Math" charset="0"/>
-                  <a:cs typeface="Cambria Math" charset="0"/>
-                </a:endParaRPr>
-              </a:p>
-            </p:txBody>
-          </p:sp>
-        </mc:Choice>
-        <mc:Fallback>
-          <p:sp>
-            <p:nvSpPr>
-              <p:cNvPr id="51" name="TextBox 50"/>
-              <p:cNvSpPr txBox="1">
-                <a:spLocks noRot="1" noChangeAspect="1" noMove="1" noResize="1" noEditPoints="1" noAdjustHandles="1" noChangeArrowheads="1" noChangeShapeType="1" noTextEdit="1"/>
-              </p:cNvSpPr>
-              <p:nvPr/>
-            </p:nvSpPr>
-            <p:spPr>
-              <a:xfrm>
-                <a:off x="7799232" y="2520539"/>
-                <a:ext cx="685800" cy="369332"/>
-              </a:xfrm>
-              <a:prstGeom prst="rect">
-                <a:avLst/>
-              </a:prstGeom>
-              <a:blipFill rotWithShape="0">
-                <a:blip r:embed="rId12"/>
-                <a:stretch>
-                  <a:fillRect t="-9836" r="-5310" b="-22951"/>
-                </a:stretch>
-              </a:blipFill>
-            </p:spPr>
-            <p:txBody>
-              <a:bodyPr/>
-              <a:lstStyle/>
-              <a:p>
-                <a:r>
-                  <a:rPr lang="en-US">
-                    <a:noFill/>
-                  </a:rPr>
-                  <a:t> </a:t>
-                </a:r>
-              </a:p>
-            </p:txBody>
-          </p:sp>
-        </mc:Fallback>
-      </mc:AlternateContent>
-      <mc:AlternateContent xmlns:mc="http://schemas.openxmlformats.org/markup-compatibility/2006">
-        <mc:Choice xmlns:a14="http://schemas.microsoft.com/office/drawing/2010/main" Requires="a14">
-          <p:sp>
-            <p:nvSpPr>
-              <p:cNvPr id="54" name="TextBox 53"/>
-              <p:cNvSpPr txBox="1"/>
-              <p:nvPr/>
-            </p:nvSpPr>
-            <p:spPr>
-              <a:xfrm>
-                <a:off x="6750206" y="3632090"/>
-                <a:ext cx="685800" cy="369332"/>
-              </a:xfrm>
-              <a:prstGeom prst="rect">
-                <a:avLst/>
-              </a:prstGeom>
-              <a:noFill/>
-            </p:spPr>
-            <p:txBody>
-              <a:bodyPr wrap="square" rtlCol="0">
-                <a:spAutoFit/>
-              </a:bodyPr>
-              <a:lstStyle/>
-              <a:p>
-                <a:pPr algn="ctr"/>
-                <a14:m>
-                  <m:oMath xmlns:m="http://schemas.openxmlformats.org/officeDocument/2006/math">
-                    <m:sSub>
-                      <m:sSubPr>
-                        <m:ctrlPr>
-                          <a:rPr lang="en-US" b="0" i="1" smtClean="0">
-                            <a:latin typeface="Cambria Math" charset="0"/>
-                            <a:ea typeface="Cambria Math" charset="0"/>
-                            <a:cs typeface="Cambria Math" charset="0"/>
-                          </a:rPr>
-                        </m:ctrlPr>
-                      </m:sSubPr>
-                      <m:e>
-                        <m:r>
-                          <a:rPr lang="en-US" b="0" i="1" smtClean="0">
-                            <a:latin typeface="Cambria Math" charset="0"/>
-                            <a:ea typeface="Cambria Math" charset="0"/>
-                            <a:cs typeface="Cambria Math" charset="0"/>
-                          </a:rPr>
-                          <m:t>𝑙</m:t>
-                        </m:r>
-                      </m:e>
-                      <m:sub>
-                        <m:r>
-                          <a:rPr lang="en-US" b="0" i="1" smtClean="0">
-                            <a:latin typeface="Cambria Math" charset="0"/>
-                            <a:ea typeface="Cambria Math" charset="0"/>
-                            <a:cs typeface="Cambria Math" charset="0"/>
-                          </a:rPr>
-                          <m:t>3</m:t>
-                        </m:r>
-                      </m:sub>
-                    </m:sSub>
-                  </m:oMath>
-                </a14:m>
-                <a:r>
-                  <a:rPr lang="en-US" dirty="0" smtClean="0">
-                    <a:latin typeface="Cambria Math" charset="0"/>
-                    <a:ea typeface="Cambria Math" charset="0"/>
-                    <a:cs typeface="Cambria Math" charset="0"/>
-                  </a:rPr>
-                  <a:t>=3</a:t>
-                </a:r>
-                <a:endParaRPr lang="en-US" dirty="0">
-                  <a:latin typeface="Cambria Math" charset="0"/>
-                  <a:ea typeface="Cambria Math" charset="0"/>
-                  <a:cs typeface="Cambria Math" charset="0"/>
-                </a:endParaRPr>
-              </a:p>
-            </p:txBody>
-          </p:sp>
-        </mc:Choice>
-        <mc:Fallback>
-          <p:sp>
-            <p:nvSpPr>
-              <p:cNvPr id="54" name="TextBox 53"/>
-              <p:cNvSpPr txBox="1">
-                <a:spLocks noRot="1" noChangeAspect="1" noMove="1" noResize="1" noEditPoints="1" noAdjustHandles="1" noChangeArrowheads="1" noChangeShapeType="1" noTextEdit="1"/>
-              </p:cNvSpPr>
-              <p:nvPr/>
-            </p:nvSpPr>
-            <p:spPr>
-              <a:xfrm>
-                <a:off x="6750206" y="3632090"/>
-                <a:ext cx="685800" cy="369332"/>
-              </a:xfrm>
-              <a:prstGeom prst="rect">
-                <a:avLst/>
-              </a:prstGeom>
-              <a:blipFill rotWithShape="0">
-                <a:blip r:embed="rId13"/>
-                <a:stretch>
-                  <a:fillRect t="-11667" r="-5310" b="-25000"/>
-                </a:stretch>
-              </a:blipFill>
-            </p:spPr>
-            <p:txBody>
-              <a:bodyPr/>
-              <a:lstStyle/>
-              <a:p>
-                <a:r>
-                  <a:rPr lang="en-US">
-                    <a:noFill/>
-                  </a:rPr>
-                  <a:t> </a:t>
-                </a:r>
-              </a:p>
-            </p:txBody>
-          </p:sp>
-        </mc:Fallback>
-      </mc:AlternateContent>
-      <mc:AlternateContent xmlns:mc="http://schemas.openxmlformats.org/markup-compatibility/2006">
-        <mc:Choice xmlns:a14="http://schemas.microsoft.com/office/drawing/2010/main" Requires="a14">
-          <p:sp>
-            <p:nvSpPr>
-              <p:cNvPr id="55" name="TextBox 54"/>
-              <p:cNvSpPr txBox="1"/>
-              <p:nvPr/>
-            </p:nvSpPr>
-            <p:spPr>
-              <a:xfrm>
-                <a:off x="5982398" y="4415527"/>
-                <a:ext cx="685800" cy="369332"/>
-              </a:xfrm>
-              <a:prstGeom prst="rect">
-                <a:avLst/>
-              </a:prstGeom>
-              <a:noFill/>
-            </p:spPr>
-            <p:txBody>
-              <a:bodyPr wrap="square" rtlCol="0">
-                <a:spAutoFit/>
-              </a:bodyPr>
-              <a:lstStyle/>
-              <a:p>
-                <a:pPr algn="ctr"/>
-                <a14:m>
-                  <m:oMath xmlns:m="http://schemas.openxmlformats.org/officeDocument/2006/math">
-                    <m:sSub>
-                      <m:sSubPr>
-                        <m:ctrlPr>
-                          <a:rPr lang="en-US" b="0" i="1" smtClean="0">
-                            <a:latin typeface="Cambria Math" charset="0"/>
-                            <a:ea typeface="Cambria Math" charset="0"/>
-                            <a:cs typeface="Cambria Math" charset="0"/>
-                          </a:rPr>
-                        </m:ctrlPr>
-                      </m:sSubPr>
-                      <m:e>
-                        <m:r>
-                          <a:rPr lang="en-US" b="0" i="1" smtClean="0">
-                            <a:latin typeface="Cambria Math" charset="0"/>
-                            <a:ea typeface="Cambria Math" charset="0"/>
-                            <a:cs typeface="Cambria Math" charset="0"/>
-                          </a:rPr>
-                          <m:t>𝑙</m:t>
-                        </m:r>
-                      </m:e>
-                      <m:sub>
-                        <m:r>
-                          <a:rPr lang="en-US" b="0" i="1" smtClean="0">
-                            <a:latin typeface="Cambria Math" charset="0"/>
-                            <a:ea typeface="Cambria Math" charset="0"/>
-                            <a:cs typeface="Cambria Math" charset="0"/>
-                          </a:rPr>
-                          <m:t>4</m:t>
-                        </m:r>
-                      </m:sub>
-                    </m:sSub>
-                  </m:oMath>
-                </a14:m>
-                <a:r>
-                  <a:rPr lang="en-US" dirty="0" smtClean="0">
-                    <a:latin typeface="Cambria Math" charset="0"/>
-                    <a:ea typeface="Cambria Math" charset="0"/>
-                    <a:cs typeface="Cambria Math" charset="0"/>
-                  </a:rPr>
-                  <a:t>=3</a:t>
-                </a:r>
-                <a:endParaRPr lang="en-US" dirty="0">
-                  <a:latin typeface="Cambria Math" charset="0"/>
-                  <a:ea typeface="Cambria Math" charset="0"/>
-                  <a:cs typeface="Cambria Math" charset="0"/>
-                </a:endParaRPr>
-              </a:p>
-            </p:txBody>
-          </p:sp>
-        </mc:Choice>
-        <mc:Fallback>
-          <p:sp>
-            <p:nvSpPr>
-              <p:cNvPr id="55" name="TextBox 54"/>
-              <p:cNvSpPr txBox="1">
-                <a:spLocks noRot="1" noChangeAspect="1" noMove="1" noResize="1" noEditPoints="1" noAdjustHandles="1" noChangeArrowheads="1" noChangeShapeType="1" noTextEdit="1"/>
-              </p:cNvSpPr>
-              <p:nvPr/>
-            </p:nvSpPr>
-            <p:spPr>
-              <a:xfrm>
-                <a:off x="5982398" y="4415527"/>
-                <a:ext cx="685800" cy="369332"/>
-              </a:xfrm>
-              <a:prstGeom prst="rect">
-                <a:avLst/>
-              </a:prstGeom>
-              <a:blipFill rotWithShape="0">
-                <a:blip r:embed="rId14"/>
-                <a:stretch>
-                  <a:fillRect t="-9836" r="-5310" b="-22951"/>
-                </a:stretch>
-              </a:blipFill>
-            </p:spPr>
-            <p:txBody>
-              <a:bodyPr/>
-              <a:lstStyle/>
-              <a:p>
-                <a:r>
-                  <a:rPr lang="en-US">
-                    <a:noFill/>
-                  </a:rPr>
-                  <a:t> </a:t>
-                </a:r>
-              </a:p>
-            </p:txBody>
-          </p:sp>
-        </mc:Fallback>
-      </mc:AlternateContent>
     </p:spTree>
     <p:extLst>
       <p:ext uri="{BB962C8B-B14F-4D97-AF65-F5344CB8AC3E}">

--- a/figures/model_figures.pptx
+++ b/figures/model_figures.pptx
@@ -4,17 +4,22 @@
   <p:sldMasterIdLst>
     <p:sldMasterId id="2147483648" r:id="rId1"/>
   </p:sldMasterIdLst>
+  <p:notesMasterIdLst>
+    <p:notesMasterId r:id="rId14"/>
+  </p:notesMasterIdLst>
   <p:sldIdLst>
     <p:sldId id="256" r:id="rId2"/>
-    <p:sldId id="257" r:id="rId3"/>
-    <p:sldId id="258" r:id="rId4"/>
-    <p:sldId id="259" r:id="rId5"/>
-    <p:sldId id="265" r:id="rId6"/>
-    <p:sldId id="260" r:id="rId7"/>
-    <p:sldId id="261" r:id="rId8"/>
-    <p:sldId id="262" r:id="rId9"/>
-    <p:sldId id="263" r:id="rId10"/>
-    <p:sldId id="264" r:id="rId11"/>
+    <p:sldId id="267" r:id="rId3"/>
+    <p:sldId id="257" r:id="rId4"/>
+    <p:sldId id="258" r:id="rId5"/>
+    <p:sldId id="259" r:id="rId6"/>
+    <p:sldId id="265" r:id="rId7"/>
+    <p:sldId id="266" r:id="rId8"/>
+    <p:sldId id="260" r:id="rId9"/>
+    <p:sldId id="261" r:id="rId10"/>
+    <p:sldId id="262" r:id="rId11"/>
+    <p:sldId id="263" r:id="rId12"/>
+    <p:sldId id="264" r:id="rId13"/>
   </p:sldIdLst>
   <p:sldSz cx="12192000" cy="6858000"/>
   <p:notesSz cx="6858000" cy="9144000"/>
@@ -119,6 +124,7 @@
         <p14:section name="(a) Description of Model" id="{04DC9BD1-A2C3-534D-8F45-BAAC49A8EE85}">
           <p14:sldIdLst>
             <p14:sldId id="256"/>
+            <p14:sldId id="267"/>
           </p14:sldIdLst>
         </p14:section>
         <p14:section name="(b) Shape of Tree vs. r" id="{C8F95527-17A6-4D4C-9E93-CA638BE65346}">
@@ -127,6 +133,7 @@
             <p14:sldId id="258"/>
             <p14:sldId id="259"/>
             <p14:sldId id="265"/>
+            <p14:sldId id="266"/>
           </p14:sldIdLst>
         </p14:section>
         <p14:section name="(c) (Un)Ranked and (Un)Ordered Trees" id="{09A54724-97C0-8B44-BFD4-AADFC12D8C9E}">
@@ -145,6 +152,356 @@
     </p:ext>
   </p:extLst>
 </p:presentation>
+</file>
+
+<file path=ppt/notesMasters/notesMaster1.xml><?xml version="1.0" encoding="utf-8"?>
+<p:notesMaster xmlns:a="http://schemas.openxmlformats.org/drawingml/2006/main" xmlns:r="http://schemas.openxmlformats.org/officeDocument/2006/relationships" xmlns:p="http://schemas.openxmlformats.org/presentationml/2006/main">
+  <p:cSld>
+    <p:bg>
+      <p:bgRef idx="1001">
+        <a:schemeClr val="bg1"/>
+      </p:bgRef>
+    </p:bg>
+    <p:spTree>
+      <p:nvGrpSpPr>
+        <p:cNvPr id="1" name=""/>
+        <p:cNvGrpSpPr/>
+        <p:nvPr/>
+      </p:nvGrpSpPr>
+      <p:grpSpPr>
+        <a:xfrm>
+          <a:off x="0" y="0"/>
+          <a:ext cx="0" cy="0"/>
+          <a:chOff x="0" y="0"/>
+          <a:chExt cx="0" cy="0"/>
+        </a:xfrm>
+      </p:grpSpPr>
+      <p:sp>
+        <p:nvSpPr>
+          <p:cNvPr id="2" name="Header Placeholder 1"/>
+          <p:cNvSpPr>
+            <a:spLocks noGrp="1"/>
+          </p:cNvSpPr>
+          <p:nvPr>
+            <p:ph type="hdr" sz="quarter"/>
+          </p:nvPr>
+        </p:nvSpPr>
+        <p:spPr>
+          <a:xfrm>
+            <a:off x="0" y="0"/>
+            <a:ext cx="2971800" cy="458788"/>
+          </a:xfrm>
+          <a:prstGeom prst="rect">
+            <a:avLst/>
+          </a:prstGeom>
+        </p:spPr>
+        <p:txBody>
+          <a:bodyPr vert="horz" lIns="91440" tIns="45720" rIns="91440" bIns="45720" rtlCol="0"/>
+          <a:lstStyle>
+            <a:lvl1pPr algn="l">
+              <a:defRPr sz="1200"/>
+            </a:lvl1pPr>
+          </a:lstStyle>
+          <a:p>
+            <a:endParaRPr lang="en-US"/>
+          </a:p>
+        </p:txBody>
+      </p:sp>
+      <p:sp>
+        <p:nvSpPr>
+          <p:cNvPr id="3" name="Date Placeholder 2"/>
+          <p:cNvSpPr>
+            <a:spLocks noGrp="1"/>
+          </p:cNvSpPr>
+          <p:nvPr>
+            <p:ph type="dt" idx="1"/>
+          </p:nvPr>
+        </p:nvSpPr>
+        <p:spPr>
+          <a:xfrm>
+            <a:off x="3884613" y="0"/>
+            <a:ext cx="2971800" cy="458788"/>
+          </a:xfrm>
+          <a:prstGeom prst="rect">
+            <a:avLst/>
+          </a:prstGeom>
+        </p:spPr>
+        <p:txBody>
+          <a:bodyPr vert="horz" lIns="91440" tIns="45720" rIns="91440" bIns="45720" rtlCol="0"/>
+          <a:lstStyle>
+            <a:lvl1pPr algn="r">
+              <a:defRPr sz="1200"/>
+            </a:lvl1pPr>
+          </a:lstStyle>
+          <a:p>
+            <a:fld id="{E89860B5-43B3-954E-9256-B1784FA62D54}" type="datetimeFigureOut">
+              <a:rPr lang="en-US" smtClean="0"/>
+              <a:t>11/10/17</a:t>
+            </a:fld>
+            <a:endParaRPr lang="en-US"/>
+          </a:p>
+        </p:txBody>
+      </p:sp>
+      <p:sp>
+        <p:nvSpPr>
+          <p:cNvPr id="4" name="Slide Image Placeholder 3"/>
+          <p:cNvSpPr>
+            <a:spLocks noGrp="1" noRot="1" noChangeAspect="1"/>
+          </p:cNvSpPr>
+          <p:nvPr>
+            <p:ph type="sldImg" idx="2"/>
+          </p:nvPr>
+        </p:nvSpPr>
+        <p:spPr>
+          <a:xfrm>
+            <a:off x="685800" y="1143000"/>
+            <a:ext cx="5486400" cy="3086100"/>
+          </a:xfrm>
+          <a:prstGeom prst="rect">
+            <a:avLst/>
+          </a:prstGeom>
+          <a:noFill/>
+          <a:ln w="12700">
+            <a:solidFill>
+              <a:prstClr val="black"/>
+            </a:solidFill>
+          </a:ln>
+        </p:spPr>
+        <p:txBody>
+          <a:bodyPr vert="horz" lIns="91440" tIns="45720" rIns="91440" bIns="45720" rtlCol="0" anchor="ctr"/>
+          <a:lstStyle/>
+          <a:p>
+            <a:endParaRPr lang="en-US"/>
+          </a:p>
+        </p:txBody>
+      </p:sp>
+      <p:sp>
+        <p:nvSpPr>
+          <p:cNvPr id="5" name="Notes Placeholder 4"/>
+          <p:cNvSpPr>
+            <a:spLocks noGrp="1"/>
+          </p:cNvSpPr>
+          <p:nvPr>
+            <p:ph type="body" sz="quarter" idx="3"/>
+          </p:nvPr>
+        </p:nvSpPr>
+        <p:spPr>
+          <a:xfrm>
+            <a:off x="685800" y="4400550"/>
+            <a:ext cx="5486400" cy="3600450"/>
+          </a:xfrm>
+          <a:prstGeom prst="rect">
+            <a:avLst/>
+          </a:prstGeom>
+        </p:spPr>
+        <p:txBody>
+          <a:bodyPr vert="horz" lIns="91440" tIns="45720" rIns="91440" bIns="45720" rtlCol="0"/>
+          <a:lstStyle/>
+          <a:p>
+            <a:pPr lvl="0"/>
+            <a:r>
+              <a:rPr lang="en-US" smtClean="0"/>
+              <a:t>Click to edit Master text styles</a:t>
+            </a:r>
+          </a:p>
+          <a:p>
+            <a:pPr lvl="1"/>
+            <a:r>
+              <a:rPr lang="en-US" smtClean="0"/>
+              <a:t>Second level</a:t>
+            </a:r>
+          </a:p>
+          <a:p>
+            <a:pPr lvl="2"/>
+            <a:r>
+              <a:rPr lang="en-US" smtClean="0"/>
+              <a:t>Third level</a:t>
+            </a:r>
+          </a:p>
+          <a:p>
+            <a:pPr lvl="3"/>
+            <a:r>
+              <a:rPr lang="en-US" smtClean="0"/>
+              <a:t>Fourth level</a:t>
+            </a:r>
+          </a:p>
+          <a:p>
+            <a:pPr lvl="4"/>
+            <a:r>
+              <a:rPr lang="en-US" smtClean="0"/>
+              <a:t>Fifth level</a:t>
+            </a:r>
+            <a:endParaRPr lang="en-US"/>
+          </a:p>
+        </p:txBody>
+      </p:sp>
+      <p:sp>
+        <p:nvSpPr>
+          <p:cNvPr id="6" name="Footer Placeholder 5"/>
+          <p:cNvSpPr>
+            <a:spLocks noGrp="1"/>
+          </p:cNvSpPr>
+          <p:nvPr>
+            <p:ph type="ftr" sz="quarter" idx="4"/>
+          </p:nvPr>
+        </p:nvSpPr>
+        <p:spPr>
+          <a:xfrm>
+            <a:off x="0" y="8685213"/>
+            <a:ext cx="2971800" cy="458787"/>
+          </a:xfrm>
+          <a:prstGeom prst="rect">
+            <a:avLst/>
+          </a:prstGeom>
+        </p:spPr>
+        <p:txBody>
+          <a:bodyPr vert="horz" lIns="91440" tIns="45720" rIns="91440" bIns="45720" rtlCol="0" anchor="b"/>
+          <a:lstStyle>
+            <a:lvl1pPr algn="l">
+              <a:defRPr sz="1200"/>
+            </a:lvl1pPr>
+          </a:lstStyle>
+          <a:p>
+            <a:endParaRPr lang="en-US"/>
+          </a:p>
+        </p:txBody>
+      </p:sp>
+      <p:sp>
+        <p:nvSpPr>
+          <p:cNvPr id="7" name="Slide Number Placeholder 6"/>
+          <p:cNvSpPr>
+            <a:spLocks noGrp="1"/>
+          </p:cNvSpPr>
+          <p:nvPr>
+            <p:ph type="sldNum" sz="quarter" idx="5"/>
+          </p:nvPr>
+        </p:nvSpPr>
+        <p:spPr>
+          <a:xfrm>
+            <a:off x="3884613" y="8685213"/>
+            <a:ext cx="2971800" cy="458787"/>
+          </a:xfrm>
+          <a:prstGeom prst="rect">
+            <a:avLst/>
+          </a:prstGeom>
+        </p:spPr>
+        <p:txBody>
+          <a:bodyPr vert="horz" lIns="91440" tIns="45720" rIns="91440" bIns="45720" rtlCol="0" anchor="b"/>
+          <a:lstStyle>
+            <a:lvl1pPr algn="r">
+              <a:defRPr sz="1200"/>
+            </a:lvl1pPr>
+          </a:lstStyle>
+          <a:p>
+            <a:fld id="{37CBC03F-4930-9042-A454-72FB6CD2BCEF}" type="slidenum">
+              <a:rPr lang="en-US" smtClean="0"/>
+              <a:t>‹#›</a:t>
+            </a:fld>
+            <a:endParaRPr lang="en-US"/>
+          </a:p>
+        </p:txBody>
+      </p:sp>
+    </p:spTree>
+    <p:extLst>
+      <p:ext uri="{BB962C8B-B14F-4D97-AF65-F5344CB8AC3E}">
+        <p14:creationId xmlns:p14="http://schemas.microsoft.com/office/powerpoint/2010/main" val="1233805520"/>
+      </p:ext>
+    </p:extLst>
+  </p:cSld>
+  <p:clrMap bg1="lt1" tx1="dk1" bg2="lt2" tx2="dk2" accent1="accent1" accent2="accent2" accent3="accent3" accent4="accent4" accent5="accent5" accent6="accent6" hlink="hlink" folHlink="folHlink"/>
+  <p:notesStyle>
+    <a:lvl1pPr marL="0" algn="l" defTabSz="914400" rtl="0" eaLnBrk="1" latinLnBrk="0" hangingPunct="1">
+      <a:defRPr sz="1200" kern="1200">
+        <a:solidFill>
+          <a:schemeClr val="tx1"/>
+        </a:solidFill>
+        <a:latin typeface="+mn-lt"/>
+        <a:ea typeface="+mn-ea"/>
+        <a:cs typeface="+mn-cs"/>
+      </a:defRPr>
+    </a:lvl1pPr>
+    <a:lvl2pPr marL="457200" algn="l" defTabSz="914400" rtl="0" eaLnBrk="1" latinLnBrk="0" hangingPunct="1">
+      <a:defRPr sz="1200" kern="1200">
+        <a:solidFill>
+          <a:schemeClr val="tx1"/>
+        </a:solidFill>
+        <a:latin typeface="+mn-lt"/>
+        <a:ea typeface="+mn-ea"/>
+        <a:cs typeface="+mn-cs"/>
+      </a:defRPr>
+    </a:lvl2pPr>
+    <a:lvl3pPr marL="914400" algn="l" defTabSz="914400" rtl="0" eaLnBrk="1" latinLnBrk="0" hangingPunct="1">
+      <a:defRPr sz="1200" kern="1200">
+        <a:solidFill>
+          <a:schemeClr val="tx1"/>
+        </a:solidFill>
+        <a:latin typeface="+mn-lt"/>
+        <a:ea typeface="+mn-ea"/>
+        <a:cs typeface="+mn-cs"/>
+      </a:defRPr>
+    </a:lvl3pPr>
+    <a:lvl4pPr marL="1371600" algn="l" defTabSz="914400" rtl="0" eaLnBrk="1" latinLnBrk="0" hangingPunct="1">
+      <a:defRPr sz="1200" kern="1200">
+        <a:solidFill>
+          <a:schemeClr val="tx1"/>
+        </a:solidFill>
+        <a:latin typeface="+mn-lt"/>
+        <a:ea typeface="+mn-ea"/>
+        <a:cs typeface="+mn-cs"/>
+      </a:defRPr>
+    </a:lvl4pPr>
+    <a:lvl5pPr marL="1828800" algn="l" defTabSz="914400" rtl="0" eaLnBrk="1" latinLnBrk="0" hangingPunct="1">
+      <a:defRPr sz="1200" kern="1200">
+        <a:solidFill>
+          <a:schemeClr val="tx1"/>
+        </a:solidFill>
+        <a:latin typeface="+mn-lt"/>
+        <a:ea typeface="+mn-ea"/>
+        <a:cs typeface="+mn-cs"/>
+      </a:defRPr>
+    </a:lvl5pPr>
+    <a:lvl6pPr marL="2286000" algn="l" defTabSz="914400" rtl="0" eaLnBrk="1" latinLnBrk="0" hangingPunct="1">
+      <a:defRPr sz="1200" kern="1200">
+        <a:solidFill>
+          <a:schemeClr val="tx1"/>
+        </a:solidFill>
+        <a:latin typeface="+mn-lt"/>
+        <a:ea typeface="+mn-ea"/>
+        <a:cs typeface="+mn-cs"/>
+      </a:defRPr>
+    </a:lvl6pPr>
+    <a:lvl7pPr marL="2743200" algn="l" defTabSz="914400" rtl="0" eaLnBrk="1" latinLnBrk="0" hangingPunct="1">
+      <a:defRPr sz="1200" kern="1200">
+        <a:solidFill>
+          <a:schemeClr val="tx1"/>
+        </a:solidFill>
+        <a:latin typeface="+mn-lt"/>
+        <a:ea typeface="+mn-ea"/>
+        <a:cs typeface="+mn-cs"/>
+      </a:defRPr>
+    </a:lvl7pPr>
+    <a:lvl8pPr marL="3200400" algn="l" defTabSz="914400" rtl="0" eaLnBrk="1" latinLnBrk="0" hangingPunct="1">
+      <a:defRPr sz="1200" kern="1200">
+        <a:solidFill>
+          <a:schemeClr val="tx1"/>
+        </a:solidFill>
+        <a:latin typeface="+mn-lt"/>
+        <a:ea typeface="+mn-ea"/>
+        <a:cs typeface="+mn-cs"/>
+      </a:defRPr>
+    </a:lvl8pPr>
+    <a:lvl9pPr marL="3657600" algn="l" defTabSz="914400" rtl="0" eaLnBrk="1" latinLnBrk="0" hangingPunct="1">
+      <a:defRPr sz="1200" kern="1200">
+        <a:solidFill>
+          <a:schemeClr val="tx1"/>
+        </a:solidFill>
+        <a:latin typeface="+mn-lt"/>
+        <a:ea typeface="+mn-ea"/>
+        <a:cs typeface="+mn-cs"/>
+      </a:defRPr>
+    </a:lvl9pPr>
+  </p:notesStyle>
+</p:notesMaster>
 </file>
 
 <file path=ppt/slideLayouts/slideLayout1.xml><?xml version="1.0" encoding="utf-8"?>
@@ -278,7 +635,7 @@
           <a:p>
             <a:fld id="{14AB990E-AD98-CD44-AFF8-DD4A87834CE8}" type="datetimeFigureOut">
               <a:rPr lang="en-US" smtClean="0"/>
-              <a:t>9/19/17</a:t>
+              <a:t>11/10/17</a:t>
             </a:fld>
             <a:endParaRPr lang="en-US"/>
           </a:p>
@@ -448,7 +805,7 @@
           <a:p>
             <a:fld id="{14AB990E-AD98-CD44-AFF8-DD4A87834CE8}" type="datetimeFigureOut">
               <a:rPr lang="en-US" smtClean="0"/>
-              <a:t>9/19/17</a:t>
+              <a:t>11/10/17</a:t>
             </a:fld>
             <a:endParaRPr lang="en-US"/>
           </a:p>
@@ -628,7 +985,7 @@
           <a:p>
             <a:fld id="{14AB990E-AD98-CD44-AFF8-DD4A87834CE8}" type="datetimeFigureOut">
               <a:rPr lang="en-US" smtClean="0"/>
-              <a:t>9/19/17</a:t>
+              <a:t>11/10/17</a:t>
             </a:fld>
             <a:endParaRPr lang="en-US"/>
           </a:p>
@@ -798,7 +1155,7 @@
           <a:p>
             <a:fld id="{14AB990E-AD98-CD44-AFF8-DD4A87834CE8}" type="datetimeFigureOut">
               <a:rPr lang="en-US" smtClean="0"/>
-              <a:t>9/19/17</a:t>
+              <a:t>11/10/17</a:t>
             </a:fld>
             <a:endParaRPr lang="en-US"/>
           </a:p>
@@ -1044,7 +1401,7 @@
           <a:p>
             <a:fld id="{14AB990E-AD98-CD44-AFF8-DD4A87834CE8}" type="datetimeFigureOut">
               <a:rPr lang="en-US" smtClean="0"/>
-              <a:t>9/19/17</a:t>
+              <a:t>11/10/17</a:t>
             </a:fld>
             <a:endParaRPr lang="en-US"/>
           </a:p>
@@ -1276,7 +1633,7 @@
           <a:p>
             <a:fld id="{14AB990E-AD98-CD44-AFF8-DD4A87834CE8}" type="datetimeFigureOut">
               <a:rPr lang="en-US" smtClean="0"/>
-              <a:t>9/19/17</a:t>
+              <a:t>11/10/17</a:t>
             </a:fld>
             <a:endParaRPr lang="en-US"/>
           </a:p>
@@ -1643,7 +2000,7 @@
           <a:p>
             <a:fld id="{14AB990E-AD98-CD44-AFF8-DD4A87834CE8}" type="datetimeFigureOut">
               <a:rPr lang="en-US" smtClean="0"/>
-              <a:t>9/19/17</a:t>
+              <a:t>11/10/17</a:t>
             </a:fld>
             <a:endParaRPr lang="en-US"/>
           </a:p>
@@ -1761,7 +2118,7 @@
           <a:p>
             <a:fld id="{14AB990E-AD98-CD44-AFF8-DD4A87834CE8}" type="datetimeFigureOut">
               <a:rPr lang="en-US" smtClean="0"/>
-              <a:t>9/19/17</a:t>
+              <a:t>11/10/17</a:t>
             </a:fld>
             <a:endParaRPr lang="en-US"/>
           </a:p>
@@ -1856,7 +2213,7 @@
           <a:p>
             <a:fld id="{14AB990E-AD98-CD44-AFF8-DD4A87834CE8}" type="datetimeFigureOut">
               <a:rPr lang="en-US" smtClean="0"/>
-              <a:t>9/19/17</a:t>
+              <a:t>11/10/17</a:t>
             </a:fld>
             <a:endParaRPr lang="en-US"/>
           </a:p>
@@ -2133,7 +2490,7 @@
           <a:p>
             <a:fld id="{14AB990E-AD98-CD44-AFF8-DD4A87834CE8}" type="datetimeFigureOut">
               <a:rPr lang="en-US" smtClean="0"/>
-              <a:t>9/19/17</a:t>
+              <a:t>11/10/17</a:t>
             </a:fld>
             <a:endParaRPr lang="en-US"/>
           </a:p>
@@ -2386,7 +2743,7 @@
           <a:p>
             <a:fld id="{14AB990E-AD98-CD44-AFF8-DD4A87834CE8}" type="datetimeFigureOut">
               <a:rPr lang="en-US" smtClean="0"/>
-              <a:t>9/19/17</a:t>
+              <a:t>11/10/17</a:t>
             </a:fld>
             <a:endParaRPr lang="en-US"/>
           </a:p>
@@ -2599,7 +2956,7 @@
           <a:p>
             <a:fld id="{14AB990E-AD98-CD44-AFF8-DD4A87834CE8}" type="datetimeFigureOut">
               <a:rPr lang="en-US" smtClean="0"/>
-              <a:t>9/19/17</a:t>
+              <a:t>11/10/17</a:t>
             </a:fld>
             <a:endParaRPr lang="en-US"/>
           </a:p>
@@ -4740,8 +5097,8 @@
             </mc:Fallback>
           </mc:AlternateContent>
         </p:grpSp>
-        <mc:AlternateContent xmlns:mc="http://schemas.openxmlformats.org/markup-compatibility/2006">
-          <mc:Choice xmlns:a14="http://schemas.microsoft.com/office/drawing/2010/main" Requires="a14">
+        <mc:AlternateContent xmlns:mc="http://schemas.openxmlformats.org/markup-compatibility/2006" xmlns:a14="http://schemas.microsoft.com/office/drawing/2010/main">
+          <mc:Choice Requires="a14">
             <p:sp>
               <p:nvSpPr>
                 <p:cNvPr id="3" name="TextBox 2"/>
@@ -4817,7 +5174,7 @@
               </p:txBody>
             </p:sp>
           </mc:Choice>
-          <mc:Fallback>
+          <mc:Fallback xmlns="">
             <p:sp>
               <p:nvSpPr>
                 <p:cNvPr id="3" name="TextBox 2"/>
@@ -4856,8 +5213,8 @@
             </p:sp>
           </mc:Fallback>
         </mc:AlternateContent>
-        <mc:AlternateContent xmlns:mc="http://schemas.openxmlformats.org/markup-compatibility/2006">
-          <mc:Choice xmlns:a14="http://schemas.microsoft.com/office/drawing/2010/main" Requires="a14">
+        <mc:AlternateContent xmlns:mc="http://schemas.openxmlformats.org/markup-compatibility/2006" xmlns:a14="http://schemas.microsoft.com/office/drawing/2010/main">
+          <mc:Choice Requires="a14">
             <p:sp>
               <p:nvSpPr>
                 <p:cNvPr id="50" name="TextBox 49"/>
@@ -4933,7 +5290,7 @@
               </p:txBody>
             </p:sp>
           </mc:Choice>
-          <mc:Fallback>
+          <mc:Fallback xmlns="">
             <p:sp>
               <p:nvSpPr>
                 <p:cNvPr id="50" name="TextBox 49"/>
@@ -4972,8 +5329,8 @@
             </p:sp>
           </mc:Fallback>
         </mc:AlternateContent>
-        <mc:AlternateContent xmlns:mc="http://schemas.openxmlformats.org/markup-compatibility/2006">
-          <mc:Choice xmlns:a14="http://schemas.microsoft.com/office/drawing/2010/main" Requires="a14">
+        <mc:AlternateContent xmlns:mc="http://schemas.openxmlformats.org/markup-compatibility/2006" xmlns:a14="http://schemas.microsoft.com/office/drawing/2010/main">
+          <mc:Choice Requires="a14">
             <p:sp>
               <p:nvSpPr>
                 <p:cNvPr id="51" name="TextBox 50"/>
@@ -5049,7 +5406,7 @@
               </p:txBody>
             </p:sp>
           </mc:Choice>
-          <mc:Fallback>
+          <mc:Fallback xmlns="">
             <p:sp>
               <p:nvSpPr>
                 <p:cNvPr id="51" name="TextBox 50"/>
@@ -5088,8 +5445,8 @@
             </p:sp>
           </mc:Fallback>
         </mc:AlternateContent>
-        <mc:AlternateContent xmlns:mc="http://schemas.openxmlformats.org/markup-compatibility/2006">
-          <mc:Choice xmlns:a14="http://schemas.microsoft.com/office/drawing/2010/main" Requires="a14">
+        <mc:AlternateContent xmlns:mc="http://schemas.openxmlformats.org/markup-compatibility/2006" xmlns:a14="http://schemas.microsoft.com/office/drawing/2010/main">
+          <mc:Choice Requires="a14">
             <p:sp>
               <p:nvSpPr>
                 <p:cNvPr id="54" name="TextBox 53"/>
@@ -5165,7 +5522,7 @@
               </p:txBody>
             </p:sp>
           </mc:Choice>
-          <mc:Fallback>
+          <mc:Fallback xmlns="">
             <p:sp>
               <p:nvSpPr>
                 <p:cNvPr id="54" name="TextBox 53"/>
@@ -5204,8 +5561,8 @@
             </p:sp>
           </mc:Fallback>
         </mc:AlternateContent>
-        <mc:AlternateContent xmlns:mc="http://schemas.openxmlformats.org/markup-compatibility/2006">
-          <mc:Choice xmlns:a14="http://schemas.microsoft.com/office/drawing/2010/main" Requires="a14">
+        <mc:AlternateContent xmlns:mc="http://schemas.openxmlformats.org/markup-compatibility/2006" xmlns:a14="http://schemas.microsoft.com/office/drawing/2010/main">
+          <mc:Choice Requires="a14">
             <p:sp>
               <p:nvSpPr>
                 <p:cNvPr id="55" name="TextBox 54"/>
@@ -5281,7 +5638,7 @@
               </p:txBody>
             </p:sp>
           </mc:Choice>
-          <mc:Fallback>
+          <mc:Fallback xmlns="">
             <p:sp>
               <p:nvSpPr>
                 <p:cNvPr id="55" name="TextBox 54"/>
@@ -5575,6 +5932,2318 @@
 </file>
 
 <file path=ppt/slides/slide10.xml><?xml version="1.0" encoding="utf-8"?>
+<p:sld xmlns:a="http://schemas.openxmlformats.org/drawingml/2006/main" xmlns:r="http://schemas.openxmlformats.org/officeDocument/2006/relationships" xmlns:p="http://schemas.openxmlformats.org/presentationml/2006/main">
+  <p:cSld>
+    <p:spTree>
+      <p:nvGrpSpPr>
+        <p:cNvPr id="1" name=""/>
+        <p:cNvGrpSpPr/>
+        <p:nvPr/>
+      </p:nvGrpSpPr>
+      <p:grpSpPr>
+        <a:xfrm>
+          <a:off x="0" y="0"/>
+          <a:ext cx="0" cy="0"/>
+          <a:chOff x="0" y="0"/>
+          <a:chExt cx="0" cy="0"/>
+        </a:xfrm>
+      </p:grpSpPr>
+      <p:grpSp>
+        <p:nvGrpSpPr>
+          <p:cNvPr id="2" name="Group 1"/>
+          <p:cNvGrpSpPr/>
+          <p:nvPr/>
+        </p:nvGrpSpPr>
+        <p:grpSpPr>
+          <a:xfrm>
+            <a:off x="2335880" y="1062642"/>
+            <a:ext cx="3221051" cy="2045593"/>
+            <a:chOff x="2335880" y="1062642"/>
+            <a:chExt cx="3221051" cy="2045593"/>
+          </a:xfrm>
+        </p:grpSpPr>
+        <p:sp>
+          <p:nvSpPr>
+            <p:cNvPr id="54" name="TextBox 53"/>
+            <p:cNvSpPr txBox="1"/>
+            <p:nvPr/>
+          </p:nvSpPr>
+          <p:spPr>
+            <a:xfrm>
+              <a:off x="2335880" y="2708125"/>
+              <a:ext cx="3221051" cy="400110"/>
+            </a:xfrm>
+            <a:prstGeom prst="rect">
+              <a:avLst/>
+            </a:prstGeom>
+            <a:noFill/>
+          </p:spPr>
+          <p:txBody>
+            <a:bodyPr wrap="square" rtlCol="0">
+              <a:spAutoFit/>
+            </a:bodyPr>
+            <a:lstStyle/>
+            <a:p>
+              <a:pPr algn="ctr"/>
+              <a:r>
+                <a:rPr lang="en-US" sz="2000" dirty="0" smtClean="0"/>
+                <a:t>Ordering 1</a:t>
+              </a:r>
+              <a:endParaRPr lang="en-US" sz="2000" dirty="0"/>
+            </a:p>
+          </p:txBody>
+        </p:sp>
+        <p:cxnSp>
+          <p:nvCxnSpPr>
+            <p:cNvPr id="38" name="Straight Connector 37"/>
+            <p:cNvCxnSpPr/>
+            <p:nvPr/>
+          </p:nvCxnSpPr>
+          <p:spPr>
+            <a:xfrm flipV="1">
+              <a:off x="2335880" y="1062643"/>
+              <a:ext cx="1609128" cy="1609127"/>
+            </a:xfrm>
+            <a:prstGeom prst="line">
+              <a:avLst/>
+            </a:prstGeom>
+            <a:ln w="50800">
+              <a:solidFill>
+                <a:schemeClr val="tx1"/>
+              </a:solidFill>
+            </a:ln>
+          </p:spPr>
+          <p:style>
+            <a:lnRef idx="1">
+              <a:schemeClr val="accent1"/>
+            </a:lnRef>
+            <a:fillRef idx="0">
+              <a:schemeClr val="accent1"/>
+            </a:fillRef>
+            <a:effectRef idx="0">
+              <a:schemeClr val="accent1"/>
+            </a:effectRef>
+            <a:fontRef idx="minor">
+              <a:schemeClr val="tx1"/>
+            </a:fontRef>
+          </p:style>
+        </p:cxnSp>
+        <p:cxnSp>
+          <p:nvCxnSpPr>
+            <p:cNvPr id="43" name="Straight Connector 42"/>
+            <p:cNvCxnSpPr/>
+            <p:nvPr/>
+          </p:nvCxnSpPr>
+          <p:spPr>
+            <a:xfrm>
+              <a:off x="3945008" y="1062642"/>
+              <a:ext cx="1610526" cy="1610526"/>
+            </a:xfrm>
+            <a:prstGeom prst="line">
+              <a:avLst/>
+            </a:prstGeom>
+            <a:ln w="50800">
+              <a:solidFill>
+                <a:schemeClr val="tx1"/>
+              </a:solidFill>
+            </a:ln>
+          </p:spPr>
+          <p:style>
+            <a:lnRef idx="1">
+              <a:schemeClr val="accent1"/>
+            </a:lnRef>
+            <a:fillRef idx="0">
+              <a:schemeClr val="accent1"/>
+            </a:fillRef>
+            <a:effectRef idx="0">
+              <a:schemeClr val="accent1"/>
+            </a:effectRef>
+            <a:fontRef idx="minor">
+              <a:schemeClr val="tx1"/>
+            </a:fontRef>
+          </p:style>
+        </p:cxnSp>
+        <p:cxnSp>
+          <p:nvCxnSpPr>
+            <p:cNvPr id="46" name="Straight Connector 45"/>
+            <p:cNvCxnSpPr/>
+            <p:nvPr/>
+          </p:nvCxnSpPr>
+          <p:spPr>
+            <a:xfrm flipV="1">
+              <a:off x="3705781" y="1730202"/>
+              <a:ext cx="941569" cy="941568"/>
+            </a:xfrm>
+            <a:prstGeom prst="line">
+              <a:avLst/>
+            </a:prstGeom>
+            <a:ln w="50800">
+              <a:solidFill>
+                <a:schemeClr val="tx1"/>
+              </a:solidFill>
+            </a:ln>
+          </p:spPr>
+          <p:style>
+            <a:lnRef idx="1">
+              <a:schemeClr val="accent1"/>
+            </a:lnRef>
+            <a:fillRef idx="0">
+              <a:schemeClr val="accent1"/>
+            </a:fillRef>
+            <a:effectRef idx="0">
+              <a:schemeClr val="accent1"/>
+            </a:effectRef>
+            <a:fontRef idx="minor">
+              <a:schemeClr val="tx1"/>
+            </a:fontRef>
+          </p:style>
+        </p:cxnSp>
+        <p:cxnSp>
+          <p:nvCxnSpPr>
+            <p:cNvPr id="50" name="Straight Connector 49"/>
+            <p:cNvCxnSpPr/>
+            <p:nvPr/>
+          </p:nvCxnSpPr>
+          <p:spPr>
+            <a:xfrm flipV="1">
+              <a:off x="4476330" y="2128665"/>
+              <a:ext cx="547268" cy="547268"/>
+            </a:xfrm>
+            <a:prstGeom prst="line">
+              <a:avLst/>
+            </a:prstGeom>
+            <a:ln w="50800">
+              <a:solidFill>
+                <a:schemeClr val="tx1"/>
+              </a:solidFill>
+            </a:ln>
+          </p:spPr>
+          <p:style>
+            <a:lnRef idx="1">
+              <a:schemeClr val="accent1"/>
+            </a:lnRef>
+            <a:fillRef idx="0">
+              <a:schemeClr val="accent1"/>
+            </a:fillRef>
+            <a:effectRef idx="0">
+              <a:schemeClr val="accent1"/>
+            </a:effectRef>
+            <a:fontRef idx="minor">
+              <a:schemeClr val="tx1"/>
+            </a:fontRef>
+          </p:style>
+        </p:cxnSp>
+        <p:cxnSp>
+          <p:nvCxnSpPr>
+            <p:cNvPr id="51" name="Straight Connector 50"/>
+            <p:cNvCxnSpPr/>
+            <p:nvPr/>
+          </p:nvCxnSpPr>
+          <p:spPr>
+            <a:xfrm>
+              <a:off x="2885106" y="2128665"/>
+              <a:ext cx="547268" cy="547268"/>
+            </a:xfrm>
+            <a:prstGeom prst="line">
+              <a:avLst/>
+            </a:prstGeom>
+            <a:ln w="50800">
+              <a:solidFill>
+                <a:schemeClr val="tx1"/>
+              </a:solidFill>
+            </a:ln>
+          </p:spPr>
+          <p:style>
+            <a:lnRef idx="1">
+              <a:schemeClr val="accent1"/>
+            </a:lnRef>
+            <a:fillRef idx="0">
+              <a:schemeClr val="accent1"/>
+            </a:fillRef>
+            <a:effectRef idx="0">
+              <a:schemeClr val="accent1"/>
+            </a:effectRef>
+            <a:fontRef idx="minor">
+              <a:schemeClr val="tx1"/>
+            </a:fontRef>
+          </p:style>
+        </p:cxnSp>
+      </p:grpSp>
+      <p:grpSp>
+        <p:nvGrpSpPr>
+          <p:cNvPr id="3" name="Group 2"/>
+          <p:cNvGrpSpPr/>
+          <p:nvPr/>
+        </p:nvGrpSpPr>
+        <p:grpSpPr>
+          <a:xfrm>
+            <a:off x="6330461" y="1065703"/>
+            <a:ext cx="3219654" cy="2042532"/>
+            <a:chOff x="6330461" y="1065703"/>
+            <a:chExt cx="3219654" cy="2042532"/>
+          </a:xfrm>
+        </p:grpSpPr>
+        <p:cxnSp>
+          <p:nvCxnSpPr>
+            <p:cNvPr id="39" name="Straight Connector 38"/>
+            <p:cNvCxnSpPr/>
+            <p:nvPr/>
+          </p:nvCxnSpPr>
+          <p:spPr>
+            <a:xfrm flipV="1">
+              <a:off x="6330461" y="1065704"/>
+              <a:ext cx="1609128" cy="1609127"/>
+            </a:xfrm>
+            <a:prstGeom prst="line">
+              <a:avLst/>
+            </a:prstGeom>
+            <a:ln w="50800">
+              <a:solidFill>
+                <a:schemeClr val="tx1"/>
+              </a:solidFill>
+            </a:ln>
+          </p:spPr>
+          <p:style>
+            <a:lnRef idx="1">
+              <a:schemeClr val="accent1"/>
+            </a:lnRef>
+            <a:fillRef idx="0">
+              <a:schemeClr val="accent1"/>
+            </a:fillRef>
+            <a:effectRef idx="0">
+              <a:schemeClr val="accent1"/>
+            </a:effectRef>
+            <a:fontRef idx="minor">
+              <a:schemeClr val="tx1"/>
+            </a:fontRef>
+          </p:style>
+        </p:cxnSp>
+        <p:cxnSp>
+          <p:nvCxnSpPr>
+            <p:cNvPr id="40" name="Straight Connector 39"/>
+            <p:cNvCxnSpPr/>
+            <p:nvPr/>
+          </p:nvCxnSpPr>
+          <p:spPr>
+            <a:xfrm>
+              <a:off x="7939589" y="1065703"/>
+              <a:ext cx="1610526" cy="1610526"/>
+            </a:xfrm>
+            <a:prstGeom prst="line">
+              <a:avLst/>
+            </a:prstGeom>
+            <a:ln w="50800">
+              <a:solidFill>
+                <a:schemeClr val="tx1"/>
+              </a:solidFill>
+            </a:ln>
+          </p:spPr>
+          <p:style>
+            <a:lnRef idx="1">
+              <a:schemeClr val="accent1"/>
+            </a:lnRef>
+            <a:fillRef idx="0">
+              <a:schemeClr val="accent1"/>
+            </a:fillRef>
+            <a:effectRef idx="0">
+              <a:schemeClr val="accent1"/>
+            </a:effectRef>
+            <a:fontRef idx="minor">
+              <a:schemeClr val="tx1"/>
+            </a:fontRef>
+          </p:style>
+        </p:cxnSp>
+        <p:cxnSp>
+          <p:nvCxnSpPr>
+            <p:cNvPr id="42" name="Straight Connector 41"/>
+            <p:cNvCxnSpPr/>
+            <p:nvPr/>
+          </p:nvCxnSpPr>
+          <p:spPr>
+            <a:xfrm flipV="1">
+              <a:off x="8470911" y="2131726"/>
+              <a:ext cx="547268" cy="547268"/>
+            </a:xfrm>
+            <a:prstGeom prst="line">
+              <a:avLst/>
+            </a:prstGeom>
+            <a:ln w="50800">
+              <a:solidFill>
+                <a:schemeClr val="tx1"/>
+              </a:solidFill>
+            </a:ln>
+          </p:spPr>
+          <p:style>
+            <a:lnRef idx="1">
+              <a:schemeClr val="accent1"/>
+            </a:lnRef>
+            <a:fillRef idx="0">
+              <a:schemeClr val="accent1"/>
+            </a:fillRef>
+            <a:effectRef idx="0">
+              <a:schemeClr val="accent1"/>
+            </a:effectRef>
+            <a:fontRef idx="minor">
+              <a:schemeClr val="tx1"/>
+            </a:fontRef>
+          </p:style>
+        </p:cxnSp>
+        <p:cxnSp>
+          <p:nvCxnSpPr>
+            <p:cNvPr id="49" name="Straight Connector 48"/>
+            <p:cNvCxnSpPr/>
+            <p:nvPr/>
+          </p:nvCxnSpPr>
+          <p:spPr>
+            <a:xfrm>
+              <a:off x="6879687" y="2131726"/>
+              <a:ext cx="547268" cy="547268"/>
+            </a:xfrm>
+            <a:prstGeom prst="line">
+              <a:avLst/>
+            </a:prstGeom>
+            <a:ln w="50800">
+              <a:solidFill>
+                <a:schemeClr val="tx1"/>
+              </a:solidFill>
+            </a:ln>
+          </p:spPr>
+          <p:style>
+            <a:lnRef idx="1">
+              <a:schemeClr val="accent1"/>
+            </a:lnRef>
+            <a:fillRef idx="0">
+              <a:schemeClr val="accent1"/>
+            </a:fillRef>
+            <a:effectRef idx="0">
+              <a:schemeClr val="accent1"/>
+            </a:effectRef>
+            <a:fontRef idx="minor">
+              <a:schemeClr val="tx1"/>
+            </a:fontRef>
+          </p:style>
+        </p:cxnSp>
+        <p:sp>
+          <p:nvSpPr>
+            <p:cNvPr id="55" name="TextBox 54"/>
+            <p:cNvSpPr txBox="1"/>
+            <p:nvPr/>
+          </p:nvSpPr>
+          <p:spPr>
+            <a:xfrm>
+              <a:off x="6330461" y="2708125"/>
+              <a:ext cx="3219654" cy="400110"/>
+            </a:xfrm>
+            <a:prstGeom prst="rect">
+              <a:avLst/>
+            </a:prstGeom>
+            <a:noFill/>
+          </p:spPr>
+          <p:txBody>
+            <a:bodyPr wrap="square" rtlCol="0">
+              <a:spAutoFit/>
+            </a:bodyPr>
+            <a:lstStyle/>
+            <a:p>
+              <a:pPr algn="ctr"/>
+              <a:r>
+                <a:rPr lang="en-US" sz="2000" dirty="0" smtClean="0"/>
+                <a:t>Ordering 2</a:t>
+              </a:r>
+              <a:endParaRPr lang="en-US" sz="2000" dirty="0"/>
+            </a:p>
+          </p:txBody>
+        </p:sp>
+        <p:cxnSp>
+          <p:nvCxnSpPr>
+            <p:cNvPr id="53" name="Straight Connector 52"/>
+            <p:cNvCxnSpPr/>
+            <p:nvPr/>
+          </p:nvCxnSpPr>
+          <p:spPr>
+            <a:xfrm>
+              <a:off x="7244116" y="1736265"/>
+              <a:ext cx="956369" cy="956369"/>
+            </a:xfrm>
+            <a:prstGeom prst="line">
+              <a:avLst/>
+            </a:prstGeom>
+            <a:ln w="50800">
+              <a:solidFill>
+                <a:schemeClr val="tx1"/>
+              </a:solidFill>
+            </a:ln>
+          </p:spPr>
+          <p:style>
+            <a:lnRef idx="1">
+              <a:schemeClr val="accent1"/>
+            </a:lnRef>
+            <a:fillRef idx="0">
+              <a:schemeClr val="accent1"/>
+            </a:fillRef>
+            <a:effectRef idx="0">
+              <a:schemeClr val="accent1"/>
+            </a:effectRef>
+            <a:fontRef idx="minor">
+              <a:schemeClr val="tx1"/>
+            </a:fontRef>
+          </p:style>
+        </p:cxnSp>
+      </p:grpSp>
+      <p:grpSp>
+        <p:nvGrpSpPr>
+          <p:cNvPr id="4" name="Group 3"/>
+          <p:cNvGrpSpPr/>
+          <p:nvPr/>
+        </p:nvGrpSpPr>
+        <p:grpSpPr>
+          <a:xfrm>
+            <a:off x="2335880" y="3620562"/>
+            <a:ext cx="3221051" cy="2042532"/>
+            <a:chOff x="2335880" y="3620562"/>
+            <a:chExt cx="3221051" cy="2042532"/>
+          </a:xfrm>
+        </p:grpSpPr>
+        <p:cxnSp>
+          <p:nvCxnSpPr>
+            <p:cNvPr id="28" name="Straight Connector 27"/>
+            <p:cNvCxnSpPr/>
+            <p:nvPr/>
+          </p:nvCxnSpPr>
+          <p:spPr>
+            <a:xfrm flipV="1">
+              <a:off x="2335880" y="3620563"/>
+              <a:ext cx="1609128" cy="1609127"/>
+            </a:xfrm>
+            <a:prstGeom prst="line">
+              <a:avLst/>
+            </a:prstGeom>
+            <a:ln w="50800">
+              <a:solidFill>
+                <a:schemeClr val="tx1"/>
+              </a:solidFill>
+            </a:ln>
+          </p:spPr>
+          <p:style>
+            <a:lnRef idx="1">
+              <a:schemeClr val="accent1"/>
+            </a:lnRef>
+            <a:fillRef idx="0">
+              <a:schemeClr val="accent1"/>
+            </a:fillRef>
+            <a:effectRef idx="0">
+              <a:schemeClr val="accent1"/>
+            </a:effectRef>
+            <a:fontRef idx="minor">
+              <a:schemeClr val="tx1"/>
+            </a:fontRef>
+          </p:style>
+        </p:cxnSp>
+        <p:cxnSp>
+          <p:nvCxnSpPr>
+            <p:cNvPr id="29" name="Straight Connector 28"/>
+            <p:cNvCxnSpPr/>
+            <p:nvPr/>
+          </p:nvCxnSpPr>
+          <p:spPr>
+            <a:xfrm>
+              <a:off x="3945008" y="3620562"/>
+              <a:ext cx="1610526" cy="1610526"/>
+            </a:xfrm>
+            <a:prstGeom prst="line">
+              <a:avLst/>
+            </a:prstGeom>
+            <a:ln w="50800">
+              <a:solidFill>
+                <a:schemeClr val="tx1"/>
+              </a:solidFill>
+            </a:ln>
+          </p:spPr>
+          <p:style>
+            <a:lnRef idx="1">
+              <a:schemeClr val="accent1"/>
+            </a:lnRef>
+            <a:fillRef idx="0">
+              <a:schemeClr val="accent1"/>
+            </a:fillRef>
+            <a:effectRef idx="0">
+              <a:schemeClr val="accent1"/>
+            </a:effectRef>
+            <a:fontRef idx="minor">
+              <a:schemeClr val="tx1"/>
+            </a:fontRef>
+          </p:style>
+        </p:cxnSp>
+        <p:cxnSp>
+          <p:nvCxnSpPr>
+            <p:cNvPr id="31" name="Straight Connector 30"/>
+            <p:cNvCxnSpPr/>
+            <p:nvPr/>
+          </p:nvCxnSpPr>
+          <p:spPr>
+            <a:xfrm flipV="1">
+              <a:off x="3705781" y="4288122"/>
+              <a:ext cx="941569" cy="941568"/>
+            </a:xfrm>
+            <a:prstGeom prst="line">
+              <a:avLst/>
+            </a:prstGeom>
+            <a:ln w="50800">
+              <a:solidFill>
+                <a:schemeClr val="tx1"/>
+              </a:solidFill>
+            </a:ln>
+          </p:spPr>
+          <p:style>
+            <a:lnRef idx="1">
+              <a:schemeClr val="accent1"/>
+            </a:lnRef>
+            <a:fillRef idx="0">
+              <a:schemeClr val="accent1"/>
+            </a:fillRef>
+            <a:effectRef idx="0">
+              <a:schemeClr val="accent1"/>
+            </a:effectRef>
+            <a:fontRef idx="minor">
+              <a:schemeClr val="tx1"/>
+            </a:fontRef>
+          </p:style>
+        </p:cxnSp>
+        <p:cxnSp>
+          <p:nvCxnSpPr>
+            <p:cNvPr id="34" name="Straight Connector 33"/>
+            <p:cNvCxnSpPr/>
+            <p:nvPr/>
+          </p:nvCxnSpPr>
+          <p:spPr>
+            <a:xfrm>
+              <a:off x="2885106" y="4686585"/>
+              <a:ext cx="547268" cy="547268"/>
+            </a:xfrm>
+            <a:prstGeom prst="line">
+              <a:avLst/>
+            </a:prstGeom>
+            <a:ln w="50800">
+              <a:solidFill>
+                <a:schemeClr val="tx1"/>
+              </a:solidFill>
+            </a:ln>
+          </p:spPr>
+          <p:style>
+            <a:lnRef idx="1">
+              <a:schemeClr val="accent1"/>
+            </a:lnRef>
+            <a:fillRef idx="0">
+              <a:schemeClr val="accent1"/>
+            </a:fillRef>
+            <a:effectRef idx="0">
+              <a:schemeClr val="accent1"/>
+            </a:effectRef>
+            <a:fontRef idx="minor">
+              <a:schemeClr val="tx1"/>
+            </a:fontRef>
+          </p:style>
+        </p:cxnSp>
+        <p:sp>
+          <p:nvSpPr>
+            <p:cNvPr id="35" name="TextBox 34"/>
+            <p:cNvSpPr txBox="1"/>
+            <p:nvPr/>
+          </p:nvSpPr>
+          <p:spPr>
+            <a:xfrm>
+              <a:off x="2335880" y="5262984"/>
+              <a:ext cx="3221051" cy="400110"/>
+            </a:xfrm>
+            <a:prstGeom prst="rect">
+              <a:avLst/>
+            </a:prstGeom>
+            <a:noFill/>
+          </p:spPr>
+          <p:txBody>
+            <a:bodyPr wrap="square" rtlCol="0">
+              <a:spAutoFit/>
+            </a:bodyPr>
+            <a:lstStyle/>
+            <a:p>
+              <a:pPr algn="ctr"/>
+              <a:r>
+                <a:rPr lang="en-US" sz="2000" dirty="0" smtClean="0"/>
+                <a:t>Ordering 3</a:t>
+              </a:r>
+              <a:endParaRPr lang="en-US" sz="2000" dirty="0"/>
+            </a:p>
+          </p:txBody>
+        </p:sp>
+        <p:cxnSp>
+          <p:nvCxnSpPr>
+            <p:cNvPr id="60" name="Straight Connector 59"/>
+            <p:cNvCxnSpPr/>
+            <p:nvPr/>
+          </p:nvCxnSpPr>
+          <p:spPr>
+            <a:xfrm>
+              <a:off x="4284284" y="4663264"/>
+              <a:ext cx="568051" cy="568051"/>
+            </a:xfrm>
+            <a:prstGeom prst="line">
+              <a:avLst/>
+            </a:prstGeom>
+            <a:ln w="50800">
+              <a:solidFill>
+                <a:schemeClr val="tx1"/>
+              </a:solidFill>
+            </a:ln>
+          </p:spPr>
+          <p:style>
+            <a:lnRef idx="1">
+              <a:schemeClr val="accent1"/>
+            </a:lnRef>
+            <a:fillRef idx="0">
+              <a:schemeClr val="accent1"/>
+            </a:fillRef>
+            <a:effectRef idx="0">
+              <a:schemeClr val="accent1"/>
+            </a:effectRef>
+            <a:fontRef idx="minor">
+              <a:schemeClr val="tx1"/>
+            </a:fontRef>
+          </p:style>
+        </p:cxnSp>
+      </p:grpSp>
+      <p:grpSp>
+        <p:nvGrpSpPr>
+          <p:cNvPr id="5" name="Group 4"/>
+          <p:cNvGrpSpPr/>
+          <p:nvPr/>
+        </p:nvGrpSpPr>
+        <p:grpSpPr>
+          <a:xfrm>
+            <a:off x="6330461" y="3621690"/>
+            <a:ext cx="3348569" cy="2041404"/>
+            <a:chOff x="6330461" y="3621690"/>
+            <a:chExt cx="3348569" cy="2041404"/>
+          </a:xfrm>
+        </p:grpSpPr>
+        <p:sp>
+          <p:nvSpPr>
+            <p:cNvPr id="36" name="TextBox 35"/>
+            <p:cNvSpPr txBox="1"/>
+            <p:nvPr/>
+          </p:nvSpPr>
+          <p:spPr>
+            <a:xfrm>
+              <a:off x="6330461" y="5262984"/>
+              <a:ext cx="3219654" cy="400110"/>
+            </a:xfrm>
+            <a:prstGeom prst="rect">
+              <a:avLst/>
+            </a:prstGeom>
+            <a:noFill/>
+          </p:spPr>
+          <p:txBody>
+            <a:bodyPr wrap="square" rtlCol="0">
+              <a:spAutoFit/>
+            </a:bodyPr>
+            <a:lstStyle/>
+            <a:p>
+              <a:pPr algn="ctr"/>
+              <a:r>
+                <a:rPr lang="en-US" sz="2000" dirty="0" smtClean="0"/>
+                <a:t>Ordering 4</a:t>
+              </a:r>
+              <a:endParaRPr lang="en-US" sz="2000" dirty="0"/>
+            </a:p>
+          </p:txBody>
+        </p:sp>
+        <p:cxnSp>
+          <p:nvCxnSpPr>
+            <p:cNvPr id="61" name="Straight Connector 60"/>
+            <p:cNvCxnSpPr/>
+            <p:nvPr/>
+          </p:nvCxnSpPr>
+          <p:spPr>
+            <a:xfrm flipV="1">
+              <a:off x="6459376" y="3621691"/>
+              <a:ext cx="1609128" cy="1609127"/>
+            </a:xfrm>
+            <a:prstGeom prst="line">
+              <a:avLst/>
+            </a:prstGeom>
+            <a:ln w="50800">
+              <a:solidFill>
+                <a:schemeClr val="tx1"/>
+              </a:solidFill>
+            </a:ln>
+          </p:spPr>
+          <p:style>
+            <a:lnRef idx="1">
+              <a:schemeClr val="accent1"/>
+            </a:lnRef>
+            <a:fillRef idx="0">
+              <a:schemeClr val="accent1"/>
+            </a:fillRef>
+            <a:effectRef idx="0">
+              <a:schemeClr val="accent1"/>
+            </a:effectRef>
+            <a:fontRef idx="minor">
+              <a:schemeClr val="tx1"/>
+            </a:fontRef>
+          </p:style>
+        </p:cxnSp>
+        <p:cxnSp>
+          <p:nvCxnSpPr>
+            <p:cNvPr id="62" name="Straight Connector 61"/>
+            <p:cNvCxnSpPr/>
+            <p:nvPr/>
+          </p:nvCxnSpPr>
+          <p:spPr>
+            <a:xfrm>
+              <a:off x="8068504" y="3621690"/>
+              <a:ext cx="1610526" cy="1610526"/>
+            </a:xfrm>
+            <a:prstGeom prst="line">
+              <a:avLst/>
+            </a:prstGeom>
+            <a:ln w="50800">
+              <a:solidFill>
+                <a:schemeClr val="tx1"/>
+              </a:solidFill>
+            </a:ln>
+          </p:spPr>
+          <p:style>
+            <a:lnRef idx="1">
+              <a:schemeClr val="accent1"/>
+            </a:lnRef>
+            <a:fillRef idx="0">
+              <a:schemeClr val="accent1"/>
+            </a:fillRef>
+            <a:effectRef idx="0">
+              <a:schemeClr val="accent1"/>
+            </a:effectRef>
+            <a:fontRef idx="minor">
+              <a:schemeClr val="tx1"/>
+            </a:fontRef>
+          </p:style>
+        </p:cxnSp>
+        <p:cxnSp>
+          <p:nvCxnSpPr>
+            <p:cNvPr id="66" name="Straight Connector 65"/>
+            <p:cNvCxnSpPr/>
+            <p:nvPr/>
+          </p:nvCxnSpPr>
+          <p:spPr>
+            <a:xfrm>
+              <a:off x="7371583" y="4301761"/>
+              <a:ext cx="938145" cy="938145"/>
+            </a:xfrm>
+            <a:prstGeom prst="line">
+              <a:avLst/>
+            </a:prstGeom>
+            <a:ln w="50800">
+              <a:solidFill>
+                <a:schemeClr val="tx1"/>
+              </a:solidFill>
+            </a:ln>
+          </p:spPr>
+          <p:style>
+            <a:lnRef idx="1">
+              <a:schemeClr val="accent1"/>
+            </a:lnRef>
+            <a:fillRef idx="0">
+              <a:schemeClr val="accent1"/>
+            </a:fillRef>
+            <a:effectRef idx="0">
+              <a:schemeClr val="accent1"/>
+            </a:effectRef>
+            <a:fontRef idx="minor">
+              <a:schemeClr val="tx1"/>
+            </a:fontRef>
+          </p:style>
+        </p:cxnSp>
+        <p:cxnSp>
+          <p:nvCxnSpPr>
+            <p:cNvPr id="67" name="Straight Connector 66"/>
+            <p:cNvCxnSpPr/>
+            <p:nvPr/>
+          </p:nvCxnSpPr>
+          <p:spPr>
+            <a:xfrm flipV="1">
+              <a:off x="7340249" y="4758906"/>
+              <a:ext cx="471340" cy="471339"/>
+            </a:xfrm>
+            <a:prstGeom prst="line">
+              <a:avLst/>
+            </a:prstGeom>
+            <a:ln w="50800">
+              <a:solidFill>
+                <a:schemeClr val="tx1"/>
+              </a:solidFill>
+            </a:ln>
+          </p:spPr>
+          <p:style>
+            <a:lnRef idx="1">
+              <a:schemeClr val="accent1"/>
+            </a:lnRef>
+            <a:fillRef idx="0">
+              <a:schemeClr val="accent1"/>
+            </a:fillRef>
+            <a:effectRef idx="0">
+              <a:schemeClr val="accent1"/>
+            </a:effectRef>
+            <a:fontRef idx="minor">
+              <a:schemeClr val="tx1"/>
+            </a:fontRef>
+          </p:style>
+        </p:cxnSp>
+        <p:cxnSp>
+          <p:nvCxnSpPr>
+            <p:cNvPr id="68" name="Straight Connector 67"/>
+            <p:cNvCxnSpPr/>
+            <p:nvPr/>
+          </p:nvCxnSpPr>
+          <p:spPr>
+            <a:xfrm flipV="1">
+              <a:off x="8744545" y="4758906"/>
+              <a:ext cx="471340" cy="471339"/>
+            </a:xfrm>
+            <a:prstGeom prst="line">
+              <a:avLst/>
+            </a:prstGeom>
+            <a:ln w="50800">
+              <a:solidFill>
+                <a:schemeClr val="tx1"/>
+              </a:solidFill>
+            </a:ln>
+          </p:spPr>
+          <p:style>
+            <a:lnRef idx="1">
+              <a:schemeClr val="accent1"/>
+            </a:lnRef>
+            <a:fillRef idx="0">
+              <a:schemeClr val="accent1"/>
+            </a:fillRef>
+            <a:effectRef idx="0">
+              <a:schemeClr val="accent1"/>
+            </a:effectRef>
+            <a:fontRef idx="minor">
+              <a:schemeClr val="tx1"/>
+            </a:fontRef>
+          </p:style>
+        </p:cxnSp>
+      </p:grpSp>
+    </p:spTree>
+    <p:extLst>
+      <p:ext uri="{BB962C8B-B14F-4D97-AF65-F5344CB8AC3E}">
+        <p14:creationId xmlns:p14="http://schemas.microsoft.com/office/powerpoint/2010/main" val="753345598"/>
+      </p:ext>
+    </p:extLst>
+  </p:cSld>
+  <p:clrMapOvr>
+    <a:masterClrMapping/>
+  </p:clrMapOvr>
+</p:sld>
+</file>
+
+<file path=ppt/slides/slide11.xml><?xml version="1.0" encoding="utf-8"?>
+<p:sld xmlns:a="http://schemas.openxmlformats.org/drawingml/2006/main" xmlns:r="http://schemas.openxmlformats.org/officeDocument/2006/relationships" xmlns:p="http://schemas.openxmlformats.org/presentationml/2006/main">
+  <p:cSld>
+    <p:spTree>
+      <p:nvGrpSpPr>
+        <p:cNvPr id="1" name=""/>
+        <p:cNvGrpSpPr/>
+        <p:nvPr/>
+      </p:nvGrpSpPr>
+      <p:grpSpPr>
+        <a:xfrm>
+          <a:off x="0" y="0"/>
+          <a:ext cx="0" cy="0"/>
+          <a:chOff x="0" y="0"/>
+          <a:chExt cx="0" cy="0"/>
+        </a:xfrm>
+      </p:grpSpPr>
+      <p:grpSp>
+        <p:nvGrpSpPr>
+          <p:cNvPr id="2" name="Group 1"/>
+          <p:cNvGrpSpPr/>
+          <p:nvPr/>
+        </p:nvGrpSpPr>
+        <p:grpSpPr>
+          <a:xfrm>
+            <a:off x="477481" y="2118560"/>
+            <a:ext cx="11173483" cy="1615345"/>
+            <a:chOff x="477481" y="2118560"/>
+            <a:chExt cx="11173483" cy="1615345"/>
+          </a:xfrm>
+        </p:grpSpPr>
+        <p:cxnSp>
+          <p:nvCxnSpPr>
+            <p:cNvPr id="23" name="Straight Connector 22"/>
+            <p:cNvCxnSpPr/>
+            <p:nvPr/>
+          </p:nvCxnSpPr>
+          <p:spPr>
+            <a:xfrm flipV="1">
+              <a:off x="477481" y="2119588"/>
+              <a:ext cx="1609128" cy="1609127"/>
+            </a:xfrm>
+            <a:prstGeom prst="line">
+              <a:avLst/>
+            </a:prstGeom>
+            <a:ln w="50800">
+              <a:solidFill>
+                <a:schemeClr val="tx1"/>
+              </a:solidFill>
+            </a:ln>
+          </p:spPr>
+          <p:style>
+            <a:lnRef idx="1">
+              <a:schemeClr val="accent1"/>
+            </a:lnRef>
+            <a:fillRef idx="0">
+              <a:schemeClr val="accent1"/>
+            </a:fillRef>
+            <a:effectRef idx="0">
+              <a:schemeClr val="accent1"/>
+            </a:effectRef>
+            <a:fontRef idx="minor">
+              <a:schemeClr val="tx1"/>
+            </a:fontRef>
+          </p:style>
+        </p:cxnSp>
+        <p:cxnSp>
+          <p:nvCxnSpPr>
+            <p:cNvPr id="24" name="Straight Connector 23"/>
+            <p:cNvCxnSpPr/>
+            <p:nvPr/>
+          </p:nvCxnSpPr>
+          <p:spPr>
+            <a:xfrm>
+              <a:off x="2086609" y="2119587"/>
+              <a:ext cx="1610526" cy="1610526"/>
+            </a:xfrm>
+            <a:prstGeom prst="line">
+              <a:avLst/>
+            </a:prstGeom>
+            <a:ln w="50800">
+              <a:solidFill>
+                <a:schemeClr val="tx1"/>
+              </a:solidFill>
+            </a:ln>
+          </p:spPr>
+          <p:style>
+            <a:lnRef idx="1">
+              <a:schemeClr val="accent1"/>
+            </a:lnRef>
+            <a:fillRef idx="0">
+              <a:schemeClr val="accent1"/>
+            </a:fillRef>
+            <a:effectRef idx="0">
+              <a:schemeClr val="accent1"/>
+            </a:effectRef>
+            <a:fontRef idx="minor">
+              <a:schemeClr val="tx1"/>
+            </a:fontRef>
+          </p:style>
+        </p:cxnSp>
+        <p:cxnSp>
+          <p:nvCxnSpPr>
+            <p:cNvPr id="25" name="Straight Connector 24"/>
+            <p:cNvCxnSpPr/>
+            <p:nvPr/>
+          </p:nvCxnSpPr>
+          <p:spPr>
+            <a:xfrm flipV="1">
+              <a:off x="2905975" y="3330390"/>
+              <a:ext cx="403515" cy="403515"/>
+            </a:xfrm>
+            <a:prstGeom prst="line">
+              <a:avLst/>
+            </a:prstGeom>
+            <a:ln w="50800">
+              <a:solidFill>
+                <a:schemeClr val="tx1"/>
+              </a:solidFill>
+            </a:ln>
+          </p:spPr>
+          <p:style>
+            <a:lnRef idx="1">
+              <a:schemeClr val="accent1"/>
+            </a:lnRef>
+            <a:fillRef idx="0">
+              <a:schemeClr val="accent1"/>
+            </a:fillRef>
+            <a:effectRef idx="0">
+              <a:schemeClr val="accent1"/>
+            </a:effectRef>
+            <a:fontRef idx="minor">
+              <a:schemeClr val="tx1"/>
+            </a:fontRef>
+          </p:style>
+        </p:cxnSp>
+        <p:cxnSp>
+          <p:nvCxnSpPr>
+            <p:cNvPr id="27" name="Straight Connector 26"/>
+            <p:cNvCxnSpPr/>
+            <p:nvPr/>
+          </p:nvCxnSpPr>
+          <p:spPr>
+            <a:xfrm flipV="1">
+              <a:off x="1162133" y="2450306"/>
+              <a:ext cx="1275647" cy="1275644"/>
+            </a:xfrm>
+            <a:prstGeom prst="line">
+              <a:avLst/>
+            </a:prstGeom>
+            <a:ln w="50800">
+              <a:solidFill>
+                <a:schemeClr val="tx1"/>
+              </a:solidFill>
+            </a:ln>
+          </p:spPr>
+          <p:style>
+            <a:lnRef idx="1">
+              <a:schemeClr val="accent1"/>
+            </a:lnRef>
+            <a:fillRef idx="0">
+              <a:schemeClr val="accent1"/>
+            </a:fillRef>
+            <a:effectRef idx="0">
+              <a:schemeClr val="accent1"/>
+            </a:effectRef>
+            <a:fontRef idx="minor">
+              <a:schemeClr val="tx1"/>
+            </a:fontRef>
+          </p:style>
+        </p:cxnSp>
+        <p:cxnSp>
+          <p:nvCxnSpPr>
+            <p:cNvPr id="28" name="Straight Connector 27"/>
+            <p:cNvCxnSpPr/>
+            <p:nvPr/>
+          </p:nvCxnSpPr>
+          <p:spPr>
+            <a:xfrm>
+              <a:off x="1883468" y="3010225"/>
+              <a:ext cx="715725" cy="715725"/>
+            </a:xfrm>
+            <a:prstGeom prst="line">
+              <a:avLst/>
+            </a:prstGeom>
+            <a:ln w="50800">
+              <a:solidFill>
+                <a:schemeClr val="tx1"/>
+              </a:solidFill>
+            </a:ln>
+          </p:spPr>
+          <p:style>
+            <a:lnRef idx="1">
+              <a:schemeClr val="accent1"/>
+            </a:lnRef>
+            <a:fillRef idx="0">
+              <a:schemeClr val="accent1"/>
+            </a:fillRef>
+            <a:effectRef idx="0">
+              <a:schemeClr val="accent1"/>
+            </a:effectRef>
+            <a:fontRef idx="minor">
+              <a:schemeClr val="tx1"/>
+            </a:fontRef>
+          </p:style>
+        </p:cxnSp>
+        <mc:AlternateContent xmlns:mc="http://schemas.openxmlformats.org/markup-compatibility/2006" xmlns:a14="http://schemas.microsoft.com/office/drawing/2010/main">
+          <mc:Choice Requires="a14">
+            <p:sp>
+              <p:nvSpPr>
+                <p:cNvPr id="5" name="TextBox 4"/>
+                <p:cNvSpPr txBox="1"/>
+                <p:nvPr/>
+              </p:nvSpPr>
+              <p:spPr>
+                <a:xfrm>
+                  <a:off x="2338385" y="2510148"/>
+                  <a:ext cx="183320" cy="276999"/>
+                </a:xfrm>
+                <a:prstGeom prst="rect">
+                  <a:avLst/>
+                </a:prstGeom>
+                <a:noFill/>
+              </p:spPr>
+              <p:txBody>
+                <a:bodyPr wrap="none" lIns="0" tIns="0" rIns="0" bIns="0" rtlCol="0">
+                  <a:spAutoFit/>
+                </a:bodyPr>
+                <a:lstStyle/>
+                <a:p>
+                  <a:pPr/>
+                  <a14:m>
+                    <m:oMathPara xmlns:m="http://schemas.openxmlformats.org/officeDocument/2006/math">
+                      <m:oMathParaPr>
+                        <m:jc m:val="center"/>
+                      </m:oMathParaPr>
+                      <m:oMath xmlns:m="http://schemas.openxmlformats.org/officeDocument/2006/math">
+                        <m:r>
+                          <a:rPr lang="en-US" b="0" i="1" smtClean="0">
+                            <a:latin typeface="Cambria Math" charset="0"/>
+                          </a:rPr>
+                          <m:t>𝑥</m:t>
+                        </m:r>
+                      </m:oMath>
+                    </m:oMathPara>
+                  </a14:m>
+                  <a:endParaRPr lang="en-US" dirty="0"/>
+                </a:p>
+              </p:txBody>
+            </p:sp>
+          </mc:Choice>
+          <mc:Fallback xmlns="">
+            <p:sp>
+              <p:nvSpPr>
+                <p:cNvPr id="5" name="TextBox 4"/>
+                <p:cNvSpPr txBox="1">
+                  <a:spLocks noRot="1" noChangeAspect="1" noMove="1" noResize="1" noEditPoints="1" noAdjustHandles="1" noChangeArrowheads="1" noChangeShapeType="1" noTextEdit="1"/>
+                </p:cNvSpPr>
+                <p:nvPr/>
+              </p:nvSpPr>
+              <p:spPr>
+                <a:xfrm>
+                  <a:off x="2338385" y="2510148"/>
+                  <a:ext cx="183320" cy="276999"/>
+                </a:xfrm>
+                <a:prstGeom prst="rect">
+                  <a:avLst/>
+                </a:prstGeom>
+                <a:blipFill rotWithShape="0">
+                  <a:blip r:embed="rId2"/>
+                  <a:stretch>
+                    <a:fillRect l="-20000" r="-10000"/>
+                  </a:stretch>
+                </a:blipFill>
+              </p:spPr>
+              <p:txBody>
+                <a:bodyPr/>
+                <a:lstStyle/>
+                <a:p>
+                  <a:r>
+                    <a:rPr lang="en-US">
+                      <a:noFill/>
+                    </a:rPr>
+                    <a:t> </a:t>
+                  </a:r>
+                </a:p>
+              </p:txBody>
+            </p:sp>
+          </mc:Fallback>
+        </mc:AlternateContent>
+        <mc:AlternateContent xmlns:mc="http://schemas.openxmlformats.org/markup-compatibility/2006" xmlns:a14="http://schemas.microsoft.com/office/drawing/2010/main">
+          <mc:Choice Requires="a14">
+            <p:sp>
+              <p:nvSpPr>
+                <p:cNvPr id="32" name="TextBox 31"/>
+                <p:cNvSpPr txBox="1"/>
+                <p:nvPr/>
+              </p:nvSpPr>
+              <p:spPr>
+                <a:xfrm>
+                  <a:off x="1780278" y="3047110"/>
+                  <a:ext cx="186718" cy="276999"/>
+                </a:xfrm>
+                <a:prstGeom prst="rect">
+                  <a:avLst/>
+                </a:prstGeom>
+                <a:noFill/>
+              </p:spPr>
+              <p:txBody>
+                <a:bodyPr wrap="none" lIns="0" tIns="0" rIns="0" bIns="0" rtlCol="0">
+                  <a:spAutoFit/>
+                </a:bodyPr>
+                <a:lstStyle/>
+                <a:p>
+                  <a:pPr/>
+                  <a14:m>
+                    <m:oMathPara xmlns:m="http://schemas.openxmlformats.org/officeDocument/2006/math">
+                      <m:oMathParaPr>
+                        <m:jc m:val="center"/>
+                      </m:oMathParaPr>
+                      <m:oMath xmlns:m="http://schemas.openxmlformats.org/officeDocument/2006/math">
+                        <m:r>
+                          <a:rPr lang="en-US" b="0" i="1" smtClean="0">
+                            <a:latin typeface="Cambria Math" charset="0"/>
+                          </a:rPr>
+                          <m:t>𝑦</m:t>
+                        </m:r>
+                      </m:oMath>
+                    </m:oMathPara>
+                  </a14:m>
+                  <a:endParaRPr lang="en-US" dirty="0"/>
+                </a:p>
+              </p:txBody>
+            </p:sp>
+          </mc:Choice>
+          <mc:Fallback xmlns="">
+            <p:sp>
+              <p:nvSpPr>
+                <p:cNvPr id="32" name="TextBox 31"/>
+                <p:cNvSpPr txBox="1">
+                  <a:spLocks noRot="1" noChangeAspect="1" noMove="1" noResize="1" noEditPoints="1" noAdjustHandles="1" noChangeArrowheads="1" noChangeShapeType="1" noTextEdit="1"/>
+                </p:cNvSpPr>
+                <p:nvPr/>
+              </p:nvSpPr>
+              <p:spPr>
+                <a:xfrm>
+                  <a:off x="1780278" y="3047110"/>
+                  <a:ext cx="186718" cy="276999"/>
+                </a:xfrm>
+                <a:prstGeom prst="rect">
+                  <a:avLst/>
+                </a:prstGeom>
+                <a:blipFill rotWithShape="0">
+                  <a:blip r:embed="rId3"/>
+                  <a:stretch>
+                    <a:fillRect l="-29032" r="-25806" b="-24444"/>
+                  </a:stretch>
+                </a:blipFill>
+              </p:spPr>
+              <p:txBody>
+                <a:bodyPr/>
+                <a:lstStyle/>
+                <a:p>
+                  <a:r>
+                    <a:rPr lang="en-US">
+                      <a:noFill/>
+                    </a:rPr>
+                    <a:t> </a:t>
+                  </a:r>
+                </a:p>
+              </p:txBody>
+            </p:sp>
+          </mc:Fallback>
+        </mc:AlternateContent>
+        <mc:AlternateContent xmlns:mc="http://schemas.openxmlformats.org/markup-compatibility/2006" xmlns:a14="http://schemas.microsoft.com/office/drawing/2010/main">
+          <mc:Choice Requires="a14">
+            <p:sp>
+              <p:nvSpPr>
+                <p:cNvPr id="34" name="TextBox 33"/>
+                <p:cNvSpPr txBox="1"/>
+                <p:nvPr/>
+              </p:nvSpPr>
+              <p:spPr>
+                <a:xfrm>
+                  <a:off x="3219857" y="3368087"/>
+                  <a:ext cx="169085" cy="276999"/>
+                </a:xfrm>
+                <a:prstGeom prst="rect">
+                  <a:avLst/>
+                </a:prstGeom>
+                <a:noFill/>
+              </p:spPr>
+              <p:txBody>
+                <a:bodyPr wrap="none" lIns="0" tIns="0" rIns="0" bIns="0" rtlCol="0">
+                  <a:spAutoFit/>
+                </a:bodyPr>
+                <a:lstStyle/>
+                <a:p>
+                  <a:pPr/>
+                  <a14:m>
+                    <m:oMathPara xmlns:m="http://schemas.openxmlformats.org/officeDocument/2006/math">
+                      <m:oMathParaPr>
+                        <m:jc m:val="center"/>
+                      </m:oMathParaPr>
+                      <m:oMath xmlns:m="http://schemas.openxmlformats.org/officeDocument/2006/math">
+                        <m:r>
+                          <a:rPr lang="en-US" b="0" i="1" smtClean="0">
+                            <a:latin typeface="Cambria Math" charset="0"/>
+                          </a:rPr>
+                          <m:t>𝑧</m:t>
+                        </m:r>
+                      </m:oMath>
+                    </m:oMathPara>
+                  </a14:m>
+                  <a:endParaRPr lang="en-US" dirty="0"/>
+                </a:p>
+              </p:txBody>
+            </p:sp>
+          </mc:Choice>
+          <mc:Fallback xmlns="">
+            <p:sp>
+              <p:nvSpPr>
+                <p:cNvPr id="34" name="TextBox 33"/>
+                <p:cNvSpPr txBox="1">
+                  <a:spLocks noRot="1" noChangeAspect="1" noMove="1" noResize="1" noEditPoints="1" noAdjustHandles="1" noChangeArrowheads="1" noChangeShapeType="1" noTextEdit="1"/>
+                </p:cNvSpPr>
+                <p:nvPr/>
+              </p:nvSpPr>
+              <p:spPr>
+                <a:xfrm>
+                  <a:off x="3219857" y="3368087"/>
+                  <a:ext cx="169085" cy="276999"/>
+                </a:xfrm>
+                <a:prstGeom prst="rect">
+                  <a:avLst/>
+                </a:prstGeom>
+                <a:blipFill rotWithShape="0">
+                  <a:blip r:embed="rId4"/>
+                  <a:stretch>
+                    <a:fillRect l="-17857" r="-14286"/>
+                  </a:stretch>
+                </a:blipFill>
+              </p:spPr>
+              <p:txBody>
+                <a:bodyPr/>
+                <a:lstStyle/>
+                <a:p>
+                  <a:r>
+                    <a:rPr lang="en-US">
+                      <a:noFill/>
+                    </a:rPr>
+                    <a:t> </a:t>
+                  </a:r>
+                </a:p>
+              </p:txBody>
+            </p:sp>
+          </mc:Fallback>
+        </mc:AlternateContent>
+        <p:cxnSp>
+          <p:nvCxnSpPr>
+            <p:cNvPr id="53" name="Straight Connector 52"/>
+            <p:cNvCxnSpPr/>
+            <p:nvPr/>
+          </p:nvCxnSpPr>
+          <p:spPr>
+            <a:xfrm flipV="1">
+              <a:off x="4470664" y="2122353"/>
+              <a:ext cx="1609128" cy="1609127"/>
+            </a:xfrm>
+            <a:prstGeom prst="line">
+              <a:avLst/>
+            </a:prstGeom>
+            <a:ln w="50800">
+              <a:solidFill>
+                <a:schemeClr val="tx1"/>
+              </a:solidFill>
+            </a:ln>
+          </p:spPr>
+          <p:style>
+            <a:lnRef idx="1">
+              <a:schemeClr val="accent1"/>
+            </a:lnRef>
+            <a:fillRef idx="0">
+              <a:schemeClr val="accent1"/>
+            </a:fillRef>
+            <a:effectRef idx="0">
+              <a:schemeClr val="accent1"/>
+            </a:effectRef>
+            <a:fontRef idx="minor">
+              <a:schemeClr val="tx1"/>
+            </a:fontRef>
+          </p:style>
+        </p:cxnSp>
+        <p:cxnSp>
+          <p:nvCxnSpPr>
+            <p:cNvPr id="58" name="Straight Connector 57"/>
+            <p:cNvCxnSpPr/>
+            <p:nvPr/>
+          </p:nvCxnSpPr>
+          <p:spPr>
+            <a:xfrm>
+              <a:off x="6079792" y="2122352"/>
+              <a:ext cx="1610526" cy="1610526"/>
+            </a:xfrm>
+            <a:prstGeom prst="line">
+              <a:avLst/>
+            </a:prstGeom>
+            <a:ln w="50800">
+              <a:solidFill>
+                <a:schemeClr val="tx1"/>
+              </a:solidFill>
+            </a:ln>
+          </p:spPr>
+          <p:style>
+            <a:lnRef idx="1">
+              <a:schemeClr val="accent1"/>
+            </a:lnRef>
+            <a:fillRef idx="0">
+              <a:schemeClr val="accent1"/>
+            </a:fillRef>
+            <a:effectRef idx="0">
+              <a:schemeClr val="accent1"/>
+            </a:effectRef>
+            <a:fontRef idx="minor">
+              <a:schemeClr val="tx1"/>
+            </a:fontRef>
+          </p:style>
+        </p:cxnSp>
+        <p:cxnSp>
+          <p:nvCxnSpPr>
+            <p:cNvPr id="59" name="Straight Connector 58"/>
+            <p:cNvCxnSpPr/>
+            <p:nvPr/>
+          </p:nvCxnSpPr>
+          <p:spPr>
+            <a:xfrm flipV="1">
+              <a:off x="6229578" y="3010226"/>
+              <a:ext cx="718998" cy="718997"/>
+            </a:xfrm>
+            <a:prstGeom prst="line">
+              <a:avLst/>
+            </a:prstGeom>
+            <a:ln w="50800">
+              <a:solidFill>
+                <a:schemeClr val="tx1"/>
+              </a:solidFill>
+            </a:ln>
+          </p:spPr>
+          <p:style>
+            <a:lnRef idx="1">
+              <a:schemeClr val="accent1"/>
+            </a:lnRef>
+            <a:fillRef idx="0">
+              <a:schemeClr val="accent1"/>
+            </a:fillRef>
+            <a:effectRef idx="0">
+              <a:schemeClr val="accent1"/>
+            </a:effectRef>
+            <a:fontRef idx="minor">
+              <a:schemeClr val="tx1"/>
+            </a:fontRef>
+          </p:style>
+        </p:cxnSp>
+        <p:cxnSp>
+          <p:nvCxnSpPr>
+            <p:cNvPr id="60" name="Straight Connector 59"/>
+            <p:cNvCxnSpPr/>
+            <p:nvPr/>
+          </p:nvCxnSpPr>
+          <p:spPr>
+            <a:xfrm flipV="1">
+              <a:off x="5155316" y="2453071"/>
+              <a:ext cx="1275647" cy="1275644"/>
+            </a:xfrm>
+            <a:prstGeom prst="line">
+              <a:avLst/>
+            </a:prstGeom>
+            <a:ln w="50800">
+              <a:solidFill>
+                <a:schemeClr val="tx1"/>
+              </a:solidFill>
+            </a:ln>
+          </p:spPr>
+          <p:style>
+            <a:lnRef idx="1">
+              <a:schemeClr val="accent1"/>
+            </a:lnRef>
+            <a:fillRef idx="0">
+              <a:schemeClr val="accent1"/>
+            </a:fillRef>
+            <a:effectRef idx="0">
+              <a:schemeClr val="accent1"/>
+            </a:effectRef>
+            <a:fontRef idx="minor">
+              <a:schemeClr val="tx1"/>
+            </a:fontRef>
+          </p:style>
+        </p:cxnSp>
+        <p:cxnSp>
+          <p:nvCxnSpPr>
+            <p:cNvPr id="61" name="Straight Connector 60"/>
+            <p:cNvCxnSpPr/>
+            <p:nvPr/>
+          </p:nvCxnSpPr>
+          <p:spPr>
+            <a:xfrm>
+              <a:off x="5566952" y="3299294"/>
+              <a:ext cx="428915" cy="428915"/>
+            </a:xfrm>
+            <a:prstGeom prst="line">
+              <a:avLst/>
+            </a:prstGeom>
+            <a:ln w="50800">
+              <a:solidFill>
+                <a:schemeClr val="tx1"/>
+              </a:solidFill>
+            </a:ln>
+          </p:spPr>
+          <p:style>
+            <a:lnRef idx="1">
+              <a:schemeClr val="accent1"/>
+            </a:lnRef>
+            <a:fillRef idx="0">
+              <a:schemeClr val="accent1"/>
+            </a:fillRef>
+            <a:effectRef idx="0">
+              <a:schemeClr val="accent1"/>
+            </a:effectRef>
+            <a:fontRef idx="minor">
+              <a:schemeClr val="tx1"/>
+            </a:fontRef>
+          </p:style>
+        </p:cxnSp>
+        <mc:AlternateContent xmlns:mc="http://schemas.openxmlformats.org/markup-compatibility/2006" xmlns:a14="http://schemas.microsoft.com/office/drawing/2010/main">
+          <mc:Choice Requires="a14">
+            <p:sp>
+              <p:nvSpPr>
+                <p:cNvPr id="62" name="TextBox 61"/>
+                <p:cNvSpPr txBox="1"/>
+                <p:nvPr/>
+              </p:nvSpPr>
+              <p:spPr>
+                <a:xfrm>
+                  <a:off x="6331568" y="2512913"/>
+                  <a:ext cx="183320" cy="276999"/>
+                </a:xfrm>
+                <a:prstGeom prst="rect">
+                  <a:avLst/>
+                </a:prstGeom>
+                <a:noFill/>
+              </p:spPr>
+              <p:txBody>
+                <a:bodyPr wrap="none" lIns="0" tIns="0" rIns="0" bIns="0" rtlCol="0">
+                  <a:spAutoFit/>
+                </a:bodyPr>
+                <a:lstStyle/>
+                <a:p>
+                  <a:pPr/>
+                  <a14:m>
+                    <m:oMathPara xmlns:m="http://schemas.openxmlformats.org/officeDocument/2006/math">
+                      <m:oMathParaPr>
+                        <m:jc m:val="center"/>
+                      </m:oMathParaPr>
+                      <m:oMath xmlns:m="http://schemas.openxmlformats.org/officeDocument/2006/math">
+                        <m:r>
+                          <a:rPr lang="en-US" b="0" i="1" smtClean="0">
+                            <a:latin typeface="Cambria Math" charset="0"/>
+                          </a:rPr>
+                          <m:t>𝑥</m:t>
+                        </m:r>
+                      </m:oMath>
+                    </m:oMathPara>
+                  </a14:m>
+                  <a:endParaRPr lang="en-US" dirty="0"/>
+                </a:p>
+              </p:txBody>
+            </p:sp>
+          </mc:Choice>
+          <mc:Fallback xmlns="">
+            <p:sp>
+              <p:nvSpPr>
+                <p:cNvPr id="62" name="TextBox 61"/>
+                <p:cNvSpPr txBox="1">
+                  <a:spLocks noRot="1" noChangeAspect="1" noMove="1" noResize="1" noEditPoints="1" noAdjustHandles="1" noChangeArrowheads="1" noChangeShapeType="1" noTextEdit="1"/>
+                </p:cNvSpPr>
+                <p:nvPr/>
+              </p:nvSpPr>
+              <p:spPr>
+                <a:xfrm>
+                  <a:off x="6331568" y="2512913"/>
+                  <a:ext cx="183320" cy="276999"/>
+                </a:xfrm>
+                <a:prstGeom prst="rect">
+                  <a:avLst/>
+                </a:prstGeom>
+                <a:blipFill rotWithShape="0">
+                  <a:blip r:embed="rId5"/>
+                  <a:stretch>
+                    <a:fillRect l="-20000" r="-10000"/>
+                  </a:stretch>
+                </a:blipFill>
+              </p:spPr>
+              <p:txBody>
+                <a:bodyPr/>
+                <a:lstStyle/>
+                <a:p>
+                  <a:r>
+                    <a:rPr lang="en-US">
+                      <a:noFill/>
+                    </a:rPr>
+                    <a:t> </a:t>
+                  </a:r>
+                </a:p>
+              </p:txBody>
+            </p:sp>
+          </mc:Fallback>
+        </mc:AlternateContent>
+        <mc:AlternateContent xmlns:mc="http://schemas.openxmlformats.org/markup-compatibility/2006" xmlns:a14="http://schemas.microsoft.com/office/drawing/2010/main">
+          <mc:Choice Requires="a14">
+            <p:sp>
+              <p:nvSpPr>
+                <p:cNvPr id="63" name="TextBox 62"/>
+                <p:cNvSpPr txBox="1"/>
+                <p:nvPr/>
+              </p:nvSpPr>
+              <p:spPr>
+                <a:xfrm>
+                  <a:off x="5481978" y="3368086"/>
+                  <a:ext cx="186718" cy="276999"/>
+                </a:xfrm>
+                <a:prstGeom prst="rect">
+                  <a:avLst/>
+                </a:prstGeom>
+                <a:noFill/>
+              </p:spPr>
+              <p:txBody>
+                <a:bodyPr wrap="none" lIns="0" tIns="0" rIns="0" bIns="0" rtlCol="0">
+                  <a:spAutoFit/>
+                </a:bodyPr>
+                <a:lstStyle/>
+                <a:p>
+                  <a:pPr/>
+                  <a14:m>
+                    <m:oMathPara xmlns:m="http://schemas.openxmlformats.org/officeDocument/2006/math">
+                      <m:oMathParaPr>
+                        <m:jc m:val="center"/>
+                      </m:oMathParaPr>
+                      <m:oMath xmlns:m="http://schemas.openxmlformats.org/officeDocument/2006/math">
+                        <m:r>
+                          <a:rPr lang="en-US" b="0" i="1" smtClean="0">
+                            <a:latin typeface="Cambria Math" charset="0"/>
+                          </a:rPr>
+                          <m:t>𝑦</m:t>
+                        </m:r>
+                      </m:oMath>
+                    </m:oMathPara>
+                  </a14:m>
+                  <a:endParaRPr lang="en-US" dirty="0"/>
+                </a:p>
+              </p:txBody>
+            </p:sp>
+          </mc:Choice>
+          <mc:Fallback xmlns="">
+            <p:sp>
+              <p:nvSpPr>
+                <p:cNvPr id="63" name="TextBox 62"/>
+                <p:cNvSpPr txBox="1">
+                  <a:spLocks noRot="1" noChangeAspect="1" noMove="1" noResize="1" noEditPoints="1" noAdjustHandles="1" noChangeArrowheads="1" noChangeShapeType="1" noTextEdit="1"/>
+                </p:cNvSpPr>
+                <p:nvPr/>
+              </p:nvSpPr>
+              <p:spPr>
+                <a:xfrm>
+                  <a:off x="5481978" y="3368086"/>
+                  <a:ext cx="186718" cy="276999"/>
+                </a:xfrm>
+                <a:prstGeom prst="rect">
+                  <a:avLst/>
+                </a:prstGeom>
+                <a:blipFill rotWithShape="0">
+                  <a:blip r:embed="rId3"/>
+                  <a:stretch>
+                    <a:fillRect l="-29032" r="-25806" b="-24444"/>
+                  </a:stretch>
+                </a:blipFill>
+              </p:spPr>
+              <p:txBody>
+                <a:bodyPr/>
+                <a:lstStyle/>
+                <a:p>
+                  <a:r>
+                    <a:rPr lang="en-US">
+                      <a:noFill/>
+                    </a:rPr>
+                    <a:t> </a:t>
+                  </a:r>
+                </a:p>
+              </p:txBody>
+            </p:sp>
+          </mc:Fallback>
+        </mc:AlternateContent>
+        <mc:AlternateContent xmlns:mc="http://schemas.openxmlformats.org/markup-compatibility/2006" xmlns:a14="http://schemas.microsoft.com/office/drawing/2010/main">
+          <mc:Choice Requires="a14">
+            <p:sp>
+              <p:nvSpPr>
+                <p:cNvPr id="64" name="TextBox 63"/>
+                <p:cNvSpPr txBox="1"/>
+                <p:nvPr/>
+              </p:nvSpPr>
+              <p:spPr>
+                <a:xfrm>
+                  <a:off x="6878261" y="3040876"/>
+                  <a:ext cx="169085" cy="276999"/>
+                </a:xfrm>
+                <a:prstGeom prst="rect">
+                  <a:avLst/>
+                </a:prstGeom>
+                <a:noFill/>
+              </p:spPr>
+              <p:txBody>
+                <a:bodyPr wrap="none" lIns="0" tIns="0" rIns="0" bIns="0" rtlCol="0">
+                  <a:spAutoFit/>
+                </a:bodyPr>
+                <a:lstStyle/>
+                <a:p>
+                  <a:pPr/>
+                  <a14:m>
+                    <m:oMathPara xmlns:m="http://schemas.openxmlformats.org/officeDocument/2006/math">
+                      <m:oMathParaPr>
+                        <m:jc m:val="center"/>
+                      </m:oMathParaPr>
+                      <m:oMath xmlns:m="http://schemas.openxmlformats.org/officeDocument/2006/math">
+                        <m:r>
+                          <a:rPr lang="en-US" b="0" i="1" smtClean="0">
+                            <a:latin typeface="Cambria Math" charset="0"/>
+                          </a:rPr>
+                          <m:t>𝑧</m:t>
+                        </m:r>
+                      </m:oMath>
+                    </m:oMathPara>
+                  </a14:m>
+                  <a:endParaRPr lang="en-US" dirty="0"/>
+                </a:p>
+              </p:txBody>
+            </p:sp>
+          </mc:Choice>
+          <mc:Fallback xmlns="">
+            <p:sp>
+              <p:nvSpPr>
+                <p:cNvPr id="64" name="TextBox 63"/>
+                <p:cNvSpPr txBox="1">
+                  <a:spLocks noRot="1" noChangeAspect="1" noMove="1" noResize="1" noEditPoints="1" noAdjustHandles="1" noChangeArrowheads="1" noChangeShapeType="1" noTextEdit="1"/>
+                </p:cNvSpPr>
+                <p:nvPr/>
+              </p:nvSpPr>
+              <p:spPr>
+                <a:xfrm>
+                  <a:off x="6878261" y="3040876"/>
+                  <a:ext cx="169085" cy="276999"/>
+                </a:xfrm>
+                <a:prstGeom prst="rect">
+                  <a:avLst/>
+                </a:prstGeom>
+                <a:blipFill rotWithShape="0">
+                  <a:blip r:embed="rId4"/>
+                  <a:stretch>
+                    <a:fillRect l="-17857" r="-14286"/>
+                  </a:stretch>
+                </a:blipFill>
+              </p:spPr>
+              <p:txBody>
+                <a:bodyPr/>
+                <a:lstStyle/>
+                <a:p>
+                  <a:r>
+                    <a:rPr lang="en-US">
+                      <a:noFill/>
+                    </a:rPr>
+                    <a:t> </a:t>
+                  </a:r>
+                </a:p>
+              </p:txBody>
+            </p:sp>
+          </mc:Fallback>
+        </mc:AlternateContent>
+        <p:cxnSp>
+          <p:nvCxnSpPr>
+            <p:cNvPr id="65" name="Straight Connector 64"/>
+            <p:cNvCxnSpPr/>
+            <p:nvPr/>
+          </p:nvCxnSpPr>
+          <p:spPr>
+            <a:xfrm flipV="1">
+              <a:off x="8431310" y="2118561"/>
+              <a:ext cx="1609128" cy="1609127"/>
+            </a:xfrm>
+            <a:prstGeom prst="line">
+              <a:avLst/>
+            </a:prstGeom>
+            <a:ln w="50800">
+              <a:solidFill>
+                <a:schemeClr val="tx1"/>
+              </a:solidFill>
+            </a:ln>
+          </p:spPr>
+          <p:style>
+            <a:lnRef idx="1">
+              <a:schemeClr val="accent1"/>
+            </a:lnRef>
+            <a:fillRef idx="0">
+              <a:schemeClr val="accent1"/>
+            </a:fillRef>
+            <a:effectRef idx="0">
+              <a:schemeClr val="accent1"/>
+            </a:effectRef>
+            <a:fontRef idx="minor">
+              <a:schemeClr val="tx1"/>
+            </a:fontRef>
+          </p:style>
+        </p:cxnSp>
+        <p:cxnSp>
+          <p:nvCxnSpPr>
+            <p:cNvPr id="66" name="Straight Connector 65"/>
+            <p:cNvCxnSpPr/>
+            <p:nvPr/>
+          </p:nvCxnSpPr>
+          <p:spPr>
+            <a:xfrm>
+              <a:off x="10040438" y="2118560"/>
+              <a:ext cx="1610526" cy="1610526"/>
+            </a:xfrm>
+            <a:prstGeom prst="line">
+              <a:avLst/>
+            </a:prstGeom>
+            <a:ln w="50800">
+              <a:solidFill>
+                <a:schemeClr val="tx1"/>
+              </a:solidFill>
+            </a:ln>
+          </p:spPr>
+          <p:style>
+            <a:lnRef idx="1">
+              <a:schemeClr val="accent1"/>
+            </a:lnRef>
+            <a:fillRef idx="0">
+              <a:schemeClr val="accent1"/>
+            </a:fillRef>
+            <a:effectRef idx="0">
+              <a:schemeClr val="accent1"/>
+            </a:effectRef>
+            <a:fontRef idx="minor">
+              <a:schemeClr val="tx1"/>
+            </a:fontRef>
+          </p:style>
+        </p:cxnSp>
+        <p:cxnSp>
+          <p:nvCxnSpPr>
+            <p:cNvPr id="67" name="Straight Connector 66"/>
+            <p:cNvCxnSpPr/>
+            <p:nvPr/>
+          </p:nvCxnSpPr>
+          <p:spPr>
+            <a:xfrm flipV="1">
+              <a:off x="10859804" y="3329363"/>
+              <a:ext cx="403515" cy="403515"/>
+            </a:xfrm>
+            <a:prstGeom prst="line">
+              <a:avLst/>
+            </a:prstGeom>
+            <a:ln w="50800">
+              <a:solidFill>
+                <a:schemeClr val="tx1"/>
+              </a:solidFill>
+            </a:ln>
+          </p:spPr>
+          <p:style>
+            <a:lnRef idx="1">
+              <a:schemeClr val="accent1"/>
+            </a:lnRef>
+            <a:fillRef idx="0">
+              <a:schemeClr val="accent1"/>
+            </a:fillRef>
+            <a:effectRef idx="0">
+              <a:schemeClr val="accent1"/>
+            </a:effectRef>
+            <a:fontRef idx="minor">
+              <a:schemeClr val="tx1"/>
+            </a:fontRef>
+          </p:style>
+        </p:cxnSp>
+        <p:cxnSp>
+          <p:nvCxnSpPr>
+            <p:cNvPr id="68" name="Straight Connector 67"/>
+            <p:cNvCxnSpPr/>
+            <p:nvPr/>
+          </p:nvCxnSpPr>
+          <p:spPr>
+            <a:xfrm flipV="1">
+              <a:off x="9115962" y="2449279"/>
+              <a:ext cx="1275647" cy="1275644"/>
+            </a:xfrm>
+            <a:prstGeom prst="line">
+              <a:avLst/>
+            </a:prstGeom>
+            <a:ln w="50800">
+              <a:solidFill>
+                <a:schemeClr val="tx1"/>
+              </a:solidFill>
+            </a:ln>
+          </p:spPr>
+          <p:style>
+            <a:lnRef idx="1">
+              <a:schemeClr val="accent1"/>
+            </a:lnRef>
+            <a:fillRef idx="0">
+              <a:schemeClr val="accent1"/>
+            </a:fillRef>
+            <a:effectRef idx="0">
+              <a:schemeClr val="accent1"/>
+            </a:effectRef>
+            <a:fontRef idx="minor">
+              <a:schemeClr val="tx1"/>
+            </a:fontRef>
+          </p:style>
+        </p:cxnSp>
+        <p:cxnSp>
+          <p:nvCxnSpPr>
+            <p:cNvPr id="69" name="Straight Connector 68"/>
+            <p:cNvCxnSpPr/>
+            <p:nvPr/>
+          </p:nvCxnSpPr>
+          <p:spPr>
+            <a:xfrm>
+              <a:off x="9837297" y="3009198"/>
+              <a:ext cx="715725" cy="715725"/>
+            </a:xfrm>
+            <a:prstGeom prst="line">
+              <a:avLst/>
+            </a:prstGeom>
+            <a:ln w="50800">
+              <a:solidFill>
+                <a:schemeClr val="tx1"/>
+              </a:solidFill>
+            </a:ln>
+          </p:spPr>
+          <p:style>
+            <a:lnRef idx="1">
+              <a:schemeClr val="accent1"/>
+            </a:lnRef>
+            <a:fillRef idx="0">
+              <a:schemeClr val="accent1"/>
+            </a:fillRef>
+            <a:effectRef idx="0">
+              <a:schemeClr val="accent1"/>
+            </a:effectRef>
+            <a:fontRef idx="minor">
+              <a:schemeClr val="tx1"/>
+            </a:fontRef>
+          </p:style>
+        </p:cxnSp>
+        <mc:AlternateContent xmlns:mc="http://schemas.openxmlformats.org/markup-compatibility/2006" xmlns:a14="http://schemas.microsoft.com/office/drawing/2010/main">
+          <mc:Choice Requires="a14">
+            <p:sp>
+              <p:nvSpPr>
+                <p:cNvPr id="70" name="TextBox 69"/>
+                <p:cNvSpPr txBox="1"/>
+                <p:nvPr/>
+              </p:nvSpPr>
+              <p:spPr>
+                <a:xfrm>
+                  <a:off x="10292214" y="2509121"/>
+                  <a:ext cx="183320" cy="276999"/>
+                </a:xfrm>
+                <a:prstGeom prst="rect">
+                  <a:avLst/>
+                </a:prstGeom>
+                <a:noFill/>
+              </p:spPr>
+              <p:txBody>
+                <a:bodyPr wrap="none" lIns="0" tIns="0" rIns="0" bIns="0" rtlCol="0">
+                  <a:spAutoFit/>
+                </a:bodyPr>
+                <a:lstStyle/>
+                <a:p>
+                  <a:pPr/>
+                  <a14:m>
+                    <m:oMathPara xmlns:m="http://schemas.openxmlformats.org/officeDocument/2006/math">
+                      <m:oMathParaPr>
+                        <m:jc m:val="center"/>
+                      </m:oMathParaPr>
+                      <m:oMath xmlns:m="http://schemas.openxmlformats.org/officeDocument/2006/math">
+                        <m:r>
+                          <a:rPr lang="en-US" b="0" i="1" smtClean="0">
+                            <a:latin typeface="Cambria Math" charset="0"/>
+                          </a:rPr>
+                          <m:t>𝑥</m:t>
+                        </m:r>
+                      </m:oMath>
+                    </m:oMathPara>
+                  </a14:m>
+                  <a:endParaRPr lang="en-US" dirty="0"/>
+                </a:p>
+              </p:txBody>
+            </p:sp>
+          </mc:Choice>
+          <mc:Fallback xmlns="">
+            <p:sp>
+              <p:nvSpPr>
+                <p:cNvPr id="70" name="TextBox 69"/>
+                <p:cNvSpPr txBox="1">
+                  <a:spLocks noRot="1" noChangeAspect="1" noMove="1" noResize="1" noEditPoints="1" noAdjustHandles="1" noChangeArrowheads="1" noChangeShapeType="1" noTextEdit="1"/>
+                </p:cNvSpPr>
+                <p:nvPr/>
+              </p:nvSpPr>
+              <p:spPr>
+                <a:xfrm>
+                  <a:off x="10292214" y="2509121"/>
+                  <a:ext cx="183320" cy="276999"/>
+                </a:xfrm>
+                <a:prstGeom prst="rect">
+                  <a:avLst/>
+                </a:prstGeom>
+                <a:blipFill rotWithShape="0">
+                  <a:blip r:embed="rId2"/>
+                  <a:stretch>
+                    <a:fillRect l="-16667" r="-13333"/>
+                  </a:stretch>
+                </a:blipFill>
+              </p:spPr>
+              <p:txBody>
+                <a:bodyPr/>
+                <a:lstStyle/>
+                <a:p>
+                  <a:r>
+                    <a:rPr lang="en-US">
+                      <a:noFill/>
+                    </a:rPr>
+                    <a:t> </a:t>
+                  </a:r>
+                </a:p>
+              </p:txBody>
+            </p:sp>
+          </mc:Fallback>
+        </mc:AlternateContent>
+        <mc:AlternateContent xmlns:mc="http://schemas.openxmlformats.org/markup-compatibility/2006" xmlns:a14="http://schemas.microsoft.com/office/drawing/2010/main">
+          <mc:Choice Requires="a14">
+            <p:sp>
+              <p:nvSpPr>
+                <p:cNvPr id="71" name="TextBox 70"/>
+                <p:cNvSpPr txBox="1"/>
+                <p:nvPr/>
+              </p:nvSpPr>
+              <p:spPr>
+                <a:xfrm>
+                  <a:off x="9734107" y="3046083"/>
+                  <a:ext cx="169085" cy="276999"/>
+                </a:xfrm>
+                <a:prstGeom prst="rect">
+                  <a:avLst/>
+                </a:prstGeom>
+                <a:noFill/>
+              </p:spPr>
+              <p:txBody>
+                <a:bodyPr wrap="none" lIns="0" tIns="0" rIns="0" bIns="0" rtlCol="0">
+                  <a:spAutoFit/>
+                </a:bodyPr>
+                <a:lstStyle/>
+                <a:p>
+                  <a:pPr/>
+                  <a14:m>
+                    <m:oMathPara xmlns:m="http://schemas.openxmlformats.org/officeDocument/2006/math">
+                      <m:oMathParaPr>
+                        <m:jc m:val="center"/>
+                      </m:oMathParaPr>
+                      <m:oMath xmlns:m="http://schemas.openxmlformats.org/officeDocument/2006/math">
+                        <m:r>
+                          <a:rPr lang="en-US" b="0" i="1" smtClean="0">
+                            <a:latin typeface="Cambria Math" charset="0"/>
+                          </a:rPr>
+                          <m:t>𝑧</m:t>
+                        </m:r>
+                      </m:oMath>
+                    </m:oMathPara>
+                  </a14:m>
+                  <a:endParaRPr lang="en-US" dirty="0"/>
+                </a:p>
+              </p:txBody>
+            </p:sp>
+          </mc:Choice>
+          <mc:Fallback xmlns="">
+            <p:sp>
+              <p:nvSpPr>
+                <p:cNvPr id="71" name="TextBox 70"/>
+                <p:cNvSpPr txBox="1">
+                  <a:spLocks noRot="1" noChangeAspect="1" noMove="1" noResize="1" noEditPoints="1" noAdjustHandles="1" noChangeArrowheads="1" noChangeShapeType="1" noTextEdit="1"/>
+                </p:cNvSpPr>
+                <p:nvPr/>
+              </p:nvSpPr>
+              <p:spPr>
+                <a:xfrm>
+                  <a:off x="9734107" y="3046083"/>
+                  <a:ext cx="169085" cy="276999"/>
+                </a:xfrm>
+                <a:prstGeom prst="rect">
+                  <a:avLst/>
+                </a:prstGeom>
+                <a:blipFill rotWithShape="0">
+                  <a:blip r:embed="rId4"/>
+                  <a:stretch>
+                    <a:fillRect l="-21429" r="-10714"/>
+                  </a:stretch>
+                </a:blipFill>
+              </p:spPr>
+              <p:txBody>
+                <a:bodyPr/>
+                <a:lstStyle/>
+                <a:p>
+                  <a:r>
+                    <a:rPr lang="en-US">
+                      <a:noFill/>
+                    </a:rPr>
+                    <a:t> </a:t>
+                  </a:r>
+                </a:p>
+              </p:txBody>
+            </p:sp>
+          </mc:Fallback>
+        </mc:AlternateContent>
+        <mc:AlternateContent xmlns:mc="http://schemas.openxmlformats.org/markup-compatibility/2006" xmlns:a14="http://schemas.microsoft.com/office/drawing/2010/main">
+          <mc:Choice Requires="a14">
+            <p:sp>
+              <p:nvSpPr>
+                <p:cNvPr id="72" name="TextBox 71"/>
+                <p:cNvSpPr txBox="1"/>
+                <p:nvPr/>
+              </p:nvSpPr>
+              <p:spPr>
+                <a:xfrm>
+                  <a:off x="11173686" y="3367060"/>
+                  <a:ext cx="186718" cy="276999"/>
+                </a:xfrm>
+                <a:prstGeom prst="rect">
+                  <a:avLst/>
+                </a:prstGeom>
+                <a:noFill/>
+              </p:spPr>
+              <p:txBody>
+                <a:bodyPr wrap="none" lIns="0" tIns="0" rIns="0" bIns="0" rtlCol="0">
+                  <a:spAutoFit/>
+                </a:bodyPr>
+                <a:lstStyle/>
+                <a:p>
+                  <a:pPr/>
+                  <a14:m>
+                    <m:oMathPara xmlns:m="http://schemas.openxmlformats.org/officeDocument/2006/math">
+                      <m:oMathParaPr>
+                        <m:jc m:val="center"/>
+                      </m:oMathParaPr>
+                      <m:oMath xmlns:m="http://schemas.openxmlformats.org/officeDocument/2006/math">
+                        <m:r>
+                          <a:rPr lang="en-US" b="0" i="1" smtClean="0">
+                            <a:latin typeface="Cambria Math" charset="0"/>
+                          </a:rPr>
+                          <m:t>𝑦</m:t>
+                        </m:r>
+                      </m:oMath>
+                    </m:oMathPara>
+                  </a14:m>
+                  <a:endParaRPr lang="en-US" dirty="0"/>
+                </a:p>
+              </p:txBody>
+            </p:sp>
+          </mc:Choice>
+          <mc:Fallback xmlns="">
+            <p:sp>
+              <p:nvSpPr>
+                <p:cNvPr id="72" name="TextBox 71"/>
+                <p:cNvSpPr txBox="1">
+                  <a:spLocks noRot="1" noChangeAspect="1" noMove="1" noResize="1" noEditPoints="1" noAdjustHandles="1" noChangeArrowheads="1" noChangeShapeType="1" noTextEdit="1"/>
+                </p:cNvSpPr>
+                <p:nvPr/>
+              </p:nvSpPr>
+              <p:spPr>
+                <a:xfrm>
+                  <a:off x="11173686" y="3367060"/>
+                  <a:ext cx="186718" cy="276999"/>
+                </a:xfrm>
+                <a:prstGeom prst="rect">
+                  <a:avLst/>
+                </a:prstGeom>
+                <a:blipFill rotWithShape="0">
+                  <a:blip r:embed="rId6"/>
+                  <a:stretch>
+                    <a:fillRect l="-32258" r="-22581" b="-23913"/>
+                  </a:stretch>
+                </a:blipFill>
+              </p:spPr>
+              <p:txBody>
+                <a:bodyPr/>
+                <a:lstStyle/>
+                <a:p>
+                  <a:r>
+                    <a:rPr lang="en-US">
+                      <a:noFill/>
+                    </a:rPr>
+                    <a:t> </a:t>
+                  </a:r>
+                </a:p>
+              </p:txBody>
+            </p:sp>
+          </mc:Fallback>
+        </mc:AlternateContent>
+        <p:cxnSp>
+          <p:nvCxnSpPr>
+            <p:cNvPr id="12" name="Straight Arrow Connector 11"/>
+            <p:cNvCxnSpPr/>
+            <p:nvPr/>
+          </p:nvCxnSpPr>
+          <p:spPr>
+            <a:xfrm>
+              <a:off x="3388942" y="2786120"/>
+              <a:ext cx="1340002" cy="0"/>
+            </a:xfrm>
+            <a:prstGeom prst="straightConnector1">
+              <a:avLst/>
+            </a:prstGeom>
+            <a:ln w="127000">
+              <a:solidFill>
+                <a:schemeClr val="tx1"/>
+              </a:solidFill>
+              <a:tailEnd type="triangle"/>
+            </a:ln>
+          </p:spPr>
+          <p:style>
+            <a:lnRef idx="1">
+              <a:schemeClr val="accent1"/>
+            </a:lnRef>
+            <a:fillRef idx="0">
+              <a:schemeClr val="accent1"/>
+            </a:fillRef>
+            <a:effectRef idx="0">
+              <a:schemeClr val="accent1"/>
+            </a:effectRef>
+            <a:fontRef idx="minor">
+              <a:schemeClr val="tx1"/>
+            </a:fontRef>
+          </p:style>
+        </p:cxnSp>
+        <p:cxnSp>
+          <p:nvCxnSpPr>
+            <p:cNvPr id="73" name="Straight Arrow Connector 72"/>
+            <p:cNvCxnSpPr/>
+            <p:nvPr/>
+          </p:nvCxnSpPr>
+          <p:spPr>
+            <a:xfrm>
+              <a:off x="7505846" y="2786120"/>
+              <a:ext cx="1340002" cy="0"/>
+            </a:xfrm>
+            <a:prstGeom prst="straightConnector1">
+              <a:avLst/>
+            </a:prstGeom>
+            <a:ln w="127000">
+              <a:solidFill>
+                <a:schemeClr val="tx1"/>
+              </a:solidFill>
+              <a:tailEnd type="triangle"/>
+            </a:ln>
+          </p:spPr>
+          <p:style>
+            <a:lnRef idx="1">
+              <a:schemeClr val="accent1"/>
+            </a:lnRef>
+            <a:fillRef idx="0">
+              <a:schemeClr val="accent1"/>
+            </a:fillRef>
+            <a:effectRef idx="0">
+              <a:schemeClr val="accent1"/>
+            </a:effectRef>
+            <a:fontRef idx="minor">
+              <a:schemeClr val="tx1"/>
+            </a:fontRef>
+          </p:style>
+        </p:cxnSp>
+      </p:grpSp>
+    </p:spTree>
+    <p:extLst>
+      <p:ext uri="{BB962C8B-B14F-4D97-AF65-F5344CB8AC3E}">
+        <p14:creationId xmlns:p14="http://schemas.microsoft.com/office/powerpoint/2010/main" val="795260445"/>
+      </p:ext>
+    </p:extLst>
+  </p:cSld>
+  <p:clrMapOvr>
+    <a:masterClrMapping/>
+  </p:clrMapOvr>
+</p:sld>
+</file>
+
+<file path=ppt/slides/slide12.xml><?xml version="1.0" encoding="utf-8"?>
 <p:sld xmlns:a="http://schemas.openxmlformats.org/drawingml/2006/main" xmlns:r="http://schemas.openxmlformats.org/officeDocument/2006/relationships" xmlns:p="http://schemas.openxmlformats.org/presentationml/2006/main">
   <p:cSld>
     <p:spTree>
@@ -9708,7 +12377,9 @@
           <a:noFill/>
           <a:ln w="25400">
             <a:solidFill>
-              <a:schemeClr val="accent1"/>
+              <a:schemeClr val="bg1">
+                <a:lumMod val="65000"/>
+              </a:schemeClr>
             </a:solidFill>
           </a:ln>
         </p:spPr>
@@ -9751,6 +12422,2591 @@
 </file>
 
 <file path=ppt/slides/slide2.xml><?xml version="1.0" encoding="utf-8"?>
+<p:sld xmlns:a="http://schemas.openxmlformats.org/drawingml/2006/main" xmlns:r="http://schemas.openxmlformats.org/officeDocument/2006/relationships" xmlns:p="http://schemas.openxmlformats.org/presentationml/2006/main">
+  <p:cSld>
+    <p:spTree>
+      <p:nvGrpSpPr>
+        <p:cNvPr id="1" name=""/>
+        <p:cNvGrpSpPr/>
+        <p:nvPr/>
+      </p:nvGrpSpPr>
+      <p:grpSpPr>
+        <a:xfrm>
+          <a:off x="0" y="0"/>
+          <a:ext cx="0" cy="0"/>
+          <a:chOff x="0" y="0"/>
+          <a:chExt cx="0" cy="0"/>
+        </a:xfrm>
+      </p:grpSpPr>
+      <p:grpSp>
+        <p:nvGrpSpPr>
+          <p:cNvPr id="6" name="Group 5"/>
+          <p:cNvGrpSpPr/>
+          <p:nvPr/>
+        </p:nvGrpSpPr>
+        <p:grpSpPr>
+          <a:xfrm>
+            <a:off x="589548" y="681716"/>
+            <a:ext cx="10827752" cy="4448544"/>
+            <a:chOff x="589548" y="681716"/>
+            <a:chExt cx="10827752" cy="4448544"/>
+          </a:xfrm>
+        </p:grpSpPr>
+        <p:grpSp>
+          <p:nvGrpSpPr>
+            <p:cNvPr id="2" name="Group 1"/>
+            <p:cNvGrpSpPr/>
+            <p:nvPr/>
+          </p:nvGrpSpPr>
+          <p:grpSpPr>
+            <a:xfrm>
+              <a:off x="589548" y="762000"/>
+              <a:ext cx="10827752" cy="4368260"/>
+              <a:chOff x="2011948" y="1400505"/>
+              <a:chExt cx="7937370" cy="2956031"/>
+            </a:xfrm>
+          </p:grpSpPr>
+          <p:cxnSp>
+            <p:nvCxnSpPr>
+              <p:cNvPr id="5" name="Straight Connector 4"/>
+              <p:cNvCxnSpPr/>
+              <p:nvPr/>
+            </p:nvCxnSpPr>
+            <p:spPr>
+              <a:xfrm flipV="1">
+                <a:off x="2984939" y="1408387"/>
+                <a:ext cx="2932386" cy="2932386"/>
+              </a:xfrm>
+              <a:prstGeom prst="line">
+                <a:avLst/>
+              </a:prstGeom>
+              <a:ln w="50800">
+                <a:solidFill>
+                  <a:schemeClr val="bg1">
+                    <a:lumMod val="50000"/>
+                  </a:schemeClr>
+                </a:solidFill>
+              </a:ln>
+            </p:spPr>
+            <p:style>
+              <a:lnRef idx="1">
+                <a:schemeClr val="accent1"/>
+              </a:lnRef>
+              <a:fillRef idx="0">
+                <a:schemeClr val="accent1"/>
+              </a:fillRef>
+              <a:effectRef idx="0">
+                <a:schemeClr val="accent1"/>
+              </a:effectRef>
+              <a:fontRef idx="minor">
+                <a:schemeClr val="tx1"/>
+              </a:fontRef>
+            </p:style>
+          </p:cxnSp>
+          <p:cxnSp>
+            <p:nvCxnSpPr>
+              <p:cNvPr id="10" name="Straight Connector 9"/>
+              <p:cNvCxnSpPr/>
+              <p:nvPr/>
+            </p:nvCxnSpPr>
+            <p:spPr>
+              <a:xfrm>
+                <a:off x="5917325" y="1408387"/>
+                <a:ext cx="2932386" cy="2932386"/>
+              </a:xfrm>
+              <a:prstGeom prst="line">
+                <a:avLst/>
+              </a:prstGeom>
+              <a:ln w="50800">
+                <a:solidFill>
+                  <a:schemeClr val="bg1">
+                    <a:lumMod val="65000"/>
+                  </a:schemeClr>
+                </a:solidFill>
+                <a:prstDash val="sysDash"/>
+              </a:ln>
+            </p:spPr>
+            <p:style>
+              <a:lnRef idx="1">
+                <a:schemeClr val="accent1"/>
+              </a:lnRef>
+              <a:fillRef idx="0">
+                <a:schemeClr val="accent1"/>
+              </a:fillRef>
+              <a:effectRef idx="0">
+                <a:schemeClr val="accent1"/>
+              </a:effectRef>
+              <a:fontRef idx="minor">
+                <a:schemeClr val="tx1"/>
+              </a:fontRef>
+            </p:style>
+          </p:cxnSp>
+          <p:cxnSp>
+            <p:nvCxnSpPr>
+              <p:cNvPr id="17" name="Straight Connector 16"/>
+              <p:cNvCxnSpPr/>
+              <p:nvPr/>
+            </p:nvCxnSpPr>
+            <p:spPr>
+              <a:xfrm>
+                <a:off x="2375338" y="4340773"/>
+                <a:ext cx="7083973" cy="0"/>
+              </a:xfrm>
+              <a:prstGeom prst="line">
+                <a:avLst/>
+              </a:prstGeom>
+              <a:ln w="12700">
+                <a:solidFill>
+                  <a:schemeClr val="tx1"/>
+                </a:solidFill>
+                <a:prstDash val="sysDot"/>
+              </a:ln>
+            </p:spPr>
+            <p:style>
+              <a:lnRef idx="1">
+                <a:schemeClr val="accent1"/>
+              </a:lnRef>
+              <a:fillRef idx="0">
+                <a:schemeClr val="accent1"/>
+              </a:fillRef>
+              <a:effectRef idx="0">
+                <a:schemeClr val="accent1"/>
+              </a:effectRef>
+              <a:fontRef idx="minor">
+                <a:schemeClr val="tx1"/>
+              </a:fontRef>
+            </p:style>
+          </p:cxnSp>
+          <p:cxnSp>
+            <p:nvCxnSpPr>
+              <p:cNvPr id="19" name="Straight Connector 18"/>
+              <p:cNvCxnSpPr/>
+              <p:nvPr/>
+            </p:nvCxnSpPr>
+            <p:spPr>
+              <a:xfrm flipV="1">
+                <a:off x="4214648" y="2033753"/>
+                <a:ext cx="2312278" cy="2312278"/>
+              </a:xfrm>
+              <a:prstGeom prst="line">
+                <a:avLst/>
+              </a:prstGeom>
+              <a:ln w="50800">
+                <a:solidFill>
+                  <a:schemeClr val="bg1">
+                    <a:lumMod val="50000"/>
+                  </a:schemeClr>
+                </a:solidFill>
+              </a:ln>
+            </p:spPr>
+            <p:style>
+              <a:lnRef idx="1">
+                <a:schemeClr val="accent1"/>
+              </a:lnRef>
+              <a:fillRef idx="0">
+                <a:schemeClr val="accent1"/>
+              </a:fillRef>
+              <a:effectRef idx="0">
+                <a:schemeClr val="accent1"/>
+              </a:effectRef>
+              <a:fontRef idx="minor">
+                <a:schemeClr val="tx1"/>
+              </a:fontRef>
+            </p:style>
+          </p:cxnSp>
+          <p:cxnSp>
+            <p:nvCxnSpPr>
+              <p:cNvPr id="21" name="Straight Connector 20"/>
+              <p:cNvCxnSpPr/>
+              <p:nvPr/>
+            </p:nvCxnSpPr>
+            <p:spPr>
+              <a:xfrm flipV="1">
+                <a:off x="5444359" y="2653861"/>
+                <a:ext cx="1702675" cy="1702675"/>
+              </a:xfrm>
+              <a:prstGeom prst="line">
+                <a:avLst/>
+              </a:prstGeom>
+              <a:ln w="50800">
+                <a:solidFill>
+                  <a:schemeClr val="bg1">
+                    <a:lumMod val="50000"/>
+                  </a:schemeClr>
+                </a:solidFill>
+              </a:ln>
+            </p:spPr>
+            <p:style>
+              <a:lnRef idx="1">
+                <a:schemeClr val="accent1"/>
+              </a:lnRef>
+              <a:fillRef idx="0">
+                <a:schemeClr val="accent1"/>
+              </a:fillRef>
+              <a:effectRef idx="0">
+                <a:schemeClr val="accent1"/>
+              </a:effectRef>
+              <a:fontRef idx="minor">
+                <a:schemeClr val="tx1"/>
+              </a:fontRef>
+            </p:style>
+          </p:cxnSp>
+          <p:cxnSp>
+            <p:nvCxnSpPr>
+              <p:cNvPr id="23" name="Straight Connector 22"/>
+              <p:cNvCxnSpPr/>
+              <p:nvPr/>
+            </p:nvCxnSpPr>
+            <p:spPr>
+              <a:xfrm>
+                <a:off x="6390291" y="3379077"/>
+                <a:ext cx="977459" cy="977459"/>
+              </a:xfrm>
+              <a:prstGeom prst="line">
+                <a:avLst/>
+              </a:prstGeom>
+              <a:ln w="50800">
+                <a:solidFill>
+                  <a:schemeClr val="bg1">
+                    <a:lumMod val="65000"/>
+                  </a:schemeClr>
+                </a:solidFill>
+                <a:prstDash val="sysDash"/>
+              </a:ln>
+            </p:spPr>
+            <p:style>
+              <a:lnRef idx="1">
+                <a:schemeClr val="accent1"/>
+              </a:lnRef>
+              <a:fillRef idx="0">
+                <a:schemeClr val="accent1"/>
+              </a:fillRef>
+              <a:effectRef idx="0">
+                <a:schemeClr val="accent1"/>
+              </a:effectRef>
+              <a:fontRef idx="minor">
+                <a:schemeClr val="tx1"/>
+              </a:fontRef>
+            </p:style>
+          </p:cxnSp>
+          <p:cxnSp>
+            <p:nvCxnSpPr>
+              <p:cNvPr id="26" name="Straight Connector 25"/>
+              <p:cNvCxnSpPr/>
+              <p:nvPr/>
+            </p:nvCxnSpPr>
+            <p:spPr>
+              <a:xfrm>
+                <a:off x="2375337" y="3405354"/>
+                <a:ext cx="7083973" cy="0"/>
+              </a:xfrm>
+              <a:prstGeom prst="line">
+                <a:avLst/>
+              </a:prstGeom>
+              <a:ln w="12700">
+                <a:solidFill>
+                  <a:schemeClr val="tx1"/>
+                </a:solidFill>
+                <a:prstDash val="sysDot"/>
+              </a:ln>
+            </p:spPr>
+            <p:style>
+              <a:lnRef idx="1">
+                <a:schemeClr val="accent1"/>
+              </a:lnRef>
+              <a:fillRef idx="0">
+                <a:schemeClr val="accent1"/>
+              </a:fillRef>
+              <a:effectRef idx="0">
+                <a:schemeClr val="accent1"/>
+              </a:effectRef>
+              <a:fontRef idx="minor">
+                <a:schemeClr val="tx1"/>
+              </a:fontRef>
+            </p:style>
+          </p:cxnSp>
+          <p:cxnSp>
+            <p:nvCxnSpPr>
+              <p:cNvPr id="28" name="Straight Connector 27"/>
+              <p:cNvCxnSpPr/>
+              <p:nvPr/>
+            </p:nvCxnSpPr>
+            <p:spPr>
+              <a:xfrm>
+                <a:off x="2375337" y="2653861"/>
+                <a:ext cx="7083973" cy="0"/>
+              </a:xfrm>
+              <a:prstGeom prst="line">
+                <a:avLst/>
+              </a:prstGeom>
+              <a:ln w="12700">
+                <a:solidFill>
+                  <a:schemeClr val="tx1"/>
+                </a:solidFill>
+                <a:prstDash val="sysDot"/>
+              </a:ln>
+            </p:spPr>
+            <p:style>
+              <a:lnRef idx="1">
+                <a:schemeClr val="accent1"/>
+              </a:lnRef>
+              <a:fillRef idx="0">
+                <a:schemeClr val="accent1"/>
+              </a:fillRef>
+              <a:effectRef idx="0">
+                <a:schemeClr val="accent1"/>
+              </a:effectRef>
+              <a:fontRef idx="minor">
+                <a:schemeClr val="tx1"/>
+              </a:fontRef>
+            </p:style>
+          </p:cxnSp>
+          <p:cxnSp>
+            <p:nvCxnSpPr>
+              <p:cNvPr id="29" name="Straight Connector 28"/>
+              <p:cNvCxnSpPr/>
+              <p:nvPr/>
+            </p:nvCxnSpPr>
+            <p:spPr>
+              <a:xfrm>
+                <a:off x="2375336" y="2033753"/>
+                <a:ext cx="7083973" cy="0"/>
+              </a:xfrm>
+              <a:prstGeom prst="line">
+                <a:avLst/>
+              </a:prstGeom>
+              <a:ln w="12700">
+                <a:solidFill>
+                  <a:schemeClr val="tx1"/>
+                </a:solidFill>
+                <a:prstDash val="sysDot"/>
+              </a:ln>
+            </p:spPr>
+            <p:style>
+              <a:lnRef idx="1">
+                <a:schemeClr val="accent1"/>
+              </a:lnRef>
+              <a:fillRef idx="0">
+                <a:schemeClr val="accent1"/>
+              </a:fillRef>
+              <a:effectRef idx="0">
+                <a:schemeClr val="accent1"/>
+              </a:effectRef>
+              <a:fontRef idx="minor">
+                <a:schemeClr val="tx1"/>
+              </a:fontRef>
+            </p:style>
+          </p:cxnSp>
+          <p:cxnSp>
+            <p:nvCxnSpPr>
+              <p:cNvPr id="30" name="Straight Connector 29"/>
+              <p:cNvCxnSpPr/>
+              <p:nvPr/>
+            </p:nvCxnSpPr>
+            <p:spPr>
+              <a:xfrm>
+                <a:off x="2375336" y="1408387"/>
+                <a:ext cx="7083973" cy="0"/>
+              </a:xfrm>
+              <a:prstGeom prst="line">
+                <a:avLst/>
+              </a:prstGeom>
+              <a:ln w="12700">
+                <a:solidFill>
+                  <a:schemeClr val="tx1"/>
+                </a:solidFill>
+                <a:prstDash val="sysDot"/>
+              </a:ln>
+            </p:spPr>
+            <p:style>
+              <a:lnRef idx="1">
+                <a:schemeClr val="accent1"/>
+              </a:lnRef>
+              <a:fillRef idx="0">
+                <a:schemeClr val="accent1"/>
+              </a:fillRef>
+              <a:effectRef idx="0">
+                <a:schemeClr val="accent1"/>
+              </a:effectRef>
+              <a:fontRef idx="minor">
+                <a:schemeClr val="tx1"/>
+              </a:fontRef>
+            </p:style>
+          </p:cxnSp>
+          <mc:AlternateContent xmlns:mc="http://schemas.openxmlformats.org/markup-compatibility/2006">
+            <mc:Choice xmlns:a14="http://schemas.microsoft.com/office/drawing/2010/main" Requires="a14">
+              <p:sp>
+                <p:nvSpPr>
+                  <p:cNvPr id="31" name="TextBox 30"/>
+                  <p:cNvSpPr txBox="1"/>
+                  <p:nvPr/>
+                </p:nvSpPr>
+                <p:spPr>
+                  <a:xfrm>
+                    <a:off x="5149154" y="1555183"/>
+                    <a:ext cx="331331" cy="208275"/>
+                  </a:xfrm>
+                  <a:prstGeom prst="rect">
+                    <a:avLst/>
+                  </a:prstGeom>
+                  <a:noFill/>
+                </p:spPr>
+                <p:txBody>
+                  <a:bodyPr wrap="square" lIns="0" tIns="0" rIns="0" bIns="0" rtlCol="0">
+                    <a:spAutoFit/>
+                  </a:bodyPr>
+                  <a:lstStyle/>
+                  <a:p>
+                    <a:pPr/>
+                    <a14:m>
+                      <m:oMathPara xmlns:m="http://schemas.openxmlformats.org/officeDocument/2006/math">
+                        <m:oMathParaPr>
+                          <m:jc m:val="centerGroup"/>
+                        </m:oMathParaPr>
+                        <m:oMath xmlns:m="http://schemas.openxmlformats.org/officeDocument/2006/math">
+                          <m:sSub>
+                            <m:sSubPr>
+                              <m:ctrlPr>
+                                <a:rPr lang="en-US" sz="2000" b="1" i="1" smtClean="0">
+                                  <a:solidFill>
+                                    <a:schemeClr val="bg1">
+                                      <a:lumMod val="50000"/>
+                                    </a:schemeClr>
+                                  </a:solidFill>
+                                  <a:latin typeface="Cambria Math" charset="0"/>
+                                </a:rPr>
+                              </m:ctrlPr>
+                            </m:sSubPr>
+                            <m:e>
+                              <m:r>
+                                <a:rPr lang="en-US" sz="2000" b="1" i="1" smtClean="0">
+                                  <a:solidFill>
+                                    <a:schemeClr val="bg1">
+                                      <a:lumMod val="50000"/>
+                                    </a:schemeClr>
+                                  </a:solidFill>
+                                  <a:latin typeface="Cambria Math" charset="0"/>
+                                </a:rPr>
+                                <m:t>𝝀</m:t>
+                              </m:r>
+                            </m:e>
+                            <m:sub>
+                              <m:r>
+                                <a:rPr lang="en-US" sz="2000" b="1" i="1" smtClean="0">
+                                  <a:solidFill>
+                                    <a:schemeClr val="bg1">
+                                      <a:lumMod val="50000"/>
+                                    </a:schemeClr>
+                                  </a:solidFill>
+                                  <a:latin typeface="Cambria Math" charset="0"/>
+                                </a:rPr>
+                                <m:t>𝒂</m:t>
+                              </m:r>
+                            </m:sub>
+                          </m:sSub>
+                        </m:oMath>
+                      </m:oMathPara>
+                    </a14:m>
+                    <a:endParaRPr lang="en-US" sz="2000" b="1" dirty="0">
+                      <a:solidFill>
+                        <a:schemeClr val="bg1">
+                          <a:lumMod val="50000"/>
+                        </a:schemeClr>
+                      </a:solidFill>
+                    </a:endParaRPr>
+                  </a:p>
+                </p:txBody>
+              </p:sp>
+            </mc:Choice>
+            <mc:Fallback>
+              <p:sp>
+                <p:nvSpPr>
+                  <p:cNvPr id="31" name="TextBox 30"/>
+                  <p:cNvSpPr txBox="1">
+                    <a:spLocks noRot="1" noChangeAspect="1" noMove="1" noResize="1" noEditPoints="1" noAdjustHandles="1" noChangeArrowheads="1" noChangeShapeType="1" noTextEdit="1"/>
+                  </p:cNvSpPr>
+                  <p:nvPr/>
+                </p:nvSpPr>
+                <p:spPr>
+                  <a:xfrm>
+                    <a:off x="5149154" y="1555183"/>
+                    <a:ext cx="331331" cy="208275"/>
+                  </a:xfrm>
+                  <a:prstGeom prst="rect">
+                    <a:avLst/>
+                  </a:prstGeom>
+                  <a:blipFill rotWithShape="0">
+                    <a:blip r:embed="rId2"/>
+                    <a:stretch>
+                      <a:fillRect l="-1351" b="-13725"/>
+                    </a:stretch>
+                  </a:blipFill>
+                </p:spPr>
+                <p:txBody>
+                  <a:bodyPr/>
+                  <a:lstStyle/>
+                  <a:p>
+                    <a:r>
+                      <a:rPr lang="en-US">
+                        <a:noFill/>
+                      </a:rPr>
+                      <a:t> </a:t>
+                    </a:r>
+                  </a:p>
+                </p:txBody>
+              </p:sp>
+            </mc:Fallback>
+          </mc:AlternateContent>
+          <mc:AlternateContent xmlns:mc="http://schemas.openxmlformats.org/markup-compatibility/2006">
+            <mc:Choice xmlns:a14="http://schemas.microsoft.com/office/drawing/2010/main" Requires="a14">
+              <p:sp>
+                <p:nvSpPr>
+                  <p:cNvPr id="32" name="TextBox 31"/>
+                  <p:cNvSpPr txBox="1"/>
+                  <p:nvPr/>
+                </p:nvSpPr>
+                <p:spPr>
+                  <a:xfrm>
+                    <a:off x="6354159" y="1556010"/>
+                    <a:ext cx="311053" cy="208275"/>
+                  </a:xfrm>
+                  <a:prstGeom prst="rect">
+                    <a:avLst/>
+                  </a:prstGeom>
+                  <a:noFill/>
+                </p:spPr>
+                <p:txBody>
+                  <a:bodyPr wrap="square" lIns="0" tIns="0" rIns="0" bIns="0" rtlCol="0">
+                    <a:spAutoFit/>
+                  </a:bodyPr>
+                  <a:lstStyle/>
+                  <a:p>
+                    <a:pPr/>
+                    <a14:m>
+                      <m:oMathPara xmlns:m="http://schemas.openxmlformats.org/officeDocument/2006/math">
+                        <m:oMathParaPr>
+                          <m:jc m:val="centerGroup"/>
+                        </m:oMathParaPr>
+                        <m:oMath xmlns:m="http://schemas.openxmlformats.org/officeDocument/2006/math">
+                          <m:sSub>
+                            <m:sSubPr>
+                              <m:ctrlPr>
+                                <a:rPr lang="en-US" sz="2000" b="1" i="1" smtClean="0">
+                                  <a:solidFill>
+                                    <a:schemeClr val="bg1">
+                                      <a:lumMod val="65000"/>
+                                    </a:schemeClr>
+                                  </a:solidFill>
+                                  <a:latin typeface="Cambria Math" charset="0"/>
+                                </a:rPr>
+                              </m:ctrlPr>
+                            </m:sSubPr>
+                            <m:e>
+                              <m:r>
+                                <a:rPr lang="en-US" sz="2000" b="1" i="1" smtClean="0">
+                                  <a:solidFill>
+                                    <a:schemeClr val="bg1">
+                                      <a:lumMod val="65000"/>
+                                    </a:schemeClr>
+                                  </a:solidFill>
+                                  <a:latin typeface="Cambria Math" charset="0"/>
+                                </a:rPr>
+                                <m:t>𝝀</m:t>
+                              </m:r>
+                            </m:e>
+                            <m:sub>
+                              <m:r>
+                                <a:rPr lang="en-US" sz="2000" b="1" i="1" smtClean="0">
+                                  <a:solidFill>
+                                    <a:schemeClr val="bg1">
+                                      <a:lumMod val="65000"/>
+                                    </a:schemeClr>
+                                  </a:solidFill>
+                                  <a:latin typeface="Cambria Math" charset="0"/>
+                                </a:rPr>
+                                <m:t>𝒃</m:t>
+                              </m:r>
+                            </m:sub>
+                          </m:sSub>
+                        </m:oMath>
+                      </m:oMathPara>
+                    </a14:m>
+                    <a:endParaRPr lang="en-US" sz="2000" b="1" dirty="0">
+                      <a:solidFill>
+                        <a:schemeClr val="bg1">
+                          <a:lumMod val="65000"/>
+                        </a:schemeClr>
+                      </a:solidFill>
+                    </a:endParaRPr>
+                  </a:p>
+                </p:txBody>
+              </p:sp>
+            </mc:Choice>
+            <mc:Fallback>
+              <p:sp>
+                <p:nvSpPr>
+                  <p:cNvPr id="32" name="TextBox 31"/>
+                  <p:cNvSpPr txBox="1">
+                    <a:spLocks noRot="1" noChangeAspect="1" noMove="1" noResize="1" noEditPoints="1" noAdjustHandles="1" noChangeArrowheads="1" noChangeShapeType="1" noTextEdit="1"/>
+                  </p:cNvSpPr>
+                  <p:nvPr/>
+                </p:nvSpPr>
+                <p:spPr>
+                  <a:xfrm>
+                    <a:off x="6354159" y="1556010"/>
+                    <a:ext cx="311053" cy="208275"/>
+                  </a:xfrm>
+                  <a:prstGeom prst="rect">
+                    <a:avLst/>
+                  </a:prstGeom>
+                  <a:blipFill rotWithShape="0">
+                    <a:blip r:embed="rId3"/>
+                    <a:stretch>
+                      <a:fillRect l="-2857" b="-18000"/>
+                    </a:stretch>
+                  </a:blipFill>
+                </p:spPr>
+                <p:txBody>
+                  <a:bodyPr/>
+                  <a:lstStyle/>
+                  <a:p>
+                    <a:r>
+                      <a:rPr lang="en-US">
+                        <a:noFill/>
+                      </a:rPr>
+                      <a:t> </a:t>
+                    </a:r>
+                  </a:p>
+                </p:txBody>
+              </p:sp>
+            </mc:Fallback>
+          </mc:AlternateContent>
+          <p:cxnSp>
+            <p:nvCxnSpPr>
+              <p:cNvPr id="34" name="Straight Arrow Connector 33"/>
+              <p:cNvCxnSpPr/>
+              <p:nvPr/>
+            </p:nvCxnSpPr>
+            <p:spPr>
+              <a:xfrm>
+                <a:off x="2269010" y="1408387"/>
+                <a:ext cx="0" cy="2948149"/>
+              </a:xfrm>
+              <a:prstGeom prst="straightConnector1">
+                <a:avLst/>
+              </a:prstGeom>
+              <a:ln w="25400">
+                <a:solidFill>
+                  <a:schemeClr val="tx1"/>
+                </a:solidFill>
+                <a:headEnd type="triangle"/>
+                <a:tailEnd type="triangle"/>
+              </a:ln>
+            </p:spPr>
+            <p:style>
+              <a:lnRef idx="1">
+                <a:schemeClr val="accent1"/>
+              </a:lnRef>
+              <a:fillRef idx="0">
+                <a:schemeClr val="accent1"/>
+              </a:fillRef>
+              <a:effectRef idx="0">
+                <a:schemeClr val="accent1"/>
+              </a:effectRef>
+              <a:fontRef idx="minor">
+                <a:schemeClr val="tx1"/>
+              </a:fontRef>
+            </p:style>
+          </p:cxnSp>
+          <mc:AlternateContent xmlns:mc="http://schemas.openxmlformats.org/markup-compatibility/2006" xmlns:a14="http://schemas.microsoft.com/office/drawing/2010/main">
+            <mc:Choice Requires="a14">
+              <p:sp>
+                <p:nvSpPr>
+                  <p:cNvPr id="37" name="TextBox 36"/>
+                  <p:cNvSpPr txBox="1"/>
+                  <p:nvPr/>
+                </p:nvSpPr>
+                <p:spPr>
+                  <a:xfrm>
+                    <a:off x="2011948" y="2499972"/>
+                    <a:ext cx="180241" cy="307777"/>
+                  </a:xfrm>
+                  <a:prstGeom prst="rect">
+                    <a:avLst/>
+                  </a:prstGeom>
+                  <a:noFill/>
+                </p:spPr>
+                <p:txBody>
+                  <a:bodyPr wrap="none" lIns="0" tIns="0" rIns="0" bIns="0" rtlCol="0">
+                    <a:spAutoFit/>
+                  </a:bodyPr>
+                  <a:lstStyle/>
+                  <a:p>
+                    <a:pPr/>
+                    <a14:m>
+                      <m:oMathPara xmlns:m="http://schemas.openxmlformats.org/officeDocument/2006/math">
+                        <m:oMathParaPr>
+                          <m:jc m:val="centerGroup"/>
+                        </m:oMathParaPr>
+                        <m:oMath xmlns:m="http://schemas.openxmlformats.org/officeDocument/2006/math">
+                          <m:r>
+                            <a:rPr lang="en-US" sz="2000" b="0" i="1" smtClean="0">
+                              <a:latin typeface="Cambria Math" charset="0"/>
+                            </a:rPr>
+                            <m:t>𝜏</m:t>
+                          </m:r>
+                        </m:oMath>
+                      </m:oMathPara>
+                    </a14:m>
+                    <a:endParaRPr lang="en-US" sz="2000" b="0" i="1" dirty="0" smtClean="0"/>
+                  </a:p>
+                </p:txBody>
+              </p:sp>
+            </mc:Choice>
+            <mc:Fallback xmlns="">
+              <p:sp>
+                <p:nvSpPr>
+                  <p:cNvPr id="37" name="TextBox 36"/>
+                  <p:cNvSpPr txBox="1">
+                    <a:spLocks noRot="1" noChangeAspect="1" noMove="1" noResize="1" noEditPoints="1" noAdjustHandles="1" noChangeArrowheads="1" noChangeShapeType="1" noTextEdit="1"/>
+                  </p:cNvSpPr>
+                  <p:nvPr/>
+                </p:nvSpPr>
+                <p:spPr>
+                  <a:xfrm>
+                    <a:off x="2011948" y="2499972"/>
+                    <a:ext cx="180241" cy="307777"/>
+                  </a:xfrm>
+                  <a:prstGeom prst="rect">
+                    <a:avLst/>
+                  </a:prstGeom>
+                  <a:blipFill rotWithShape="0">
+                    <a:blip r:embed="rId4"/>
+                    <a:stretch>
+                      <a:fillRect l="-16667" r="-16667"/>
+                    </a:stretch>
+                  </a:blipFill>
+                </p:spPr>
+                <p:txBody>
+                  <a:bodyPr/>
+                  <a:lstStyle/>
+                  <a:p>
+                    <a:r>
+                      <a:rPr lang="en-US">
+                        <a:noFill/>
+                      </a:rPr>
+                      <a:t> </a:t>
+                    </a:r>
+                  </a:p>
+                </p:txBody>
+              </p:sp>
+            </mc:Fallback>
+          </mc:AlternateContent>
+          <p:sp>
+            <p:nvSpPr>
+              <p:cNvPr id="38" name="TextBox 37"/>
+              <p:cNvSpPr txBox="1"/>
+              <p:nvPr/>
+            </p:nvSpPr>
+            <p:spPr>
+              <a:xfrm>
+                <a:off x="5805680" y="1434665"/>
+                <a:ext cx="223284" cy="270757"/>
+              </a:xfrm>
+              <a:prstGeom prst="rect">
+                <a:avLst/>
+              </a:prstGeom>
+              <a:noFill/>
+            </p:spPr>
+            <p:txBody>
+              <a:bodyPr wrap="square" rtlCol="0">
+                <a:spAutoFit/>
+              </a:bodyPr>
+              <a:lstStyle/>
+              <a:p>
+                <a:pPr algn="ctr"/>
+                <a:r>
+                  <a:rPr lang="en-US" sz="2000" dirty="0" smtClean="0">
+                    <a:latin typeface="Cambria Math" charset="0"/>
+                    <a:ea typeface="Cambria Math" charset="0"/>
+                    <a:cs typeface="Cambria Math" charset="0"/>
+                  </a:rPr>
+                  <a:t>0</a:t>
+                </a:r>
+                <a:endParaRPr lang="en-US" sz="2000" dirty="0">
+                  <a:latin typeface="Cambria Math" charset="0"/>
+                  <a:ea typeface="Cambria Math" charset="0"/>
+                  <a:cs typeface="Cambria Math" charset="0"/>
+                </a:endParaRPr>
+              </a:p>
+            </p:txBody>
+          </p:sp>
+          <p:sp>
+            <p:nvSpPr>
+              <p:cNvPr id="39" name="TextBox 38"/>
+              <p:cNvSpPr txBox="1"/>
+              <p:nvPr/>
+            </p:nvSpPr>
+            <p:spPr>
+              <a:xfrm>
+                <a:off x="6421236" y="2040168"/>
+                <a:ext cx="223284" cy="270757"/>
+              </a:xfrm>
+              <a:prstGeom prst="rect">
+                <a:avLst/>
+              </a:prstGeom>
+              <a:noFill/>
+            </p:spPr>
+            <p:txBody>
+              <a:bodyPr wrap="square" rtlCol="0">
+                <a:spAutoFit/>
+              </a:bodyPr>
+              <a:lstStyle/>
+              <a:p>
+                <a:pPr algn="ctr"/>
+                <a:r>
+                  <a:rPr lang="en-US" sz="2000" dirty="0" smtClean="0">
+                    <a:latin typeface="Cambria Math" charset="0"/>
+                    <a:ea typeface="Cambria Math" charset="0"/>
+                    <a:cs typeface="Cambria Math" charset="0"/>
+                  </a:rPr>
+                  <a:t>1</a:t>
+                </a:r>
+                <a:endParaRPr lang="en-US" sz="2000" dirty="0">
+                  <a:latin typeface="Cambria Math" charset="0"/>
+                  <a:ea typeface="Cambria Math" charset="0"/>
+                  <a:cs typeface="Cambria Math" charset="0"/>
+                </a:endParaRPr>
+              </a:p>
+            </p:txBody>
+          </p:sp>
+          <p:sp>
+            <p:nvSpPr>
+              <p:cNvPr id="40" name="TextBox 39"/>
+              <p:cNvSpPr txBox="1"/>
+              <p:nvPr/>
+            </p:nvSpPr>
+            <p:spPr>
+              <a:xfrm>
+                <a:off x="7046769" y="2689915"/>
+                <a:ext cx="223284" cy="270757"/>
+              </a:xfrm>
+              <a:prstGeom prst="rect">
+                <a:avLst/>
+              </a:prstGeom>
+              <a:noFill/>
+            </p:spPr>
+            <p:txBody>
+              <a:bodyPr wrap="square" rtlCol="0">
+                <a:spAutoFit/>
+              </a:bodyPr>
+              <a:lstStyle/>
+              <a:p>
+                <a:pPr algn="ctr"/>
+                <a:r>
+                  <a:rPr lang="en-US" sz="2000" dirty="0" smtClean="0">
+                    <a:latin typeface="Cambria Math" charset="0"/>
+                    <a:ea typeface="Cambria Math" charset="0"/>
+                    <a:cs typeface="Cambria Math" charset="0"/>
+                  </a:rPr>
+                  <a:t>2</a:t>
+                </a:r>
+                <a:endParaRPr lang="en-US" sz="2000" dirty="0">
+                  <a:latin typeface="Cambria Math" charset="0"/>
+                  <a:ea typeface="Cambria Math" charset="0"/>
+                  <a:cs typeface="Cambria Math" charset="0"/>
+                </a:endParaRPr>
+              </a:p>
+            </p:txBody>
+          </p:sp>
+          <p:sp>
+            <p:nvSpPr>
+              <p:cNvPr id="41" name="TextBox 40"/>
+              <p:cNvSpPr txBox="1"/>
+              <p:nvPr/>
+            </p:nvSpPr>
+            <p:spPr>
+              <a:xfrm>
+                <a:off x="6295696" y="3431632"/>
+                <a:ext cx="223284" cy="270757"/>
+              </a:xfrm>
+              <a:prstGeom prst="rect">
+                <a:avLst/>
+              </a:prstGeom>
+              <a:noFill/>
+            </p:spPr>
+            <p:txBody>
+              <a:bodyPr wrap="square" rtlCol="0">
+                <a:spAutoFit/>
+              </a:bodyPr>
+              <a:lstStyle/>
+              <a:p>
+                <a:pPr algn="ctr"/>
+                <a:r>
+                  <a:rPr lang="en-US" sz="2000" dirty="0" smtClean="0">
+                    <a:latin typeface="Cambria Math" charset="0"/>
+                    <a:ea typeface="Cambria Math" charset="0"/>
+                    <a:cs typeface="Cambria Math" charset="0"/>
+                  </a:rPr>
+                  <a:t>3</a:t>
+                </a:r>
+                <a:endParaRPr lang="en-US" sz="2000" dirty="0">
+                  <a:latin typeface="Cambria Math" charset="0"/>
+                  <a:ea typeface="Cambria Math" charset="0"/>
+                  <a:cs typeface="Cambria Math" charset="0"/>
+                </a:endParaRPr>
+              </a:p>
+            </p:txBody>
+          </p:sp>
+          <p:cxnSp>
+            <p:nvCxnSpPr>
+              <p:cNvPr id="42" name="Straight Arrow Connector 41"/>
+              <p:cNvCxnSpPr/>
+              <p:nvPr/>
+            </p:nvCxnSpPr>
+            <p:spPr>
+              <a:xfrm>
+                <a:off x="9566489" y="1400505"/>
+                <a:ext cx="0" cy="633248"/>
+              </a:xfrm>
+              <a:prstGeom prst="straightConnector1">
+                <a:avLst/>
+              </a:prstGeom>
+              <a:ln w="25400">
+                <a:solidFill>
+                  <a:schemeClr val="tx1"/>
+                </a:solidFill>
+                <a:headEnd type="triangle"/>
+                <a:tailEnd type="triangle"/>
+              </a:ln>
+            </p:spPr>
+            <p:style>
+              <a:lnRef idx="1">
+                <a:schemeClr val="accent1"/>
+              </a:lnRef>
+              <a:fillRef idx="0">
+                <a:schemeClr val="accent1"/>
+              </a:fillRef>
+              <a:effectRef idx="0">
+                <a:schemeClr val="accent1"/>
+              </a:effectRef>
+              <a:fontRef idx="minor">
+                <a:schemeClr val="tx1"/>
+              </a:fontRef>
+            </p:style>
+          </p:cxnSp>
+          <mc:AlternateContent xmlns:mc="http://schemas.openxmlformats.org/markup-compatibility/2006" xmlns:a14="http://schemas.microsoft.com/office/drawing/2010/main">
+            <mc:Choice Requires="a14">
+              <p:sp>
+                <p:nvSpPr>
+                  <p:cNvPr id="44" name="TextBox 43"/>
+                  <p:cNvSpPr txBox="1"/>
+                  <p:nvPr/>
+                </p:nvSpPr>
+                <p:spPr>
+                  <a:xfrm>
+                    <a:off x="9641606" y="1563240"/>
+                    <a:ext cx="301749" cy="307777"/>
+                  </a:xfrm>
+                  <a:prstGeom prst="rect">
+                    <a:avLst/>
+                  </a:prstGeom>
+                  <a:noFill/>
+                </p:spPr>
+                <p:txBody>
+                  <a:bodyPr wrap="none" lIns="0" tIns="0" rIns="0" bIns="0" rtlCol="0">
+                    <a:spAutoFit/>
+                  </a:bodyPr>
+                  <a:lstStyle/>
+                  <a:p>
+                    <a:pPr/>
+                    <a14:m>
+                      <m:oMathPara xmlns:m="http://schemas.openxmlformats.org/officeDocument/2006/math">
+                        <m:oMathParaPr>
+                          <m:jc m:val="centerGroup"/>
+                        </m:oMathParaPr>
+                        <m:oMath xmlns:m="http://schemas.openxmlformats.org/officeDocument/2006/math">
+                          <m:sSub>
+                            <m:sSubPr>
+                              <m:ctrlPr>
+                                <a:rPr lang="en-US" sz="2000" b="0" i="1" smtClean="0">
+                                  <a:latin typeface="Cambria Math" charset="0"/>
+                                </a:rPr>
+                              </m:ctrlPr>
+                            </m:sSubPr>
+                            <m:e>
+                              <m:r>
+                                <a:rPr lang="en-US" sz="2000" b="0" i="1" smtClean="0">
+                                  <a:latin typeface="Cambria Math" charset="0"/>
+                                </a:rPr>
+                                <m:t>𝛿</m:t>
+                              </m:r>
+                            </m:e>
+                            <m:sub>
+                              <m:r>
+                                <a:rPr lang="en-US" sz="2000" b="0" i="1" smtClean="0">
+                                  <a:latin typeface="Cambria Math" charset="0"/>
+                                </a:rPr>
+                                <m:t>1</m:t>
+                              </m:r>
+                            </m:sub>
+                          </m:sSub>
+                        </m:oMath>
+                      </m:oMathPara>
+                    </a14:m>
+                    <a:endParaRPr lang="en-US" sz="2000" b="0" i="1" dirty="0" smtClean="0"/>
+                  </a:p>
+                </p:txBody>
+              </p:sp>
+            </mc:Choice>
+            <mc:Fallback xmlns="">
+              <p:sp>
+                <p:nvSpPr>
+                  <p:cNvPr id="44" name="TextBox 43"/>
+                  <p:cNvSpPr txBox="1">
+                    <a:spLocks noRot="1" noChangeAspect="1" noMove="1" noResize="1" noEditPoints="1" noAdjustHandles="1" noChangeArrowheads="1" noChangeShapeType="1" noTextEdit="1"/>
+                  </p:cNvSpPr>
+                  <p:nvPr/>
+                </p:nvSpPr>
+                <p:spPr>
+                  <a:xfrm>
+                    <a:off x="9641606" y="1563240"/>
+                    <a:ext cx="301749" cy="307777"/>
+                  </a:xfrm>
+                  <a:prstGeom prst="rect">
+                    <a:avLst/>
+                  </a:prstGeom>
+                  <a:blipFill rotWithShape="0">
+                    <a:blip r:embed="rId5"/>
+                    <a:stretch>
+                      <a:fillRect l="-22449" r="-10204" b="-13725"/>
+                    </a:stretch>
+                  </a:blipFill>
+                </p:spPr>
+                <p:txBody>
+                  <a:bodyPr/>
+                  <a:lstStyle/>
+                  <a:p>
+                    <a:r>
+                      <a:rPr lang="en-US">
+                        <a:noFill/>
+                      </a:rPr>
+                      <a:t> </a:t>
+                    </a:r>
+                  </a:p>
+                </p:txBody>
+              </p:sp>
+            </mc:Fallback>
+          </mc:AlternateContent>
+          <p:cxnSp>
+            <p:nvCxnSpPr>
+              <p:cNvPr id="45" name="Straight Arrow Connector 44"/>
+              <p:cNvCxnSpPr/>
+              <p:nvPr/>
+            </p:nvCxnSpPr>
+            <p:spPr>
+              <a:xfrm>
+                <a:off x="9566489" y="2033753"/>
+                <a:ext cx="0" cy="656162"/>
+              </a:xfrm>
+              <a:prstGeom prst="straightConnector1">
+                <a:avLst/>
+              </a:prstGeom>
+              <a:ln w="25400">
+                <a:solidFill>
+                  <a:schemeClr val="tx1"/>
+                </a:solidFill>
+                <a:headEnd type="triangle"/>
+                <a:tailEnd type="triangle"/>
+              </a:ln>
+            </p:spPr>
+            <p:style>
+              <a:lnRef idx="1">
+                <a:schemeClr val="accent1"/>
+              </a:lnRef>
+              <a:fillRef idx="0">
+                <a:schemeClr val="accent1"/>
+              </a:fillRef>
+              <a:effectRef idx="0">
+                <a:schemeClr val="accent1"/>
+              </a:effectRef>
+              <a:fontRef idx="minor">
+                <a:schemeClr val="tx1"/>
+              </a:fontRef>
+            </p:style>
+          </p:cxnSp>
+          <mc:AlternateContent xmlns:mc="http://schemas.openxmlformats.org/markup-compatibility/2006" xmlns:a14="http://schemas.microsoft.com/office/drawing/2010/main">
+            <mc:Choice Requires="a14">
+              <p:sp>
+                <p:nvSpPr>
+                  <p:cNvPr id="46" name="TextBox 45"/>
+                  <p:cNvSpPr txBox="1"/>
+                  <p:nvPr/>
+                </p:nvSpPr>
+                <p:spPr>
+                  <a:xfrm>
+                    <a:off x="9641606" y="2207945"/>
+                    <a:ext cx="307712" cy="307777"/>
+                  </a:xfrm>
+                  <a:prstGeom prst="rect">
+                    <a:avLst/>
+                  </a:prstGeom>
+                  <a:noFill/>
+                </p:spPr>
+                <p:txBody>
+                  <a:bodyPr wrap="none" lIns="0" tIns="0" rIns="0" bIns="0" rtlCol="0">
+                    <a:spAutoFit/>
+                  </a:bodyPr>
+                  <a:lstStyle/>
+                  <a:p>
+                    <a:pPr/>
+                    <a14:m>
+                      <m:oMathPara xmlns:m="http://schemas.openxmlformats.org/officeDocument/2006/math">
+                        <m:oMathParaPr>
+                          <m:jc m:val="centerGroup"/>
+                        </m:oMathParaPr>
+                        <m:oMath xmlns:m="http://schemas.openxmlformats.org/officeDocument/2006/math">
+                          <m:sSub>
+                            <m:sSubPr>
+                              <m:ctrlPr>
+                                <a:rPr lang="en-US" sz="2000" b="0" i="1" smtClean="0">
+                                  <a:latin typeface="Cambria Math" charset="0"/>
+                                </a:rPr>
+                              </m:ctrlPr>
+                            </m:sSubPr>
+                            <m:e>
+                              <m:r>
+                                <a:rPr lang="en-US" sz="2000" b="0" i="1" smtClean="0">
+                                  <a:latin typeface="Cambria Math" charset="0"/>
+                                </a:rPr>
+                                <m:t>𝛿</m:t>
+                              </m:r>
+                            </m:e>
+                            <m:sub>
+                              <m:r>
+                                <a:rPr lang="en-US" sz="2000" b="0" i="1" smtClean="0">
+                                  <a:latin typeface="Cambria Math" charset="0"/>
+                                </a:rPr>
+                                <m:t>2</m:t>
+                              </m:r>
+                            </m:sub>
+                          </m:sSub>
+                        </m:oMath>
+                      </m:oMathPara>
+                    </a14:m>
+                    <a:endParaRPr lang="en-US" sz="2000" b="0" i="1" dirty="0" smtClean="0"/>
+                  </a:p>
+                </p:txBody>
+              </p:sp>
+            </mc:Choice>
+            <mc:Fallback xmlns="">
+              <p:sp>
+                <p:nvSpPr>
+                  <p:cNvPr id="46" name="TextBox 45"/>
+                  <p:cNvSpPr txBox="1">
+                    <a:spLocks noRot="1" noChangeAspect="1" noMove="1" noResize="1" noEditPoints="1" noAdjustHandles="1" noChangeArrowheads="1" noChangeShapeType="1" noTextEdit="1"/>
+                  </p:cNvSpPr>
+                  <p:nvPr/>
+                </p:nvSpPr>
+                <p:spPr>
+                  <a:xfrm>
+                    <a:off x="9641606" y="2207945"/>
+                    <a:ext cx="307712" cy="307777"/>
+                  </a:xfrm>
+                  <a:prstGeom prst="rect">
+                    <a:avLst/>
+                  </a:prstGeom>
+                  <a:blipFill rotWithShape="0">
+                    <a:blip r:embed="rId6"/>
+                    <a:stretch>
+                      <a:fillRect l="-22000" r="-10000" b="-15686"/>
+                    </a:stretch>
+                  </a:blipFill>
+                </p:spPr>
+                <p:txBody>
+                  <a:bodyPr/>
+                  <a:lstStyle/>
+                  <a:p>
+                    <a:r>
+                      <a:rPr lang="en-US">
+                        <a:noFill/>
+                      </a:rPr>
+                      <a:t> </a:t>
+                    </a:r>
+                  </a:p>
+                </p:txBody>
+              </p:sp>
+            </mc:Fallback>
+          </mc:AlternateContent>
+          <p:cxnSp>
+            <p:nvCxnSpPr>
+              <p:cNvPr id="47" name="Straight Arrow Connector 46"/>
+              <p:cNvCxnSpPr/>
+              <p:nvPr/>
+            </p:nvCxnSpPr>
+            <p:spPr>
+              <a:xfrm>
+                <a:off x="9566489" y="2689915"/>
+                <a:ext cx="0" cy="741717"/>
+              </a:xfrm>
+              <a:prstGeom prst="straightConnector1">
+                <a:avLst/>
+              </a:prstGeom>
+              <a:ln w="25400">
+                <a:solidFill>
+                  <a:schemeClr val="tx1"/>
+                </a:solidFill>
+                <a:headEnd type="triangle"/>
+                <a:tailEnd type="triangle"/>
+              </a:ln>
+            </p:spPr>
+            <p:style>
+              <a:lnRef idx="1">
+                <a:schemeClr val="accent1"/>
+              </a:lnRef>
+              <a:fillRef idx="0">
+                <a:schemeClr val="accent1"/>
+              </a:fillRef>
+              <a:effectRef idx="0">
+                <a:schemeClr val="accent1"/>
+              </a:effectRef>
+              <a:fontRef idx="minor">
+                <a:schemeClr val="tx1"/>
+              </a:fontRef>
+            </p:style>
+          </p:cxnSp>
+          <mc:AlternateContent xmlns:mc="http://schemas.openxmlformats.org/markup-compatibility/2006" xmlns:a14="http://schemas.microsoft.com/office/drawing/2010/main">
+            <mc:Choice Requires="a14">
+              <p:sp>
+                <p:nvSpPr>
+                  <p:cNvPr id="48" name="TextBox 47"/>
+                  <p:cNvSpPr txBox="1"/>
+                  <p:nvPr/>
+                </p:nvSpPr>
+                <p:spPr>
+                  <a:xfrm>
+                    <a:off x="9641606" y="2905358"/>
+                    <a:ext cx="307712" cy="307777"/>
+                  </a:xfrm>
+                  <a:prstGeom prst="rect">
+                    <a:avLst/>
+                  </a:prstGeom>
+                  <a:noFill/>
+                </p:spPr>
+                <p:txBody>
+                  <a:bodyPr wrap="none" lIns="0" tIns="0" rIns="0" bIns="0" rtlCol="0">
+                    <a:spAutoFit/>
+                  </a:bodyPr>
+                  <a:lstStyle/>
+                  <a:p>
+                    <a:pPr/>
+                    <a14:m>
+                      <m:oMathPara xmlns:m="http://schemas.openxmlformats.org/officeDocument/2006/math">
+                        <m:oMathParaPr>
+                          <m:jc m:val="centerGroup"/>
+                        </m:oMathParaPr>
+                        <m:oMath xmlns:m="http://schemas.openxmlformats.org/officeDocument/2006/math">
+                          <m:sSub>
+                            <m:sSubPr>
+                              <m:ctrlPr>
+                                <a:rPr lang="en-US" sz="2000" b="0" i="1" smtClean="0">
+                                  <a:latin typeface="Cambria Math" charset="0"/>
+                                </a:rPr>
+                              </m:ctrlPr>
+                            </m:sSubPr>
+                            <m:e>
+                              <m:r>
+                                <a:rPr lang="en-US" sz="2000" b="0" i="1" smtClean="0">
+                                  <a:latin typeface="Cambria Math" charset="0"/>
+                                </a:rPr>
+                                <m:t>𝛿</m:t>
+                              </m:r>
+                            </m:e>
+                            <m:sub>
+                              <m:r>
+                                <a:rPr lang="en-US" sz="2000" b="0" i="1" smtClean="0">
+                                  <a:latin typeface="Cambria Math" charset="0"/>
+                                </a:rPr>
+                                <m:t>3</m:t>
+                              </m:r>
+                            </m:sub>
+                          </m:sSub>
+                        </m:oMath>
+                      </m:oMathPara>
+                    </a14:m>
+                    <a:endParaRPr lang="en-US" sz="2000" b="0" i="1" dirty="0" smtClean="0"/>
+                  </a:p>
+                </p:txBody>
+              </p:sp>
+            </mc:Choice>
+            <mc:Fallback xmlns="">
+              <p:sp>
+                <p:nvSpPr>
+                  <p:cNvPr id="48" name="TextBox 47"/>
+                  <p:cNvSpPr txBox="1">
+                    <a:spLocks noRot="1" noChangeAspect="1" noMove="1" noResize="1" noEditPoints="1" noAdjustHandles="1" noChangeArrowheads="1" noChangeShapeType="1" noTextEdit="1"/>
+                  </p:cNvSpPr>
+                  <p:nvPr/>
+                </p:nvSpPr>
+                <p:spPr>
+                  <a:xfrm>
+                    <a:off x="9641606" y="2905358"/>
+                    <a:ext cx="307712" cy="307777"/>
+                  </a:xfrm>
+                  <a:prstGeom prst="rect">
+                    <a:avLst/>
+                  </a:prstGeom>
+                  <a:blipFill rotWithShape="0">
+                    <a:blip r:embed="rId7"/>
+                    <a:stretch>
+                      <a:fillRect l="-22000" r="-10000" b="-16000"/>
+                    </a:stretch>
+                  </a:blipFill>
+                </p:spPr>
+                <p:txBody>
+                  <a:bodyPr/>
+                  <a:lstStyle/>
+                  <a:p>
+                    <a:r>
+                      <a:rPr lang="en-US">
+                        <a:noFill/>
+                      </a:rPr>
+                      <a:t> </a:t>
+                    </a:r>
+                  </a:p>
+                </p:txBody>
+              </p:sp>
+            </mc:Fallback>
+          </mc:AlternateContent>
+          <p:cxnSp>
+            <p:nvCxnSpPr>
+              <p:cNvPr id="52" name="Straight Arrow Connector 51"/>
+              <p:cNvCxnSpPr/>
+              <p:nvPr/>
+            </p:nvCxnSpPr>
+            <p:spPr>
+              <a:xfrm>
+                <a:off x="9566489" y="3921579"/>
+                <a:ext cx="0" cy="434957"/>
+              </a:xfrm>
+              <a:prstGeom prst="straightConnector1">
+                <a:avLst/>
+              </a:prstGeom>
+              <a:ln w="25400">
+                <a:solidFill>
+                  <a:schemeClr val="tx1"/>
+                </a:solidFill>
+                <a:headEnd type="triangle"/>
+                <a:tailEnd type="triangle"/>
+              </a:ln>
+            </p:spPr>
+            <p:style>
+              <a:lnRef idx="1">
+                <a:schemeClr val="accent1"/>
+              </a:lnRef>
+              <a:fillRef idx="0">
+                <a:schemeClr val="accent1"/>
+              </a:fillRef>
+              <a:effectRef idx="0">
+                <a:schemeClr val="accent1"/>
+              </a:effectRef>
+              <a:fontRef idx="minor">
+                <a:schemeClr val="tx1"/>
+              </a:fontRef>
+            </p:style>
+          </p:cxnSp>
+          <mc:AlternateContent xmlns:mc="http://schemas.openxmlformats.org/markup-compatibility/2006" xmlns:a14="http://schemas.microsoft.com/office/drawing/2010/main">
+            <mc:Choice Requires="a14">
+              <p:sp>
+                <p:nvSpPr>
+                  <p:cNvPr id="53" name="TextBox 52"/>
+                  <p:cNvSpPr txBox="1"/>
+                  <p:nvPr/>
+                </p:nvSpPr>
+                <p:spPr>
+                  <a:xfrm>
+                    <a:off x="9641606" y="3983123"/>
+                    <a:ext cx="266996" cy="307777"/>
+                  </a:xfrm>
+                  <a:prstGeom prst="rect">
+                    <a:avLst/>
+                  </a:prstGeom>
+                  <a:noFill/>
+                </p:spPr>
+                <p:txBody>
+                  <a:bodyPr wrap="none" lIns="0" tIns="0" rIns="0" bIns="0" rtlCol="0">
+                    <a:spAutoFit/>
+                  </a:bodyPr>
+                  <a:lstStyle/>
+                  <a:p>
+                    <a:pPr/>
+                    <a14:m>
+                      <m:oMathPara xmlns:m="http://schemas.openxmlformats.org/officeDocument/2006/math">
+                        <m:oMathParaPr>
+                          <m:jc m:val="centerGroup"/>
+                        </m:oMathParaPr>
+                        <m:oMath xmlns:m="http://schemas.openxmlformats.org/officeDocument/2006/math">
+                          <m:sSup>
+                            <m:sSupPr>
+                              <m:ctrlPr>
+                                <a:rPr lang="en-US" sz="2000" b="0" i="1" smtClean="0">
+                                  <a:latin typeface="Cambria Math" charset="0"/>
+                                </a:rPr>
+                              </m:ctrlPr>
+                            </m:sSupPr>
+                            <m:e>
+                              <m:r>
+                                <a:rPr lang="en-US" sz="2000" b="0" i="1" smtClean="0">
+                                  <a:latin typeface="Cambria Math" charset="0"/>
+                                </a:rPr>
+                                <m:t>𝜏</m:t>
+                              </m:r>
+                            </m:e>
+                            <m:sup>
+                              <m:r>
+                                <a:rPr lang="en-US" sz="2000" b="0" i="1" smtClean="0">
+                                  <a:latin typeface="Cambria Math" charset="0"/>
+                                </a:rPr>
+                                <m:t>′</m:t>
+                              </m:r>
+                            </m:sup>
+                          </m:sSup>
+                        </m:oMath>
+                      </m:oMathPara>
+                    </a14:m>
+                    <a:endParaRPr lang="en-US" sz="2000" b="0" i="1" dirty="0" smtClean="0"/>
+                  </a:p>
+                </p:txBody>
+              </p:sp>
+            </mc:Choice>
+            <mc:Fallback xmlns="">
+              <p:sp>
+                <p:nvSpPr>
+                  <p:cNvPr id="53" name="TextBox 52"/>
+                  <p:cNvSpPr txBox="1">
+                    <a:spLocks noRot="1" noChangeAspect="1" noMove="1" noResize="1" noEditPoints="1" noAdjustHandles="1" noChangeArrowheads="1" noChangeShapeType="1" noTextEdit="1"/>
+                  </p:cNvSpPr>
+                  <p:nvPr/>
+                </p:nvSpPr>
+                <p:spPr>
+                  <a:xfrm>
+                    <a:off x="9641606" y="3983123"/>
+                    <a:ext cx="266996" cy="307777"/>
+                  </a:xfrm>
+                  <a:prstGeom prst="rect">
+                    <a:avLst/>
+                  </a:prstGeom>
+                  <a:blipFill rotWithShape="0">
+                    <a:blip r:embed="rId8"/>
+                    <a:stretch>
+                      <a:fillRect l="-13953" r="-4651"/>
+                    </a:stretch>
+                  </a:blipFill>
+                </p:spPr>
+                <p:txBody>
+                  <a:bodyPr/>
+                  <a:lstStyle/>
+                  <a:p>
+                    <a:r>
+                      <a:rPr lang="en-US">
+                        <a:noFill/>
+                      </a:rPr>
+                      <a:t> </a:t>
+                    </a:r>
+                  </a:p>
+                </p:txBody>
+              </p:sp>
+            </mc:Fallback>
+          </mc:AlternateContent>
+          <p:cxnSp>
+            <p:nvCxnSpPr>
+              <p:cNvPr id="33" name="Straight Connector 32"/>
+              <p:cNvCxnSpPr/>
+              <p:nvPr/>
+            </p:nvCxnSpPr>
+            <p:spPr>
+              <a:xfrm>
+                <a:off x="5842209" y="3921579"/>
+                <a:ext cx="430866" cy="430866"/>
+              </a:xfrm>
+              <a:prstGeom prst="line">
+                <a:avLst/>
+              </a:prstGeom>
+              <a:ln w="50800">
+                <a:solidFill>
+                  <a:schemeClr val="bg1">
+                    <a:lumMod val="65000"/>
+                  </a:schemeClr>
+                </a:solidFill>
+                <a:prstDash val="sysDash"/>
+              </a:ln>
+            </p:spPr>
+            <p:style>
+              <a:lnRef idx="1">
+                <a:schemeClr val="accent1"/>
+              </a:lnRef>
+              <a:fillRef idx="0">
+                <a:schemeClr val="accent1"/>
+              </a:fillRef>
+              <a:effectRef idx="0">
+                <a:schemeClr val="accent1"/>
+              </a:effectRef>
+              <a:fontRef idx="minor">
+                <a:schemeClr val="tx1"/>
+              </a:fontRef>
+            </p:style>
+          </p:cxnSp>
+          <p:sp>
+            <p:nvSpPr>
+              <p:cNvPr id="35" name="TextBox 34"/>
+              <p:cNvSpPr txBox="1"/>
+              <p:nvPr/>
+            </p:nvSpPr>
+            <p:spPr>
+              <a:xfrm>
+                <a:off x="5749861" y="3958472"/>
+                <a:ext cx="223284" cy="270757"/>
+              </a:xfrm>
+              <a:prstGeom prst="rect">
+                <a:avLst/>
+              </a:prstGeom>
+              <a:noFill/>
+            </p:spPr>
+            <p:txBody>
+              <a:bodyPr wrap="square" rtlCol="0">
+                <a:spAutoFit/>
+              </a:bodyPr>
+              <a:lstStyle/>
+              <a:p>
+                <a:pPr algn="ctr"/>
+                <a:r>
+                  <a:rPr lang="en-US" sz="2000" dirty="0" smtClean="0">
+                    <a:latin typeface="Cambria Math" charset="0"/>
+                    <a:ea typeface="Cambria Math" charset="0"/>
+                    <a:cs typeface="Cambria Math" charset="0"/>
+                  </a:rPr>
+                  <a:t>4</a:t>
+                </a:r>
+                <a:endParaRPr lang="en-US" sz="2000" dirty="0">
+                  <a:latin typeface="Cambria Math" charset="0"/>
+                  <a:ea typeface="Cambria Math" charset="0"/>
+                  <a:cs typeface="Cambria Math" charset="0"/>
+                </a:endParaRPr>
+              </a:p>
+            </p:txBody>
+          </p:sp>
+          <p:cxnSp>
+            <p:nvCxnSpPr>
+              <p:cNvPr id="36" name="Straight Connector 35"/>
+              <p:cNvCxnSpPr/>
+              <p:nvPr/>
+            </p:nvCxnSpPr>
+            <p:spPr>
+              <a:xfrm>
+                <a:off x="2375335" y="3923333"/>
+                <a:ext cx="7083973" cy="0"/>
+              </a:xfrm>
+              <a:prstGeom prst="line">
+                <a:avLst/>
+              </a:prstGeom>
+              <a:ln w="12700">
+                <a:solidFill>
+                  <a:schemeClr val="tx1"/>
+                </a:solidFill>
+                <a:prstDash val="sysDot"/>
+              </a:ln>
+            </p:spPr>
+            <p:style>
+              <a:lnRef idx="1">
+                <a:schemeClr val="accent1"/>
+              </a:lnRef>
+              <a:fillRef idx="0">
+                <a:schemeClr val="accent1"/>
+              </a:fillRef>
+              <a:effectRef idx="0">
+                <a:schemeClr val="accent1"/>
+              </a:effectRef>
+              <a:fontRef idx="minor">
+                <a:schemeClr val="tx1"/>
+              </a:fontRef>
+            </p:style>
+          </p:cxnSp>
+          <p:cxnSp>
+            <p:nvCxnSpPr>
+              <p:cNvPr id="43" name="Straight Arrow Connector 42"/>
+              <p:cNvCxnSpPr/>
+              <p:nvPr/>
+            </p:nvCxnSpPr>
+            <p:spPr>
+              <a:xfrm flipH="1">
+                <a:off x="9565632" y="3431632"/>
+                <a:ext cx="2" cy="489947"/>
+              </a:xfrm>
+              <a:prstGeom prst="straightConnector1">
+                <a:avLst/>
+              </a:prstGeom>
+              <a:ln w="25400">
+                <a:solidFill>
+                  <a:schemeClr val="tx1"/>
+                </a:solidFill>
+                <a:headEnd type="triangle"/>
+                <a:tailEnd type="triangle"/>
+              </a:ln>
+            </p:spPr>
+            <p:style>
+              <a:lnRef idx="1">
+                <a:schemeClr val="accent1"/>
+              </a:lnRef>
+              <a:fillRef idx="0">
+                <a:schemeClr val="accent1"/>
+              </a:fillRef>
+              <a:effectRef idx="0">
+                <a:schemeClr val="accent1"/>
+              </a:effectRef>
+              <a:fontRef idx="minor">
+                <a:schemeClr val="tx1"/>
+              </a:fontRef>
+            </p:style>
+          </p:cxnSp>
+          <mc:AlternateContent xmlns:mc="http://schemas.openxmlformats.org/markup-compatibility/2006" xmlns:a14="http://schemas.microsoft.com/office/drawing/2010/main">
+            <mc:Choice Requires="a14">
+              <p:sp>
+                <p:nvSpPr>
+                  <p:cNvPr id="49" name="TextBox 48"/>
+                  <p:cNvSpPr txBox="1"/>
+                  <p:nvPr/>
+                </p:nvSpPr>
+                <p:spPr>
+                  <a:xfrm>
+                    <a:off x="9641606" y="3522716"/>
+                    <a:ext cx="307712" cy="307777"/>
+                  </a:xfrm>
+                  <a:prstGeom prst="rect">
+                    <a:avLst/>
+                  </a:prstGeom>
+                  <a:noFill/>
+                </p:spPr>
+                <p:txBody>
+                  <a:bodyPr wrap="none" lIns="0" tIns="0" rIns="0" bIns="0" rtlCol="0">
+                    <a:spAutoFit/>
+                  </a:bodyPr>
+                  <a:lstStyle/>
+                  <a:p>
+                    <a:pPr/>
+                    <a14:m>
+                      <m:oMathPara xmlns:m="http://schemas.openxmlformats.org/officeDocument/2006/math">
+                        <m:oMathParaPr>
+                          <m:jc m:val="centerGroup"/>
+                        </m:oMathParaPr>
+                        <m:oMath xmlns:m="http://schemas.openxmlformats.org/officeDocument/2006/math">
+                          <m:sSub>
+                            <m:sSubPr>
+                              <m:ctrlPr>
+                                <a:rPr lang="en-US" sz="2000" b="0" i="1" smtClean="0">
+                                  <a:latin typeface="Cambria Math" charset="0"/>
+                                </a:rPr>
+                              </m:ctrlPr>
+                            </m:sSubPr>
+                            <m:e>
+                              <m:r>
+                                <a:rPr lang="en-US" sz="2000" b="0" i="1" smtClean="0">
+                                  <a:latin typeface="Cambria Math" charset="0"/>
+                                </a:rPr>
+                                <m:t>𝛿</m:t>
+                              </m:r>
+                            </m:e>
+                            <m:sub>
+                              <m:r>
+                                <a:rPr lang="en-US" sz="2000" b="0" i="1" smtClean="0">
+                                  <a:latin typeface="Cambria Math" charset="0"/>
+                                </a:rPr>
+                                <m:t>4</m:t>
+                              </m:r>
+                            </m:sub>
+                          </m:sSub>
+                        </m:oMath>
+                      </m:oMathPara>
+                    </a14:m>
+                    <a:endParaRPr lang="en-US" sz="2000" b="0" i="1" dirty="0" smtClean="0"/>
+                  </a:p>
+                </p:txBody>
+              </p:sp>
+            </mc:Choice>
+            <mc:Fallback xmlns="">
+              <p:sp>
+                <p:nvSpPr>
+                  <p:cNvPr id="49" name="TextBox 48"/>
+                  <p:cNvSpPr txBox="1">
+                    <a:spLocks noRot="1" noChangeAspect="1" noMove="1" noResize="1" noEditPoints="1" noAdjustHandles="1" noChangeArrowheads="1" noChangeShapeType="1" noTextEdit="1"/>
+                  </p:cNvSpPr>
+                  <p:nvPr/>
+                </p:nvSpPr>
+                <p:spPr>
+                  <a:xfrm>
+                    <a:off x="9641606" y="3522716"/>
+                    <a:ext cx="307712" cy="307777"/>
+                  </a:xfrm>
+                  <a:prstGeom prst="rect">
+                    <a:avLst/>
+                  </a:prstGeom>
+                  <a:blipFill rotWithShape="0">
+                    <a:blip r:embed="rId9"/>
+                    <a:stretch>
+                      <a:fillRect l="-22000" r="-10000" b="-16000"/>
+                    </a:stretch>
+                  </a:blipFill>
+                </p:spPr>
+                <p:txBody>
+                  <a:bodyPr/>
+                  <a:lstStyle/>
+                  <a:p>
+                    <a:r>
+                      <a:rPr lang="en-US">
+                        <a:noFill/>
+                      </a:rPr>
+                      <a:t> </a:t>
+                    </a:r>
+                  </a:p>
+                </p:txBody>
+              </p:sp>
+            </mc:Fallback>
+          </mc:AlternateContent>
+        </p:grpSp>
+        <mc:AlternateContent xmlns:mc="http://schemas.openxmlformats.org/markup-compatibility/2006" xmlns:a14="http://schemas.microsoft.com/office/drawing/2010/main">
+          <mc:Choice Requires="a14">
+            <p:sp>
+              <p:nvSpPr>
+                <p:cNvPr id="3" name="TextBox 2"/>
+                <p:cNvSpPr txBox="1"/>
+                <p:nvPr/>
+              </p:nvSpPr>
+              <p:spPr>
+                <a:xfrm>
+                  <a:off x="6108475" y="681716"/>
+                  <a:ext cx="685800" cy="369332"/>
+                </a:xfrm>
+                <a:prstGeom prst="rect">
+                  <a:avLst/>
+                </a:prstGeom>
+                <a:noFill/>
+              </p:spPr>
+              <p:txBody>
+                <a:bodyPr wrap="square" rtlCol="0">
+                  <a:spAutoFit/>
+                </a:bodyPr>
+                <a:lstStyle/>
+                <a:p>
+                  <a:pPr algn="ctr"/>
+                  <a14:m>
+                    <m:oMath xmlns:m="http://schemas.openxmlformats.org/officeDocument/2006/math">
+                      <m:sSub>
+                        <m:sSubPr>
+                          <m:ctrlPr>
+                            <a:rPr lang="en-US" b="0" i="1" smtClean="0">
+                              <a:latin typeface="Cambria Math" charset="0"/>
+                              <a:ea typeface="Cambria Math" charset="0"/>
+                              <a:cs typeface="Cambria Math" charset="0"/>
+                            </a:rPr>
+                          </m:ctrlPr>
+                        </m:sSubPr>
+                        <m:e>
+                          <m:r>
+                            <a:rPr lang="en-US" b="0" i="1" smtClean="0">
+                              <a:latin typeface="Cambria Math" charset="0"/>
+                              <a:ea typeface="Cambria Math" charset="0"/>
+                              <a:cs typeface="Cambria Math" charset="0"/>
+                            </a:rPr>
+                            <m:t>𝑙</m:t>
+                          </m:r>
+                        </m:e>
+                        <m:sub>
+                          <m:r>
+                            <a:rPr lang="en-US" b="0" i="1" smtClean="0">
+                              <a:latin typeface="Cambria Math" charset="0"/>
+                              <a:ea typeface="Cambria Math" charset="0"/>
+                              <a:cs typeface="Cambria Math" charset="0"/>
+                            </a:rPr>
+                            <m:t>0</m:t>
+                          </m:r>
+                        </m:sub>
+                      </m:sSub>
+                    </m:oMath>
+                  </a14:m>
+                  <a:r>
+                    <a:rPr lang="en-US" dirty="0" smtClean="0">
+                      <a:latin typeface="Cambria Math" charset="0"/>
+                      <a:ea typeface="Cambria Math" charset="0"/>
+                      <a:cs typeface="Cambria Math" charset="0"/>
+                    </a:rPr>
+                    <a:t>=0</a:t>
+                  </a:r>
+                  <a:endParaRPr lang="en-US" dirty="0">
+                    <a:latin typeface="Cambria Math" charset="0"/>
+                    <a:ea typeface="Cambria Math" charset="0"/>
+                    <a:cs typeface="Cambria Math" charset="0"/>
+                  </a:endParaRPr>
+                </a:p>
+              </p:txBody>
+            </p:sp>
+          </mc:Choice>
+          <mc:Fallback xmlns="">
+            <p:sp>
+              <p:nvSpPr>
+                <p:cNvPr id="3" name="TextBox 2"/>
+                <p:cNvSpPr txBox="1">
+                  <a:spLocks noRot="1" noChangeAspect="1" noMove="1" noResize="1" noEditPoints="1" noAdjustHandles="1" noChangeArrowheads="1" noChangeShapeType="1" noTextEdit="1"/>
+                </p:cNvSpPr>
+                <p:nvPr/>
+              </p:nvSpPr>
+              <p:spPr>
+                <a:xfrm>
+                  <a:off x="6108475" y="681716"/>
+                  <a:ext cx="685800" cy="369332"/>
+                </a:xfrm>
+                <a:prstGeom prst="rect">
+                  <a:avLst/>
+                </a:prstGeom>
+                <a:blipFill rotWithShape="0">
+                  <a:blip r:embed="rId10"/>
+                  <a:stretch>
+                    <a:fillRect t="-11667" r="-5310" b="-25000"/>
+                  </a:stretch>
+                </a:blipFill>
+              </p:spPr>
+              <p:txBody>
+                <a:bodyPr/>
+                <a:lstStyle/>
+                <a:p>
+                  <a:r>
+                    <a:rPr lang="en-US">
+                      <a:noFill/>
+                    </a:rPr>
+                    <a:t> </a:t>
+                  </a:r>
+                </a:p>
+              </p:txBody>
+            </p:sp>
+          </mc:Fallback>
+        </mc:AlternateContent>
+        <mc:AlternateContent xmlns:mc="http://schemas.openxmlformats.org/markup-compatibility/2006" xmlns:a14="http://schemas.microsoft.com/office/drawing/2010/main">
+          <mc:Choice Requires="a14">
+            <p:sp>
+              <p:nvSpPr>
+                <p:cNvPr id="50" name="TextBox 49"/>
+                <p:cNvSpPr txBox="1"/>
+                <p:nvPr/>
+              </p:nvSpPr>
+              <p:spPr>
+                <a:xfrm>
+                  <a:off x="6964208" y="1606932"/>
+                  <a:ext cx="685800" cy="369332"/>
+                </a:xfrm>
+                <a:prstGeom prst="rect">
+                  <a:avLst/>
+                </a:prstGeom>
+                <a:noFill/>
+              </p:spPr>
+              <p:txBody>
+                <a:bodyPr wrap="square" rtlCol="0">
+                  <a:spAutoFit/>
+                </a:bodyPr>
+                <a:lstStyle/>
+                <a:p>
+                  <a:pPr algn="ctr"/>
+                  <a14:m>
+                    <m:oMath xmlns:m="http://schemas.openxmlformats.org/officeDocument/2006/math">
+                      <m:sSub>
+                        <m:sSubPr>
+                          <m:ctrlPr>
+                            <a:rPr lang="en-US" b="0" i="1" smtClean="0">
+                              <a:latin typeface="Cambria Math" charset="0"/>
+                              <a:ea typeface="Cambria Math" charset="0"/>
+                              <a:cs typeface="Cambria Math" charset="0"/>
+                            </a:rPr>
+                          </m:ctrlPr>
+                        </m:sSubPr>
+                        <m:e>
+                          <m:r>
+                            <a:rPr lang="en-US" b="0" i="1" smtClean="0">
+                              <a:latin typeface="Cambria Math" charset="0"/>
+                              <a:ea typeface="Cambria Math" charset="0"/>
+                              <a:cs typeface="Cambria Math" charset="0"/>
+                            </a:rPr>
+                            <m:t>𝑙</m:t>
+                          </m:r>
+                        </m:e>
+                        <m:sub>
+                          <m:r>
+                            <a:rPr lang="en-US" b="0" i="1" smtClean="0">
+                              <a:latin typeface="Cambria Math" charset="0"/>
+                              <a:ea typeface="Cambria Math" charset="0"/>
+                              <a:cs typeface="Cambria Math" charset="0"/>
+                            </a:rPr>
+                            <m:t>1</m:t>
+                          </m:r>
+                        </m:sub>
+                      </m:sSub>
+                    </m:oMath>
+                  </a14:m>
+                  <a:r>
+                    <a:rPr lang="en-US" dirty="0" smtClean="0">
+                      <a:latin typeface="Cambria Math" charset="0"/>
+                      <a:ea typeface="Cambria Math" charset="0"/>
+                      <a:cs typeface="Cambria Math" charset="0"/>
+                    </a:rPr>
+                    <a:t>=1</a:t>
+                  </a:r>
+                  <a:endParaRPr lang="en-US" dirty="0">
+                    <a:latin typeface="Cambria Math" charset="0"/>
+                    <a:ea typeface="Cambria Math" charset="0"/>
+                    <a:cs typeface="Cambria Math" charset="0"/>
+                  </a:endParaRPr>
+                </a:p>
+              </p:txBody>
+            </p:sp>
+          </mc:Choice>
+          <mc:Fallback xmlns="">
+            <p:sp>
+              <p:nvSpPr>
+                <p:cNvPr id="50" name="TextBox 49"/>
+                <p:cNvSpPr txBox="1">
+                  <a:spLocks noRot="1" noChangeAspect="1" noMove="1" noResize="1" noEditPoints="1" noAdjustHandles="1" noChangeArrowheads="1" noChangeShapeType="1" noTextEdit="1"/>
+                </p:cNvSpPr>
+                <p:nvPr/>
+              </p:nvSpPr>
+              <p:spPr>
+                <a:xfrm>
+                  <a:off x="6964208" y="1606932"/>
+                  <a:ext cx="685800" cy="369332"/>
+                </a:xfrm>
+                <a:prstGeom prst="rect">
+                  <a:avLst/>
+                </a:prstGeom>
+                <a:blipFill rotWithShape="0">
+                  <a:blip r:embed="rId11"/>
+                  <a:stretch>
+                    <a:fillRect t="-11667" r="-4425" b="-25000"/>
+                  </a:stretch>
+                </a:blipFill>
+              </p:spPr>
+              <p:txBody>
+                <a:bodyPr/>
+                <a:lstStyle/>
+                <a:p>
+                  <a:r>
+                    <a:rPr lang="en-US">
+                      <a:noFill/>
+                    </a:rPr>
+                    <a:t> </a:t>
+                  </a:r>
+                </a:p>
+              </p:txBody>
+            </p:sp>
+          </mc:Fallback>
+        </mc:AlternateContent>
+        <mc:AlternateContent xmlns:mc="http://schemas.openxmlformats.org/markup-compatibility/2006" xmlns:a14="http://schemas.microsoft.com/office/drawing/2010/main">
+          <mc:Choice Requires="a14">
+            <p:sp>
+              <p:nvSpPr>
+                <p:cNvPr id="51" name="TextBox 50"/>
+                <p:cNvSpPr txBox="1"/>
+                <p:nvPr/>
+              </p:nvSpPr>
+              <p:spPr>
+                <a:xfrm>
+                  <a:off x="7799232" y="2520539"/>
+                  <a:ext cx="685800" cy="369332"/>
+                </a:xfrm>
+                <a:prstGeom prst="rect">
+                  <a:avLst/>
+                </a:prstGeom>
+                <a:noFill/>
+              </p:spPr>
+              <p:txBody>
+                <a:bodyPr wrap="square" rtlCol="0">
+                  <a:spAutoFit/>
+                </a:bodyPr>
+                <a:lstStyle/>
+                <a:p>
+                  <a:pPr algn="ctr"/>
+                  <a14:m>
+                    <m:oMath xmlns:m="http://schemas.openxmlformats.org/officeDocument/2006/math">
+                      <m:sSub>
+                        <m:sSubPr>
+                          <m:ctrlPr>
+                            <a:rPr lang="en-US" b="0" i="1" smtClean="0">
+                              <a:latin typeface="Cambria Math" charset="0"/>
+                              <a:ea typeface="Cambria Math" charset="0"/>
+                              <a:cs typeface="Cambria Math" charset="0"/>
+                            </a:rPr>
+                          </m:ctrlPr>
+                        </m:sSubPr>
+                        <m:e>
+                          <m:r>
+                            <a:rPr lang="en-US" b="0" i="1" smtClean="0">
+                              <a:latin typeface="Cambria Math" charset="0"/>
+                              <a:ea typeface="Cambria Math" charset="0"/>
+                              <a:cs typeface="Cambria Math" charset="0"/>
+                            </a:rPr>
+                            <m:t>𝑙</m:t>
+                          </m:r>
+                        </m:e>
+                        <m:sub>
+                          <m:r>
+                            <a:rPr lang="en-US" b="0" i="1" smtClean="0">
+                              <a:latin typeface="Cambria Math" charset="0"/>
+                              <a:ea typeface="Cambria Math" charset="0"/>
+                              <a:cs typeface="Cambria Math" charset="0"/>
+                            </a:rPr>
+                            <m:t>2</m:t>
+                          </m:r>
+                        </m:sub>
+                      </m:sSub>
+                    </m:oMath>
+                  </a14:m>
+                  <a:r>
+                    <a:rPr lang="en-US" dirty="0" smtClean="0">
+                      <a:latin typeface="Cambria Math" charset="0"/>
+                      <a:ea typeface="Cambria Math" charset="0"/>
+                      <a:cs typeface="Cambria Math" charset="0"/>
+                    </a:rPr>
+                    <a:t>=2</a:t>
+                  </a:r>
+                  <a:endParaRPr lang="en-US" dirty="0">
+                    <a:latin typeface="Cambria Math" charset="0"/>
+                    <a:ea typeface="Cambria Math" charset="0"/>
+                    <a:cs typeface="Cambria Math" charset="0"/>
+                  </a:endParaRPr>
+                </a:p>
+              </p:txBody>
+            </p:sp>
+          </mc:Choice>
+          <mc:Fallback xmlns="">
+            <p:sp>
+              <p:nvSpPr>
+                <p:cNvPr id="51" name="TextBox 50"/>
+                <p:cNvSpPr txBox="1">
+                  <a:spLocks noRot="1" noChangeAspect="1" noMove="1" noResize="1" noEditPoints="1" noAdjustHandles="1" noChangeArrowheads="1" noChangeShapeType="1" noTextEdit="1"/>
+                </p:cNvSpPr>
+                <p:nvPr/>
+              </p:nvSpPr>
+              <p:spPr>
+                <a:xfrm>
+                  <a:off x="7799232" y="2520539"/>
+                  <a:ext cx="685800" cy="369332"/>
+                </a:xfrm>
+                <a:prstGeom prst="rect">
+                  <a:avLst/>
+                </a:prstGeom>
+                <a:blipFill rotWithShape="0">
+                  <a:blip r:embed="rId12"/>
+                  <a:stretch>
+                    <a:fillRect t="-9836" r="-5310" b="-22951"/>
+                  </a:stretch>
+                </a:blipFill>
+              </p:spPr>
+              <p:txBody>
+                <a:bodyPr/>
+                <a:lstStyle/>
+                <a:p>
+                  <a:r>
+                    <a:rPr lang="en-US">
+                      <a:noFill/>
+                    </a:rPr>
+                    <a:t> </a:t>
+                  </a:r>
+                </a:p>
+              </p:txBody>
+            </p:sp>
+          </mc:Fallback>
+        </mc:AlternateContent>
+        <mc:AlternateContent xmlns:mc="http://schemas.openxmlformats.org/markup-compatibility/2006" xmlns:a14="http://schemas.microsoft.com/office/drawing/2010/main">
+          <mc:Choice Requires="a14">
+            <p:sp>
+              <p:nvSpPr>
+                <p:cNvPr id="54" name="TextBox 53"/>
+                <p:cNvSpPr txBox="1"/>
+                <p:nvPr/>
+              </p:nvSpPr>
+              <p:spPr>
+                <a:xfrm>
+                  <a:off x="6750206" y="3632090"/>
+                  <a:ext cx="685800" cy="369332"/>
+                </a:xfrm>
+                <a:prstGeom prst="rect">
+                  <a:avLst/>
+                </a:prstGeom>
+                <a:noFill/>
+              </p:spPr>
+              <p:txBody>
+                <a:bodyPr wrap="square" rtlCol="0">
+                  <a:spAutoFit/>
+                </a:bodyPr>
+                <a:lstStyle/>
+                <a:p>
+                  <a:pPr algn="ctr"/>
+                  <a14:m>
+                    <m:oMath xmlns:m="http://schemas.openxmlformats.org/officeDocument/2006/math">
+                      <m:sSub>
+                        <m:sSubPr>
+                          <m:ctrlPr>
+                            <a:rPr lang="en-US" b="0" i="1" smtClean="0">
+                              <a:latin typeface="Cambria Math" charset="0"/>
+                              <a:ea typeface="Cambria Math" charset="0"/>
+                              <a:cs typeface="Cambria Math" charset="0"/>
+                            </a:rPr>
+                          </m:ctrlPr>
+                        </m:sSubPr>
+                        <m:e>
+                          <m:r>
+                            <a:rPr lang="en-US" b="0" i="1" smtClean="0">
+                              <a:latin typeface="Cambria Math" charset="0"/>
+                              <a:ea typeface="Cambria Math" charset="0"/>
+                              <a:cs typeface="Cambria Math" charset="0"/>
+                            </a:rPr>
+                            <m:t>𝑙</m:t>
+                          </m:r>
+                        </m:e>
+                        <m:sub>
+                          <m:r>
+                            <a:rPr lang="en-US" b="0" i="1" smtClean="0">
+                              <a:latin typeface="Cambria Math" charset="0"/>
+                              <a:ea typeface="Cambria Math" charset="0"/>
+                              <a:cs typeface="Cambria Math" charset="0"/>
+                            </a:rPr>
+                            <m:t>3</m:t>
+                          </m:r>
+                        </m:sub>
+                      </m:sSub>
+                    </m:oMath>
+                  </a14:m>
+                  <a:r>
+                    <a:rPr lang="en-US" dirty="0" smtClean="0">
+                      <a:latin typeface="Cambria Math" charset="0"/>
+                      <a:ea typeface="Cambria Math" charset="0"/>
+                      <a:cs typeface="Cambria Math" charset="0"/>
+                    </a:rPr>
+                    <a:t>=3</a:t>
+                  </a:r>
+                  <a:endParaRPr lang="en-US" dirty="0">
+                    <a:latin typeface="Cambria Math" charset="0"/>
+                    <a:ea typeface="Cambria Math" charset="0"/>
+                    <a:cs typeface="Cambria Math" charset="0"/>
+                  </a:endParaRPr>
+                </a:p>
+              </p:txBody>
+            </p:sp>
+          </mc:Choice>
+          <mc:Fallback xmlns="">
+            <p:sp>
+              <p:nvSpPr>
+                <p:cNvPr id="54" name="TextBox 53"/>
+                <p:cNvSpPr txBox="1">
+                  <a:spLocks noRot="1" noChangeAspect="1" noMove="1" noResize="1" noEditPoints="1" noAdjustHandles="1" noChangeArrowheads="1" noChangeShapeType="1" noTextEdit="1"/>
+                </p:cNvSpPr>
+                <p:nvPr/>
+              </p:nvSpPr>
+              <p:spPr>
+                <a:xfrm>
+                  <a:off x="6750206" y="3632090"/>
+                  <a:ext cx="685800" cy="369332"/>
+                </a:xfrm>
+                <a:prstGeom prst="rect">
+                  <a:avLst/>
+                </a:prstGeom>
+                <a:blipFill rotWithShape="0">
+                  <a:blip r:embed="rId13"/>
+                  <a:stretch>
+                    <a:fillRect t="-11667" r="-5310" b="-25000"/>
+                  </a:stretch>
+                </a:blipFill>
+              </p:spPr>
+              <p:txBody>
+                <a:bodyPr/>
+                <a:lstStyle/>
+                <a:p>
+                  <a:r>
+                    <a:rPr lang="en-US">
+                      <a:noFill/>
+                    </a:rPr>
+                    <a:t> </a:t>
+                  </a:r>
+                </a:p>
+              </p:txBody>
+            </p:sp>
+          </mc:Fallback>
+        </mc:AlternateContent>
+        <mc:AlternateContent xmlns:mc="http://schemas.openxmlformats.org/markup-compatibility/2006" xmlns:a14="http://schemas.microsoft.com/office/drawing/2010/main">
+          <mc:Choice Requires="a14">
+            <p:sp>
+              <p:nvSpPr>
+                <p:cNvPr id="55" name="TextBox 54"/>
+                <p:cNvSpPr txBox="1"/>
+                <p:nvPr/>
+              </p:nvSpPr>
+              <p:spPr>
+                <a:xfrm>
+                  <a:off x="5982398" y="4415527"/>
+                  <a:ext cx="685800" cy="369332"/>
+                </a:xfrm>
+                <a:prstGeom prst="rect">
+                  <a:avLst/>
+                </a:prstGeom>
+                <a:noFill/>
+              </p:spPr>
+              <p:txBody>
+                <a:bodyPr wrap="square" rtlCol="0">
+                  <a:spAutoFit/>
+                </a:bodyPr>
+                <a:lstStyle/>
+                <a:p>
+                  <a:pPr algn="ctr"/>
+                  <a14:m>
+                    <m:oMath xmlns:m="http://schemas.openxmlformats.org/officeDocument/2006/math">
+                      <m:sSub>
+                        <m:sSubPr>
+                          <m:ctrlPr>
+                            <a:rPr lang="en-US" b="0" i="1" smtClean="0">
+                              <a:latin typeface="Cambria Math" charset="0"/>
+                              <a:ea typeface="Cambria Math" charset="0"/>
+                              <a:cs typeface="Cambria Math" charset="0"/>
+                            </a:rPr>
+                          </m:ctrlPr>
+                        </m:sSubPr>
+                        <m:e>
+                          <m:r>
+                            <a:rPr lang="en-US" b="0" i="1" smtClean="0">
+                              <a:latin typeface="Cambria Math" charset="0"/>
+                              <a:ea typeface="Cambria Math" charset="0"/>
+                              <a:cs typeface="Cambria Math" charset="0"/>
+                            </a:rPr>
+                            <m:t>𝑙</m:t>
+                          </m:r>
+                        </m:e>
+                        <m:sub>
+                          <m:r>
+                            <a:rPr lang="en-US" b="0" i="1" smtClean="0">
+                              <a:latin typeface="Cambria Math" charset="0"/>
+                              <a:ea typeface="Cambria Math" charset="0"/>
+                              <a:cs typeface="Cambria Math" charset="0"/>
+                            </a:rPr>
+                            <m:t>4</m:t>
+                          </m:r>
+                        </m:sub>
+                      </m:sSub>
+                    </m:oMath>
+                  </a14:m>
+                  <a:r>
+                    <a:rPr lang="en-US" dirty="0" smtClean="0">
+                      <a:latin typeface="Cambria Math" charset="0"/>
+                      <a:ea typeface="Cambria Math" charset="0"/>
+                      <a:cs typeface="Cambria Math" charset="0"/>
+                    </a:rPr>
+                    <a:t>=3</a:t>
+                  </a:r>
+                  <a:endParaRPr lang="en-US" dirty="0">
+                    <a:latin typeface="Cambria Math" charset="0"/>
+                    <a:ea typeface="Cambria Math" charset="0"/>
+                    <a:cs typeface="Cambria Math" charset="0"/>
+                  </a:endParaRPr>
+                </a:p>
+              </p:txBody>
+            </p:sp>
+          </mc:Choice>
+          <mc:Fallback xmlns="">
+            <p:sp>
+              <p:nvSpPr>
+                <p:cNvPr id="55" name="TextBox 54"/>
+                <p:cNvSpPr txBox="1">
+                  <a:spLocks noRot="1" noChangeAspect="1" noMove="1" noResize="1" noEditPoints="1" noAdjustHandles="1" noChangeArrowheads="1" noChangeShapeType="1" noTextEdit="1"/>
+                </p:cNvSpPr>
+                <p:nvPr/>
+              </p:nvSpPr>
+              <p:spPr>
+                <a:xfrm>
+                  <a:off x="5982398" y="4415527"/>
+                  <a:ext cx="685800" cy="369332"/>
+                </a:xfrm>
+                <a:prstGeom prst="rect">
+                  <a:avLst/>
+                </a:prstGeom>
+                <a:blipFill rotWithShape="0">
+                  <a:blip r:embed="rId14"/>
+                  <a:stretch>
+                    <a:fillRect t="-9836" r="-5310" b="-22951"/>
+                  </a:stretch>
+                </a:blipFill>
+              </p:spPr>
+              <p:txBody>
+                <a:bodyPr/>
+                <a:lstStyle/>
+                <a:p>
+                  <a:r>
+                    <a:rPr lang="en-US">
+                      <a:noFill/>
+                    </a:rPr>
+                    <a:t> </a:t>
+                  </a:r>
+                </a:p>
+              </p:txBody>
+            </p:sp>
+          </mc:Fallback>
+        </mc:AlternateContent>
+        <p:sp>
+          <p:nvSpPr>
+            <p:cNvPr id="4" name="Oval 3"/>
+            <p:cNvSpPr/>
+            <p:nvPr/>
+          </p:nvSpPr>
+          <p:spPr>
+            <a:xfrm>
+              <a:off x="5854872" y="726308"/>
+              <a:ext cx="110586" cy="110586"/>
+            </a:xfrm>
+            <a:prstGeom prst="ellipse">
+              <a:avLst/>
+            </a:prstGeom>
+            <a:solidFill>
+              <a:schemeClr val="tx1"/>
+            </a:solidFill>
+            <a:ln>
+              <a:solidFill>
+                <a:schemeClr val="tx1"/>
+              </a:solidFill>
+            </a:ln>
+          </p:spPr>
+          <p:style>
+            <a:lnRef idx="2">
+              <a:schemeClr val="accent1">
+                <a:shade val="50000"/>
+              </a:schemeClr>
+            </a:lnRef>
+            <a:fillRef idx="1">
+              <a:schemeClr val="accent1"/>
+            </a:fillRef>
+            <a:effectRef idx="0">
+              <a:schemeClr val="accent1"/>
+            </a:effectRef>
+            <a:fontRef idx="minor">
+              <a:schemeClr val="lt1"/>
+            </a:fontRef>
+          </p:style>
+          <p:txBody>
+            <a:bodyPr rtlCol="0" anchor="ctr"/>
+            <a:lstStyle/>
+            <a:p>
+              <a:pPr algn="ctr"/>
+              <a:endParaRPr lang="en-US"/>
+            </a:p>
+          </p:txBody>
+        </p:sp>
+        <p:sp>
+          <p:nvSpPr>
+            <p:cNvPr id="56" name="Oval 55"/>
+            <p:cNvSpPr/>
+            <p:nvPr/>
+          </p:nvSpPr>
+          <p:spPr>
+            <a:xfrm>
+              <a:off x="6695961" y="1642632"/>
+              <a:ext cx="110586" cy="110586"/>
+            </a:xfrm>
+            <a:prstGeom prst="ellipse">
+              <a:avLst/>
+            </a:prstGeom>
+            <a:solidFill>
+              <a:schemeClr val="tx1"/>
+            </a:solidFill>
+            <a:ln>
+              <a:solidFill>
+                <a:schemeClr val="tx1"/>
+              </a:solidFill>
+            </a:ln>
+          </p:spPr>
+          <p:style>
+            <a:lnRef idx="2">
+              <a:schemeClr val="accent1">
+                <a:shade val="50000"/>
+              </a:schemeClr>
+            </a:lnRef>
+            <a:fillRef idx="1">
+              <a:schemeClr val="accent1"/>
+            </a:fillRef>
+            <a:effectRef idx="0">
+              <a:schemeClr val="accent1"/>
+            </a:effectRef>
+            <a:fontRef idx="minor">
+              <a:schemeClr val="lt1"/>
+            </a:fontRef>
+          </p:style>
+          <p:txBody>
+            <a:bodyPr rtlCol="0" anchor="ctr"/>
+            <a:lstStyle/>
+            <a:p>
+              <a:pPr algn="ctr"/>
+              <a:endParaRPr lang="en-US"/>
+            </a:p>
+          </p:txBody>
+        </p:sp>
+        <p:sp>
+          <p:nvSpPr>
+            <p:cNvPr id="57" name="Oval 56"/>
+            <p:cNvSpPr/>
+            <p:nvPr/>
+          </p:nvSpPr>
+          <p:spPr>
+            <a:xfrm>
+              <a:off x="7548960" y="2556833"/>
+              <a:ext cx="110586" cy="110586"/>
+            </a:xfrm>
+            <a:prstGeom prst="ellipse">
+              <a:avLst/>
+            </a:prstGeom>
+            <a:solidFill>
+              <a:schemeClr val="tx1"/>
+            </a:solidFill>
+            <a:ln>
+              <a:solidFill>
+                <a:schemeClr val="tx1"/>
+              </a:solidFill>
+            </a:ln>
+          </p:spPr>
+          <p:style>
+            <a:lnRef idx="2">
+              <a:schemeClr val="accent1">
+                <a:shade val="50000"/>
+              </a:schemeClr>
+            </a:lnRef>
+            <a:fillRef idx="1">
+              <a:schemeClr val="accent1"/>
+            </a:fillRef>
+            <a:effectRef idx="0">
+              <a:schemeClr val="accent1"/>
+            </a:effectRef>
+            <a:fontRef idx="minor">
+              <a:schemeClr val="lt1"/>
+            </a:fontRef>
+          </p:style>
+          <p:txBody>
+            <a:bodyPr rtlCol="0" anchor="ctr"/>
+            <a:lstStyle/>
+            <a:p>
+              <a:pPr algn="ctr"/>
+              <a:endParaRPr lang="en-US"/>
+            </a:p>
+          </p:txBody>
+        </p:sp>
+        <p:sp>
+          <p:nvSpPr>
+            <p:cNvPr id="58" name="Oval 57"/>
+            <p:cNvSpPr/>
+            <p:nvPr/>
+          </p:nvSpPr>
+          <p:spPr>
+            <a:xfrm>
+              <a:off x="6527097" y="3667589"/>
+              <a:ext cx="110586" cy="110586"/>
+            </a:xfrm>
+            <a:prstGeom prst="ellipse">
+              <a:avLst/>
+            </a:prstGeom>
+            <a:solidFill>
+              <a:schemeClr val="tx1"/>
+            </a:solidFill>
+            <a:ln>
+              <a:solidFill>
+                <a:schemeClr val="tx1"/>
+              </a:solidFill>
+            </a:ln>
+          </p:spPr>
+          <p:style>
+            <a:lnRef idx="2">
+              <a:schemeClr val="accent1">
+                <a:shade val="50000"/>
+              </a:schemeClr>
+            </a:lnRef>
+            <a:fillRef idx="1">
+              <a:schemeClr val="accent1"/>
+            </a:fillRef>
+            <a:effectRef idx="0">
+              <a:schemeClr val="accent1"/>
+            </a:effectRef>
+            <a:fontRef idx="minor">
+              <a:schemeClr val="lt1"/>
+            </a:fontRef>
+          </p:style>
+          <p:txBody>
+            <a:bodyPr rtlCol="0" anchor="ctr"/>
+            <a:lstStyle/>
+            <a:p>
+              <a:pPr algn="ctr"/>
+              <a:endParaRPr lang="en-US"/>
+            </a:p>
+          </p:txBody>
+        </p:sp>
+        <p:sp>
+          <p:nvSpPr>
+            <p:cNvPr id="59" name="Oval 58"/>
+            <p:cNvSpPr/>
+            <p:nvPr/>
+          </p:nvSpPr>
+          <p:spPr>
+            <a:xfrm>
+              <a:off x="5788664" y="4463437"/>
+              <a:ext cx="110586" cy="110586"/>
+            </a:xfrm>
+            <a:prstGeom prst="ellipse">
+              <a:avLst/>
+            </a:prstGeom>
+            <a:solidFill>
+              <a:schemeClr val="tx1"/>
+            </a:solidFill>
+            <a:ln>
+              <a:solidFill>
+                <a:schemeClr val="tx1"/>
+              </a:solidFill>
+            </a:ln>
+          </p:spPr>
+          <p:style>
+            <a:lnRef idx="2">
+              <a:schemeClr val="accent1">
+                <a:shade val="50000"/>
+              </a:schemeClr>
+            </a:lnRef>
+            <a:fillRef idx="1">
+              <a:schemeClr val="accent1"/>
+            </a:fillRef>
+            <a:effectRef idx="0">
+              <a:schemeClr val="accent1"/>
+            </a:effectRef>
+            <a:fontRef idx="minor">
+              <a:schemeClr val="lt1"/>
+            </a:fontRef>
+          </p:style>
+          <p:txBody>
+            <a:bodyPr rtlCol="0" anchor="ctr"/>
+            <a:lstStyle/>
+            <a:p>
+              <a:pPr algn="ctr"/>
+              <a:endParaRPr lang="en-US"/>
+            </a:p>
+          </p:txBody>
+        </p:sp>
+      </p:grpSp>
+    </p:spTree>
+    <p:extLst>
+      <p:ext uri="{BB962C8B-B14F-4D97-AF65-F5344CB8AC3E}">
+        <p14:creationId xmlns:p14="http://schemas.microsoft.com/office/powerpoint/2010/main" val="297332740"/>
+      </p:ext>
+    </p:extLst>
+  </p:cSld>
+  <p:clrMapOvr>
+    <a:masterClrMapping/>
+  </p:clrMapOvr>
+</p:sld>
+</file>
+
+<file path=ppt/slides/slide3.xml><?xml version="1.0" encoding="utf-8"?>
 <p:sld xmlns:a="http://schemas.openxmlformats.org/drawingml/2006/main" xmlns:r="http://schemas.openxmlformats.org/officeDocument/2006/relationships" xmlns:p="http://schemas.openxmlformats.org/presentationml/2006/main">
   <p:cSld>
     <p:spTree>
@@ -10252,7 +15508,7 @@
 </p:sld>
 </file>
 
-<file path=ppt/slides/slide3.xml><?xml version="1.0" encoding="utf-8"?>
+<file path=ppt/slides/slide4.xml><?xml version="1.0" encoding="utf-8"?>
 <p:sld xmlns:a="http://schemas.openxmlformats.org/drawingml/2006/main" xmlns:r="http://schemas.openxmlformats.org/officeDocument/2006/relationships" xmlns:p="http://schemas.openxmlformats.org/presentationml/2006/main">
   <p:cSld>
     <p:spTree>
@@ -10762,7 +16018,7 @@
 </p:sld>
 </file>
 
-<file path=ppt/slides/slide4.xml><?xml version="1.0" encoding="utf-8"?>
+<file path=ppt/slides/slide5.xml><?xml version="1.0" encoding="utf-8"?>
 <p:sld xmlns:a="http://schemas.openxmlformats.org/drawingml/2006/main" xmlns:r="http://schemas.openxmlformats.org/officeDocument/2006/relationships" xmlns:p="http://schemas.openxmlformats.org/presentationml/2006/main">
   <p:cSld>
     <p:spTree>
@@ -11338,7 +16594,7 @@
 </p:sld>
 </file>
 
-<file path=ppt/slides/slide5.xml><?xml version="1.0" encoding="utf-8"?>
+<file path=ppt/slides/slide6.xml><?xml version="1.0" encoding="utf-8"?>
 <p:sld xmlns:a="http://schemas.openxmlformats.org/drawingml/2006/main" xmlns:r="http://schemas.openxmlformats.org/officeDocument/2006/relationships" xmlns:p="http://schemas.openxmlformats.org/presentationml/2006/main">
   <p:cSld>
     <p:spTree>
@@ -12866,7 +18122,1559 @@
 </p:sld>
 </file>
 
-<file path=ppt/slides/slide6.xml><?xml version="1.0" encoding="utf-8"?>
+<file path=ppt/slides/slide7.xml><?xml version="1.0" encoding="utf-8"?>
+<p:sld xmlns:a="http://schemas.openxmlformats.org/drawingml/2006/main" xmlns:r="http://schemas.openxmlformats.org/officeDocument/2006/relationships" xmlns:p="http://schemas.openxmlformats.org/presentationml/2006/main">
+  <p:cSld>
+    <p:spTree>
+      <p:nvGrpSpPr>
+        <p:cNvPr id="1" name=""/>
+        <p:cNvGrpSpPr/>
+        <p:nvPr/>
+      </p:nvGrpSpPr>
+      <p:grpSpPr>
+        <a:xfrm>
+          <a:off x="0" y="0"/>
+          <a:ext cx="0" cy="0"/>
+          <a:chOff x="0" y="0"/>
+          <a:chExt cx="0" cy="0"/>
+        </a:xfrm>
+      </p:grpSpPr>
+      <p:grpSp>
+        <p:nvGrpSpPr>
+          <p:cNvPr id="4" name="Group 3"/>
+          <p:cNvGrpSpPr/>
+          <p:nvPr/>
+        </p:nvGrpSpPr>
+        <p:grpSpPr>
+          <a:xfrm>
+            <a:off x="98796" y="1959465"/>
+            <a:ext cx="3746134" cy="2121299"/>
+            <a:chOff x="2984939" y="1408387"/>
+            <a:chExt cx="5864772" cy="3321006"/>
+          </a:xfrm>
+        </p:grpSpPr>
+        <p:grpSp>
+          <p:nvGrpSpPr>
+            <p:cNvPr id="5" name="Group 4"/>
+            <p:cNvGrpSpPr/>
+            <p:nvPr/>
+          </p:nvGrpSpPr>
+          <p:grpSpPr>
+            <a:xfrm>
+              <a:off x="2984939" y="1408387"/>
+              <a:ext cx="5236779" cy="3321006"/>
+              <a:chOff x="2984939" y="1408387"/>
+              <a:chExt cx="5236779" cy="3321006"/>
+            </a:xfrm>
+          </p:grpSpPr>
+          <p:cxnSp>
+            <p:nvCxnSpPr>
+              <p:cNvPr id="7" name="Straight Connector 6"/>
+              <p:cNvCxnSpPr/>
+              <p:nvPr/>
+            </p:nvCxnSpPr>
+            <p:spPr>
+              <a:xfrm flipV="1">
+                <a:off x="2984939" y="1408387"/>
+                <a:ext cx="2932386" cy="2932386"/>
+              </a:xfrm>
+              <a:prstGeom prst="line">
+                <a:avLst/>
+              </a:prstGeom>
+              <a:ln w="50800">
+                <a:solidFill>
+                  <a:schemeClr val="tx1"/>
+                </a:solidFill>
+              </a:ln>
+            </p:spPr>
+            <p:style>
+              <a:lnRef idx="1">
+                <a:schemeClr val="accent1"/>
+              </a:lnRef>
+              <a:fillRef idx="0">
+                <a:schemeClr val="accent1"/>
+              </a:fillRef>
+              <a:effectRef idx="0">
+                <a:schemeClr val="accent1"/>
+              </a:effectRef>
+              <a:fontRef idx="minor">
+                <a:schemeClr val="tx1"/>
+              </a:fontRef>
+            </p:style>
+          </p:cxnSp>
+          <p:cxnSp>
+            <p:nvCxnSpPr>
+              <p:cNvPr id="8" name="Straight Connector 7"/>
+              <p:cNvCxnSpPr/>
+              <p:nvPr/>
+            </p:nvCxnSpPr>
+            <p:spPr>
+              <a:xfrm>
+                <a:off x="5917325" y="1408387"/>
+                <a:ext cx="2304393" cy="2304393"/>
+              </a:xfrm>
+              <a:prstGeom prst="line">
+                <a:avLst/>
+              </a:prstGeom>
+              <a:ln w="50800">
+                <a:solidFill>
+                  <a:schemeClr val="tx1"/>
+                </a:solidFill>
+              </a:ln>
+            </p:spPr>
+            <p:style>
+              <a:lnRef idx="1">
+                <a:schemeClr val="accent1"/>
+              </a:lnRef>
+              <a:fillRef idx="0">
+                <a:schemeClr val="accent1"/>
+              </a:fillRef>
+              <a:effectRef idx="0">
+                <a:schemeClr val="accent1"/>
+              </a:effectRef>
+              <a:fontRef idx="minor">
+                <a:schemeClr val="tx1"/>
+              </a:fontRef>
+            </p:style>
+          </p:cxnSp>
+          <p:cxnSp>
+            <p:nvCxnSpPr>
+              <p:cNvPr id="9" name="Straight Connector 8"/>
+              <p:cNvCxnSpPr/>
+              <p:nvPr/>
+            </p:nvCxnSpPr>
+            <p:spPr>
+              <a:xfrm flipV="1">
+                <a:off x="3620696" y="1716640"/>
+                <a:ext cx="2627995" cy="2627994"/>
+              </a:xfrm>
+              <a:prstGeom prst="line">
+                <a:avLst/>
+              </a:prstGeom>
+              <a:ln w="50800">
+                <a:solidFill>
+                  <a:schemeClr val="tx1"/>
+                </a:solidFill>
+              </a:ln>
+            </p:spPr>
+            <p:style>
+              <a:lnRef idx="1">
+                <a:schemeClr val="accent1"/>
+              </a:lnRef>
+              <a:fillRef idx="0">
+                <a:schemeClr val="accent1"/>
+              </a:fillRef>
+              <a:effectRef idx="0">
+                <a:schemeClr val="accent1"/>
+              </a:effectRef>
+              <a:fontRef idx="minor">
+                <a:schemeClr val="tx1"/>
+              </a:fontRef>
+            </p:style>
+          </p:cxnSp>
+          <p:cxnSp>
+            <p:nvCxnSpPr>
+              <p:cNvPr id="10" name="Straight Connector 9"/>
+              <p:cNvCxnSpPr/>
+              <p:nvPr/>
+            </p:nvCxnSpPr>
+            <p:spPr>
+              <a:xfrm flipV="1">
+                <a:off x="5071730" y="2453833"/>
+                <a:ext cx="1891219" cy="1891221"/>
+              </a:xfrm>
+              <a:prstGeom prst="line">
+                <a:avLst/>
+              </a:prstGeom>
+              <a:ln w="50800">
+                <a:solidFill>
+                  <a:schemeClr val="tx1"/>
+                </a:solidFill>
+              </a:ln>
+            </p:spPr>
+            <p:style>
+              <a:lnRef idx="1">
+                <a:schemeClr val="accent1"/>
+              </a:lnRef>
+              <a:fillRef idx="0">
+                <a:schemeClr val="accent1"/>
+              </a:fillRef>
+              <a:effectRef idx="0">
+                <a:schemeClr val="accent1"/>
+              </a:effectRef>
+              <a:fontRef idx="minor">
+                <a:schemeClr val="tx1"/>
+              </a:fontRef>
+            </p:style>
+          </p:cxnSp>
+          <p:cxnSp>
+            <p:nvCxnSpPr>
+              <p:cNvPr id="11" name="Straight Connector 10"/>
+              <p:cNvCxnSpPr/>
+              <p:nvPr/>
+            </p:nvCxnSpPr>
+            <p:spPr>
+              <a:xfrm flipV="1">
+                <a:off x="6399335" y="3112407"/>
+                <a:ext cx="1225188" cy="1225188"/>
+              </a:xfrm>
+              <a:prstGeom prst="line">
+                <a:avLst/>
+              </a:prstGeom>
+              <a:ln w="50800">
+                <a:solidFill>
+                  <a:schemeClr val="tx1"/>
+                </a:solidFill>
+              </a:ln>
+            </p:spPr>
+            <p:style>
+              <a:lnRef idx="1">
+                <a:schemeClr val="accent1"/>
+              </a:lnRef>
+              <a:fillRef idx="0">
+                <a:schemeClr val="accent1"/>
+              </a:fillRef>
+              <a:effectRef idx="0">
+                <a:schemeClr val="accent1"/>
+              </a:effectRef>
+              <a:fontRef idx="minor">
+                <a:schemeClr val="tx1"/>
+              </a:fontRef>
+            </p:style>
+          </p:cxnSp>
+          <p:cxnSp>
+            <p:nvCxnSpPr>
+              <p:cNvPr id="12" name="Straight Connector 11"/>
+              <p:cNvCxnSpPr/>
+              <p:nvPr/>
+            </p:nvCxnSpPr>
+            <p:spPr>
+              <a:xfrm flipV="1">
+                <a:off x="7599592" y="3725003"/>
+                <a:ext cx="622126" cy="622124"/>
+              </a:xfrm>
+              <a:prstGeom prst="line">
+                <a:avLst/>
+              </a:prstGeom>
+              <a:ln w="50800">
+                <a:solidFill>
+                  <a:schemeClr val="bg1">
+                    <a:lumMod val="65000"/>
+                  </a:schemeClr>
+                </a:solidFill>
+                <a:prstDash val="sysDash"/>
+              </a:ln>
+            </p:spPr>
+            <p:style>
+              <a:lnRef idx="1">
+                <a:schemeClr val="accent1"/>
+              </a:lnRef>
+              <a:fillRef idx="0">
+                <a:schemeClr val="accent1"/>
+              </a:fillRef>
+              <a:effectRef idx="0">
+                <a:schemeClr val="accent1"/>
+              </a:effectRef>
+              <a:fontRef idx="minor">
+                <a:schemeClr val="tx1"/>
+              </a:fontRef>
+            </p:style>
+          </p:cxnSp>
+          <mc:AlternateContent xmlns:mc="http://schemas.openxmlformats.org/markup-compatibility/2006" xmlns:a14="http://schemas.microsoft.com/office/drawing/2010/main">
+            <mc:Choice Requires="a14">
+              <p:sp>
+                <p:nvSpPr>
+                  <p:cNvPr id="13" name="TextBox 12"/>
+                  <p:cNvSpPr txBox="1"/>
+                  <p:nvPr/>
+                </p:nvSpPr>
+                <p:spPr>
+                  <a:xfrm>
+                    <a:off x="5521510" y="4360061"/>
+                    <a:ext cx="791627" cy="369332"/>
+                  </a:xfrm>
+                  <a:prstGeom prst="rect">
+                    <a:avLst/>
+                  </a:prstGeom>
+                  <a:noFill/>
+                </p:spPr>
+                <p:txBody>
+                  <a:bodyPr wrap="none" lIns="0" tIns="0" rIns="0" bIns="0" rtlCol="0">
+                    <a:spAutoFit/>
+                  </a:bodyPr>
+                  <a:lstStyle/>
+                  <a:p>
+                    <a:pPr/>
+                    <a14:m>
+                      <m:oMathPara xmlns:m="http://schemas.openxmlformats.org/officeDocument/2006/math">
+                        <m:oMathParaPr>
+                          <m:jc m:val="centerGroup"/>
+                        </m:oMathParaPr>
+                        <m:oMath xmlns:m="http://schemas.openxmlformats.org/officeDocument/2006/math">
+                          <m:r>
+                            <a:rPr lang="en-US" sz="2400" b="0" i="1" smtClean="0">
+                              <a:latin typeface="Cambria Math" charset="0"/>
+                            </a:rPr>
+                            <m:t>𝑟</m:t>
+                          </m:r>
+                          <m:r>
+                            <a:rPr lang="en-US" sz="2400" b="0" i="1" smtClean="0">
+                              <a:latin typeface="Cambria Math" charset="0"/>
+                            </a:rPr>
+                            <m:t>=0</m:t>
+                          </m:r>
+                        </m:oMath>
+                      </m:oMathPara>
+                    </a14:m>
+                    <a:endParaRPr lang="en-US" sz="2400" dirty="0"/>
+                  </a:p>
+                </p:txBody>
+              </p:sp>
+            </mc:Choice>
+            <mc:Fallback xmlns="">
+              <p:sp>
+                <p:nvSpPr>
+                  <p:cNvPr id="21" name="TextBox 20"/>
+                  <p:cNvSpPr txBox="1">
+                    <a:spLocks noRot="1" noChangeAspect="1" noMove="1" noResize="1" noEditPoints="1" noAdjustHandles="1" noChangeArrowheads="1" noChangeShapeType="1" noTextEdit="1"/>
+                  </p:cNvSpPr>
+                  <p:nvPr/>
+                </p:nvSpPr>
+                <p:spPr>
+                  <a:xfrm>
+                    <a:off x="5521510" y="4360061"/>
+                    <a:ext cx="791627" cy="369332"/>
+                  </a:xfrm>
+                  <a:prstGeom prst="rect">
+                    <a:avLst/>
+                  </a:prstGeom>
+                  <a:blipFill rotWithShape="0">
+                    <a:blip r:embed="rId2"/>
+                    <a:stretch>
+                      <a:fillRect l="-5385" r="-8462" b="-6557"/>
+                    </a:stretch>
+                  </a:blipFill>
+                </p:spPr>
+                <p:txBody>
+                  <a:bodyPr/>
+                  <a:lstStyle/>
+                  <a:p>
+                    <a:r>
+                      <a:rPr lang="en-US">
+                        <a:noFill/>
+                      </a:rPr>
+                      <a:t> </a:t>
+                    </a:r>
+                  </a:p>
+                </p:txBody>
+              </p:sp>
+            </mc:Fallback>
+          </mc:AlternateContent>
+          <p:cxnSp>
+            <p:nvCxnSpPr>
+              <p:cNvPr id="14" name="Straight Connector 13"/>
+              <p:cNvCxnSpPr/>
+              <p:nvPr/>
+            </p:nvCxnSpPr>
+            <p:spPr>
+              <a:xfrm flipV="1">
+                <a:off x="5768585" y="2814054"/>
+                <a:ext cx="1529719" cy="1529718"/>
+              </a:xfrm>
+              <a:prstGeom prst="line">
+                <a:avLst/>
+              </a:prstGeom>
+              <a:ln w="50800">
+                <a:solidFill>
+                  <a:schemeClr val="tx1"/>
+                </a:solidFill>
+              </a:ln>
+            </p:spPr>
+            <p:style>
+              <a:lnRef idx="1">
+                <a:schemeClr val="accent1"/>
+              </a:lnRef>
+              <a:fillRef idx="0">
+                <a:schemeClr val="accent1"/>
+              </a:fillRef>
+              <a:effectRef idx="0">
+                <a:schemeClr val="accent1"/>
+              </a:effectRef>
+              <a:fontRef idx="minor">
+                <a:schemeClr val="tx1"/>
+              </a:fontRef>
+            </p:style>
+          </p:cxnSp>
+          <p:cxnSp>
+            <p:nvCxnSpPr>
+              <p:cNvPr id="15" name="Straight Connector 14"/>
+              <p:cNvCxnSpPr/>
+              <p:nvPr/>
+            </p:nvCxnSpPr>
+            <p:spPr>
+              <a:xfrm flipV="1">
+                <a:off x="6949780" y="3399443"/>
+                <a:ext cx="948052" cy="948052"/>
+              </a:xfrm>
+              <a:prstGeom prst="line">
+                <a:avLst/>
+              </a:prstGeom>
+              <a:ln w="50800">
+                <a:solidFill>
+                  <a:schemeClr val="tx1"/>
+                </a:solidFill>
+              </a:ln>
+            </p:spPr>
+            <p:style>
+              <a:lnRef idx="1">
+                <a:schemeClr val="accent1"/>
+              </a:lnRef>
+              <a:fillRef idx="0">
+                <a:schemeClr val="accent1"/>
+              </a:fillRef>
+              <a:effectRef idx="0">
+                <a:schemeClr val="accent1"/>
+              </a:effectRef>
+              <a:fontRef idx="minor">
+                <a:schemeClr val="tx1"/>
+              </a:fontRef>
+            </p:style>
+          </p:cxnSp>
+          <p:cxnSp>
+            <p:nvCxnSpPr>
+              <p:cNvPr id="16" name="Straight Connector 15"/>
+              <p:cNvCxnSpPr/>
+              <p:nvPr/>
+            </p:nvCxnSpPr>
+            <p:spPr>
+              <a:xfrm flipV="1">
+                <a:off x="4334174" y="2077943"/>
+                <a:ext cx="2256898" cy="2256897"/>
+              </a:xfrm>
+              <a:prstGeom prst="line">
+                <a:avLst/>
+              </a:prstGeom>
+              <a:ln w="50800">
+                <a:solidFill>
+                  <a:schemeClr val="tx1"/>
+                </a:solidFill>
+              </a:ln>
+            </p:spPr>
+            <p:style>
+              <a:lnRef idx="1">
+                <a:schemeClr val="accent1"/>
+              </a:lnRef>
+              <a:fillRef idx="0">
+                <a:schemeClr val="accent1"/>
+              </a:fillRef>
+              <a:effectRef idx="0">
+                <a:schemeClr val="accent1"/>
+              </a:effectRef>
+              <a:fontRef idx="minor">
+                <a:schemeClr val="tx1"/>
+              </a:fontRef>
+            </p:style>
+          </p:cxnSp>
+        </p:grpSp>
+        <p:cxnSp>
+          <p:nvCxnSpPr>
+            <p:cNvPr id="6" name="Straight Connector 5"/>
+            <p:cNvCxnSpPr/>
+            <p:nvPr/>
+          </p:nvCxnSpPr>
+          <p:spPr>
+            <a:xfrm>
+              <a:off x="8201136" y="3691283"/>
+              <a:ext cx="648575" cy="648575"/>
+            </a:xfrm>
+            <a:prstGeom prst="line">
+              <a:avLst/>
+            </a:prstGeom>
+            <a:ln w="50800">
+              <a:solidFill>
+                <a:schemeClr val="bg1">
+                  <a:lumMod val="65000"/>
+                </a:schemeClr>
+              </a:solidFill>
+              <a:prstDash val="sysDash"/>
+            </a:ln>
+          </p:spPr>
+          <p:style>
+            <a:lnRef idx="1">
+              <a:schemeClr val="accent1"/>
+            </a:lnRef>
+            <a:fillRef idx="0">
+              <a:schemeClr val="accent1"/>
+            </a:fillRef>
+            <a:effectRef idx="0">
+              <a:schemeClr val="accent1"/>
+            </a:effectRef>
+            <a:fontRef idx="minor">
+              <a:schemeClr val="tx1"/>
+            </a:fontRef>
+          </p:style>
+        </p:cxnSp>
+      </p:grpSp>
+      <p:grpSp>
+        <p:nvGrpSpPr>
+          <p:cNvPr id="17" name="Group 16"/>
+          <p:cNvGrpSpPr/>
+          <p:nvPr/>
+        </p:nvGrpSpPr>
+        <p:grpSpPr>
+          <a:xfrm>
+            <a:off x="4198288" y="1959465"/>
+            <a:ext cx="3746134" cy="2121299"/>
+            <a:chOff x="2984939" y="1408387"/>
+            <a:chExt cx="5864772" cy="3321006"/>
+          </a:xfrm>
+        </p:grpSpPr>
+        <p:grpSp>
+          <p:nvGrpSpPr>
+            <p:cNvPr id="18" name="Group 17"/>
+            <p:cNvGrpSpPr/>
+            <p:nvPr/>
+          </p:nvGrpSpPr>
+          <p:grpSpPr>
+            <a:xfrm>
+              <a:off x="3790301" y="1408387"/>
+              <a:ext cx="4443640" cy="3321006"/>
+              <a:chOff x="3790301" y="1408387"/>
+              <a:chExt cx="4443640" cy="3321006"/>
+            </a:xfrm>
+          </p:grpSpPr>
+          <p:cxnSp>
+            <p:nvCxnSpPr>
+              <p:cNvPr id="21" name="Straight Connector 20"/>
+              <p:cNvCxnSpPr/>
+              <p:nvPr/>
+            </p:nvCxnSpPr>
+            <p:spPr>
+              <a:xfrm flipV="1">
+                <a:off x="3790301" y="1408387"/>
+                <a:ext cx="2127024" cy="2127024"/>
+              </a:xfrm>
+              <a:prstGeom prst="line">
+                <a:avLst/>
+              </a:prstGeom>
+              <a:ln w="50800">
+                <a:solidFill>
+                  <a:schemeClr val="tx1"/>
+                </a:solidFill>
+              </a:ln>
+            </p:spPr>
+            <p:style>
+              <a:lnRef idx="1">
+                <a:schemeClr val="accent1"/>
+              </a:lnRef>
+              <a:fillRef idx="0">
+                <a:schemeClr val="accent1"/>
+              </a:fillRef>
+              <a:effectRef idx="0">
+                <a:schemeClr val="accent1"/>
+              </a:effectRef>
+              <a:fontRef idx="minor">
+                <a:schemeClr val="tx1"/>
+              </a:fontRef>
+            </p:style>
+          </p:cxnSp>
+          <p:cxnSp>
+            <p:nvCxnSpPr>
+              <p:cNvPr id="22" name="Straight Connector 21"/>
+              <p:cNvCxnSpPr/>
+              <p:nvPr/>
+            </p:nvCxnSpPr>
+            <p:spPr>
+              <a:xfrm>
+                <a:off x="5917325" y="1408387"/>
+                <a:ext cx="2316616" cy="2316616"/>
+              </a:xfrm>
+              <a:prstGeom prst="line">
+                <a:avLst/>
+              </a:prstGeom>
+              <a:ln w="50800">
+                <a:solidFill>
+                  <a:schemeClr val="tx1"/>
+                </a:solidFill>
+              </a:ln>
+            </p:spPr>
+            <p:style>
+              <a:lnRef idx="1">
+                <a:schemeClr val="accent1"/>
+              </a:lnRef>
+              <a:fillRef idx="0">
+                <a:schemeClr val="accent1"/>
+              </a:fillRef>
+              <a:effectRef idx="0">
+                <a:schemeClr val="accent1"/>
+              </a:effectRef>
+              <a:fontRef idx="minor">
+                <a:schemeClr val="tx1"/>
+              </a:fontRef>
+            </p:style>
+          </p:cxnSp>
+          <p:cxnSp>
+            <p:nvCxnSpPr>
+              <p:cNvPr id="23" name="Straight Connector 22"/>
+              <p:cNvCxnSpPr/>
+              <p:nvPr/>
+            </p:nvCxnSpPr>
+            <p:spPr>
+              <a:xfrm flipV="1">
+                <a:off x="6399335" y="3112407"/>
+                <a:ext cx="1225188" cy="1225188"/>
+              </a:xfrm>
+              <a:prstGeom prst="line">
+                <a:avLst/>
+              </a:prstGeom>
+              <a:ln w="50800">
+                <a:solidFill>
+                  <a:schemeClr val="tx1"/>
+                </a:solidFill>
+              </a:ln>
+            </p:spPr>
+            <p:style>
+              <a:lnRef idx="1">
+                <a:schemeClr val="accent1"/>
+              </a:lnRef>
+              <a:fillRef idx="0">
+                <a:schemeClr val="accent1"/>
+              </a:fillRef>
+              <a:effectRef idx="0">
+                <a:schemeClr val="accent1"/>
+              </a:effectRef>
+              <a:fontRef idx="minor">
+                <a:schemeClr val="tx1"/>
+              </a:fontRef>
+            </p:style>
+          </p:cxnSp>
+          <p:cxnSp>
+            <p:nvCxnSpPr>
+              <p:cNvPr id="24" name="Straight Connector 23"/>
+              <p:cNvCxnSpPr/>
+              <p:nvPr/>
+            </p:nvCxnSpPr>
+            <p:spPr>
+              <a:xfrm flipV="1">
+                <a:off x="7599592" y="3725003"/>
+                <a:ext cx="622126" cy="622124"/>
+              </a:xfrm>
+              <a:prstGeom prst="line">
+                <a:avLst/>
+              </a:prstGeom>
+              <a:ln w="50800">
+                <a:solidFill>
+                  <a:schemeClr val="bg1">
+                    <a:lumMod val="65000"/>
+                  </a:schemeClr>
+                </a:solidFill>
+                <a:prstDash val="sysDash"/>
+              </a:ln>
+            </p:spPr>
+            <p:style>
+              <a:lnRef idx="1">
+                <a:schemeClr val="accent1"/>
+              </a:lnRef>
+              <a:fillRef idx="0">
+                <a:schemeClr val="accent1"/>
+              </a:fillRef>
+              <a:effectRef idx="0">
+                <a:schemeClr val="accent1"/>
+              </a:effectRef>
+              <a:fontRef idx="minor">
+                <a:schemeClr val="tx1"/>
+              </a:fontRef>
+            </p:style>
+          </p:cxnSp>
+          <p:cxnSp>
+            <p:nvCxnSpPr>
+              <p:cNvPr id="25" name="Straight Connector 24"/>
+              <p:cNvCxnSpPr/>
+              <p:nvPr/>
+            </p:nvCxnSpPr>
+            <p:spPr>
+              <a:xfrm flipV="1">
+                <a:off x="5768585" y="2814054"/>
+                <a:ext cx="1529719" cy="1529718"/>
+              </a:xfrm>
+              <a:prstGeom prst="line">
+                <a:avLst/>
+              </a:prstGeom>
+              <a:ln w="50800">
+                <a:solidFill>
+                  <a:schemeClr val="tx1"/>
+                </a:solidFill>
+              </a:ln>
+            </p:spPr>
+            <p:style>
+              <a:lnRef idx="1">
+                <a:schemeClr val="accent1"/>
+              </a:lnRef>
+              <a:fillRef idx="0">
+                <a:schemeClr val="accent1"/>
+              </a:fillRef>
+              <a:effectRef idx="0">
+                <a:schemeClr val="accent1"/>
+              </a:effectRef>
+              <a:fontRef idx="minor">
+                <a:schemeClr val="tx1"/>
+              </a:fontRef>
+            </p:style>
+          </p:cxnSp>
+          <p:cxnSp>
+            <p:nvCxnSpPr>
+              <p:cNvPr id="26" name="Straight Connector 25"/>
+              <p:cNvCxnSpPr/>
+              <p:nvPr/>
+            </p:nvCxnSpPr>
+            <p:spPr>
+              <a:xfrm flipV="1">
+                <a:off x="6949780" y="3399443"/>
+                <a:ext cx="948052" cy="948052"/>
+              </a:xfrm>
+              <a:prstGeom prst="line">
+                <a:avLst/>
+              </a:prstGeom>
+              <a:ln w="50800">
+                <a:solidFill>
+                  <a:schemeClr val="tx1"/>
+                </a:solidFill>
+              </a:ln>
+            </p:spPr>
+            <p:style>
+              <a:lnRef idx="1">
+                <a:schemeClr val="accent1"/>
+              </a:lnRef>
+              <a:fillRef idx="0">
+                <a:schemeClr val="accent1"/>
+              </a:fillRef>
+              <a:effectRef idx="0">
+                <a:schemeClr val="accent1"/>
+              </a:effectRef>
+              <a:fontRef idx="minor">
+                <a:schemeClr val="tx1"/>
+              </a:fontRef>
+            </p:style>
+          </p:cxnSp>
+          <p:cxnSp>
+            <p:nvCxnSpPr>
+              <p:cNvPr id="27" name="Straight Connector 26"/>
+              <p:cNvCxnSpPr/>
+              <p:nvPr/>
+            </p:nvCxnSpPr>
+            <p:spPr>
+              <a:xfrm flipV="1">
+                <a:off x="4778467" y="2287831"/>
+                <a:ext cx="2044197" cy="2044195"/>
+              </a:xfrm>
+              <a:prstGeom prst="line">
+                <a:avLst/>
+              </a:prstGeom>
+              <a:ln w="50800">
+                <a:solidFill>
+                  <a:schemeClr val="tx1"/>
+                </a:solidFill>
+              </a:ln>
+            </p:spPr>
+            <p:style>
+              <a:lnRef idx="1">
+                <a:schemeClr val="accent1"/>
+              </a:lnRef>
+              <a:fillRef idx="0">
+                <a:schemeClr val="accent1"/>
+              </a:fillRef>
+              <a:effectRef idx="0">
+                <a:schemeClr val="accent1"/>
+              </a:effectRef>
+              <a:fontRef idx="minor">
+                <a:schemeClr val="tx1"/>
+              </a:fontRef>
+            </p:style>
+          </p:cxnSp>
+          <mc:AlternateContent xmlns:mc="http://schemas.openxmlformats.org/markup-compatibility/2006" xmlns:a14="http://schemas.microsoft.com/office/drawing/2010/main">
+            <mc:Choice Requires="a14">
+              <p:sp>
+                <p:nvSpPr>
+                  <p:cNvPr id="28" name="TextBox 27"/>
+                  <p:cNvSpPr txBox="1"/>
+                  <p:nvPr/>
+                </p:nvSpPr>
+                <p:spPr>
+                  <a:xfrm>
+                    <a:off x="5213221" y="4360061"/>
+                    <a:ext cx="1408206" cy="369332"/>
+                  </a:xfrm>
+                  <a:prstGeom prst="rect">
+                    <a:avLst/>
+                  </a:prstGeom>
+                  <a:noFill/>
+                </p:spPr>
+                <p:txBody>
+                  <a:bodyPr wrap="none" lIns="0" tIns="0" rIns="0" bIns="0" rtlCol="0">
+                    <a:spAutoFit/>
+                  </a:bodyPr>
+                  <a:lstStyle/>
+                  <a:p>
+                    <a:pPr/>
+                    <a14:m>
+                      <m:oMathPara xmlns:m="http://schemas.openxmlformats.org/officeDocument/2006/math">
+                        <m:oMathParaPr>
+                          <m:jc m:val="centerGroup"/>
+                        </m:oMathParaPr>
+                        <m:oMath xmlns:m="http://schemas.openxmlformats.org/officeDocument/2006/math">
+                          <m:r>
+                            <a:rPr lang="en-US" sz="2400" b="0" i="1" smtClean="0">
+                              <a:latin typeface="Cambria Math" charset="0"/>
+                            </a:rPr>
+                            <m:t>0&lt;</m:t>
+                          </m:r>
+                          <m:r>
+                            <a:rPr lang="en-US" sz="2400" b="0" i="1" smtClean="0">
+                              <a:latin typeface="Cambria Math" charset="0"/>
+                            </a:rPr>
+                            <m:t>𝑟</m:t>
+                          </m:r>
+                          <m:r>
+                            <a:rPr lang="en-US" sz="2400" b="0" i="1" smtClean="0">
+                              <a:latin typeface="Cambria Math" charset="0"/>
+                            </a:rPr>
+                            <m:t>≪1</m:t>
+                          </m:r>
+                        </m:oMath>
+                      </m:oMathPara>
+                    </a14:m>
+                    <a:endParaRPr lang="en-US" sz="2400" dirty="0"/>
+                  </a:p>
+                </p:txBody>
+              </p:sp>
+            </mc:Choice>
+            <mc:Fallback xmlns="">
+              <p:sp>
+                <p:nvSpPr>
+                  <p:cNvPr id="13" name="TextBox 12"/>
+                  <p:cNvSpPr txBox="1">
+                    <a:spLocks noRot="1" noChangeAspect="1" noMove="1" noResize="1" noEditPoints="1" noAdjustHandles="1" noChangeArrowheads="1" noChangeShapeType="1" noTextEdit="1"/>
+                  </p:cNvSpPr>
+                  <p:nvPr/>
+                </p:nvSpPr>
+                <p:spPr>
+                  <a:xfrm>
+                    <a:off x="5213221" y="4360061"/>
+                    <a:ext cx="1408206" cy="369332"/>
+                  </a:xfrm>
+                  <a:prstGeom prst="rect">
+                    <a:avLst/>
+                  </a:prstGeom>
+                  <a:blipFill rotWithShape="0">
+                    <a:blip r:embed="rId3"/>
+                    <a:stretch>
+                      <a:fillRect l="-4329" r="-5195" b="-6557"/>
+                    </a:stretch>
+                  </a:blipFill>
+                </p:spPr>
+                <p:txBody>
+                  <a:bodyPr/>
+                  <a:lstStyle/>
+                  <a:p>
+                    <a:r>
+                      <a:rPr lang="en-US">
+                        <a:noFill/>
+                      </a:rPr>
+                      <a:t> </a:t>
+                    </a:r>
+                  </a:p>
+                </p:txBody>
+              </p:sp>
+            </mc:Fallback>
+          </mc:AlternateContent>
+          <p:cxnSp>
+            <p:nvCxnSpPr>
+              <p:cNvPr id="29" name="Straight Connector 28"/>
+              <p:cNvCxnSpPr/>
+              <p:nvPr/>
+            </p:nvCxnSpPr>
+            <p:spPr>
+              <a:xfrm>
+                <a:off x="3790301" y="3561326"/>
+                <a:ext cx="781699" cy="781699"/>
+              </a:xfrm>
+              <a:prstGeom prst="line">
+                <a:avLst/>
+              </a:prstGeom>
+              <a:ln w="50800">
+                <a:solidFill>
+                  <a:schemeClr val="bg1">
+                    <a:lumMod val="65000"/>
+                  </a:schemeClr>
+                </a:solidFill>
+                <a:prstDash val="sysDash"/>
+              </a:ln>
+            </p:spPr>
+            <p:style>
+              <a:lnRef idx="1">
+                <a:schemeClr val="accent1"/>
+              </a:lnRef>
+              <a:fillRef idx="0">
+                <a:schemeClr val="accent1"/>
+              </a:fillRef>
+              <a:effectRef idx="0">
+                <a:schemeClr val="accent1"/>
+              </a:effectRef>
+              <a:fontRef idx="minor">
+                <a:schemeClr val="tx1"/>
+              </a:fontRef>
+            </p:style>
+          </p:cxnSp>
+        </p:grpSp>
+        <p:cxnSp>
+          <p:nvCxnSpPr>
+            <p:cNvPr id="19" name="Straight Connector 18"/>
+            <p:cNvCxnSpPr/>
+            <p:nvPr/>
+          </p:nvCxnSpPr>
+          <p:spPr>
+            <a:xfrm flipV="1">
+              <a:off x="2984939" y="3535411"/>
+              <a:ext cx="805362" cy="805363"/>
+            </a:xfrm>
+            <a:prstGeom prst="line">
+              <a:avLst/>
+            </a:prstGeom>
+            <a:ln w="50800">
+              <a:solidFill>
+                <a:schemeClr val="bg1">
+                  <a:lumMod val="65000"/>
+                </a:schemeClr>
+              </a:solidFill>
+              <a:prstDash val="sysDash"/>
+            </a:ln>
+          </p:spPr>
+          <p:style>
+            <a:lnRef idx="1">
+              <a:schemeClr val="accent1"/>
+            </a:lnRef>
+            <a:fillRef idx="0">
+              <a:schemeClr val="accent1"/>
+            </a:fillRef>
+            <a:effectRef idx="0">
+              <a:schemeClr val="accent1"/>
+            </a:effectRef>
+            <a:fontRef idx="minor">
+              <a:schemeClr val="tx1"/>
+            </a:fontRef>
+          </p:style>
+        </p:cxnSp>
+        <p:cxnSp>
+          <p:nvCxnSpPr>
+            <p:cNvPr id="20" name="Straight Connector 19"/>
+            <p:cNvCxnSpPr/>
+            <p:nvPr/>
+          </p:nvCxnSpPr>
+          <p:spPr>
+            <a:xfrm>
+              <a:off x="8233941" y="3725003"/>
+              <a:ext cx="615770" cy="615770"/>
+            </a:xfrm>
+            <a:prstGeom prst="line">
+              <a:avLst/>
+            </a:prstGeom>
+            <a:ln w="50800">
+              <a:solidFill>
+                <a:schemeClr val="bg1">
+                  <a:lumMod val="65000"/>
+                </a:schemeClr>
+              </a:solidFill>
+              <a:prstDash val="sysDash"/>
+            </a:ln>
+          </p:spPr>
+          <p:style>
+            <a:lnRef idx="1">
+              <a:schemeClr val="accent1"/>
+            </a:lnRef>
+            <a:fillRef idx="0">
+              <a:schemeClr val="accent1"/>
+            </a:fillRef>
+            <a:effectRef idx="0">
+              <a:schemeClr val="accent1"/>
+            </a:effectRef>
+            <a:fontRef idx="minor">
+              <a:schemeClr val="tx1"/>
+            </a:fontRef>
+          </p:style>
+        </p:cxnSp>
+      </p:grpSp>
+      <p:grpSp>
+        <p:nvGrpSpPr>
+          <p:cNvPr id="30" name="Group 29"/>
+          <p:cNvGrpSpPr/>
+          <p:nvPr/>
+        </p:nvGrpSpPr>
+        <p:grpSpPr>
+          <a:xfrm>
+            <a:off x="8349247" y="1959465"/>
+            <a:ext cx="3746134" cy="2121299"/>
+            <a:chOff x="2984939" y="1408387"/>
+            <a:chExt cx="5864772" cy="3321006"/>
+          </a:xfrm>
+        </p:grpSpPr>
+        <p:grpSp>
+          <p:nvGrpSpPr>
+            <p:cNvPr id="31" name="Group 30"/>
+            <p:cNvGrpSpPr/>
+            <p:nvPr/>
+          </p:nvGrpSpPr>
+          <p:grpSpPr>
+            <a:xfrm>
+              <a:off x="2984939" y="1408387"/>
+              <a:ext cx="5864772" cy="3321006"/>
+              <a:chOff x="2984939" y="1408387"/>
+              <a:chExt cx="5864772" cy="3321006"/>
+            </a:xfrm>
+          </p:grpSpPr>
+          <p:cxnSp>
+            <p:nvCxnSpPr>
+              <p:cNvPr id="35" name="Straight Connector 34"/>
+              <p:cNvCxnSpPr/>
+              <p:nvPr/>
+            </p:nvCxnSpPr>
+            <p:spPr>
+              <a:xfrm flipV="1">
+                <a:off x="2984939" y="1408387"/>
+                <a:ext cx="2932386" cy="2932386"/>
+              </a:xfrm>
+              <a:prstGeom prst="line">
+                <a:avLst/>
+              </a:prstGeom>
+              <a:ln w="50800">
+                <a:solidFill>
+                  <a:schemeClr val="tx1"/>
+                </a:solidFill>
+              </a:ln>
+            </p:spPr>
+            <p:style>
+              <a:lnRef idx="1">
+                <a:schemeClr val="accent1"/>
+              </a:lnRef>
+              <a:fillRef idx="0">
+                <a:schemeClr val="accent1"/>
+              </a:fillRef>
+              <a:effectRef idx="0">
+                <a:schemeClr val="accent1"/>
+              </a:effectRef>
+              <a:fontRef idx="minor">
+                <a:schemeClr val="tx1"/>
+              </a:fontRef>
+            </p:style>
+          </p:cxnSp>
+          <p:cxnSp>
+            <p:nvCxnSpPr>
+              <p:cNvPr id="36" name="Straight Connector 35"/>
+              <p:cNvCxnSpPr/>
+              <p:nvPr/>
+            </p:nvCxnSpPr>
+            <p:spPr>
+              <a:xfrm>
+                <a:off x="5917325" y="1408387"/>
+                <a:ext cx="2932386" cy="2932386"/>
+              </a:xfrm>
+              <a:prstGeom prst="line">
+                <a:avLst/>
+              </a:prstGeom>
+              <a:ln w="50800">
+                <a:solidFill>
+                  <a:schemeClr val="tx1"/>
+                </a:solidFill>
+              </a:ln>
+            </p:spPr>
+            <p:style>
+              <a:lnRef idx="1">
+                <a:schemeClr val="accent1"/>
+              </a:lnRef>
+              <a:fillRef idx="0">
+                <a:schemeClr val="accent1"/>
+              </a:fillRef>
+              <a:effectRef idx="0">
+                <a:schemeClr val="accent1"/>
+              </a:effectRef>
+              <a:fontRef idx="minor">
+                <a:schemeClr val="tx1"/>
+              </a:fontRef>
+            </p:style>
+          </p:cxnSp>
+          <p:cxnSp>
+            <p:nvCxnSpPr>
+              <p:cNvPr id="37" name="Straight Connector 36"/>
+              <p:cNvCxnSpPr/>
+              <p:nvPr/>
+            </p:nvCxnSpPr>
+            <p:spPr>
+              <a:xfrm flipV="1">
+                <a:off x="4310977" y="1798412"/>
+                <a:ext cx="2010810" cy="2010807"/>
+              </a:xfrm>
+              <a:prstGeom prst="line">
+                <a:avLst/>
+              </a:prstGeom>
+              <a:ln w="50800">
+                <a:solidFill>
+                  <a:schemeClr val="tx1"/>
+                </a:solidFill>
+              </a:ln>
+            </p:spPr>
+            <p:style>
+              <a:lnRef idx="1">
+                <a:schemeClr val="accent1"/>
+              </a:lnRef>
+              <a:fillRef idx="0">
+                <a:schemeClr val="accent1"/>
+              </a:fillRef>
+              <a:effectRef idx="0">
+                <a:schemeClr val="accent1"/>
+              </a:effectRef>
+              <a:fontRef idx="minor">
+                <a:schemeClr val="tx1"/>
+              </a:fontRef>
+            </p:style>
+          </p:cxnSp>
+          <p:cxnSp>
+            <p:nvCxnSpPr>
+              <p:cNvPr id="38" name="Straight Connector 37"/>
+              <p:cNvCxnSpPr/>
+              <p:nvPr/>
+            </p:nvCxnSpPr>
+            <p:spPr>
+              <a:xfrm flipV="1">
+                <a:off x="5071730" y="2453833"/>
+                <a:ext cx="1891219" cy="1891221"/>
+              </a:xfrm>
+              <a:prstGeom prst="line">
+                <a:avLst/>
+              </a:prstGeom>
+              <a:ln w="50800">
+                <a:solidFill>
+                  <a:schemeClr val="tx1"/>
+                </a:solidFill>
+              </a:ln>
+            </p:spPr>
+            <p:style>
+              <a:lnRef idx="1">
+                <a:schemeClr val="accent1"/>
+              </a:lnRef>
+              <a:fillRef idx="0">
+                <a:schemeClr val="accent1"/>
+              </a:fillRef>
+              <a:effectRef idx="0">
+                <a:schemeClr val="accent1"/>
+              </a:effectRef>
+              <a:fontRef idx="minor">
+                <a:schemeClr val="tx1"/>
+              </a:fontRef>
+            </p:style>
+          </p:cxnSp>
+          <mc:AlternateContent xmlns:mc="http://schemas.openxmlformats.org/markup-compatibility/2006" xmlns:a14="http://schemas.microsoft.com/office/drawing/2010/main">
+            <mc:Choice Requires="a14">
+              <p:sp>
+                <p:nvSpPr>
+                  <p:cNvPr id="39" name="TextBox 38"/>
+                  <p:cNvSpPr txBox="1"/>
+                  <p:nvPr/>
+                </p:nvSpPr>
+                <p:spPr>
+                  <a:xfrm>
+                    <a:off x="5521510" y="4360061"/>
+                    <a:ext cx="791627" cy="369332"/>
+                  </a:xfrm>
+                  <a:prstGeom prst="rect">
+                    <a:avLst/>
+                  </a:prstGeom>
+                  <a:noFill/>
+                </p:spPr>
+                <p:txBody>
+                  <a:bodyPr wrap="none" lIns="0" tIns="0" rIns="0" bIns="0" rtlCol="0">
+                    <a:spAutoFit/>
+                  </a:bodyPr>
+                  <a:lstStyle/>
+                  <a:p>
+                    <a:pPr/>
+                    <a14:m>
+                      <m:oMathPara xmlns:m="http://schemas.openxmlformats.org/officeDocument/2006/math">
+                        <m:oMathParaPr>
+                          <m:jc m:val="centerGroup"/>
+                        </m:oMathParaPr>
+                        <m:oMath xmlns:m="http://schemas.openxmlformats.org/officeDocument/2006/math">
+                          <m:r>
+                            <a:rPr lang="en-US" sz="2400" b="0" i="1" smtClean="0">
+                              <a:latin typeface="Cambria Math" charset="0"/>
+                            </a:rPr>
+                            <m:t>𝑟</m:t>
+                          </m:r>
+                          <m:r>
+                            <a:rPr lang="en-US" sz="2400" b="0" i="1" smtClean="0">
+                              <a:latin typeface="Cambria Math" charset="0"/>
+                            </a:rPr>
+                            <m:t>=1</m:t>
+                          </m:r>
+                        </m:oMath>
+                      </m:oMathPara>
+                    </a14:m>
+                    <a:endParaRPr lang="en-US" sz="2400" dirty="0"/>
+                  </a:p>
+                </p:txBody>
+              </p:sp>
+            </mc:Choice>
+            <mc:Fallback xmlns="">
+              <p:sp>
+                <p:nvSpPr>
+                  <p:cNvPr id="21" name="TextBox 20"/>
+                  <p:cNvSpPr txBox="1">
+                    <a:spLocks noRot="1" noChangeAspect="1" noMove="1" noResize="1" noEditPoints="1" noAdjustHandles="1" noChangeArrowheads="1" noChangeShapeType="1" noTextEdit="1"/>
+                  </p:cNvSpPr>
+                  <p:nvPr/>
+                </p:nvSpPr>
+                <p:spPr>
+                  <a:xfrm>
+                    <a:off x="5521510" y="4360061"/>
+                    <a:ext cx="791627" cy="369332"/>
+                  </a:xfrm>
+                  <a:prstGeom prst="rect">
+                    <a:avLst/>
+                  </a:prstGeom>
+                  <a:blipFill rotWithShape="0">
+                    <a:blip r:embed="rId4"/>
+                    <a:stretch>
+                      <a:fillRect l="-5385" r="-8462" b="-6557"/>
+                    </a:stretch>
+                  </a:blipFill>
+                </p:spPr>
+                <p:txBody>
+                  <a:bodyPr/>
+                  <a:lstStyle/>
+                  <a:p>
+                    <a:r>
+                      <a:rPr lang="en-US">
+                        <a:noFill/>
+                      </a:rPr>
+                      <a:t> </a:t>
+                    </a:r>
+                  </a:p>
+                </p:txBody>
+              </p:sp>
+            </mc:Fallback>
+          </mc:AlternateContent>
+          <p:cxnSp>
+            <p:nvCxnSpPr>
+              <p:cNvPr id="40" name="Straight Connector 39"/>
+              <p:cNvCxnSpPr/>
+              <p:nvPr/>
+            </p:nvCxnSpPr>
+            <p:spPr>
+              <a:xfrm flipV="1">
+                <a:off x="6520350" y="2814054"/>
+                <a:ext cx="777954" cy="777953"/>
+              </a:xfrm>
+              <a:prstGeom prst="line">
+                <a:avLst/>
+              </a:prstGeom>
+              <a:ln w="50800">
+                <a:solidFill>
+                  <a:schemeClr val="tx1"/>
+                </a:solidFill>
+              </a:ln>
+            </p:spPr>
+            <p:style>
+              <a:lnRef idx="1">
+                <a:schemeClr val="accent1"/>
+              </a:lnRef>
+              <a:fillRef idx="0">
+                <a:schemeClr val="accent1"/>
+              </a:fillRef>
+              <a:effectRef idx="0">
+                <a:schemeClr val="accent1"/>
+              </a:effectRef>
+              <a:fontRef idx="minor">
+                <a:schemeClr val="tx1"/>
+              </a:fontRef>
+            </p:style>
+          </p:cxnSp>
+          <p:cxnSp>
+            <p:nvCxnSpPr>
+              <p:cNvPr id="41" name="Straight Connector 40"/>
+              <p:cNvCxnSpPr/>
+              <p:nvPr/>
+            </p:nvCxnSpPr>
+            <p:spPr>
+              <a:xfrm flipV="1">
+                <a:off x="7859392" y="3675341"/>
+                <a:ext cx="350080" cy="350079"/>
+              </a:xfrm>
+              <a:prstGeom prst="line">
+                <a:avLst/>
+              </a:prstGeom>
+              <a:ln w="50800">
+                <a:solidFill>
+                  <a:schemeClr val="tx1"/>
+                </a:solidFill>
+              </a:ln>
+            </p:spPr>
+            <p:style>
+              <a:lnRef idx="1">
+                <a:schemeClr val="accent1"/>
+              </a:lnRef>
+              <a:fillRef idx="0">
+                <a:schemeClr val="accent1"/>
+              </a:fillRef>
+              <a:effectRef idx="0">
+                <a:schemeClr val="accent1"/>
+              </a:effectRef>
+              <a:fontRef idx="minor">
+                <a:schemeClr val="tx1"/>
+              </a:fontRef>
+            </p:style>
+          </p:cxnSp>
+          <p:cxnSp>
+            <p:nvCxnSpPr>
+              <p:cNvPr id="42" name="Straight Connector 41"/>
+              <p:cNvCxnSpPr/>
+              <p:nvPr/>
+            </p:nvCxnSpPr>
+            <p:spPr>
+              <a:xfrm>
+                <a:off x="4310977" y="3793827"/>
+                <a:ext cx="560509" cy="560509"/>
+              </a:xfrm>
+              <a:prstGeom prst="line">
+                <a:avLst/>
+              </a:prstGeom>
+              <a:ln w="50800">
+                <a:solidFill>
+                  <a:schemeClr val="bg1">
+                    <a:lumMod val="65000"/>
+                  </a:schemeClr>
+                </a:solidFill>
+                <a:prstDash val="sysDash"/>
+              </a:ln>
+            </p:spPr>
+            <p:style>
+              <a:lnRef idx="1">
+                <a:schemeClr val="accent1"/>
+              </a:lnRef>
+              <a:fillRef idx="0">
+                <a:schemeClr val="accent1"/>
+              </a:fillRef>
+              <a:effectRef idx="0">
+                <a:schemeClr val="accent1"/>
+              </a:effectRef>
+              <a:fontRef idx="minor">
+                <a:schemeClr val="tx1"/>
+              </a:fontRef>
+            </p:style>
+          </p:cxnSp>
+          <p:cxnSp>
+            <p:nvCxnSpPr>
+              <p:cNvPr id="43" name="Straight Connector 42"/>
+              <p:cNvCxnSpPr/>
+              <p:nvPr/>
+            </p:nvCxnSpPr>
+            <p:spPr>
+              <a:xfrm>
+                <a:off x="7859392" y="4008721"/>
+                <a:ext cx="345615" cy="345615"/>
+              </a:xfrm>
+              <a:prstGeom prst="line">
+                <a:avLst/>
+              </a:prstGeom>
+              <a:ln w="50800">
+                <a:solidFill>
+                  <a:schemeClr val="bg1">
+                    <a:lumMod val="65000"/>
+                  </a:schemeClr>
+                </a:solidFill>
+                <a:prstDash val="sysDash"/>
+              </a:ln>
+            </p:spPr>
+            <p:style>
+              <a:lnRef idx="1">
+                <a:schemeClr val="accent1"/>
+              </a:lnRef>
+              <a:fillRef idx="0">
+                <a:schemeClr val="accent1"/>
+              </a:fillRef>
+              <a:effectRef idx="0">
+                <a:schemeClr val="accent1"/>
+              </a:effectRef>
+              <a:fontRef idx="minor">
+                <a:schemeClr val="tx1"/>
+              </a:fontRef>
+            </p:style>
+          </p:cxnSp>
+          <p:cxnSp>
+            <p:nvCxnSpPr>
+              <p:cNvPr id="44" name="Straight Connector 43"/>
+              <p:cNvCxnSpPr/>
+              <p:nvPr/>
+            </p:nvCxnSpPr>
+            <p:spPr>
+              <a:xfrm>
+                <a:off x="6520350" y="3578913"/>
+                <a:ext cx="777954" cy="777954"/>
+              </a:xfrm>
+              <a:prstGeom prst="line">
+                <a:avLst/>
+              </a:prstGeom>
+              <a:ln w="50800">
+                <a:solidFill>
+                  <a:schemeClr val="bg1">
+                    <a:lumMod val="65000"/>
+                  </a:schemeClr>
+                </a:solidFill>
+                <a:prstDash val="sysDash"/>
+              </a:ln>
+            </p:spPr>
+            <p:style>
+              <a:lnRef idx="1">
+                <a:schemeClr val="accent1"/>
+              </a:lnRef>
+              <a:fillRef idx="0">
+                <a:schemeClr val="accent1"/>
+              </a:fillRef>
+              <a:effectRef idx="0">
+                <a:schemeClr val="accent1"/>
+              </a:effectRef>
+              <a:fontRef idx="minor">
+                <a:schemeClr val="tx1"/>
+              </a:fontRef>
+            </p:style>
+          </p:cxnSp>
+        </p:grpSp>
+        <p:cxnSp>
+          <p:nvCxnSpPr>
+            <p:cNvPr id="32" name="Straight Connector 31"/>
+            <p:cNvCxnSpPr/>
+            <p:nvPr/>
+          </p:nvCxnSpPr>
+          <p:spPr>
+            <a:xfrm flipV="1">
+              <a:off x="3769654" y="3809219"/>
+              <a:ext cx="541323" cy="541324"/>
+            </a:xfrm>
+            <a:prstGeom prst="line">
+              <a:avLst/>
+            </a:prstGeom>
+            <a:ln w="50800">
+              <a:solidFill>
+                <a:schemeClr val="bg1">
+                  <a:lumMod val="65000"/>
+                </a:schemeClr>
+              </a:solidFill>
+              <a:prstDash val="sysDash"/>
+            </a:ln>
+          </p:spPr>
+          <p:style>
+            <a:lnRef idx="1">
+              <a:schemeClr val="accent1"/>
+            </a:lnRef>
+            <a:fillRef idx="0">
+              <a:schemeClr val="accent1"/>
+            </a:fillRef>
+            <a:effectRef idx="0">
+              <a:schemeClr val="accent1"/>
+            </a:effectRef>
+            <a:fontRef idx="minor">
+              <a:schemeClr val="tx1"/>
+            </a:fontRef>
+          </p:style>
+        </p:cxnSp>
+        <p:cxnSp>
+          <p:nvCxnSpPr>
+            <p:cNvPr id="33" name="Straight Connector 32"/>
+            <p:cNvCxnSpPr/>
+            <p:nvPr/>
+          </p:nvCxnSpPr>
+          <p:spPr>
+            <a:xfrm flipV="1">
+              <a:off x="5768585" y="3578913"/>
+              <a:ext cx="764860" cy="764859"/>
+            </a:xfrm>
+            <a:prstGeom prst="line">
+              <a:avLst/>
+            </a:prstGeom>
+            <a:ln w="50800">
+              <a:solidFill>
+                <a:schemeClr val="bg1">
+                  <a:lumMod val="65000"/>
+                </a:schemeClr>
+              </a:solidFill>
+              <a:prstDash val="sysDash"/>
+            </a:ln>
+          </p:spPr>
+          <p:style>
+            <a:lnRef idx="1">
+              <a:schemeClr val="accent1"/>
+            </a:lnRef>
+            <a:fillRef idx="0">
+              <a:schemeClr val="accent1"/>
+            </a:fillRef>
+            <a:effectRef idx="0">
+              <a:schemeClr val="accent1"/>
+            </a:effectRef>
+            <a:fontRef idx="minor">
+              <a:schemeClr val="tx1"/>
+            </a:fontRef>
+          </p:style>
+        </p:cxnSp>
+        <p:cxnSp>
+          <p:nvCxnSpPr>
+            <p:cNvPr id="34" name="Straight Connector 33"/>
+            <p:cNvCxnSpPr/>
+            <p:nvPr/>
+          </p:nvCxnSpPr>
+          <p:spPr>
+            <a:xfrm flipV="1">
+              <a:off x="7536543" y="4008721"/>
+              <a:ext cx="339548" cy="339549"/>
+            </a:xfrm>
+            <a:prstGeom prst="line">
+              <a:avLst/>
+            </a:prstGeom>
+            <a:ln w="50800">
+              <a:solidFill>
+                <a:schemeClr val="bg1">
+                  <a:lumMod val="65000"/>
+                </a:schemeClr>
+              </a:solidFill>
+              <a:prstDash val="sysDash"/>
+            </a:ln>
+          </p:spPr>
+          <p:style>
+            <a:lnRef idx="1">
+              <a:schemeClr val="accent1"/>
+            </a:lnRef>
+            <a:fillRef idx="0">
+              <a:schemeClr val="accent1"/>
+            </a:fillRef>
+            <a:effectRef idx="0">
+              <a:schemeClr val="accent1"/>
+            </a:effectRef>
+            <a:fontRef idx="minor">
+              <a:schemeClr val="tx1"/>
+            </a:fontRef>
+          </p:style>
+        </p:cxnSp>
+      </p:grpSp>
+    </p:spTree>
+    <p:extLst>
+      <p:ext uri="{BB962C8B-B14F-4D97-AF65-F5344CB8AC3E}">
+        <p14:creationId xmlns:p14="http://schemas.microsoft.com/office/powerpoint/2010/main" val="1109344342"/>
+      </p:ext>
+    </p:extLst>
+  </p:cSld>
+  <p:clrMapOvr>
+    <a:masterClrMapping/>
+  </p:clrMapOvr>
+</p:sld>
+</file>
+
+<file path=ppt/slides/slide8.xml><?xml version="1.0" encoding="utf-8"?>
 <p:sld xmlns:a="http://schemas.openxmlformats.org/drawingml/2006/main" xmlns:r="http://schemas.openxmlformats.org/officeDocument/2006/relationships" xmlns:p="http://schemas.openxmlformats.org/presentationml/2006/main">
   <p:cSld>
     <p:spTree>
@@ -13559,7 +20367,7 @@
 </p:sld>
 </file>
 
-<file path=ppt/slides/slide7.xml><?xml version="1.0" encoding="utf-8"?>
+<file path=ppt/slides/slide9.xml><?xml version="1.0" encoding="utf-8"?>
 <p:sld xmlns:a="http://schemas.openxmlformats.org/drawingml/2006/main" xmlns:r="http://schemas.openxmlformats.org/officeDocument/2006/relationships" xmlns:p="http://schemas.openxmlformats.org/presentationml/2006/main">
   <p:cSld>
     <p:spTree>
@@ -14615,2318 +21423,6 @@
     <p:extLst>
       <p:ext uri="{BB962C8B-B14F-4D97-AF65-F5344CB8AC3E}">
         <p14:creationId xmlns:p14="http://schemas.microsoft.com/office/powerpoint/2010/main" val="1379498599"/>
-      </p:ext>
-    </p:extLst>
-  </p:cSld>
-  <p:clrMapOvr>
-    <a:masterClrMapping/>
-  </p:clrMapOvr>
-</p:sld>
-</file>
-
-<file path=ppt/slides/slide8.xml><?xml version="1.0" encoding="utf-8"?>
-<p:sld xmlns:a="http://schemas.openxmlformats.org/drawingml/2006/main" xmlns:r="http://schemas.openxmlformats.org/officeDocument/2006/relationships" xmlns:p="http://schemas.openxmlformats.org/presentationml/2006/main">
-  <p:cSld>
-    <p:spTree>
-      <p:nvGrpSpPr>
-        <p:cNvPr id="1" name=""/>
-        <p:cNvGrpSpPr/>
-        <p:nvPr/>
-      </p:nvGrpSpPr>
-      <p:grpSpPr>
-        <a:xfrm>
-          <a:off x="0" y="0"/>
-          <a:ext cx="0" cy="0"/>
-          <a:chOff x="0" y="0"/>
-          <a:chExt cx="0" cy="0"/>
-        </a:xfrm>
-      </p:grpSpPr>
-      <p:grpSp>
-        <p:nvGrpSpPr>
-          <p:cNvPr id="2" name="Group 1"/>
-          <p:cNvGrpSpPr/>
-          <p:nvPr/>
-        </p:nvGrpSpPr>
-        <p:grpSpPr>
-          <a:xfrm>
-            <a:off x="2335880" y="1062642"/>
-            <a:ext cx="3221051" cy="2045593"/>
-            <a:chOff x="2335880" y="1062642"/>
-            <a:chExt cx="3221051" cy="2045593"/>
-          </a:xfrm>
-        </p:grpSpPr>
-        <p:sp>
-          <p:nvSpPr>
-            <p:cNvPr id="54" name="TextBox 53"/>
-            <p:cNvSpPr txBox="1"/>
-            <p:nvPr/>
-          </p:nvSpPr>
-          <p:spPr>
-            <a:xfrm>
-              <a:off x="2335880" y="2708125"/>
-              <a:ext cx="3221051" cy="400110"/>
-            </a:xfrm>
-            <a:prstGeom prst="rect">
-              <a:avLst/>
-            </a:prstGeom>
-            <a:noFill/>
-          </p:spPr>
-          <p:txBody>
-            <a:bodyPr wrap="square" rtlCol="0">
-              <a:spAutoFit/>
-            </a:bodyPr>
-            <a:lstStyle/>
-            <a:p>
-              <a:pPr algn="ctr"/>
-              <a:r>
-                <a:rPr lang="en-US" sz="2000" dirty="0" smtClean="0"/>
-                <a:t>Ordering 1</a:t>
-              </a:r>
-              <a:endParaRPr lang="en-US" sz="2000" dirty="0"/>
-            </a:p>
-          </p:txBody>
-        </p:sp>
-        <p:cxnSp>
-          <p:nvCxnSpPr>
-            <p:cNvPr id="38" name="Straight Connector 37"/>
-            <p:cNvCxnSpPr/>
-            <p:nvPr/>
-          </p:nvCxnSpPr>
-          <p:spPr>
-            <a:xfrm flipV="1">
-              <a:off x="2335880" y="1062643"/>
-              <a:ext cx="1609128" cy="1609127"/>
-            </a:xfrm>
-            <a:prstGeom prst="line">
-              <a:avLst/>
-            </a:prstGeom>
-            <a:ln w="50800">
-              <a:solidFill>
-                <a:schemeClr val="tx1"/>
-              </a:solidFill>
-            </a:ln>
-          </p:spPr>
-          <p:style>
-            <a:lnRef idx="1">
-              <a:schemeClr val="accent1"/>
-            </a:lnRef>
-            <a:fillRef idx="0">
-              <a:schemeClr val="accent1"/>
-            </a:fillRef>
-            <a:effectRef idx="0">
-              <a:schemeClr val="accent1"/>
-            </a:effectRef>
-            <a:fontRef idx="minor">
-              <a:schemeClr val="tx1"/>
-            </a:fontRef>
-          </p:style>
-        </p:cxnSp>
-        <p:cxnSp>
-          <p:nvCxnSpPr>
-            <p:cNvPr id="43" name="Straight Connector 42"/>
-            <p:cNvCxnSpPr/>
-            <p:nvPr/>
-          </p:nvCxnSpPr>
-          <p:spPr>
-            <a:xfrm>
-              <a:off x="3945008" y="1062642"/>
-              <a:ext cx="1610526" cy="1610526"/>
-            </a:xfrm>
-            <a:prstGeom prst="line">
-              <a:avLst/>
-            </a:prstGeom>
-            <a:ln w="50800">
-              <a:solidFill>
-                <a:schemeClr val="tx1"/>
-              </a:solidFill>
-            </a:ln>
-          </p:spPr>
-          <p:style>
-            <a:lnRef idx="1">
-              <a:schemeClr val="accent1"/>
-            </a:lnRef>
-            <a:fillRef idx="0">
-              <a:schemeClr val="accent1"/>
-            </a:fillRef>
-            <a:effectRef idx="0">
-              <a:schemeClr val="accent1"/>
-            </a:effectRef>
-            <a:fontRef idx="minor">
-              <a:schemeClr val="tx1"/>
-            </a:fontRef>
-          </p:style>
-        </p:cxnSp>
-        <p:cxnSp>
-          <p:nvCxnSpPr>
-            <p:cNvPr id="46" name="Straight Connector 45"/>
-            <p:cNvCxnSpPr/>
-            <p:nvPr/>
-          </p:nvCxnSpPr>
-          <p:spPr>
-            <a:xfrm flipV="1">
-              <a:off x="3705781" y="1730202"/>
-              <a:ext cx="941569" cy="941568"/>
-            </a:xfrm>
-            <a:prstGeom prst="line">
-              <a:avLst/>
-            </a:prstGeom>
-            <a:ln w="50800">
-              <a:solidFill>
-                <a:schemeClr val="tx1"/>
-              </a:solidFill>
-            </a:ln>
-          </p:spPr>
-          <p:style>
-            <a:lnRef idx="1">
-              <a:schemeClr val="accent1"/>
-            </a:lnRef>
-            <a:fillRef idx="0">
-              <a:schemeClr val="accent1"/>
-            </a:fillRef>
-            <a:effectRef idx="0">
-              <a:schemeClr val="accent1"/>
-            </a:effectRef>
-            <a:fontRef idx="minor">
-              <a:schemeClr val="tx1"/>
-            </a:fontRef>
-          </p:style>
-        </p:cxnSp>
-        <p:cxnSp>
-          <p:nvCxnSpPr>
-            <p:cNvPr id="50" name="Straight Connector 49"/>
-            <p:cNvCxnSpPr/>
-            <p:nvPr/>
-          </p:nvCxnSpPr>
-          <p:spPr>
-            <a:xfrm flipV="1">
-              <a:off x="4476330" y="2128665"/>
-              <a:ext cx="547268" cy="547268"/>
-            </a:xfrm>
-            <a:prstGeom prst="line">
-              <a:avLst/>
-            </a:prstGeom>
-            <a:ln w="50800">
-              <a:solidFill>
-                <a:schemeClr val="tx1"/>
-              </a:solidFill>
-            </a:ln>
-          </p:spPr>
-          <p:style>
-            <a:lnRef idx="1">
-              <a:schemeClr val="accent1"/>
-            </a:lnRef>
-            <a:fillRef idx="0">
-              <a:schemeClr val="accent1"/>
-            </a:fillRef>
-            <a:effectRef idx="0">
-              <a:schemeClr val="accent1"/>
-            </a:effectRef>
-            <a:fontRef idx="minor">
-              <a:schemeClr val="tx1"/>
-            </a:fontRef>
-          </p:style>
-        </p:cxnSp>
-        <p:cxnSp>
-          <p:nvCxnSpPr>
-            <p:cNvPr id="51" name="Straight Connector 50"/>
-            <p:cNvCxnSpPr/>
-            <p:nvPr/>
-          </p:nvCxnSpPr>
-          <p:spPr>
-            <a:xfrm>
-              <a:off x="2885106" y="2128665"/>
-              <a:ext cx="547268" cy="547268"/>
-            </a:xfrm>
-            <a:prstGeom prst="line">
-              <a:avLst/>
-            </a:prstGeom>
-            <a:ln w="50800">
-              <a:solidFill>
-                <a:schemeClr val="tx1"/>
-              </a:solidFill>
-            </a:ln>
-          </p:spPr>
-          <p:style>
-            <a:lnRef idx="1">
-              <a:schemeClr val="accent1"/>
-            </a:lnRef>
-            <a:fillRef idx="0">
-              <a:schemeClr val="accent1"/>
-            </a:fillRef>
-            <a:effectRef idx="0">
-              <a:schemeClr val="accent1"/>
-            </a:effectRef>
-            <a:fontRef idx="minor">
-              <a:schemeClr val="tx1"/>
-            </a:fontRef>
-          </p:style>
-        </p:cxnSp>
-      </p:grpSp>
-      <p:grpSp>
-        <p:nvGrpSpPr>
-          <p:cNvPr id="3" name="Group 2"/>
-          <p:cNvGrpSpPr/>
-          <p:nvPr/>
-        </p:nvGrpSpPr>
-        <p:grpSpPr>
-          <a:xfrm>
-            <a:off x="6330461" y="1065703"/>
-            <a:ext cx="3219654" cy="2042532"/>
-            <a:chOff x="6330461" y="1065703"/>
-            <a:chExt cx="3219654" cy="2042532"/>
-          </a:xfrm>
-        </p:grpSpPr>
-        <p:cxnSp>
-          <p:nvCxnSpPr>
-            <p:cNvPr id="39" name="Straight Connector 38"/>
-            <p:cNvCxnSpPr/>
-            <p:nvPr/>
-          </p:nvCxnSpPr>
-          <p:spPr>
-            <a:xfrm flipV="1">
-              <a:off x="6330461" y="1065704"/>
-              <a:ext cx="1609128" cy="1609127"/>
-            </a:xfrm>
-            <a:prstGeom prst="line">
-              <a:avLst/>
-            </a:prstGeom>
-            <a:ln w="50800">
-              <a:solidFill>
-                <a:schemeClr val="tx1"/>
-              </a:solidFill>
-            </a:ln>
-          </p:spPr>
-          <p:style>
-            <a:lnRef idx="1">
-              <a:schemeClr val="accent1"/>
-            </a:lnRef>
-            <a:fillRef idx="0">
-              <a:schemeClr val="accent1"/>
-            </a:fillRef>
-            <a:effectRef idx="0">
-              <a:schemeClr val="accent1"/>
-            </a:effectRef>
-            <a:fontRef idx="minor">
-              <a:schemeClr val="tx1"/>
-            </a:fontRef>
-          </p:style>
-        </p:cxnSp>
-        <p:cxnSp>
-          <p:nvCxnSpPr>
-            <p:cNvPr id="40" name="Straight Connector 39"/>
-            <p:cNvCxnSpPr/>
-            <p:nvPr/>
-          </p:nvCxnSpPr>
-          <p:spPr>
-            <a:xfrm>
-              <a:off x="7939589" y="1065703"/>
-              <a:ext cx="1610526" cy="1610526"/>
-            </a:xfrm>
-            <a:prstGeom prst="line">
-              <a:avLst/>
-            </a:prstGeom>
-            <a:ln w="50800">
-              <a:solidFill>
-                <a:schemeClr val="tx1"/>
-              </a:solidFill>
-            </a:ln>
-          </p:spPr>
-          <p:style>
-            <a:lnRef idx="1">
-              <a:schemeClr val="accent1"/>
-            </a:lnRef>
-            <a:fillRef idx="0">
-              <a:schemeClr val="accent1"/>
-            </a:fillRef>
-            <a:effectRef idx="0">
-              <a:schemeClr val="accent1"/>
-            </a:effectRef>
-            <a:fontRef idx="minor">
-              <a:schemeClr val="tx1"/>
-            </a:fontRef>
-          </p:style>
-        </p:cxnSp>
-        <p:cxnSp>
-          <p:nvCxnSpPr>
-            <p:cNvPr id="42" name="Straight Connector 41"/>
-            <p:cNvCxnSpPr/>
-            <p:nvPr/>
-          </p:nvCxnSpPr>
-          <p:spPr>
-            <a:xfrm flipV="1">
-              <a:off x="8470911" y="2131726"/>
-              <a:ext cx="547268" cy="547268"/>
-            </a:xfrm>
-            <a:prstGeom prst="line">
-              <a:avLst/>
-            </a:prstGeom>
-            <a:ln w="50800">
-              <a:solidFill>
-                <a:schemeClr val="tx1"/>
-              </a:solidFill>
-            </a:ln>
-          </p:spPr>
-          <p:style>
-            <a:lnRef idx="1">
-              <a:schemeClr val="accent1"/>
-            </a:lnRef>
-            <a:fillRef idx="0">
-              <a:schemeClr val="accent1"/>
-            </a:fillRef>
-            <a:effectRef idx="0">
-              <a:schemeClr val="accent1"/>
-            </a:effectRef>
-            <a:fontRef idx="minor">
-              <a:schemeClr val="tx1"/>
-            </a:fontRef>
-          </p:style>
-        </p:cxnSp>
-        <p:cxnSp>
-          <p:nvCxnSpPr>
-            <p:cNvPr id="49" name="Straight Connector 48"/>
-            <p:cNvCxnSpPr/>
-            <p:nvPr/>
-          </p:nvCxnSpPr>
-          <p:spPr>
-            <a:xfrm>
-              <a:off x="6879687" y="2131726"/>
-              <a:ext cx="547268" cy="547268"/>
-            </a:xfrm>
-            <a:prstGeom prst="line">
-              <a:avLst/>
-            </a:prstGeom>
-            <a:ln w="50800">
-              <a:solidFill>
-                <a:schemeClr val="tx1"/>
-              </a:solidFill>
-            </a:ln>
-          </p:spPr>
-          <p:style>
-            <a:lnRef idx="1">
-              <a:schemeClr val="accent1"/>
-            </a:lnRef>
-            <a:fillRef idx="0">
-              <a:schemeClr val="accent1"/>
-            </a:fillRef>
-            <a:effectRef idx="0">
-              <a:schemeClr val="accent1"/>
-            </a:effectRef>
-            <a:fontRef idx="minor">
-              <a:schemeClr val="tx1"/>
-            </a:fontRef>
-          </p:style>
-        </p:cxnSp>
-        <p:sp>
-          <p:nvSpPr>
-            <p:cNvPr id="55" name="TextBox 54"/>
-            <p:cNvSpPr txBox="1"/>
-            <p:nvPr/>
-          </p:nvSpPr>
-          <p:spPr>
-            <a:xfrm>
-              <a:off x="6330461" y="2708125"/>
-              <a:ext cx="3219654" cy="400110"/>
-            </a:xfrm>
-            <a:prstGeom prst="rect">
-              <a:avLst/>
-            </a:prstGeom>
-            <a:noFill/>
-          </p:spPr>
-          <p:txBody>
-            <a:bodyPr wrap="square" rtlCol="0">
-              <a:spAutoFit/>
-            </a:bodyPr>
-            <a:lstStyle/>
-            <a:p>
-              <a:pPr algn="ctr"/>
-              <a:r>
-                <a:rPr lang="en-US" sz="2000" dirty="0" smtClean="0"/>
-                <a:t>Ordering 2</a:t>
-              </a:r>
-              <a:endParaRPr lang="en-US" sz="2000" dirty="0"/>
-            </a:p>
-          </p:txBody>
-        </p:sp>
-        <p:cxnSp>
-          <p:nvCxnSpPr>
-            <p:cNvPr id="53" name="Straight Connector 52"/>
-            <p:cNvCxnSpPr/>
-            <p:nvPr/>
-          </p:nvCxnSpPr>
-          <p:spPr>
-            <a:xfrm>
-              <a:off x="7244116" y="1736265"/>
-              <a:ext cx="956369" cy="956369"/>
-            </a:xfrm>
-            <a:prstGeom prst="line">
-              <a:avLst/>
-            </a:prstGeom>
-            <a:ln w="50800">
-              <a:solidFill>
-                <a:schemeClr val="tx1"/>
-              </a:solidFill>
-            </a:ln>
-          </p:spPr>
-          <p:style>
-            <a:lnRef idx="1">
-              <a:schemeClr val="accent1"/>
-            </a:lnRef>
-            <a:fillRef idx="0">
-              <a:schemeClr val="accent1"/>
-            </a:fillRef>
-            <a:effectRef idx="0">
-              <a:schemeClr val="accent1"/>
-            </a:effectRef>
-            <a:fontRef idx="minor">
-              <a:schemeClr val="tx1"/>
-            </a:fontRef>
-          </p:style>
-        </p:cxnSp>
-      </p:grpSp>
-      <p:grpSp>
-        <p:nvGrpSpPr>
-          <p:cNvPr id="4" name="Group 3"/>
-          <p:cNvGrpSpPr/>
-          <p:nvPr/>
-        </p:nvGrpSpPr>
-        <p:grpSpPr>
-          <a:xfrm>
-            <a:off x="2335880" y="3620562"/>
-            <a:ext cx="3221051" cy="2042532"/>
-            <a:chOff x="2335880" y="3620562"/>
-            <a:chExt cx="3221051" cy="2042532"/>
-          </a:xfrm>
-        </p:grpSpPr>
-        <p:cxnSp>
-          <p:nvCxnSpPr>
-            <p:cNvPr id="28" name="Straight Connector 27"/>
-            <p:cNvCxnSpPr/>
-            <p:nvPr/>
-          </p:nvCxnSpPr>
-          <p:spPr>
-            <a:xfrm flipV="1">
-              <a:off x="2335880" y="3620563"/>
-              <a:ext cx="1609128" cy="1609127"/>
-            </a:xfrm>
-            <a:prstGeom prst="line">
-              <a:avLst/>
-            </a:prstGeom>
-            <a:ln w="50800">
-              <a:solidFill>
-                <a:schemeClr val="tx1"/>
-              </a:solidFill>
-            </a:ln>
-          </p:spPr>
-          <p:style>
-            <a:lnRef idx="1">
-              <a:schemeClr val="accent1"/>
-            </a:lnRef>
-            <a:fillRef idx="0">
-              <a:schemeClr val="accent1"/>
-            </a:fillRef>
-            <a:effectRef idx="0">
-              <a:schemeClr val="accent1"/>
-            </a:effectRef>
-            <a:fontRef idx="minor">
-              <a:schemeClr val="tx1"/>
-            </a:fontRef>
-          </p:style>
-        </p:cxnSp>
-        <p:cxnSp>
-          <p:nvCxnSpPr>
-            <p:cNvPr id="29" name="Straight Connector 28"/>
-            <p:cNvCxnSpPr/>
-            <p:nvPr/>
-          </p:nvCxnSpPr>
-          <p:spPr>
-            <a:xfrm>
-              <a:off x="3945008" y="3620562"/>
-              <a:ext cx="1610526" cy="1610526"/>
-            </a:xfrm>
-            <a:prstGeom prst="line">
-              <a:avLst/>
-            </a:prstGeom>
-            <a:ln w="50800">
-              <a:solidFill>
-                <a:schemeClr val="tx1"/>
-              </a:solidFill>
-            </a:ln>
-          </p:spPr>
-          <p:style>
-            <a:lnRef idx="1">
-              <a:schemeClr val="accent1"/>
-            </a:lnRef>
-            <a:fillRef idx="0">
-              <a:schemeClr val="accent1"/>
-            </a:fillRef>
-            <a:effectRef idx="0">
-              <a:schemeClr val="accent1"/>
-            </a:effectRef>
-            <a:fontRef idx="minor">
-              <a:schemeClr val="tx1"/>
-            </a:fontRef>
-          </p:style>
-        </p:cxnSp>
-        <p:cxnSp>
-          <p:nvCxnSpPr>
-            <p:cNvPr id="31" name="Straight Connector 30"/>
-            <p:cNvCxnSpPr/>
-            <p:nvPr/>
-          </p:nvCxnSpPr>
-          <p:spPr>
-            <a:xfrm flipV="1">
-              <a:off x="3705781" y="4288122"/>
-              <a:ext cx="941569" cy="941568"/>
-            </a:xfrm>
-            <a:prstGeom prst="line">
-              <a:avLst/>
-            </a:prstGeom>
-            <a:ln w="50800">
-              <a:solidFill>
-                <a:schemeClr val="tx1"/>
-              </a:solidFill>
-            </a:ln>
-          </p:spPr>
-          <p:style>
-            <a:lnRef idx="1">
-              <a:schemeClr val="accent1"/>
-            </a:lnRef>
-            <a:fillRef idx="0">
-              <a:schemeClr val="accent1"/>
-            </a:fillRef>
-            <a:effectRef idx="0">
-              <a:schemeClr val="accent1"/>
-            </a:effectRef>
-            <a:fontRef idx="minor">
-              <a:schemeClr val="tx1"/>
-            </a:fontRef>
-          </p:style>
-        </p:cxnSp>
-        <p:cxnSp>
-          <p:nvCxnSpPr>
-            <p:cNvPr id="34" name="Straight Connector 33"/>
-            <p:cNvCxnSpPr/>
-            <p:nvPr/>
-          </p:nvCxnSpPr>
-          <p:spPr>
-            <a:xfrm>
-              <a:off x="2885106" y="4686585"/>
-              <a:ext cx="547268" cy="547268"/>
-            </a:xfrm>
-            <a:prstGeom prst="line">
-              <a:avLst/>
-            </a:prstGeom>
-            <a:ln w="50800">
-              <a:solidFill>
-                <a:schemeClr val="tx1"/>
-              </a:solidFill>
-            </a:ln>
-          </p:spPr>
-          <p:style>
-            <a:lnRef idx="1">
-              <a:schemeClr val="accent1"/>
-            </a:lnRef>
-            <a:fillRef idx="0">
-              <a:schemeClr val="accent1"/>
-            </a:fillRef>
-            <a:effectRef idx="0">
-              <a:schemeClr val="accent1"/>
-            </a:effectRef>
-            <a:fontRef idx="minor">
-              <a:schemeClr val="tx1"/>
-            </a:fontRef>
-          </p:style>
-        </p:cxnSp>
-        <p:sp>
-          <p:nvSpPr>
-            <p:cNvPr id="35" name="TextBox 34"/>
-            <p:cNvSpPr txBox="1"/>
-            <p:nvPr/>
-          </p:nvSpPr>
-          <p:spPr>
-            <a:xfrm>
-              <a:off x="2335880" y="5262984"/>
-              <a:ext cx="3221051" cy="400110"/>
-            </a:xfrm>
-            <a:prstGeom prst="rect">
-              <a:avLst/>
-            </a:prstGeom>
-            <a:noFill/>
-          </p:spPr>
-          <p:txBody>
-            <a:bodyPr wrap="square" rtlCol="0">
-              <a:spAutoFit/>
-            </a:bodyPr>
-            <a:lstStyle/>
-            <a:p>
-              <a:pPr algn="ctr"/>
-              <a:r>
-                <a:rPr lang="en-US" sz="2000" dirty="0" smtClean="0"/>
-                <a:t>Ordering 3</a:t>
-              </a:r>
-              <a:endParaRPr lang="en-US" sz="2000" dirty="0"/>
-            </a:p>
-          </p:txBody>
-        </p:sp>
-        <p:cxnSp>
-          <p:nvCxnSpPr>
-            <p:cNvPr id="60" name="Straight Connector 59"/>
-            <p:cNvCxnSpPr/>
-            <p:nvPr/>
-          </p:nvCxnSpPr>
-          <p:spPr>
-            <a:xfrm>
-              <a:off x="4284284" y="4663264"/>
-              <a:ext cx="568051" cy="568051"/>
-            </a:xfrm>
-            <a:prstGeom prst="line">
-              <a:avLst/>
-            </a:prstGeom>
-            <a:ln w="50800">
-              <a:solidFill>
-                <a:schemeClr val="tx1"/>
-              </a:solidFill>
-            </a:ln>
-          </p:spPr>
-          <p:style>
-            <a:lnRef idx="1">
-              <a:schemeClr val="accent1"/>
-            </a:lnRef>
-            <a:fillRef idx="0">
-              <a:schemeClr val="accent1"/>
-            </a:fillRef>
-            <a:effectRef idx="0">
-              <a:schemeClr val="accent1"/>
-            </a:effectRef>
-            <a:fontRef idx="minor">
-              <a:schemeClr val="tx1"/>
-            </a:fontRef>
-          </p:style>
-        </p:cxnSp>
-      </p:grpSp>
-      <p:grpSp>
-        <p:nvGrpSpPr>
-          <p:cNvPr id="5" name="Group 4"/>
-          <p:cNvGrpSpPr/>
-          <p:nvPr/>
-        </p:nvGrpSpPr>
-        <p:grpSpPr>
-          <a:xfrm>
-            <a:off x="6330461" y="3621690"/>
-            <a:ext cx="3348569" cy="2041404"/>
-            <a:chOff x="6330461" y="3621690"/>
-            <a:chExt cx="3348569" cy="2041404"/>
-          </a:xfrm>
-        </p:grpSpPr>
-        <p:sp>
-          <p:nvSpPr>
-            <p:cNvPr id="36" name="TextBox 35"/>
-            <p:cNvSpPr txBox="1"/>
-            <p:nvPr/>
-          </p:nvSpPr>
-          <p:spPr>
-            <a:xfrm>
-              <a:off x="6330461" y="5262984"/>
-              <a:ext cx="3219654" cy="400110"/>
-            </a:xfrm>
-            <a:prstGeom prst="rect">
-              <a:avLst/>
-            </a:prstGeom>
-            <a:noFill/>
-          </p:spPr>
-          <p:txBody>
-            <a:bodyPr wrap="square" rtlCol="0">
-              <a:spAutoFit/>
-            </a:bodyPr>
-            <a:lstStyle/>
-            <a:p>
-              <a:pPr algn="ctr"/>
-              <a:r>
-                <a:rPr lang="en-US" sz="2000" dirty="0" smtClean="0"/>
-                <a:t>Ordering 4</a:t>
-              </a:r>
-              <a:endParaRPr lang="en-US" sz="2000" dirty="0"/>
-            </a:p>
-          </p:txBody>
-        </p:sp>
-        <p:cxnSp>
-          <p:nvCxnSpPr>
-            <p:cNvPr id="61" name="Straight Connector 60"/>
-            <p:cNvCxnSpPr/>
-            <p:nvPr/>
-          </p:nvCxnSpPr>
-          <p:spPr>
-            <a:xfrm flipV="1">
-              <a:off x="6459376" y="3621691"/>
-              <a:ext cx="1609128" cy="1609127"/>
-            </a:xfrm>
-            <a:prstGeom prst="line">
-              <a:avLst/>
-            </a:prstGeom>
-            <a:ln w="50800">
-              <a:solidFill>
-                <a:schemeClr val="tx1"/>
-              </a:solidFill>
-            </a:ln>
-          </p:spPr>
-          <p:style>
-            <a:lnRef idx="1">
-              <a:schemeClr val="accent1"/>
-            </a:lnRef>
-            <a:fillRef idx="0">
-              <a:schemeClr val="accent1"/>
-            </a:fillRef>
-            <a:effectRef idx="0">
-              <a:schemeClr val="accent1"/>
-            </a:effectRef>
-            <a:fontRef idx="minor">
-              <a:schemeClr val="tx1"/>
-            </a:fontRef>
-          </p:style>
-        </p:cxnSp>
-        <p:cxnSp>
-          <p:nvCxnSpPr>
-            <p:cNvPr id="62" name="Straight Connector 61"/>
-            <p:cNvCxnSpPr/>
-            <p:nvPr/>
-          </p:nvCxnSpPr>
-          <p:spPr>
-            <a:xfrm>
-              <a:off x="8068504" y="3621690"/>
-              <a:ext cx="1610526" cy="1610526"/>
-            </a:xfrm>
-            <a:prstGeom prst="line">
-              <a:avLst/>
-            </a:prstGeom>
-            <a:ln w="50800">
-              <a:solidFill>
-                <a:schemeClr val="tx1"/>
-              </a:solidFill>
-            </a:ln>
-          </p:spPr>
-          <p:style>
-            <a:lnRef idx="1">
-              <a:schemeClr val="accent1"/>
-            </a:lnRef>
-            <a:fillRef idx="0">
-              <a:schemeClr val="accent1"/>
-            </a:fillRef>
-            <a:effectRef idx="0">
-              <a:schemeClr val="accent1"/>
-            </a:effectRef>
-            <a:fontRef idx="minor">
-              <a:schemeClr val="tx1"/>
-            </a:fontRef>
-          </p:style>
-        </p:cxnSp>
-        <p:cxnSp>
-          <p:nvCxnSpPr>
-            <p:cNvPr id="66" name="Straight Connector 65"/>
-            <p:cNvCxnSpPr/>
-            <p:nvPr/>
-          </p:nvCxnSpPr>
-          <p:spPr>
-            <a:xfrm>
-              <a:off x="7371583" y="4301761"/>
-              <a:ext cx="938145" cy="938145"/>
-            </a:xfrm>
-            <a:prstGeom prst="line">
-              <a:avLst/>
-            </a:prstGeom>
-            <a:ln w="50800">
-              <a:solidFill>
-                <a:schemeClr val="tx1"/>
-              </a:solidFill>
-            </a:ln>
-          </p:spPr>
-          <p:style>
-            <a:lnRef idx="1">
-              <a:schemeClr val="accent1"/>
-            </a:lnRef>
-            <a:fillRef idx="0">
-              <a:schemeClr val="accent1"/>
-            </a:fillRef>
-            <a:effectRef idx="0">
-              <a:schemeClr val="accent1"/>
-            </a:effectRef>
-            <a:fontRef idx="minor">
-              <a:schemeClr val="tx1"/>
-            </a:fontRef>
-          </p:style>
-        </p:cxnSp>
-        <p:cxnSp>
-          <p:nvCxnSpPr>
-            <p:cNvPr id="67" name="Straight Connector 66"/>
-            <p:cNvCxnSpPr/>
-            <p:nvPr/>
-          </p:nvCxnSpPr>
-          <p:spPr>
-            <a:xfrm flipV="1">
-              <a:off x="7340249" y="4758906"/>
-              <a:ext cx="471340" cy="471339"/>
-            </a:xfrm>
-            <a:prstGeom prst="line">
-              <a:avLst/>
-            </a:prstGeom>
-            <a:ln w="50800">
-              <a:solidFill>
-                <a:schemeClr val="tx1"/>
-              </a:solidFill>
-            </a:ln>
-          </p:spPr>
-          <p:style>
-            <a:lnRef idx="1">
-              <a:schemeClr val="accent1"/>
-            </a:lnRef>
-            <a:fillRef idx="0">
-              <a:schemeClr val="accent1"/>
-            </a:fillRef>
-            <a:effectRef idx="0">
-              <a:schemeClr val="accent1"/>
-            </a:effectRef>
-            <a:fontRef idx="minor">
-              <a:schemeClr val="tx1"/>
-            </a:fontRef>
-          </p:style>
-        </p:cxnSp>
-        <p:cxnSp>
-          <p:nvCxnSpPr>
-            <p:cNvPr id="68" name="Straight Connector 67"/>
-            <p:cNvCxnSpPr/>
-            <p:nvPr/>
-          </p:nvCxnSpPr>
-          <p:spPr>
-            <a:xfrm flipV="1">
-              <a:off x="8744545" y="4758906"/>
-              <a:ext cx="471340" cy="471339"/>
-            </a:xfrm>
-            <a:prstGeom prst="line">
-              <a:avLst/>
-            </a:prstGeom>
-            <a:ln w="50800">
-              <a:solidFill>
-                <a:schemeClr val="tx1"/>
-              </a:solidFill>
-            </a:ln>
-          </p:spPr>
-          <p:style>
-            <a:lnRef idx="1">
-              <a:schemeClr val="accent1"/>
-            </a:lnRef>
-            <a:fillRef idx="0">
-              <a:schemeClr val="accent1"/>
-            </a:fillRef>
-            <a:effectRef idx="0">
-              <a:schemeClr val="accent1"/>
-            </a:effectRef>
-            <a:fontRef idx="minor">
-              <a:schemeClr val="tx1"/>
-            </a:fontRef>
-          </p:style>
-        </p:cxnSp>
-      </p:grpSp>
-    </p:spTree>
-    <p:extLst>
-      <p:ext uri="{BB962C8B-B14F-4D97-AF65-F5344CB8AC3E}">
-        <p14:creationId xmlns:p14="http://schemas.microsoft.com/office/powerpoint/2010/main" val="753345598"/>
-      </p:ext>
-    </p:extLst>
-  </p:cSld>
-  <p:clrMapOvr>
-    <a:masterClrMapping/>
-  </p:clrMapOvr>
-</p:sld>
-</file>
-
-<file path=ppt/slides/slide9.xml><?xml version="1.0" encoding="utf-8"?>
-<p:sld xmlns:a="http://schemas.openxmlformats.org/drawingml/2006/main" xmlns:r="http://schemas.openxmlformats.org/officeDocument/2006/relationships" xmlns:p="http://schemas.openxmlformats.org/presentationml/2006/main">
-  <p:cSld>
-    <p:spTree>
-      <p:nvGrpSpPr>
-        <p:cNvPr id="1" name=""/>
-        <p:cNvGrpSpPr/>
-        <p:nvPr/>
-      </p:nvGrpSpPr>
-      <p:grpSpPr>
-        <a:xfrm>
-          <a:off x="0" y="0"/>
-          <a:ext cx="0" cy="0"/>
-          <a:chOff x="0" y="0"/>
-          <a:chExt cx="0" cy="0"/>
-        </a:xfrm>
-      </p:grpSpPr>
-      <p:grpSp>
-        <p:nvGrpSpPr>
-          <p:cNvPr id="2" name="Group 1"/>
-          <p:cNvGrpSpPr/>
-          <p:nvPr/>
-        </p:nvGrpSpPr>
-        <p:grpSpPr>
-          <a:xfrm>
-            <a:off x="477481" y="2118560"/>
-            <a:ext cx="11173483" cy="1615345"/>
-            <a:chOff x="477481" y="2118560"/>
-            <a:chExt cx="11173483" cy="1615345"/>
-          </a:xfrm>
-        </p:grpSpPr>
-        <p:cxnSp>
-          <p:nvCxnSpPr>
-            <p:cNvPr id="23" name="Straight Connector 22"/>
-            <p:cNvCxnSpPr/>
-            <p:nvPr/>
-          </p:nvCxnSpPr>
-          <p:spPr>
-            <a:xfrm flipV="1">
-              <a:off x="477481" y="2119588"/>
-              <a:ext cx="1609128" cy="1609127"/>
-            </a:xfrm>
-            <a:prstGeom prst="line">
-              <a:avLst/>
-            </a:prstGeom>
-            <a:ln w="50800">
-              <a:solidFill>
-                <a:schemeClr val="tx1"/>
-              </a:solidFill>
-            </a:ln>
-          </p:spPr>
-          <p:style>
-            <a:lnRef idx="1">
-              <a:schemeClr val="accent1"/>
-            </a:lnRef>
-            <a:fillRef idx="0">
-              <a:schemeClr val="accent1"/>
-            </a:fillRef>
-            <a:effectRef idx="0">
-              <a:schemeClr val="accent1"/>
-            </a:effectRef>
-            <a:fontRef idx="minor">
-              <a:schemeClr val="tx1"/>
-            </a:fontRef>
-          </p:style>
-        </p:cxnSp>
-        <p:cxnSp>
-          <p:nvCxnSpPr>
-            <p:cNvPr id="24" name="Straight Connector 23"/>
-            <p:cNvCxnSpPr/>
-            <p:nvPr/>
-          </p:nvCxnSpPr>
-          <p:spPr>
-            <a:xfrm>
-              <a:off x="2086609" y="2119587"/>
-              <a:ext cx="1610526" cy="1610526"/>
-            </a:xfrm>
-            <a:prstGeom prst="line">
-              <a:avLst/>
-            </a:prstGeom>
-            <a:ln w="50800">
-              <a:solidFill>
-                <a:schemeClr val="tx1"/>
-              </a:solidFill>
-            </a:ln>
-          </p:spPr>
-          <p:style>
-            <a:lnRef idx="1">
-              <a:schemeClr val="accent1"/>
-            </a:lnRef>
-            <a:fillRef idx="0">
-              <a:schemeClr val="accent1"/>
-            </a:fillRef>
-            <a:effectRef idx="0">
-              <a:schemeClr val="accent1"/>
-            </a:effectRef>
-            <a:fontRef idx="minor">
-              <a:schemeClr val="tx1"/>
-            </a:fontRef>
-          </p:style>
-        </p:cxnSp>
-        <p:cxnSp>
-          <p:nvCxnSpPr>
-            <p:cNvPr id="25" name="Straight Connector 24"/>
-            <p:cNvCxnSpPr/>
-            <p:nvPr/>
-          </p:nvCxnSpPr>
-          <p:spPr>
-            <a:xfrm flipV="1">
-              <a:off x="2905975" y="3330390"/>
-              <a:ext cx="403515" cy="403515"/>
-            </a:xfrm>
-            <a:prstGeom prst="line">
-              <a:avLst/>
-            </a:prstGeom>
-            <a:ln w="50800">
-              <a:solidFill>
-                <a:schemeClr val="tx1"/>
-              </a:solidFill>
-            </a:ln>
-          </p:spPr>
-          <p:style>
-            <a:lnRef idx="1">
-              <a:schemeClr val="accent1"/>
-            </a:lnRef>
-            <a:fillRef idx="0">
-              <a:schemeClr val="accent1"/>
-            </a:fillRef>
-            <a:effectRef idx="0">
-              <a:schemeClr val="accent1"/>
-            </a:effectRef>
-            <a:fontRef idx="minor">
-              <a:schemeClr val="tx1"/>
-            </a:fontRef>
-          </p:style>
-        </p:cxnSp>
-        <p:cxnSp>
-          <p:nvCxnSpPr>
-            <p:cNvPr id="27" name="Straight Connector 26"/>
-            <p:cNvCxnSpPr/>
-            <p:nvPr/>
-          </p:nvCxnSpPr>
-          <p:spPr>
-            <a:xfrm flipV="1">
-              <a:off x="1162133" y="2450306"/>
-              <a:ext cx="1275647" cy="1275644"/>
-            </a:xfrm>
-            <a:prstGeom prst="line">
-              <a:avLst/>
-            </a:prstGeom>
-            <a:ln w="50800">
-              <a:solidFill>
-                <a:schemeClr val="tx1"/>
-              </a:solidFill>
-            </a:ln>
-          </p:spPr>
-          <p:style>
-            <a:lnRef idx="1">
-              <a:schemeClr val="accent1"/>
-            </a:lnRef>
-            <a:fillRef idx="0">
-              <a:schemeClr val="accent1"/>
-            </a:fillRef>
-            <a:effectRef idx="0">
-              <a:schemeClr val="accent1"/>
-            </a:effectRef>
-            <a:fontRef idx="minor">
-              <a:schemeClr val="tx1"/>
-            </a:fontRef>
-          </p:style>
-        </p:cxnSp>
-        <p:cxnSp>
-          <p:nvCxnSpPr>
-            <p:cNvPr id="28" name="Straight Connector 27"/>
-            <p:cNvCxnSpPr/>
-            <p:nvPr/>
-          </p:nvCxnSpPr>
-          <p:spPr>
-            <a:xfrm>
-              <a:off x="1883468" y="3010225"/>
-              <a:ext cx="715725" cy="715725"/>
-            </a:xfrm>
-            <a:prstGeom prst="line">
-              <a:avLst/>
-            </a:prstGeom>
-            <a:ln w="50800">
-              <a:solidFill>
-                <a:schemeClr val="tx1"/>
-              </a:solidFill>
-            </a:ln>
-          </p:spPr>
-          <p:style>
-            <a:lnRef idx="1">
-              <a:schemeClr val="accent1"/>
-            </a:lnRef>
-            <a:fillRef idx="0">
-              <a:schemeClr val="accent1"/>
-            </a:fillRef>
-            <a:effectRef idx="0">
-              <a:schemeClr val="accent1"/>
-            </a:effectRef>
-            <a:fontRef idx="minor">
-              <a:schemeClr val="tx1"/>
-            </a:fontRef>
-          </p:style>
-        </p:cxnSp>
-        <mc:AlternateContent xmlns:mc="http://schemas.openxmlformats.org/markup-compatibility/2006" xmlns:a14="http://schemas.microsoft.com/office/drawing/2010/main">
-          <mc:Choice Requires="a14">
-            <p:sp>
-              <p:nvSpPr>
-                <p:cNvPr id="5" name="TextBox 4"/>
-                <p:cNvSpPr txBox="1"/>
-                <p:nvPr/>
-              </p:nvSpPr>
-              <p:spPr>
-                <a:xfrm>
-                  <a:off x="2338385" y="2510148"/>
-                  <a:ext cx="183320" cy="276999"/>
-                </a:xfrm>
-                <a:prstGeom prst="rect">
-                  <a:avLst/>
-                </a:prstGeom>
-                <a:noFill/>
-              </p:spPr>
-              <p:txBody>
-                <a:bodyPr wrap="none" lIns="0" tIns="0" rIns="0" bIns="0" rtlCol="0">
-                  <a:spAutoFit/>
-                </a:bodyPr>
-                <a:lstStyle/>
-                <a:p>
-                  <a:pPr/>
-                  <a14:m>
-                    <m:oMathPara xmlns:m="http://schemas.openxmlformats.org/officeDocument/2006/math">
-                      <m:oMathParaPr>
-                        <m:jc m:val="center"/>
-                      </m:oMathParaPr>
-                      <m:oMath xmlns:m="http://schemas.openxmlformats.org/officeDocument/2006/math">
-                        <m:r>
-                          <a:rPr lang="en-US" b="0" i="1" smtClean="0">
-                            <a:latin typeface="Cambria Math" charset="0"/>
-                          </a:rPr>
-                          <m:t>𝑥</m:t>
-                        </m:r>
-                      </m:oMath>
-                    </m:oMathPara>
-                  </a14:m>
-                  <a:endParaRPr lang="en-US" dirty="0"/>
-                </a:p>
-              </p:txBody>
-            </p:sp>
-          </mc:Choice>
-          <mc:Fallback xmlns="">
-            <p:sp>
-              <p:nvSpPr>
-                <p:cNvPr id="5" name="TextBox 4"/>
-                <p:cNvSpPr txBox="1">
-                  <a:spLocks noRot="1" noChangeAspect="1" noMove="1" noResize="1" noEditPoints="1" noAdjustHandles="1" noChangeArrowheads="1" noChangeShapeType="1" noTextEdit="1"/>
-                </p:cNvSpPr>
-                <p:nvPr/>
-              </p:nvSpPr>
-              <p:spPr>
-                <a:xfrm>
-                  <a:off x="2338385" y="2510148"/>
-                  <a:ext cx="183320" cy="276999"/>
-                </a:xfrm>
-                <a:prstGeom prst="rect">
-                  <a:avLst/>
-                </a:prstGeom>
-                <a:blipFill rotWithShape="0">
-                  <a:blip r:embed="rId2"/>
-                  <a:stretch>
-                    <a:fillRect l="-20000" r="-10000"/>
-                  </a:stretch>
-                </a:blipFill>
-              </p:spPr>
-              <p:txBody>
-                <a:bodyPr/>
-                <a:lstStyle/>
-                <a:p>
-                  <a:r>
-                    <a:rPr lang="en-US">
-                      <a:noFill/>
-                    </a:rPr>
-                    <a:t> </a:t>
-                  </a:r>
-                </a:p>
-              </p:txBody>
-            </p:sp>
-          </mc:Fallback>
-        </mc:AlternateContent>
-        <mc:AlternateContent xmlns:mc="http://schemas.openxmlformats.org/markup-compatibility/2006" xmlns:a14="http://schemas.microsoft.com/office/drawing/2010/main">
-          <mc:Choice Requires="a14">
-            <p:sp>
-              <p:nvSpPr>
-                <p:cNvPr id="32" name="TextBox 31"/>
-                <p:cNvSpPr txBox="1"/>
-                <p:nvPr/>
-              </p:nvSpPr>
-              <p:spPr>
-                <a:xfrm>
-                  <a:off x="1780278" y="3047110"/>
-                  <a:ext cx="186718" cy="276999"/>
-                </a:xfrm>
-                <a:prstGeom prst="rect">
-                  <a:avLst/>
-                </a:prstGeom>
-                <a:noFill/>
-              </p:spPr>
-              <p:txBody>
-                <a:bodyPr wrap="none" lIns="0" tIns="0" rIns="0" bIns="0" rtlCol="0">
-                  <a:spAutoFit/>
-                </a:bodyPr>
-                <a:lstStyle/>
-                <a:p>
-                  <a:pPr/>
-                  <a14:m>
-                    <m:oMathPara xmlns:m="http://schemas.openxmlformats.org/officeDocument/2006/math">
-                      <m:oMathParaPr>
-                        <m:jc m:val="center"/>
-                      </m:oMathParaPr>
-                      <m:oMath xmlns:m="http://schemas.openxmlformats.org/officeDocument/2006/math">
-                        <m:r>
-                          <a:rPr lang="en-US" b="0" i="1" smtClean="0">
-                            <a:latin typeface="Cambria Math" charset="0"/>
-                          </a:rPr>
-                          <m:t>𝑦</m:t>
-                        </m:r>
-                      </m:oMath>
-                    </m:oMathPara>
-                  </a14:m>
-                  <a:endParaRPr lang="en-US" dirty="0"/>
-                </a:p>
-              </p:txBody>
-            </p:sp>
-          </mc:Choice>
-          <mc:Fallback xmlns="">
-            <p:sp>
-              <p:nvSpPr>
-                <p:cNvPr id="32" name="TextBox 31"/>
-                <p:cNvSpPr txBox="1">
-                  <a:spLocks noRot="1" noChangeAspect="1" noMove="1" noResize="1" noEditPoints="1" noAdjustHandles="1" noChangeArrowheads="1" noChangeShapeType="1" noTextEdit="1"/>
-                </p:cNvSpPr>
-                <p:nvPr/>
-              </p:nvSpPr>
-              <p:spPr>
-                <a:xfrm>
-                  <a:off x="1780278" y="3047110"/>
-                  <a:ext cx="186718" cy="276999"/>
-                </a:xfrm>
-                <a:prstGeom prst="rect">
-                  <a:avLst/>
-                </a:prstGeom>
-                <a:blipFill rotWithShape="0">
-                  <a:blip r:embed="rId3"/>
-                  <a:stretch>
-                    <a:fillRect l="-29032" r="-25806" b="-24444"/>
-                  </a:stretch>
-                </a:blipFill>
-              </p:spPr>
-              <p:txBody>
-                <a:bodyPr/>
-                <a:lstStyle/>
-                <a:p>
-                  <a:r>
-                    <a:rPr lang="en-US">
-                      <a:noFill/>
-                    </a:rPr>
-                    <a:t> </a:t>
-                  </a:r>
-                </a:p>
-              </p:txBody>
-            </p:sp>
-          </mc:Fallback>
-        </mc:AlternateContent>
-        <mc:AlternateContent xmlns:mc="http://schemas.openxmlformats.org/markup-compatibility/2006" xmlns:a14="http://schemas.microsoft.com/office/drawing/2010/main">
-          <mc:Choice Requires="a14">
-            <p:sp>
-              <p:nvSpPr>
-                <p:cNvPr id="34" name="TextBox 33"/>
-                <p:cNvSpPr txBox="1"/>
-                <p:nvPr/>
-              </p:nvSpPr>
-              <p:spPr>
-                <a:xfrm>
-                  <a:off x="3219857" y="3368087"/>
-                  <a:ext cx="169085" cy="276999"/>
-                </a:xfrm>
-                <a:prstGeom prst="rect">
-                  <a:avLst/>
-                </a:prstGeom>
-                <a:noFill/>
-              </p:spPr>
-              <p:txBody>
-                <a:bodyPr wrap="none" lIns="0" tIns="0" rIns="0" bIns="0" rtlCol="0">
-                  <a:spAutoFit/>
-                </a:bodyPr>
-                <a:lstStyle/>
-                <a:p>
-                  <a:pPr/>
-                  <a14:m>
-                    <m:oMathPara xmlns:m="http://schemas.openxmlformats.org/officeDocument/2006/math">
-                      <m:oMathParaPr>
-                        <m:jc m:val="center"/>
-                      </m:oMathParaPr>
-                      <m:oMath xmlns:m="http://schemas.openxmlformats.org/officeDocument/2006/math">
-                        <m:r>
-                          <a:rPr lang="en-US" b="0" i="1" smtClean="0">
-                            <a:latin typeface="Cambria Math" charset="0"/>
-                          </a:rPr>
-                          <m:t>𝑧</m:t>
-                        </m:r>
-                      </m:oMath>
-                    </m:oMathPara>
-                  </a14:m>
-                  <a:endParaRPr lang="en-US" dirty="0"/>
-                </a:p>
-              </p:txBody>
-            </p:sp>
-          </mc:Choice>
-          <mc:Fallback xmlns="">
-            <p:sp>
-              <p:nvSpPr>
-                <p:cNvPr id="34" name="TextBox 33"/>
-                <p:cNvSpPr txBox="1">
-                  <a:spLocks noRot="1" noChangeAspect="1" noMove="1" noResize="1" noEditPoints="1" noAdjustHandles="1" noChangeArrowheads="1" noChangeShapeType="1" noTextEdit="1"/>
-                </p:cNvSpPr>
-                <p:nvPr/>
-              </p:nvSpPr>
-              <p:spPr>
-                <a:xfrm>
-                  <a:off x="3219857" y="3368087"/>
-                  <a:ext cx="169085" cy="276999"/>
-                </a:xfrm>
-                <a:prstGeom prst="rect">
-                  <a:avLst/>
-                </a:prstGeom>
-                <a:blipFill rotWithShape="0">
-                  <a:blip r:embed="rId4"/>
-                  <a:stretch>
-                    <a:fillRect l="-17857" r="-14286"/>
-                  </a:stretch>
-                </a:blipFill>
-              </p:spPr>
-              <p:txBody>
-                <a:bodyPr/>
-                <a:lstStyle/>
-                <a:p>
-                  <a:r>
-                    <a:rPr lang="en-US">
-                      <a:noFill/>
-                    </a:rPr>
-                    <a:t> </a:t>
-                  </a:r>
-                </a:p>
-              </p:txBody>
-            </p:sp>
-          </mc:Fallback>
-        </mc:AlternateContent>
-        <p:cxnSp>
-          <p:nvCxnSpPr>
-            <p:cNvPr id="53" name="Straight Connector 52"/>
-            <p:cNvCxnSpPr/>
-            <p:nvPr/>
-          </p:nvCxnSpPr>
-          <p:spPr>
-            <a:xfrm flipV="1">
-              <a:off x="4470664" y="2122353"/>
-              <a:ext cx="1609128" cy="1609127"/>
-            </a:xfrm>
-            <a:prstGeom prst="line">
-              <a:avLst/>
-            </a:prstGeom>
-            <a:ln w="50800">
-              <a:solidFill>
-                <a:schemeClr val="tx1"/>
-              </a:solidFill>
-            </a:ln>
-          </p:spPr>
-          <p:style>
-            <a:lnRef idx="1">
-              <a:schemeClr val="accent1"/>
-            </a:lnRef>
-            <a:fillRef idx="0">
-              <a:schemeClr val="accent1"/>
-            </a:fillRef>
-            <a:effectRef idx="0">
-              <a:schemeClr val="accent1"/>
-            </a:effectRef>
-            <a:fontRef idx="minor">
-              <a:schemeClr val="tx1"/>
-            </a:fontRef>
-          </p:style>
-        </p:cxnSp>
-        <p:cxnSp>
-          <p:nvCxnSpPr>
-            <p:cNvPr id="58" name="Straight Connector 57"/>
-            <p:cNvCxnSpPr/>
-            <p:nvPr/>
-          </p:nvCxnSpPr>
-          <p:spPr>
-            <a:xfrm>
-              <a:off x="6079792" y="2122352"/>
-              <a:ext cx="1610526" cy="1610526"/>
-            </a:xfrm>
-            <a:prstGeom prst="line">
-              <a:avLst/>
-            </a:prstGeom>
-            <a:ln w="50800">
-              <a:solidFill>
-                <a:schemeClr val="tx1"/>
-              </a:solidFill>
-            </a:ln>
-          </p:spPr>
-          <p:style>
-            <a:lnRef idx="1">
-              <a:schemeClr val="accent1"/>
-            </a:lnRef>
-            <a:fillRef idx="0">
-              <a:schemeClr val="accent1"/>
-            </a:fillRef>
-            <a:effectRef idx="0">
-              <a:schemeClr val="accent1"/>
-            </a:effectRef>
-            <a:fontRef idx="minor">
-              <a:schemeClr val="tx1"/>
-            </a:fontRef>
-          </p:style>
-        </p:cxnSp>
-        <p:cxnSp>
-          <p:nvCxnSpPr>
-            <p:cNvPr id="59" name="Straight Connector 58"/>
-            <p:cNvCxnSpPr/>
-            <p:nvPr/>
-          </p:nvCxnSpPr>
-          <p:spPr>
-            <a:xfrm flipV="1">
-              <a:off x="6229578" y="3010226"/>
-              <a:ext cx="718998" cy="718997"/>
-            </a:xfrm>
-            <a:prstGeom prst="line">
-              <a:avLst/>
-            </a:prstGeom>
-            <a:ln w="50800">
-              <a:solidFill>
-                <a:schemeClr val="tx1"/>
-              </a:solidFill>
-            </a:ln>
-          </p:spPr>
-          <p:style>
-            <a:lnRef idx="1">
-              <a:schemeClr val="accent1"/>
-            </a:lnRef>
-            <a:fillRef idx="0">
-              <a:schemeClr val="accent1"/>
-            </a:fillRef>
-            <a:effectRef idx="0">
-              <a:schemeClr val="accent1"/>
-            </a:effectRef>
-            <a:fontRef idx="minor">
-              <a:schemeClr val="tx1"/>
-            </a:fontRef>
-          </p:style>
-        </p:cxnSp>
-        <p:cxnSp>
-          <p:nvCxnSpPr>
-            <p:cNvPr id="60" name="Straight Connector 59"/>
-            <p:cNvCxnSpPr/>
-            <p:nvPr/>
-          </p:nvCxnSpPr>
-          <p:spPr>
-            <a:xfrm flipV="1">
-              <a:off x="5155316" y="2453071"/>
-              <a:ext cx="1275647" cy="1275644"/>
-            </a:xfrm>
-            <a:prstGeom prst="line">
-              <a:avLst/>
-            </a:prstGeom>
-            <a:ln w="50800">
-              <a:solidFill>
-                <a:schemeClr val="tx1"/>
-              </a:solidFill>
-            </a:ln>
-          </p:spPr>
-          <p:style>
-            <a:lnRef idx="1">
-              <a:schemeClr val="accent1"/>
-            </a:lnRef>
-            <a:fillRef idx="0">
-              <a:schemeClr val="accent1"/>
-            </a:fillRef>
-            <a:effectRef idx="0">
-              <a:schemeClr val="accent1"/>
-            </a:effectRef>
-            <a:fontRef idx="minor">
-              <a:schemeClr val="tx1"/>
-            </a:fontRef>
-          </p:style>
-        </p:cxnSp>
-        <p:cxnSp>
-          <p:nvCxnSpPr>
-            <p:cNvPr id="61" name="Straight Connector 60"/>
-            <p:cNvCxnSpPr/>
-            <p:nvPr/>
-          </p:nvCxnSpPr>
-          <p:spPr>
-            <a:xfrm>
-              <a:off x="5566952" y="3299294"/>
-              <a:ext cx="428915" cy="428915"/>
-            </a:xfrm>
-            <a:prstGeom prst="line">
-              <a:avLst/>
-            </a:prstGeom>
-            <a:ln w="50800">
-              <a:solidFill>
-                <a:schemeClr val="tx1"/>
-              </a:solidFill>
-            </a:ln>
-          </p:spPr>
-          <p:style>
-            <a:lnRef idx="1">
-              <a:schemeClr val="accent1"/>
-            </a:lnRef>
-            <a:fillRef idx="0">
-              <a:schemeClr val="accent1"/>
-            </a:fillRef>
-            <a:effectRef idx="0">
-              <a:schemeClr val="accent1"/>
-            </a:effectRef>
-            <a:fontRef idx="minor">
-              <a:schemeClr val="tx1"/>
-            </a:fontRef>
-          </p:style>
-        </p:cxnSp>
-        <mc:AlternateContent xmlns:mc="http://schemas.openxmlformats.org/markup-compatibility/2006" xmlns:a14="http://schemas.microsoft.com/office/drawing/2010/main">
-          <mc:Choice Requires="a14">
-            <p:sp>
-              <p:nvSpPr>
-                <p:cNvPr id="62" name="TextBox 61"/>
-                <p:cNvSpPr txBox="1"/>
-                <p:nvPr/>
-              </p:nvSpPr>
-              <p:spPr>
-                <a:xfrm>
-                  <a:off x="6331568" y="2512913"/>
-                  <a:ext cx="183320" cy="276999"/>
-                </a:xfrm>
-                <a:prstGeom prst="rect">
-                  <a:avLst/>
-                </a:prstGeom>
-                <a:noFill/>
-              </p:spPr>
-              <p:txBody>
-                <a:bodyPr wrap="none" lIns="0" tIns="0" rIns="0" bIns="0" rtlCol="0">
-                  <a:spAutoFit/>
-                </a:bodyPr>
-                <a:lstStyle/>
-                <a:p>
-                  <a:pPr/>
-                  <a14:m>
-                    <m:oMathPara xmlns:m="http://schemas.openxmlformats.org/officeDocument/2006/math">
-                      <m:oMathParaPr>
-                        <m:jc m:val="center"/>
-                      </m:oMathParaPr>
-                      <m:oMath xmlns:m="http://schemas.openxmlformats.org/officeDocument/2006/math">
-                        <m:r>
-                          <a:rPr lang="en-US" b="0" i="1" smtClean="0">
-                            <a:latin typeface="Cambria Math" charset="0"/>
-                          </a:rPr>
-                          <m:t>𝑥</m:t>
-                        </m:r>
-                      </m:oMath>
-                    </m:oMathPara>
-                  </a14:m>
-                  <a:endParaRPr lang="en-US" dirty="0"/>
-                </a:p>
-              </p:txBody>
-            </p:sp>
-          </mc:Choice>
-          <mc:Fallback xmlns="">
-            <p:sp>
-              <p:nvSpPr>
-                <p:cNvPr id="62" name="TextBox 61"/>
-                <p:cNvSpPr txBox="1">
-                  <a:spLocks noRot="1" noChangeAspect="1" noMove="1" noResize="1" noEditPoints="1" noAdjustHandles="1" noChangeArrowheads="1" noChangeShapeType="1" noTextEdit="1"/>
-                </p:cNvSpPr>
-                <p:nvPr/>
-              </p:nvSpPr>
-              <p:spPr>
-                <a:xfrm>
-                  <a:off x="6331568" y="2512913"/>
-                  <a:ext cx="183320" cy="276999"/>
-                </a:xfrm>
-                <a:prstGeom prst="rect">
-                  <a:avLst/>
-                </a:prstGeom>
-                <a:blipFill rotWithShape="0">
-                  <a:blip r:embed="rId5"/>
-                  <a:stretch>
-                    <a:fillRect l="-20000" r="-10000"/>
-                  </a:stretch>
-                </a:blipFill>
-              </p:spPr>
-              <p:txBody>
-                <a:bodyPr/>
-                <a:lstStyle/>
-                <a:p>
-                  <a:r>
-                    <a:rPr lang="en-US">
-                      <a:noFill/>
-                    </a:rPr>
-                    <a:t> </a:t>
-                  </a:r>
-                </a:p>
-              </p:txBody>
-            </p:sp>
-          </mc:Fallback>
-        </mc:AlternateContent>
-        <mc:AlternateContent xmlns:mc="http://schemas.openxmlformats.org/markup-compatibility/2006" xmlns:a14="http://schemas.microsoft.com/office/drawing/2010/main">
-          <mc:Choice Requires="a14">
-            <p:sp>
-              <p:nvSpPr>
-                <p:cNvPr id="63" name="TextBox 62"/>
-                <p:cNvSpPr txBox="1"/>
-                <p:nvPr/>
-              </p:nvSpPr>
-              <p:spPr>
-                <a:xfrm>
-                  <a:off x="5481978" y="3368086"/>
-                  <a:ext cx="186718" cy="276999"/>
-                </a:xfrm>
-                <a:prstGeom prst="rect">
-                  <a:avLst/>
-                </a:prstGeom>
-                <a:noFill/>
-              </p:spPr>
-              <p:txBody>
-                <a:bodyPr wrap="none" lIns="0" tIns="0" rIns="0" bIns="0" rtlCol="0">
-                  <a:spAutoFit/>
-                </a:bodyPr>
-                <a:lstStyle/>
-                <a:p>
-                  <a:pPr/>
-                  <a14:m>
-                    <m:oMathPara xmlns:m="http://schemas.openxmlformats.org/officeDocument/2006/math">
-                      <m:oMathParaPr>
-                        <m:jc m:val="center"/>
-                      </m:oMathParaPr>
-                      <m:oMath xmlns:m="http://schemas.openxmlformats.org/officeDocument/2006/math">
-                        <m:r>
-                          <a:rPr lang="en-US" b="0" i="1" smtClean="0">
-                            <a:latin typeface="Cambria Math" charset="0"/>
-                          </a:rPr>
-                          <m:t>𝑦</m:t>
-                        </m:r>
-                      </m:oMath>
-                    </m:oMathPara>
-                  </a14:m>
-                  <a:endParaRPr lang="en-US" dirty="0"/>
-                </a:p>
-              </p:txBody>
-            </p:sp>
-          </mc:Choice>
-          <mc:Fallback xmlns="">
-            <p:sp>
-              <p:nvSpPr>
-                <p:cNvPr id="63" name="TextBox 62"/>
-                <p:cNvSpPr txBox="1">
-                  <a:spLocks noRot="1" noChangeAspect="1" noMove="1" noResize="1" noEditPoints="1" noAdjustHandles="1" noChangeArrowheads="1" noChangeShapeType="1" noTextEdit="1"/>
-                </p:cNvSpPr>
-                <p:nvPr/>
-              </p:nvSpPr>
-              <p:spPr>
-                <a:xfrm>
-                  <a:off x="5481978" y="3368086"/>
-                  <a:ext cx="186718" cy="276999"/>
-                </a:xfrm>
-                <a:prstGeom prst="rect">
-                  <a:avLst/>
-                </a:prstGeom>
-                <a:blipFill rotWithShape="0">
-                  <a:blip r:embed="rId3"/>
-                  <a:stretch>
-                    <a:fillRect l="-29032" r="-25806" b="-24444"/>
-                  </a:stretch>
-                </a:blipFill>
-              </p:spPr>
-              <p:txBody>
-                <a:bodyPr/>
-                <a:lstStyle/>
-                <a:p>
-                  <a:r>
-                    <a:rPr lang="en-US">
-                      <a:noFill/>
-                    </a:rPr>
-                    <a:t> </a:t>
-                  </a:r>
-                </a:p>
-              </p:txBody>
-            </p:sp>
-          </mc:Fallback>
-        </mc:AlternateContent>
-        <mc:AlternateContent xmlns:mc="http://schemas.openxmlformats.org/markup-compatibility/2006" xmlns:a14="http://schemas.microsoft.com/office/drawing/2010/main">
-          <mc:Choice Requires="a14">
-            <p:sp>
-              <p:nvSpPr>
-                <p:cNvPr id="64" name="TextBox 63"/>
-                <p:cNvSpPr txBox="1"/>
-                <p:nvPr/>
-              </p:nvSpPr>
-              <p:spPr>
-                <a:xfrm>
-                  <a:off x="6878261" y="3040876"/>
-                  <a:ext cx="169085" cy="276999"/>
-                </a:xfrm>
-                <a:prstGeom prst="rect">
-                  <a:avLst/>
-                </a:prstGeom>
-                <a:noFill/>
-              </p:spPr>
-              <p:txBody>
-                <a:bodyPr wrap="none" lIns="0" tIns="0" rIns="0" bIns="0" rtlCol="0">
-                  <a:spAutoFit/>
-                </a:bodyPr>
-                <a:lstStyle/>
-                <a:p>
-                  <a:pPr/>
-                  <a14:m>
-                    <m:oMathPara xmlns:m="http://schemas.openxmlformats.org/officeDocument/2006/math">
-                      <m:oMathParaPr>
-                        <m:jc m:val="center"/>
-                      </m:oMathParaPr>
-                      <m:oMath xmlns:m="http://schemas.openxmlformats.org/officeDocument/2006/math">
-                        <m:r>
-                          <a:rPr lang="en-US" b="0" i="1" smtClean="0">
-                            <a:latin typeface="Cambria Math" charset="0"/>
-                          </a:rPr>
-                          <m:t>𝑧</m:t>
-                        </m:r>
-                      </m:oMath>
-                    </m:oMathPara>
-                  </a14:m>
-                  <a:endParaRPr lang="en-US" dirty="0"/>
-                </a:p>
-              </p:txBody>
-            </p:sp>
-          </mc:Choice>
-          <mc:Fallback xmlns="">
-            <p:sp>
-              <p:nvSpPr>
-                <p:cNvPr id="64" name="TextBox 63"/>
-                <p:cNvSpPr txBox="1">
-                  <a:spLocks noRot="1" noChangeAspect="1" noMove="1" noResize="1" noEditPoints="1" noAdjustHandles="1" noChangeArrowheads="1" noChangeShapeType="1" noTextEdit="1"/>
-                </p:cNvSpPr>
-                <p:nvPr/>
-              </p:nvSpPr>
-              <p:spPr>
-                <a:xfrm>
-                  <a:off x="6878261" y="3040876"/>
-                  <a:ext cx="169085" cy="276999"/>
-                </a:xfrm>
-                <a:prstGeom prst="rect">
-                  <a:avLst/>
-                </a:prstGeom>
-                <a:blipFill rotWithShape="0">
-                  <a:blip r:embed="rId4"/>
-                  <a:stretch>
-                    <a:fillRect l="-17857" r="-14286"/>
-                  </a:stretch>
-                </a:blipFill>
-              </p:spPr>
-              <p:txBody>
-                <a:bodyPr/>
-                <a:lstStyle/>
-                <a:p>
-                  <a:r>
-                    <a:rPr lang="en-US">
-                      <a:noFill/>
-                    </a:rPr>
-                    <a:t> </a:t>
-                  </a:r>
-                </a:p>
-              </p:txBody>
-            </p:sp>
-          </mc:Fallback>
-        </mc:AlternateContent>
-        <p:cxnSp>
-          <p:nvCxnSpPr>
-            <p:cNvPr id="65" name="Straight Connector 64"/>
-            <p:cNvCxnSpPr/>
-            <p:nvPr/>
-          </p:nvCxnSpPr>
-          <p:spPr>
-            <a:xfrm flipV="1">
-              <a:off x="8431310" y="2118561"/>
-              <a:ext cx="1609128" cy="1609127"/>
-            </a:xfrm>
-            <a:prstGeom prst="line">
-              <a:avLst/>
-            </a:prstGeom>
-            <a:ln w="50800">
-              <a:solidFill>
-                <a:schemeClr val="tx1"/>
-              </a:solidFill>
-            </a:ln>
-          </p:spPr>
-          <p:style>
-            <a:lnRef idx="1">
-              <a:schemeClr val="accent1"/>
-            </a:lnRef>
-            <a:fillRef idx="0">
-              <a:schemeClr val="accent1"/>
-            </a:fillRef>
-            <a:effectRef idx="0">
-              <a:schemeClr val="accent1"/>
-            </a:effectRef>
-            <a:fontRef idx="minor">
-              <a:schemeClr val="tx1"/>
-            </a:fontRef>
-          </p:style>
-        </p:cxnSp>
-        <p:cxnSp>
-          <p:nvCxnSpPr>
-            <p:cNvPr id="66" name="Straight Connector 65"/>
-            <p:cNvCxnSpPr/>
-            <p:nvPr/>
-          </p:nvCxnSpPr>
-          <p:spPr>
-            <a:xfrm>
-              <a:off x="10040438" y="2118560"/>
-              <a:ext cx="1610526" cy="1610526"/>
-            </a:xfrm>
-            <a:prstGeom prst="line">
-              <a:avLst/>
-            </a:prstGeom>
-            <a:ln w="50800">
-              <a:solidFill>
-                <a:schemeClr val="tx1"/>
-              </a:solidFill>
-            </a:ln>
-          </p:spPr>
-          <p:style>
-            <a:lnRef idx="1">
-              <a:schemeClr val="accent1"/>
-            </a:lnRef>
-            <a:fillRef idx="0">
-              <a:schemeClr val="accent1"/>
-            </a:fillRef>
-            <a:effectRef idx="0">
-              <a:schemeClr val="accent1"/>
-            </a:effectRef>
-            <a:fontRef idx="minor">
-              <a:schemeClr val="tx1"/>
-            </a:fontRef>
-          </p:style>
-        </p:cxnSp>
-        <p:cxnSp>
-          <p:nvCxnSpPr>
-            <p:cNvPr id="67" name="Straight Connector 66"/>
-            <p:cNvCxnSpPr/>
-            <p:nvPr/>
-          </p:nvCxnSpPr>
-          <p:spPr>
-            <a:xfrm flipV="1">
-              <a:off x="10859804" y="3329363"/>
-              <a:ext cx="403515" cy="403515"/>
-            </a:xfrm>
-            <a:prstGeom prst="line">
-              <a:avLst/>
-            </a:prstGeom>
-            <a:ln w="50800">
-              <a:solidFill>
-                <a:schemeClr val="tx1"/>
-              </a:solidFill>
-            </a:ln>
-          </p:spPr>
-          <p:style>
-            <a:lnRef idx="1">
-              <a:schemeClr val="accent1"/>
-            </a:lnRef>
-            <a:fillRef idx="0">
-              <a:schemeClr val="accent1"/>
-            </a:fillRef>
-            <a:effectRef idx="0">
-              <a:schemeClr val="accent1"/>
-            </a:effectRef>
-            <a:fontRef idx="minor">
-              <a:schemeClr val="tx1"/>
-            </a:fontRef>
-          </p:style>
-        </p:cxnSp>
-        <p:cxnSp>
-          <p:nvCxnSpPr>
-            <p:cNvPr id="68" name="Straight Connector 67"/>
-            <p:cNvCxnSpPr/>
-            <p:nvPr/>
-          </p:nvCxnSpPr>
-          <p:spPr>
-            <a:xfrm flipV="1">
-              <a:off x="9115962" y="2449279"/>
-              <a:ext cx="1275647" cy="1275644"/>
-            </a:xfrm>
-            <a:prstGeom prst="line">
-              <a:avLst/>
-            </a:prstGeom>
-            <a:ln w="50800">
-              <a:solidFill>
-                <a:schemeClr val="tx1"/>
-              </a:solidFill>
-            </a:ln>
-          </p:spPr>
-          <p:style>
-            <a:lnRef idx="1">
-              <a:schemeClr val="accent1"/>
-            </a:lnRef>
-            <a:fillRef idx="0">
-              <a:schemeClr val="accent1"/>
-            </a:fillRef>
-            <a:effectRef idx="0">
-              <a:schemeClr val="accent1"/>
-            </a:effectRef>
-            <a:fontRef idx="minor">
-              <a:schemeClr val="tx1"/>
-            </a:fontRef>
-          </p:style>
-        </p:cxnSp>
-        <p:cxnSp>
-          <p:nvCxnSpPr>
-            <p:cNvPr id="69" name="Straight Connector 68"/>
-            <p:cNvCxnSpPr/>
-            <p:nvPr/>
-          </p:nvCxnSpPr>
-          <p:spPr>
-            <a:xfrm>
-              <a:off x="9837297" y="3009198"/>
-              <a:ext cx="715725" cy="715725"/>
-            </a:xfrm>
-            <a:prstGeom prst="line">
-              <a:avLst/>
-            </a:prstGeom>
-            <a:ln w="50800">
-              <a:solidFill>
-                <a:schemeClr val="tx1"/>
-              </a:solidFill>
-            </a:ln>
-          </p:spPr>
-          <p:style>
-            <a:lnRef idx="1">
-              <a:schemeClr val="accent1"/>
-            </a:lnRef>
-            <a:fillRef idx="0">
-              <a:schemeClr val="accent1"/>
-            </a:fillRef>
-            <a:effectRef idx="0">
-              <a:schemeClr val="accent1"/>
-            </a:effectRef>
-            <a:fontRef idx="minor">
-              <a:schemeClr val="tx1"/>
-            </a:fontRef>
-          </p:style>
-        </p:cxnSp>
-        <mc:AlternateContent xmlns:mc="http://schemas.openxmlformats.org/markup-compatibility/2006" xmlns:a14="http://schemas.microsoft.com/office/drawing/2010/main">
-          <mc:Choice Requires="a14">
-            <p:sp>
-              <p:nvSpPr>
-                <p:cNvPr id="70" name="TextBox 69"/>
-                <p:cNvSpPr txBox="1"/>
-                <p:nvPr/>
-              </p:nvSpPr>
-              <p:spPr>
-                <a:xfrm>
-                  <a:off x="10292214" y="2509121"/>
-                  <a:ext cx="183320" cy="276999"/>
-                </a:xfrm>
-                <a:prstGeom prst="rect">
-                  <a:avLst/>
-                </a:prstGeom>
-                <a:noFill/>
-              </p:spPr>
-              <p:txBody>
-                <a:bodyPr wrap="none" lIns="0" tIns="0" rIns="0" bIns="0" rtlCol="0">
-                  <a:spAutoFit/>
-                </a:bodyPr>
-                <a:lstStyle/>
-                <a:p>
-                  <a:pPr/>
-                  <a14:m>
-                    <m:oMathPara xmlns:m="http://schemas.openxmlformats.org/officeDocument/2006/math">
-                      <m:oMathParaPr>
-                        <m:jc m:val="center"/>
-                      </m:oMathParaPr>
-                      <m:oMath xmlns:m="http://schemas.openxmlformats.org/officeDocument/2006/math">
-                        <m:r>
-                          <a:rPr lang="en-US" b="0" i="1" smtClean="0">
-                            <a:latin typeface="Cambria Math" charset="0"/>
-                          </a:rPr>
-                          <m:t>𝑥</m:t>
-                        </m:r>
-                      </m:oMath>
-                    </m:oMathPara>
-                  </a14:m>
-                  <a:endParaRPr lang="en-US" dirty="0"/>
-                </a:p>
-              </p:txBody>
-            </p:sp>
-          </mc:Choice>
-          <mc:Fallback xmlns="">
-            <p:sp>
-              <p:nvSpPr>
-                <p:cNvPr id="70" name="TextBox 69"/>
-                <p:cNvSpPr txBox="1">
-                  <a:spLocks noRot="1" noChangeAspect="1" noMove="1" noResize="1" noEditPoints="1" noAdjustHandles="1" noChangeArrowheads="1" noChangeShapeType="1" noTextEdit="1"/>
-                </p:cNvSpPr>
-                <p:nvPr/>
-              </p:nvSpPr>
-              <p:spPr>
-                <a:xfrm>
-                  <a:off x="10292214" y="2509121"/>
-                  <a:ext cx="183320" cy="276999"/>
-                </a:xfrm>
-                <a:prstGeom prst="rect">
-                  <a:avLst/>
-                </a:prstGeom>
-                <a:blipFill rotWithShape="0">
-                  <a:blip r:embed="rId2"/>
-                  <a:stretch>
-                    <a:fillRect l="-16667" r="-13333"/>
-                  </a:stretch>
-                </a:blipFill>
-              </p:spPr>
-              <p:txBody>
-                <a:bodyPr/>
-                <a:lstStyle/>
-                <a:p>
-                  <a:r>
-                    <a:rPr lang="en-US">
-                      <a:noFill/>
-                    </a:rPr>
-                    <a:t> </a:t>
-                  </a:r>
-                </a:p>
-              </p:txBody>
-            </p:sp>
-          </mc:Fallback>
-        </mc:AlternateContent>
-        <mc:AlternateContent xmlns:mc="http://schemas.openxmlformats.org/markup-compatibility/2006" xmlns:a14="http://schemas.microsoft.com/office/drawing/2010/main">
-          <mc:Choice Requires="a14">
-            <p:sp>
-              <p:nvSpPr>
-                <p:cNvPr id="71" name="TextBox 70"/>
-                <p:cNvSpPr txBox="1"/>
-                <p:nvPr/>
-              </p:nvSpPr>
-              <p:spPr>
-                <a:xfrm>
-                  <a:off x="9734107" y="3046083"/>
-                  <a:ext cx="169085" cy="276999"/>
-                </a:xfrm>
-                <a:prstGeom prst="rect">
-                  <a:avLst/>
-                </a:prstGeom>
-                <a:noFill/>
-              </p:spPr>
-              <p:txBody>
-                <a:bodyPr wrap="none" lIns="0" tIns="0" rIns="0" bIns="0" rtlCol="0">
-                  <a:spAutoFit/>
-                </a:bodyPr>
-                <a:lstStyle/>
-                <a:p>
-                  <a:pPr/>
-                  <a14:m>
-                    <m:oMathPara xmlns:m="http://schemas.openxmlformats.org/officeDocument/2006/math">
-                      <m:oMathParaPr>
-                        <m:jc m:val="center"/>
-                      </m:oMathParaPr>
-                      <m:oMath xmlns:m="http://schemas.openxmlformats.org/officeDocument/2006/math">
-                        <m:r>
-                          <a:rPr lang="en-US" b="0" i="1" smtClean="0">
-                            <a:latin typeface="Cambria Math" charset="0"/>
-                          </a:rPr>
-                          <m:t>𝑧</m:t>
-                        </m:r>
-                      </m:oMath>
-                    </m:oMathPara>
-                  </a14:m>
-                  <a:endParaRPr lang="en-US" dirty="0"/>
-                </a:p>
-              </p:txBody>
-            </p:sp>
-          </mc:Choice>
-          <mc:Fallback xmlns="">
-            <p:sp>
-              <p:nvSpPr>
-                <p:cNvPr id="71" name="TextBox 70"/>
-                <p:cNvSpPr txBox="1">
-                  <a:spLocks noRot="1" noChangeAspect="1" noMove="1" noResize="1" noEditPoints="1" noAdjustHandles="1" noChangeArrowheads="1" noChangeShapeType="1" noTextEdit="1"/>
-                </p:cNvSpPr>
-                <p:nvPr/>
-              </p:nvSpPr>
-              <p:spPr>
-                <a:xfrm>
-                  <a:off x="9734107" y="3046083"/>
-                  <a:ext cx="169085" cy="276999"/>
-                </a:xfrm>
-                <a:prstGeom prst="rect">
-                  <a:avLst/>
-                </a:prstGeom>
-                <a:blipFill rotWithShape="0">
-                  <a:blip r:embed="rId4"/>
-                  <a:stretch>
-                    <a:fillRect l="-21429" r="-10714"/>
-                  </a:stretch>
-                </a:blipFill>
-              </p:spPr>
-              <p:txBody>
-                <a:bodyPr/>
-                <a:lstStyle/>
-                <a:p>
-                  <a:r>
-                    <a:rPr lang="en-US">
-                      <a:noFill/>
-                    </a:rPr>
-                    <a:t> </a:t>
-                  </a:r>
-                </a:p>
-              </p:txBody>
-            </p:sp>
-          </mc:Fallback>
-        </mc:AlternateContent>
-        <mc:AlternateContent xmlns:mc="http://schemas.openxmlformats.org/markup-compatibility/2006" xmlns:a14="http://schemas.microsoft.com/office/drawing/2010/main">
-          <mc:Choice Requires="a14">
-            <p:sp>
-              <p:nvSpPr>
-                <p:cNvPr id="72" name="TextBox 71"/>
-                <p:cNvSpPr txBox="1"/>
-                <p:nvPr/>
-              </p:nvSpPr>
-              <p:spPr>
-                <a:xfrm>
-                  <a:off x="11173686" y="3367060"/>
-                  <a:ext cx="186718" cy="276999"/>
-                </a:xfrm>
-                <a:prstGeom prst="rect">
-                  <a:avLst/>
-                </a:prstGeom>
-                <a:noFill/>
-              </p:spPr>
-              <p:txBody>
-                <a:bodyPr wrap="none" lIns="0" tIns="0" rIns="0" bIns="0" rtlCol="0">
-                  <a:spAutoFit/>
-                </a:bodyPr>
-                <a:lstStyle/>
-                <a:p>
-                  <a:pPr/>
-                  <a14:m>
-                    <m:oMathPara xmlns:m="http://schemas.openxmlformats.org/officeDocument/2006/math">
-                      <m:oMathParaPr>
-                        <m:jc m:val="center"/>
-                      </m:oMathParaPr>
-                      <m:oMath xmlns:m="http://schemas.openxmlformats.org/officeDocument/2006/math">
-                        <m:r>
-                          <a:rPr lang="en-US" b="0" i="1" smtClean="0">
-                            <a:latin typeface="Cambria Math" charset="0"/>
-                          </a:rPr>
-                          <m:t>𝑦</m:t>
-                        </m:r>
-                      </m:oMath>
-                    </m:oMathPara>
-                  </a14:m>
-                  <a:endParaRPr lang="en-US" dirty="0"/>
-                </a:p>
-              </p:txBody>
-            </p:sp>
-          </mc:Choice>
-          <mc:Fallback xmlns="">
-            <p:sp>
-              <p:nvSpPr>
-                <p:cNvPr id="72" name="TextBox 71"/>
-                <p:cNvSpPr txBox="1">
-                  <a:spLocks noRot="1" noChangeAspect="1" noMove="1" noResize="1" noEditPoints="1" noAdjustHandles="1" noChangeArrowheads="1" noChangeShapeType="1" noTextEdit="1"/>
-                </p:cNvSpPr>
-                <p:nvPr/>
-              </p:nvSpPr>
-              <p:spPr>
-                <a:xfrm>
-                  <a:off x="11173686" y="3367060"/>
-                  <a:ext cx="186718" cy="276999"/>
-                </a:xfrm>
-                <a:prstGeom prst="rect">
-                  <a:avLst/>
-                </a:prstGeom>
-                <a:blipFill rotWithShape="0">
-                  <a:blip r:embed="rId6"/>
-                  <a:stretch>
-                    <a:fillRect l="-32258" r="-22581" b="-23913"/>
-                  </a:stretch>
-                </a:blipFill>
-              </p:spPr>
-              <p:txBody>
-                <a:bodyPr/>
-                <a:lstStyle/>
-                <a:p>
-                  <a:r>
-                    <a:rPr lang="en-US">
-                      <a:noFill/>
-                    </a:rPr>
-                    <a:t> </a:t>
-                  </a:r>
-                </a:p>
-              </p:txBody>
-            </p:sp>
-          </mc:Fallback>
-        </mc:AlternateContent>
-        <p:cxnSp>
-          <p:nvCxnSpPr>
-            <p:cNvPr id="12" name="Straight Arrow Connector 11"/>
-            <p:cNvCxnSpPr/>
-            <p:nvPr/>
-          </p:nvCxnSpPr>
-          <p:spPr>
-            <a:xfrm>
-              <a:off x="3388942" y="2786120"/>
-              <a:ext cx="1340002" cy="0"/>
-            </a:xfrm>
-            <a:prstGeom prst="straightConnector1">
-              <a:avLst/>
-            </a:prstGeom>
-            <a:ln w="127000">
-              <a:solidFill>
-                <a:schemeClr val="tx1"/>
-              </a:solidFill>
-              <a:tailEnd type="triangle"/>
-            </a:ln>
-          </p:spPr>
-          <p:style>
-            <a:lnRef idx="1">
-              <a:schemeClr val="accent1"/>
-            </a:lnRef>
-            <a:fillRef idx="0">
-              <a:schemeClr val="accent1"/>
-            </a:fillRef>
-            <a:effectRef idx="0">
-              <a:schemeClr val="accent1"/>
-            </a:effectRef>
-            <a:fontRef idx="minor">
-              <a:schemeClr val="tx1"/>
-            </a:fontRef>
-          </p:style>
-        </p:cxnSp>
-        <p:cxnSp>
-          <p:nvCxnSpPr>
-            <p:cNvPr id="73" name="Straight Arrow Connector 72"/>
-            <p:cNvCxnSpPr/>
-            <p:nvPr/>
-          </p:nvCxnSpPr>
-          <p:spPr>
-            <a:xfrm>
-              <a:off x="7505846" y="2786120"/>
-              <a:ext cx="1340002" cy="0"/>
-            </a:xfrm>
-            <a:prstGeom prst="straightConnector1">
-              <a:avLst/>
-            </a:prstGeom>
-            <a:ln w="127000">
-              <a:solidFill>
-                <a:schemeClr val="tx1"/>
-              </a:solidFill>
-              <a:tailEnd type="triangle"/>
-            </a:ln>
-          </p:spPr>
-          <p:style>
-            <a:lnRef idx="1">
-              <a:schemeClr val="accent1"/>
-            </a:lnRef>
-            <a:fillRef idx="0">
-              <a:schemeClr val="accent1"/>
-            </a:fillRef>
-            <a:effectRef idx="0">
-              <a:schemeClr val="accent1"/>
-            </a:effectRef>
-            <a:fontRef idx="minor">
-              <a:schemeClr val="tx1"/>
-            </a:fontRef>
-          </p:style>
-        </p:cxnSp>
-      </p:grpSp>
-    </p:spTree>
-    <p:extLst>
-      <p:ext uri="{BB962C8B-B14F-4D97-AF65-F5344CB8AC3E}">
-        <p14:creationId xmlns:p14="http://schemas.microsoft.com/office/powerpoint/2010/main" val="795260445"/>
       </p:ext>
     </p:extLst>
   </p:cSld>
@@ -17195,4 +21691,265 @@
     </a:ext>
   </a:extLst>
 </a:theme>
+</file>
+
+<file path=ppt/theme/theme2.xml><?xml version="1.0" encoding="utf-8"?>
+<a:theme xmlns:a="http://schemas.openxmlformats.org/drawingml/2006/main" name="Office Theme">
+  <a:themeElements>
+    <a:clrScheme name="Office">
+      <a:dk1>
+        <a:sysClr val="windowText" lastClr="000000"/>
+      </a:dk1>
+      <a:lt1>
+        <a:sysClr val="window" lastClr="FFFFFF"/>
+      </a:lt1>
+      <a:dk2>
+        <a:srgbClr val="44546A"/>
+      </a:dk2>
+      <a:lt2>
+        <a:srgbClr val="E7E6E6"/>
+      </a:lt2>
+      <a:accent1>
+        <a:srgbClr val="4472C4"/>
+      </a:accent1>
+      <a:accent2>
+        <a:srgbClr val="ED7D31"/>
+      </a:accent2>
+      <a:accent3>
+        <a:srgbClr val="A5A5A5"/>
+      </a:accent3>
+      <a:accent4>
+        <a:srgbClr val="FFC000"/>
+      </a:accent4>
+      <a:accent5>
+        <a:srgbClr val="5B9BD5"/>
+      </a:accent5>
+      <a:accent6>
+        <a:srgbClr val="70AD47"/>
+      </a:accent6>
+      <a:hlink>
+        <a:srgbClr val="0563C1"/>
+      </a:hlink>
+      <a:folHlink>
+        <a:srgbClr val="954F72"/>
+      </a:folHlink>
+    </a:clrScheme>
+    <a:fontScheme name="Office">
+      <a:majorFont>
+        <a:latin typeface="Calibri Light" panose="020F0302020204030204"/>
+        <a:ea typeface=""/>
+        <a:cs typeface=""/>
+        <a:font script="Jpan" typeface="Yu Gothic Light"/>
+        <a:font script="Hang" typeface="맑은 고딕"/>
+        <a:font script="Hans" typeface="DengXian Light"/>
+        <a:font script="Hant" typeface="新細明體"/>
+        <a:font script="Arab" typeface="Times New Roman"/>
+        <a:font script="Hebr" typeface="Times New Roman"/>
+        <a:font script="Thai" typeface="Angsana New"/>
+        <a:font script="Ethi" typeface="Nyala"/>
+        <a:font script="Beng" typeface="Vrinda"/>
+        <a:font script="Gujr" typeface="Shruti"/>
+        <a:font script="Khmr" typeface="MoolBoran"/>
+        <a:font script="Knda" typeface="Tunga"/>
+        <a:font script="Guru" typeface="Raavi"/>
+        <a:font script="Cans" typeface="Euphemia"/>
+        <a:font script="Cher" typeface="Plantagenet Cherokee"/>
+        <a:font script="Yiii" typeface="Microsoft Yi Baiti"/>
+        <a:font script="Tibt" typeface="Microsoft Himalaya"/>
+        <a:font script="Thaa" typeface="MV Boli"/>
+        <a:font script="Deva" typeface="Mangal"/>
+        <a:font script="Telu" typeface="Gautami"/>
+        <a:font script="Taml" typeface="Latha"/>
+        <a:font script="Syrc" typeface="Estrangelo Edessa"/>
+        <a:font script="Orya" typeface="Kalinga"/>
+        <a:font script="Mlym" typeface="Kartika"/>
+        <a:font script="Laoo" typeface="DokChampa"/>
+        <a:font script="Sinh" typeface="Iskoola Pota"/>
+        <a:font script="Mong" typeface="Mongolian Baiti"/>
+        <a:font script="Viet" typeface="Times New Roman"/>
+        <a:font script="Uigh" typeface="Microsoft Uighur"/>
+        <a:font script="Geor" typeface="Sylfaen"/>
+      </a:majorFont>
+      <a:minorFont>
+        <a:latin typeface="Calibri" panose="020F0502020204030204"/>
+        <a:ea typeface=""/>
+        <a:cs typeface=""/>
+        <a:font script="Jpan" typeface="Yu Gothic"/>
+        <a:font script="Hang" typeface="맑은 고딕"/>
+        <a:font script="Hans" typeface="DengXian"/>
+        <a:font script="Hant" typeface="新細明體"/>
+        <a:font script="Arab" typeface="Arial"/>
+        <a:font script="Hebr" typeface="Arial"/>
+        <a:font script="Thai" typeface="Cordia New"/>
+        <a:font script="Ethi" typeface="Nyala"/>
+        <a:font script="Beng" typeface="Vrinda"/>
+        <a:font script="Gujr" typeface="Shruti"/>
+        <a:font script="Khmr" typeface="DaunPenh"/>
+        <a:font script="Knda" typeface="Tunga"/>
+        <a:font script="Guru" typeface="Raavi"/>
+        <a:font script="Cans" typeface="Euphemia"/>
+        <a:font script="Cher" typeface="Plantagenet Cherokee"/>
+        <a:font script="Yiii" typeface="Microsoft Yi Baiti"/>
+        <a:font script="Tibt" typeface="Microsoft Himalaya"/>
+        <a:font script="Thaa" typeface="MV Boli"/>
+        <a:font script="Deva" typeface="Mangal"/>
+        <a:font script="Telu" typeface="Gautami"/>
+        <a:font script="Taml" typeface="Latha"/>
+        <a:font script="Syrc" typeface="Estrangelo Edessa"/>
+        <a:font script="Orya" typeface="Kalinga"/>
+        <a:font script="Mlym" typeface="Kartika"/>
+        <a:font script="Laoo" typeface="DokChampa"/>
+        <a:font script="Sinh" typeface="Iskoola Pota"/>
+        <a:font script="Mong" typeface="Mongolian Baiti"/>
+        <a:font script="Viet" typeface="Arial"/>
+        <a:font script="Uigh" typeface="Microsoft Uighur"/>
+        <a:font script="Geor" typeface="Sylfaen"/>
+      </a:minorFont>
+    </a:fontScheme>
+    <a:fmtScheme name="Office">
+      <a:fillStyleLst>
+        <a:solidFill>
+          <a:schemeClr val="phClr"/>
+        </a:solidFill>
+        <a:gradFill rotWithShape="1">
+          <a:gsLst>
+            <a:gs pos="0">
+              <a:schemeClr val="phClr">
+                <a:lumMod val="110000"/>
+                <a:satMod val="105000"/>
+                <a:tint val="67000"/>
+              </a:schemeClr>
+            </a:gs>
+            <a:gs pos="50000">
+              <a:schemeClr val="phClr">
+                <a:lumMod val="105000"/>
+                <a:satMod val="103000"/>
+                <a:tint val="73000"/>
+              </a:schemeClr>
+            </a:gs>
+            <a:gs pos="100000">
+              <a:schemeClr val="phClr">
+                <a:lumMod val="105000"/>
+                <a:satMod val="109000"/>
+                <a:tint val="81000"/>
+              </a:schemeClr>
+            </a:gs>
+          </a:gsLst>
+          <a:lin ang="5400000" scaled="0"/>
+        </a:gradFill>
+        <a:gradFill rotWithShape="1">
+          <a:gsLst>
+            <a:gs pos="0">
+              <a:schemeClr val="phClr">
+                <a:satMod val="103000"/>
+                <a:lumMod val="102000"/>
+                <a:tint val="94000"/>
+              </a:schemeClr>
+            </a:gs>
+            <a:gs pos="50000">
+              <a:schemeClr val="phClr">
+                <a:satMod val="110000"/>
+                <a:lumMod val="100000"/>
+                <a:shade val="100000"/>
+              </a:schemeClr>
+            </a:gs>
+            <a:gs pos="100000">
+              <a:schemeClr val="phClr">
+                <a:lumMod val="99000"/>
+                <a:satMod val="120000"/>
+                <a:shade val="78000"/>
+              </a:schemeClr>
+            </a:gs>
+          </a:gsLst>
+          <a:lin ang="5400000" scaled="0"/>
+        </a:gradFill>
+      </a:fillStyleLst>
+      <a:lnStyleLst>
+        <a:ln w="6350" cap="flat" cmpd="sng" algn="ctr">
+          <a:solidFill>
+            <a:schemeClr val="phClr"/>
+          </a:solidFill>
+          <a:prstDash val="solid"/>
+          <a:miter lim="800000"/>
+        </a:ln>
+        <a:ln w="12700" cap="flat" cmpd="sng" algn="ctr">
+          <a:solidFill>
+            <a:schemeClr val="phClr"/>
+          </a:solidFill>
+          <a:prstDash val="solid"/>
+          <a:miter lim="800000"/>
+        </a:ln>
+        <a:ln w="19050" cap="flat" cmpd="sng" algn="ctr">
+          <a:solidFill>
+            <a:schemeClr val="phClr"/>
+          </a:solidFill>
+          <a:prstDash val="solid"/>
+          <a:miter lim="800000"/>
+        </a:ln>
+      </a:lnStyleLst>
+      <a:effectStyleLst>
+        <a:effectStyle>
+          <a:effectLst/>
+        </a:effectStyle>
+        <a:effectStyle>
+          <a:effectLst/>
+        </a:effectStyle>
+        <a:effectStyle>
+          <a:effectLst>
+            <a:outerShdw blurRad="57150" dist="19050" dir="5400000" algn="ctr" rotWithShape="0">
+              <a:srgbClr val="000000">
+                <a:alpha val="63000"/>
+              </a:srgbClr>
+            </a:outerShdw>
+          </a:effectLst>
+        </a:effectStyle>
+      </a:effectStyleLst>
+      <a:bgFillStyleLst>
+        <a:solidFill>
+          <a:schemeClr val="phClr"/>
+        </a:solidFill>
+        <a:solidFill>
+          <a:schemeClr val="phClr">
+            <a:tint val="95000"/>
+            <a:satMod val="170000"/>
+          </a:schemeClr>
+        </a:solidFill>
+        <a:gradFill rotWithShape="1">
+          <a:gsLst>
+            <a:gs pos="0">
+              <a:schemeClr val="phClr">
+                <a:tint val="93000"/>
+                <a:satMod val="150000"/>
+                <a:shade val="98000"/>
+                <a:lumMod val="102000"/>
+              </a:schemeClr>
+            </a:gs>
+            <a:gs pos="50000">
+              <a:schemeClr val="phClr">
+                <a:tint val="98000"/>
+                <a:satMod val="130000"/>
+                <a:shade val="90000"/>
+                <a:lumMod val="103000"/>
+              </a:schemeClr>
+            </a:gs>
+            <a:gs pos="100000">
+              <a:schemeClr val="phClr">
+                <a:shade val="63000"/>
+                <a:satMod val="120000"/>
+              </a:schemeClr>
+            </a:gs>
+          </a:gsLst>
+          <a:lin ang="5400000" scaled="0"/>
+        </a:gradFill>
+      </a:bgFillStyleLst>
+    </a:fmtScheme>
+  </a:themeElements>
+  <a:objectDefaults/>
+  <a:extraClrSchemeLst/>
+  <a:extLst>
+    <a:ext uri="{05A4C25C-085E-4340-85A3-A5531E510DB2}">
+      <thm15:themeFamily xmlns:thm15="http://schemas.microsoft.com/office/thememl/2012/main" name="Office Theme" id="{62F939B6-93AF-4DB8-9C6B-D6C7DFDC589F}" vid="{4A3C46E8-61CC-4603-A589-7422A47A8E4A}"/>
+    </a:ext>
+  </a:extLst>
+</a:theme>
 </file>